--- a/УП-Презентация.pptx
+++ b/УП-Презентация.pptx
@@ -9,12 +9,13 @@
     <p:sldId id="257" r:id="rId3"/>
     <p:sldId id="258" r:id="rId4"/>
     <p:sldId id="260" r:id="rId5"/>
-    <p:sldId id="261" r:id="rId6"/>
-    <p:sldId id="262" r:id="rId7"/>
-    <p:sldId id="270" r:id="rId8"/>
-    <p:sldId id="266" r:id="rId9"/>
-    <p:sldId id="269" r:id="rId10"/>
-    <p:sldId id="264" r:id="rId11"/>
+    <p:sldId id="271" r:id="rId6"/>
+    <p:sldId id="261" r:id="rId7"/>
+    <p:sldId id="262" r:id="rId8"/>
+    <p:sldId id="270" r:id="rId9"/>
+    <p:sldId id="266" r:id="rId10"/>
+    <p:sldId id="269" r:id="rId11"/>
+    <p:sldId id="264" r:id="rId12"/>
   </p:sldIdLst>
   <p:sldSz cx="9144000" cy="6858000" type="screen4x3"/>
   <p:notesSz cx="6797675" cy="9926638"/>
@@ -142,8 +143,8 @@
 <pc:chgInfo xmlns:a="http://schemas.openxmlformats.org/drawingml/2006/main" xmlns:r="http://schemas.openxmlformats.org/officeDocument/2006/relationships" xmlns:ac="http://schemas.microsoft.com/office/drawing/2013/main/command" xmlns:pc="http://schemas.microsoft.com/office/powerpoint/2013/main/command">
   <pc:docChgLst>
     <pc:chgData name="Максим Мясников" userId="eb1110bc54b184a5" providerId="LiveId" clId="{A2428F48-EFAB-4F7A-AA4A-4DF7BB9402D9}"/>
-    <pc:docChg chg="undo custSel modSld">
-      <pc:chgData name="Максим Мясников" userId="eb1110bc54b184a5" providerId="LiveId" clId="{A2428F48-EFAB-4F7A-AA4A-4DF7BB9402D9}" dt="2021-12-05T16:50:36.746" v="561"/>
+    <pc:docChg chg="undo redo custSel addSld modSld">
+      <pc:chgData name="Максим Мясников" userId="eb1110bc54b184a5" providerId="LiveId" clId="{A2428F48-EFAB-4F7A-AA4A-4DF7BB9402D9}" dt="2021-12-12T13:19:14.478" v="1552" actId="20577"/>
       <pc:docMkLst>
         <pc:docMk/>
       </pc:docMkLst>
@@ -216,14 +217,46 @@
           </ac:graphicFrameMkLst>
         </pc:graphicFrameChg>
       </pc:sldChg>
-      <pc:sldChg chg="modSp mod">
-        <pc:chgData name="Максим Мясников" userId="eb1110bc54b184a5" providerId="LiveId" clId="{A2428F48-EFAB-4F7A-AA4A-4DF7BB9402D9}" dt="2021-12-05T16:50:16.178" v="557"/>
+      <pc:sldChg chg="addSp delSp modSp mod">
+        <pc:chgData name="Максим Мясников" userId="eb1110bc54b184a5" providerId="LiveId" clId="{A2428F48-EFAB-4F7A-AA4A-4DF7BB9402D9}" dt="2021-12-12T13:12:45.562" v="1445" actId="255"/>
         <pc:sldMkLst>
           <pc:docMk/>
           <pc:sldMk cId="0" sldId="260"/>
         </pc:sldMkLst>
-        <pc:graphicFrameChg chg="mod">
-          <ac:chgData name="Максим Мясников" userId="eb1110bc54b184a5" providerId="LiveId" clId="{A2428F48-EFAB-4F7A-AA4A-4DF7BB9402D9}" dt="2021-12-05T16:50:16.178" v="557"/>
+        <pc:spChg chg="mod">
+          <ac:chgData name="Максим Мясников" userId="eb1110bc54b184a5" providerId="LiveId" clId="{A2428F48-EFAB-4F7A-AA4A-4DF7BB9402D9}" dt="2021-12-12T12:46:24.299" v="563" actId="6549"/>
+          <ac:spMkLst>
+            <pc:docMk/>
+            <pc:sldMk cId="0" sldId="260"/>
+            <ac:spMk id="10" creationId="{00000000-0000-0000-0000-000000000000}"/>
+          </ac:spMkLst>
+        </pc:spChg>
+        <pc:spChg chg="del">
+          <ac:chgData name="Максим Мясников" userId="eb1110bc54b184a5" providerId="LiveId" clId="{A2428F48-EFAB-4F7A-AA4A-4DF7BB9402D9}" dt="2021-12-12T12:46:43.066" v="570" actId="478"/>
+          <ac:spMkLst>
+            <pc:docMk/>
+            <pc:sldMk cId="0" sldId="260"/>
+            <ac:spMk id="12" creationId="{00000000-0000-0000-0000-000000000000}"/>
+          </ac:spMkLst>
+        </pc:spChg>
+        <pc:spChg chg="add del mod">
+          <ac:chgData name="Максим Мясников" userId="eb1110bc54b184a5" providerId="LiveId" clId="{A2428F48-EFAB-4F7A-AA4A-4DF7BB9402D9}" dt="2021-12-12T12:52:15.390" v="821" actId="1035"/>
+          <ac:spMkLst>
+            <pc:docMk/>
+            <pc:sldMk cId="0" sldId="260"/>
+            <ac:spMk id="13" creationId="{00000000-0000-0000-0000-000000000000}"/>
+          </ac:spMkLst>
+        </pc:spChg>
+        <pc:spChg chg="add del mod">
+          <ac:chgData name="Максим Мясников" userId="eb1110bc54b184a5" providerId="LiveId" clId="{A2428F48-EFAB-4F7A-AA4A-4DF7BB9402D9}" dt="2021-12-12T13:09:36.246" v="1285" actId="20577"/>
+          <ac:spMkLst>
+            <pc:docMk/>
+            <pc:sldMk cId="0" sldId="260"/>
+            <ac:spMk id="14" creationId="{00000000-0000-0000-0000-000000000000}"/>
+          </ac:spMkLst>
+        </pc:spChg>
+        <pc:graphicFrameChg chg="mod modGraphic">
+          <ac:chgData name="Максим Мясников" userId="eb1110bc54b184a5" providerId="LiveId" clId="{A2428F48-EFAB-4F7A-AA4A-4DF7BB9402D9}" dt="2021-12-12T12:56:32.032" v="948" actId="20577"/>
           <ac:graphicFrameMkLst>
             <pc:docMk/>
             <pc:sldMk cId="0" sldId="260"/>
@@ -231,15 +264,15 @@
           </ac:graphicFrameMkLst>
         </pc:graphicFrameChg>
         <pc:graphicFrameChg chg="mod modGraphic">
-          <ac:chgData name="Максим Мясников" userId="eb1110bc54b184a5" providerId="LiveId" clId="{A2428F48-EFAB-4F7A-AA4A-4DF7BB9402D9}" dt="2021-12-05T11:25:53.477" v="539" actId="20577"/>
+          <ac:chgData name="Максим Мясников" userId="eb1110bc54b184a5" providerId="LiveId" clId="{A2428F48-EFAB-4F7A-AA4A-4DF7BB9402D9}" dt="2021-12-12T13:12:45.562" v="1445" actId="255"/>
           <ac:graphicFrameMkLst>
             <pc:docMk/>
             <pc:sldMk cId="0" sldId="260"/>
             <ac:graphicFrameMk id="9" creationId="{00000000-0000-0000-0000-000000000000}"/>
           </ac:graphicFrameMkLst>
         </pc:graphicFrameChg>
-        <pc:graphicFrameChg chg="modGraphic">
-          <ac:chgData name="Максим Мясников" userId="eb1110bc54b184a5" providerId="LiveId" clId="{A2428F48-EFAB-4F7A-AA4A-4DF7BB9402D9}" dt="2021-12-05T11:04:49.029" v="517" actId="20577"/>
+        <pc:graphicFrameChg chg="del modGraphic">
+          <ac:chgData name="Максим Мясников" userId="eb1110bc54b184a5" providerId="LiveId" clId="{A2428F48-EFAB-4F7A-AA4A-4DF7BB9402D9}" dt="2021-12-12T12:46:32.878" v="565" actId="478"/>
           <ac:graphicFrameMkLst>
             <pc:docMk/>
             <pc:sldMk cId="0" sldId="260"/>
@@ -247,20 +280,35 @@
           </ac:graphicFrameMkLst>
         </pc:graphicFrameChg>
       </pc:sldChg>
-      <pc:sldChg chg="modSp">
-        <pc:chgData name="Максим Мясников" userId="eb1110bc54b184a5" providerId="LiveId" clId="{A2428F48-EFAB-4F7A-AA4A-4DF7BB9402D9}" dt="2021-12-05T16:50:21.417" v="558"/>
+      <pc:sldChg chg="modSp mod">
+        <pc:chgData name="Максим Мясников" userId="eb1110bc54b184a5" providerId="LiveId" clId="{A2428F48-EFAB-4F7A-AA4A-4DF7BB9402D9}" dt="2021-12-12T12:56:38.370" v="950" actId="20577"/>
         <pc:sldMkLst>
           <pc:docMk/>
           <pc:sldMk cId="0" sldId="261"/>
         </pc:sldMkLst>
-        <pc:graphicFrameChg chg="mod">
-          <ac:chgData name="Максим Мясников" userId="eb1110bc54b184a5" providerId="LiveId" clId="{A2428F48-EFAB-4F7A-AA4A-4DF7BB9402D9}" dt="2021-12-05T16:50:21.417" v="558"/>
+        <pc:graphicFrameChg chg="mod modGraphic">
+          <ac:chgData name="Максим Мясников" userId="eb1110bc54b184a5" providerId="LiveId" clId="{A2428F48-EFAB-4F7A-AA4A-4DF7BB9402D9}" dt="2021-12-12T12:56:38.370" v="950" actId="20577"/>
           <ac:graphicFrameMkLst>
             <pc:docMk/>
             <pc:sldMk cId="0" sldId="261"/>
             <ac:graphicFrameMk id="7" creationId="{00000000-0000-0000-0000-000000000000}"/>
           </ac:graphicFrameMkLst>
         </pc:graphicFrameChg>
+      </pc:sldChg>
+      <pc:sldChg chg="modSp mod">
+        <pc:chgData name="Максим Мясников" userId="eb1110bc54b184a5" providerId="LiveId" clId="{A2428F48-EFAB-4F7A-AA4A-4DF7BB9402D9}" dt="2021-12-12T12:58:24.083" v="1009" actId="20577"/>
+        <pc:sldMkLst>
+          <pc:docMk/>
+          <pc:sldMk cId="0" sldId="262"/>
+        </pc:sldMkLst>
+        <pc:spChg chg="mod">
+          <ac:chgData name="Максим Мясников" userId="eb1110bc54b184a5" providerId="LiveId" clId="{A2428F48-EFAB-4F7A-AA4A-4DF7BB9402D9}" dt="2021-12-12T12:58:24.083" v="1009" actId="20577"/>
+          <ac:spMkLst>
+            <pc:docMk/>
+            <pc:sldMk cId="0" sldId="262"/>
+            <ac:spMk id="89" creationId="{00000000-0000-0000-0000-000000000000}"/>
+          </ac:spMkLst>
+        </pc:spChg>
       </pc:sldChg>
       <pc:sldChg chg="addSp delSp modSp mod">
         <pc:chgData name="Максим Мясников" userId="eb1110bc54b184a5" providerId="LiveId" clId="{A2428F48-EFAB-4F7A-AA4A-4DF7BB9402D9}" dt="2021-12-05T16:50:36.746" v="561"/>
@@ -312,6 +360,93 @@
             <pc:docMk/>
             <pc:sldMk cId="0" sldId="269"/>
             <ac:graphicFrameMk id="6" creationId="{00000000-0000-0000-0000-000000000000}"/>
+          </ac:graphicFrameMkLst>
+        </pc:graphicFrameChg>
+      </pc:sldChg>
+      <pc:sldChg chg="addSp delSp modSp add mod">
+        <pc:chgData name="Максим Мясников" userId="eb1110bc54b184a5" providerId="LiveId" clId="{A2428F48-EFAB-4F7A-AA4A-4DF7BB9402D9}" dt="2021-12-12T13:19:14.478" v="1552" actId="20577"/>
+        <pc:sldMkLst>
+          <pc:docMk/>
+          <pc:sldMk cId="2829726656" sldId="271"/>
+        </pc:sldMkLst>
+        <pc:spChg chg="mod">
+          <ac:chgData name="Максим Мясников" userId="eb1110bc54b184a5" providerId="LiveId" clId="{A2428F48-EFAB-4F7A-AA4A-4DF7BB9402D9}" dt="2021-12-12T12:46:27.877" v="564" actId="6549"/>
+          <ac:spMkLst>
+            <pc:docMk/>
+            <pc:sldMk cId="2829726656" sldId="271"/>
+            <ac:spMk id="10" creationId="{00000000-0000-0000-0000-000000000000}"/>
+          </ac:spMkLst>
+        </pc:spChg>
+        <pc:spChg chg="del">
+          <ac:chgData name="Максим Мясников" userId="eb1110bc54b184a5" providerId="LiveId" clId="{A2428F48-EFAB-4F7A-AA4A-4DF7BB9402D9}" dt="2021-12-12T12:59:06.119" v="1010" actId="478"/>
+          <ac:spMkLst>
+            <pc:docMk/>
+            <pc:sldMk cId="2829726656" sldId="271"/>
+            <ac:spMk id="12" creationId="{00000000-0000-0000-0000-000000000000}"/>
+          </ac:spMkLst>
+        </pc:spChg>
+        <pc:spChg chg="del">
+          <ac:chgData name="Максим Мясников" userId="eb1110bc54b184a5" providerId="LiveId" clId="{A2428F48-EFAB-4F7A-AA4A-4DF7BB9402D9}" dt="2021-12-12T13:09:43.389" v="1286" actId="478"/>
+          <ac:spMkLst>
+            <pc:docMk/>
+            <pc:sldMk cId="2829726656" sldId="271"/>
+            <ac:spMk id="13" creationId="{00000000-0000-0000-0000-000000000000}"/>
+          </ac:spMkLst>
+        </pc:spChg>
+        <pc:spChg chg="mod">
+          <ac:chgData name="Максим Мясников" userId="eb1110bc54b184a5" providerId="LiveId" clId="{A2428F48-EFAB-4F7A-AA4A-4DF7BB9402D9}" dt="2021-12-12T13:19:14.478" v="1552" actId="20577"/>
+          <ac:spMkLst>
+            <pc:docMk/>
+            <pc:sldMk cId="2829726656" sldId="271"/>
+            <ac:spMk id="14" creationId="{00000000-0000-0000-0000-000000000000}"/>
+          </ac:spMkLst>
+        </pc:spChg>
+        <pc:spChg chg="add mod">
+          <ac:chgData name="Максим Мясников" userId="eb1110bc54b184a5" providerId="LiveId" clId="{A2428F48-EFAB-4F7A-AA4A-4DF7BB9402D9}" dt="2021-12-12T13:09:44.520" v="1287"/>
+          <ac:spMkLst>
+            <pc:docMk/>
+            <pc:sldMk cId="2829726656" sldId="271"/>
+            <ac:spMk id="17" creationId="{4FCA7011-0A55-4B99-B620-C867CF65B469}"/>
+          </ac:spMkLst>
+        </pc:spChg>
+        <pc:graphicFrameChg chg="modGraphic">
+          <ac:chgData name="Максим Мясников" userId="eb1110bc54b184a5" providerId="LiveId" clId="{A2428F48-EFAB-4F7A-AA4A-4DF7BB9402D9}" dt="2021-12-12T12:56:34.778" v="949" actId="20577"/>
+          <ac:graphicFrameMkLst>
+            <pc:docMk/>
+            <pc:sldMk cId="2829726656" sldId="271"/>
+            <ac:graphicFrameMk id="6" creationId="{00000000-0000-0000-0000-000000000000}"/>
+          </ac:graphicFrameMkLst>
+        </pc:graphicFrameChg>
+        <pc:graphicFrameChg chg="add del mod modGraphic">
+          <ac:chgData name="Максим Мясников" userId="eb1110bc54b184a5" providerId="LiveId" clId="{A2428F48-EFAB-4F7A-AA4A-4DF7BB9402D9}" dt="2021-12-12T12:59:07.914" v="1011" actId="478"/>
+          <ac:graphicFrameMkLst>
+            <pc:docMk/>
+            <pc:sldMk cId="2829726656" sldId="271"/>
+            <ac:graphicFrameMk id="9" creationId="{00000000-0000-0000-0000-000000000000}"/>
+          </ac:graphicFrameMkLst>
+        </pc:graphicFrameChg>
+        <pc:graphicFrameChg chg="mod ord modGraphic">
+          <ac:chgData name="Максим Мясников" userId="eb1110bc54b184a5" providerId="LiveId" clId="{A2428F48-EFAB-4F7A-AA4A-4DF7BB9402D9}" dt="2021-12-12T13:13:56.870" v="1529" actId="20577"/>
+          <ac:graphicFrameMkLst>
+            <pc:docMk/>
+            <pc:sldMk cId="2829726656" sldId="271"/>
+            <ac:graphicFrameMk id="11" creationId="{00000000-0000-0000-0000-000000000000}"/>
+          </ac:graphicFrameMkLst>
+        </pc:graphicFrameChg>
+        <pc:graphicFrameChg chg="add del mod modGraphic">
+          <ac:chgData name="Максим Мясников" userId="eb1110bc54b184a5" providerId="LiveId" clId="{A2428F48-EFAB-4F7A-AA4A-4DF7BB9402D9}" dt="2021-12-12T12:58:03.281" v="1007"/>
+          <ac:graphicFrameMkLst>
+            <pc:docMk/>
+            <pc:sldMk cId="2829726656" sldId="271"/>
+            <ac:graphicFrameMk id="15" creationId="{BB01221C-895A-45F1-80BD-EFC5EEF455A1}"/>
+          </ac:graphicFrameMkLst>
+        </pc:graphicFrameChg>
+        <pc:graphicFrameChg chg="add del mod">
+          <ac:chgData name="Максим Мясников" userId="eb1110bc54b184a5" providerId="LiveId" clId="{A2428F48-EFAB-4F7A-AA4A-4DF7BB9402D9}" dt="2021-12-12T13:00:06.387" v="1019" actId="478"/>
+          <ac:graphicFrameMkLst>
+            <pc:docMk/>
+            <pc:sldMk cId="2829726656" sldId="271"/>
+            <ac:graphicFrameMk id="16" creationId="{86266CE5-49EC-4DC3-AFE9-5E17A960C421}"/>
           </ac:graphicFrameMkLst>
         </pc:graphicFrameChg>
       </pc:sldChg>
@@ -500,7 +635,7 @@
             <a:fld id="{D3F45E69-51FF-4017-B855-FA6AEE2AB1D5}" type="datetimeFigureOut">
               <a:rPr lang="ru-RU" smtClean="0"/>
               <a:pPr/>
-              <a:t>05.12.2021</a:t>
+              <a:t>12.12.2021</a:t>
             </a:fld>
             <a:endParaRPr lang="ru-RU"/>
           </a:p>
@@ -665,7 +800,7 @@
             <a:fld id="{D3F45E69-51FF-4017-B855-FA6AEE2AB1D5}" type="datetimeFigureOut">
               <a:rPr lang="ru-RU" smtClean="0"/>
               <a:pPr/>
-              <a:t>05.12.2021</a:t>
+              <a:t>12.12.2021</a:t>
             </a:fld>
             <a:endParaRPr lang="ru-RU"/>
           </a:p>
@@ -840,7 +975,7 @@
             <a:fld id="{D3F45E69-51FF-4017-B855-FA6AEE2AB1D5}" type="datetimeFigureOut">
               <a:rPr lang="ru-RU" smtClean="0"/>
               <a:pPr/>
-              <a:t>05.12.2021</a:t>
+              <a:t>12.12.2021</a:t>
             </a:fld>
             <a:endParaRPr lang="ru-RU"/>
           </a:p>
@@ -1005,7 +1140,7 @@
             <a:fld id="{D3F45E69-51FF-4017-B855-FA6AEE2AB1D5}" type="datetimeFigureOut">
               <a:rPr lang="ru-RU" smtClean="0"/>
               <a:pPr/>
-              <a:t>05.12.2021</a:t>
+              <a:t>12.12.2021</a:t>
             </a:fld>
             <a:endParaRPr lang="ru-RU"/>
           </a:p>
@@ -1247,7 +1382,7 @@
             <a:fld id="{D3F45E69-51FF-4017-B855-FA6AEE2AB1D5}" type="datetimeFigureOut">
               <a:rPr lang="ru-RU" smtClean="0"/>
               <a:pPr/>
-              <a:t>05.12.2021</a:t>
+              <a:t>12.12.2021</a:t>
             </a:fld>
             <a:endParaRPr lang="ru-RU"/>
           </a:p>
@@ -1529,7 +1664,7 @@
             <a:fld id="{D3F45E69-51FF-4017-B855-FA6AEE2AB1D5}" type="datetimeFigureOut">
               <a:rPr lang="ru-RU" smtClean="0"/>
               <a:pPr/>
-              <a:t>05.12.2021</a:t>
+              <a:t>12.12.2021</a:t>
             </a:fld>
             <a:endParaRPr lang="ru-RU"/>
           </a:p>
@@ -1945,7 +2080,7 @@
             <a:fld id="{D3F45E69-51FF-4017-B855-FA6AEE2AB1D5}" type="datetimeFigureOut">
               <a:rPr lang="ru-RU" smtClean="0"/>
               <a:pPr/>
-              <a:t>05.12.2021</a:t>
+              <a:t>12.12.2021</a:t>
             </a:fld>
             <a:endParaRPr lang="ru-RU"/>
           </a:p>
@@ -2059,7 +2194,7 @@
             <a:fld id="{D3F45E69-51FF-4017-B855-FA6AEE2AB1D5}" type="datetimeFigureOut">
               <a:rPr lang="ru-RU" smtClean="0"/>
               <a:pPr/>
-              <a:t>05.12.2021</a:t>
+              <a:t>12.12.2021</a:t>
             </a:fld>
             <a:endParaRPr lang="ru-RU"/>
           </a:p>
@@ -2151,7 +2286,7 @@
             <a:fld id="{D3F45E69-51FF-4017-B855-FA6AEE2AB1D5}" type="datetimeFigureOut">
               <a:rPr lang="ru-RU" smtClean="0"/>
               <a:pPr/>
-              <a:t>05.12.2021</a:t>
+              <a:t>12.12.2021</a:t>
             </a:fld>
             <a:endParaRPr lang="ru-RU"/>
           </a:p>
@@ -2423,7 +2558,7 @@
             <a:fld id="{D3F45E69-51FF-4017-B855-FA6AEE2AB1D5}" type="datetimeFigureOut">
               <a:rPr lang="ru-RU" smtClean="0"/>
               <a:pPr/>
-              <a:t>05.12.2021</a:t>
+              <a:t>12.12.2021</a:t>
             </a:fld>
             <a:endParaRPr lang="ru-RU"/>
           </a:p>
@@ -2672,7 +2807,7 @@
             <a:fld id="{D3F45E69-51FF-4017-B855-FA6AEE2AB1D5}" type="datetimeFigureOut">
               <a:rPr lang="ru-RU" smtClean="0"/>
               <a:pPr/>
-              <a:t>05.12.2021</a:t>
+              <a:t>12.12.2021</a:t>
             </a:fld>
             <a:endParaRPr lang="ru-RU"/>
           </a:p>
@@ -2880,7 +3015,7 @@
             <a:fld id="{D3F45E69-51FF-4017-B855-FA6AEE2AB1D5}" type="datetimeFigureOut">
               <a:rPr lang="ru-RU" smtClean="0"/>
               <a:pPr/>
-              <a:t>05.12.2021</a:t>
+              <a:t>12.12.2021</a:t>
             </a:fld>
             <a:endParaRPr lang="ru-RU"/>
           </a:p>
@@ -4425,6 +4560,1018 @@
       </p:grpSpPr>
       <p:sp>
         <p:nvSpPr>
+          <p:cNvPr id="4" name="Line 137"/>
+          <p:cNvSpPr>
+            <a:spLocks noChangeShapeType="1"/>
+          </p:cNvSpPr>
+          <p:nvPr/>
+        </p:nvSpPr>
+        <p:spPr bwMode="auto">
+          <a:xfrm>
+            <a:off x="193675" y="188913"/>
+            <a:ext cx="0" cy="6480175"/>
+          </a:xfrm>
+          <a:prstGeom prst="line">
+            <a:avLst/>
+          </a:prstGeom>
+          <a:noFill/>
+          <a:ln w="12700" cap="sq">
+            <a:solidFill>
+              <a:schemeClr val="tx1"/>
+            </a:solidFill>
+            <a:round/>
+            <a:headEnd/>
+            <a:tailEnd/>
+          </a:ln>
+        </p:spPr>
+        <p:txBody>
+          <a:bodyPr/>
+          <a:lstStyle/>
+          <a:p>
+            <a:endParaRPr lang="ru-RU"/>
+          </a:p>
+        </p:txBody>
+      </p:sp>
+      <p:sp>
+        <p:nvSpPr>
+          <p:cNvPr id="5" name="Line 138"/>
+          <p:cNvSpPr>
+            <a:spLocks noChangeShapeType="1"/>
+          </p:cNvSpPr>
+          <p:nvPr/>
+        </p:nvSpPr>
+        <p:spPr bwMode="auto">
+          <a:xfrm>
+            <a:off x="8978900" y="188913"/>
+            <a:ext cx="0" cy="6480175"/>
+          </a:xfrm>
+          <a:prstGeom prst="line">
+            <a:avLst/>
+          </a:prstGeom>
+          <a:noFill/>
+          <a:ln w="12700" cap="sq">
+            <a:solidFill>
+              <a:schemeClr val="tx1"/>
+            </a:solidFill>
+            <a:round/>
+            <a:headEnd/>
+            <a:tailEnd/>
+          </a:ln>
+        </p:spPr>
+        <p:txBody>
+          <a:bodyPr/>
+          <a:lstStyle/>
+          <a:p>
+            <a:endParaRPr lang="ru-RU"/>
+          </a:p>
+        </p:txBody>
+      </p:sp>
+      <p:graphicFrame>
+        <p:nvGraphicFramePr>
+          <p:cNvPr id="6" name="Group 10"/>
+          <p:cNvGraphicFramePr>
+            <a:graphicFrameLocks noGrp="1"/>
+          </p:cNvGraphicFramePr>
+          <p:nvPr>
+            <p:extLst>
+              <p:ext uri="{D42A27DB-BD31-4B8C-83A1-F6EECF244321}">
+                <p14:modId xmlns:p14="http://schemas.microsoft.com/office/powerpoint/2010/main" val="2134691398"/>
+              </p:ext>
+            </p:extLst>
+          </p:nvPr>
+        </p:nvGraphicFramePr>
+        <p:xfrm>
+          <a:off x="6156325" y="6254750"/>
+          <a:ext cx="2822575" cy="412740"/>
+        </p:xfrm>
+        <a:graphic>
+          <a:graphicData uri="http://schemas.openxmlformats.org/drawingml/2006/table">
+            <a:tbl>
+              <a:tblPr/>
+              <a:tblGrid>
+                <a:gridCol w="792163">
+                  <a:extLst>
+                    <a:ext uri="{9D8B030D-6E8A-4147-A177-3AD203B41FA5}">
+                      <a16:colId xmlns:a16="http://schemas.microsoft.com/office/drawing/2014/main" val="20000"/>
+                    </a:ext>
+                  </a:extLst>
+                </a:gridCol>
+                <a:gridCol w="1008062">
+                  <a:extLst>
+                    <a:ext uri="{9D8B030D-6E8A-4147-A177-3AD203B41FA5}">
+                      <a16:colId xmlns:a16="http://schemas.microsoft.com/office/drawing/2014/main" val="20001"/>
+                    </a:ext>
+                  </a:extLst>
+                </a:gridCol>
+                <a:gridCol w="649288">
+                  <a:extLst>
+                    <a:ext uri="{9D8B030D-6E8A-4147-A177-3AD203B41FA5}">
+                      <a16:colId xmlns:a16="http://schemas.microsoft.com/office/drawing/2014/main" val="20002"/>
+                    </a:ext>
+                  </a:extLst>
+                </a:gridCol>
+                <a:gridCol w="373062">
+                  <a:extLst>
+                    <a:ext uri="{9D8B030D-6E8A-4147-A177-3AD203B41FA5}">
+                      <a16:colId xmlns:a16="http://schemas.microsoft.com/office/drawing/2014/main" val="20003"/>
+                    </a:ext>
+                  </a:extLst>
+                </a:gridCol>
+              </a:tblGrid>
+              <a:tr h="0">
+                <a:tc>
+                  <a:txBody>
+                    <a:bodyPr/>
+                    <a:lstStyle/>
+                    <a:p>
+                      <a:pPr marL="0" marR="0" lvl="0" indent="0" algn="l" defTabSz="914400" rtl="0" eaLnBrk="1" fontAlgn="base" latinLnBrk="0" hangingPunct="1">
+                        <a:lnSpc>
+                          <a:spcPct val="100000"/>
+                        </a:lnSpc>
+                        <a:spcBef>
+                          <a:spcPct val="0"/>
+                        </a:spcBef>
+                        <a:spcAft>
+                          <a:spcPct val="0"/>
+                        </a:spcAft>
+                        <a:buClrTx/>
+                        <a:buSzTx/>
+                        <a:buFontTx/>
+                        <a:buNone/>
+                        <a:tabLst/>
+                      </a:pPr>
+                      <a:r>
+                        <a:rPr kumimoji="0" lang="ru-RU" sz="1000" b="0" i="0" u="none" strike="noStrike" cap="none" normalizeH="0" baseline="0" dirty="0">
+                          <a:ln>
+                            <a:noFill/>
+                          </a:ln>
+                          <a:solidFill>
+                            <a:schemeClr val="tx1"/>
+                          </a:solidFill>
+                          <a:effectLst/>
+                          <a:latin typeface="Times New Roman" pitchFamily="18" charset="0"/>
+                          <a:cs typeface="Times New Roman" pitchFamily="18" charset="0"/>
+                        </a:rPr>
+                        <a:t>Разработал</a:t>
+                      </a:r>
+                      <a:endParaRPr kumimoji="0" lang="ru-RU" sz="1000" b="0" i="0" u="none" strike="noStrike" cap="none" normalizeH="0" baseline="0" dirty="0">
+                        <a:ln>
+                          <a:noFill/>
+                        </a:ln>
+                        <a:solidFill>
+                          <a:schemeClr val="tx1"/>
+                        </a:solidFill>
+                        <a:effectLst/>
+                        <a:latin typeface="Arial" charset="0"/>
+                      </a:endParaRPr>
+                    </a:p>
+                  </a:txBody>
+                  <a:tcPr marL="71962" marR="71962" marT="17991" marB="35979" horzOverflow="overflow">
+                    <a:lnL w="12700" cap="flat" cmpd="sng" algn="ctr">
+                      <a:solidFill>
+                        <a:srgbClr val="000000"/>
+                      </a:solidFill>
+                      <a:prstDash val="solid"/>
+                      <a:round/>
+                      <a:headEnd type="none" w="med" len="med"/>
+                      <a:tailEnd type="none" w="med" len="med"/>
+                    </a:lnL>
+                    <a:lnR w="12700" cap="flat" cmpd="sng" algn="ctr">
+                      <a:solidFill>
+                        <a:srgbClr val="000000"/>
+                      </a:solidFill>
+                      <a:prstDash val="solid"/>
+                      <a:round/>
+                      <a:headEnd type="none" w="med" len="med"/>
+                      <a:tailEnd type="none" w="med" len="med"/>
+                    </a:lnR>
+                    <a:lnT w="12700" cap="flat" cmpd="sng" algn="ctr">
+                      <a:solidFill>
+                        <a:srgbClr val="000000"/>
+                      </a:solidFill>
+                      <a:prstDash val="solid"/>
+                      <a:round/>
+                      <a:headEnd type="none" w="med" len="med"/>
+                      <a:tailEnd type="none" w="med" len="med"/>
+                    </a:lnT>
+                    <a:lnB w="12700" cap="flat" cmpd="sng" algn="ctr">
+                      <a:solidFill>
+                        <a:srgbClr val="000000"/>
+                      </a:solidFill>
+                      <a:prstDash val="solid"/>
+                      <a:round/>
+                      <a:headEnd type="none" w="med" len="med"/>
+                      <a:tailEnd type="none" w="med" len="med"/>
+                    </a:lnB>
+                    <a:lnTlToBr>
+                      <a:noFill/>
+                    </a:lnTlToBr>
+                    <a:lnBlToTr>
+                      <a:noFill/>
+                    </a:lnBlToTr>
+                    <a:noFill/>
+                  </a:tcPr>
+                </a:tc>
+                <a:tc>
+                  <a:txBody>
+                    <a:bodyPr/>
+                    <a:lstStyle/>
+                    <a:p>
+                      <a:pPr marL="0" marR="0" lvl="0" indent="0" algn="l" defTabSz="914400" rtl="0" eaLnBrk="1" fontAlgn="base" latinLnBrk="0" hangingPunct="1">
+                        <a:lnSpc>
+                          <a:spcPct val="100000"/>
+                        </a:lnSpc>
+                        <a:spcBef>
+                          <a:spcPct val="0"/>
+                        </a:spcBef>
+                        <a:spcAft>
+                          <a:spcPct val="0"/>
+                        </a:spcAft>
+                        <a:buClrTx/>
+                        <a:buSzTx/>
+                        <a:buFontTx/>
+                        <a:buNone/>
+                        <a:tabLst/>
+                      </a:pPr>
+                      <a:r>
+                        <a:rPr kumimoji="0" lang="ru-RU" sz="1000" b="0" i="0" u="none" strike="noStrike" cap="none" normalizeH="0" baseline="0" dirty="0">
+                          <a:ln>
+                            <a:noFill/>
+                          </a:ln>
+                          <a:solidFill>
+                            <a:schemeClr val="tx1"/>
+                          </a:solidFill>
+                          <a:effectLst/>
+                          <a:latin typeface="Times New Roman" pitchFamily="18" charset="0"/>
+                          <a:cs typeface="Times New Roman" pitchFamily="18" charset="0"/>
+                        </a:rPr>
+                        <a:t>Мясников М.А.</a:t>
+                      </a:r>
+                    </a:p>
+                  </a:txBody>
+                  <a:tcPr marL="71962" marR="71962" marT="17991" marB="35979" horzOverflow="overflow">
+                    <a:lnL w="12700" cap="flat" cmpd="sng" algn="ctr">
+                      <a:solidFill>
+                        <a:srgbClr val="000000"/>
+                      </a:solidFill>
+                      <a:prstDash val="solid"/>
+                      <a:round/>
+                      <a:headEnd type="none" w="med" len="med"/>
+                      <a:tailEnd type="none" w="med" len="med"/>
+                    </a:lnL>
+                    <a:lnR w="12700" cap="flat" cmpd="sng" algn="ctr">
+                      <a:solidFill>
+                        <a:srgbClr val="000000"/>
+                      </a:solidFill>
+                      <a:prstDash val="solid"/>
+                      <a:round/>
+                      <a:headEnd type="none" w="med" len="med"/>
+                      <a:tailEnd type="none" w="med" len="med"/>
+                    </a:lnR>
+                    <a:lnT w="12700" cap="flat" cmpd="sng" algn="ctr">
+                      <a:solidFill>
+                        <a:srgbClr val="000000"/>
+                      </a:solidFill>
+                      <a:prstDash val="solid"/>
+                      <a:round/>
+                      <a:headEnd type="none" w="med" len="med"/>
+                      <a:tailEnd type="none" w="med" len="med"/>
+                    </a:lnT>
+                    <a:lnB w="12700" cap="flat" cmpd="sng" algn="ctr">
+                      <a:solidFill>
+                        <a:srgbClr val="000000"/>
+                      </a:solidFill>
+                      <a:prstDash val="solid"/>
+                      <a:round/>
+                      <a:headEnd type="none" w="med" len="med"/>
+                      <a:tailEnd type="none" w="med" len="med"/>
+                    </a:lnB>
+                    <a:lnTlToBr>
+                      <a:noFill/>
+                    </a:lnTlToBr>
+                    <a:lnBlToTr>
+                      <a:noFill/>
+                    </a:lnBlToTr>
+                    <a:noFill/>
+                  </a:tcPr>
+                </a:tc>
+                <a:tc>
+                  <a:txBody>
+                    <a:bodyPr/>
+                    <a:lstStyle/>
+                    <a:p>
+                      <a:pPr marL="0" marR="0" lvl="0" indent="0" algn="l" defTabSz="914400" rtl="0" eaLnBrk="1" fontAlgn="base" latinLnBrk="0" hangingPunct="1">
+                        <a:lnSpc>
+                          <a:spcPct val="100000"/>
+                        </a:lnSpc>
+                        <a:spcBef>
+                          <a:spcPct val="20000"/>
+                        </a:spcBef>
+                        <a:spcAft>
+                          <a:spcPct val="0"/>
+                        </a:spcAft>
+                        <a:buClrTx/>
+                        <a:buSzTx/>
+                        <a:buFontTx/>
+                        <a:buNone/>
+                        <a:tabLst/>
+                      </a:pPr>
+                      <a:endParaRPr kumimoji="0" lang="ru-RU" sz="1000" b="0" i="0" u="none" strike="noStrike" cap="none" normalizeH="0" baseline="0">
+                        <a:ln>
+                          <a:noFill/>
+                        </a:ln>
+                        <a:solidFill>
+                          <a:schemeClr val="tx1"/>
+                        </a:solidFill>
+                        <a:effectLst/>
+                        <a:latin typeface="Arial" charset="0"/>
+                      </a:endParaRPr>
+                    </a:p>
+                  </a:txBody>
+                  <a:tcPr marL="71962" marR="71962" marT="17991" marB="35979" horzOverflow="overflow">
+                    <a:lnL w="12700" cap="flat" cmpd="sng" algn="ctr">
+                      <a:solidFill>
+                        <a:srgbClr val="000000"/>
+                      </a:solidFill>
+                      <a:prstDash val="solid"/>
+                      <a:round/>
+                      <a:headEnd type="none" w="med" len="med"/>
+                      <a:tailEnd type="none" w="med" len="med"/>
+                    </a:lnL>
+                    <a:lnR w="12700" cap="flat" cmpd="sng" algn="ctr">
+                      <a:solidFill>
+                        <a:srgbClr val="000000"/>
+                      </a:solidFill>
+                      <a:prstDash val="solid"/>
+                      <a:round/>
+                      <a:headEnd type="none" w="med" len="med"/>
+                      <a:tailEnd type="none" w="med" len="med"/>
+                    </a:lnR>
+                    <a:lnT w="12700" cap="flat" cmpd="sng" algn="ctr">
+                      <a:solidFill>
+                        <a:srgbClr val="000000"/>
+                      </a:solidFill>
+                      <a:prstDash val="solid"/>
+                      <a:round/>
+                      <a:headEnd type="none" w="med" len="med"/>
+                      <a:tailEnd type="none" w="med" len="med"/>
+                    </a:lnT>
+                    <a:lnB w="12700" cap="flat" cmpd="sng" algn="ctr">
+                      <a:solidFill>
+                        <a:srgbClr val="000000"/>
+                      </a:solidFill>
+                      <a:prstDash val="solid"/>
+                      <a:round/>
+                      <a:headEnd type="none" w="med" len="med"/>
+                      <a:tailEnd type="none" w="med" len="med"/>
+                    </a:lnB>
+                    <a:lnTlToBr>
+                      <a:noFill/>
+                    </a:lnTlToBr>
+                    <a:lnBlToTr>
+                      <a:noFill/>
+                    </a:lnBlToTr>
+                    <a:noFill/>
+                  </a:tcPr>
+                </a:tc>
+                <a:tc>
+                  <a:txBody>
+                    <a:bodyPr/>
+                    <a:lstStyle/>
+                    <a:p>
+                      <a:pPr marL="0" marR="0" lvl="0" indent="0" algn="l" defTabSz="914400" rtl="0" eaLnBrk="1" fontAlgn="base" latinLnBrk="0" hangingPunct="1">
+                        <a:lnSpc>
+                          <a:spcPct val="100000"/>
+                        </a:lnSpc>
+                        <a:spcBef>
+                          <a:spcPct val="20000"/>
+                        </a:spcBef>
+                        <a:spcAft>
+                          <a:spcPct val="0"/>
+                        </a:spcAft>
+                        <a:buClrTx/>
+                        <a:buSzTx/>
+                        <a:buFontTx/>
+                        <a:buNone/>
+                        <a:tabLst/>
+                      </a:pPr>
+                      <a:endParaRPr kumimoji="0" lang="ru-RU" sz="1000" b="0" i="0" u="none" strike="noStrike" cap="none" normalizeH="0" baseline="0" dirty="0">
+                        <a:ln>
+                          <a:noFill/>
+                        </a:ln>
+                        <a:solidFill>
+                          <a:schemeClr val="tx1"/>
+                        </a:solidFill>
+                        <a:effectLst/>
+                        <a:latin typeface="Times New Roman" pitchFamily="18" charset="0"/>
+                      </a:endParaRPr>
+                    </a:p>
+                  </a:txBody>
+                  <a:tcPr marL="71962" marR="71962" marT="17991" marB="35979" horzOverflow="overflow">
+                    <a:lnL w="12700" cap="flat" cmpd="sng" algn="ctr">
+                      <a:solidFill>
+                        <a:srgbClr val="000000"/>
+                      </a:solidFill>
+                      <a:prstDash val="solid"/>
+                      <a:round/>
+                      <a:headEnd type="none" w="med" len="med"/>
+                      <a:tailEnd type="none" w="med" len="med"/>
+                    </a:lnL>
+                    <a:lnR w="12700" cap="flat" cmpd="sng" algn="ctr">
+                      <a:solidFill>
+                        <a:srgbClr val="000000"/>
+                      </a:solidFill>
+                      <a:prstDash val="solid"/>
+                      <a:round/>
+                      <a:headEnd type="none" w="med" len="med"/>
+                      <a:tailEnd type="none" w="med" len="med"/>
+                    </a:lnR>
+                    <a:lnT w="12700" cap="flat" cmpd="sng" algn="ctr">
+                      <a:solidFill>
+                        <a:srgbClr val="000000"/>
+                      </a:solidFill>
+                      <a:prstDash val="solid"/>
+                      <a:round/>
+                      <a:headEnd type="none" w="med" len="med"/>
+                      <a:tailEnd type="none" w="med" len="med"/>
+                    </a:lnT>
+                    <a:lnB w="12700" cap="flat" cmpd="sng" algn="ctr">
+                      <a:solidFill>
+                        <a:srgbClr val="000000"/>
+                      </a:solidFill>
+                      <a:prstDash val="solid"/>
+                      <a:round/>
+                      <a:headEnd type="none" w="med" len="med"/>
+                      <a:tailEnd type="none" w="med" len="med"/>
+                    </a:lnB>
+                    <a:lnTlToBr>
+                      <a:noFill/>
+                    </a:lnTlToBr>
+                    <a:lnBlToTr>
+                      <a:noFill/>
+                    </a:lnBlToTr>
+                    <a:noFill/>
+                  </a:tcPr>
+                </a:tc>
+                <a:extLst>
+                  <a:ext uri="{0D108BD9-81ED-4DB2-BD59-A6C34878D82A}">
+                    <a16:rowId xmlns:a16="http://schemas.microsoft.com/office/drawing/2014/main" val="10000"/>
+                  </a:ext>
+                </a:extLst>
+              </a:tr>
+              <a:tr h="0">
+                <a:tc>
+                  <a:txBody>
+                    <a:bodyPr/>
+                    <a:lstStyle/>
+                    <a:p>
+                      <a:pPr marL="0" marR="0" lvl="0" indent="0" algn="l" defTabSz="914400" rtl="0" eaLnBrk="1" fontAlgn="base" latinLnBrk="0" hangingPunct="1">
+                        <a:lnSpc>
+                          <a:spcPct val="100000"/>
+                        </a:lnSpc>
+                        <a:spcBef>
+                          <a:spcPct val="0"/>
+                        </a:spcBef>
+                        <a:spcAft>
+                          <a:spcPct val="0"/>
+                        </a:spcAft>
+                        <a:buClrTx/>
+                        <a:buSzTx/>
+                        <a:buFontTx/>
+                        <a:buNone/>
+                        <a:tabLst/>
+                      </a:pPr>
+                      <a:r>
+                        <a:rPr kumimoji="0" lang="ru-RU" sz="1000" b="0" i="0" u="none" strike="noStrike" cap="none" normalizeH="0" baseline="0">
+                          <a:ln>
+                            <a:noFill/>
+                          </a:ln>
+                          <a:solidFill>
+                            <a:schemeClr val="tx1"/>
+                          </a:solidFill>
+                          <a:effectLst/>
+                          <a:latin typeface="Times New Roman" pitchFamily="18" charset="0"/>
+                          <a:cs typeface="Times New Roman" pitchFamily="18" charset="0"/>
+                        </a:rPr>
+                        <a:t>Утвердил</a:t>
+                      </a:r>
+                      <a:endParaRPr kumimoji="0" lang="ru-RU" sz="1000" b="0" i="0" u="none" strike="noStrike" cap="none" normalizeH="0" baseline="0">
+                        <a:ln>
+                          <a:noFill/>
+                        </a:ln>
+                        <a:solidFill>
+                          <a:schemeClr val="tx1"/>
+                        </a:solidFill>
+                        <a:effectLst/>
+                        <a:latin typeface="Arial" charset="0"/>
+                      </a:endParaRPr>
+                    </a:p>
+                  </a:txBody>
+                  <a:tcPr marL="71962" marR="71962" marT="17991" marB="35979" horzOverflow="overflow">
+                    <a:lnL w="12700" cap="flat" cmpd="sng" algn="ctr">
+                      <a:solidFill>
+                        <a:srgbClr val="000000"/>
+                      </a:solidFill>
+                      <a:prstDash val="solid"/>
+                      <a:round/>
+                      <a:headEnd type="none" w="med" len="med"/>
+                      <a:tailEnd type="none" w="med" len="med"/>
+                    </a:lnL>
+                    <a:lnR w="12700" cap="flat" cmpd="sng" algn="ctr">
+                      <a:solidFill>
+                        <a:srgbClr val="000000"/>
+                      </a:solidFill>
+                      <a:prstDash val="solid"/>
+                      <a:round/>
+                      <a:headEnd type="none" w="med" len="med"/>
+                      <a:tailEnd type="none" w="med" len="med"/>
+                    </a:lnR>
+                    <a:lnT w="12700" cap="flat" cmpd="sng" algn="ctr">
+                      <a:solidFill>
+                        <a:srgbClr val="000000"/>
+                      </a:solidFill>
+                      <a:prstDash val="solid"/>
+                      <a:round/>
+                      <a:headEnd type="none" w="med" len="med"/>
+                      <a:tailEnd type="none" w="med" len="med"/>
+                    </a:lnT>
+                    <a:lnB w="12700" cap="flat" cmpd="sng" algn="ctr">
+                      <a:solidFill>
+                        <a:srgbClr val="000000"/>
+                      </a:solidFill>
+                      <a:prstDash val="solid"/>
+                      <a:round/>
+                      <a:headEnd type="none" w="med" len="med"/>
+                      <a:tailEnd type="none" w="med" len="med"/>
+                    </a:lnB>
+                    <a:lnTlToBr>
+                      <a:noFill/>
+                    </a:lnTlToBr>
+                    <a:lnBlToTr>
+                      <a:noFill/>
+                    </a:lnBlToTr>
+                    <a:noFill/>
+                  </a:tcPr>
+                </a:tc>
+                <a:tc>
+                  <a:txBody>
+                    <a:bodyPr/>
+                    <a:lstStyle/>
+                    <a:p>
+                      <a:pPr marL="0" marR="0" lvl="0" indent="0" algn="l" defTabSz="914400" rtl="0" eaLnBrk="1" fontAlgn="base" latinLnBrk="0" hangingPunct="1">
+                        <a:lnSpc>
+                          <a:spcPct val="100000"/>
+                        </a:lnSpc>
+                        <a:spcBef>
+                          <a:spcPct val="0"/>
+                        </a:spcBef>
+                        <a:spcAft>
+                          <a:spcPct val="0"/>
+                        </a:spcAft>
+                        <a:buClrTx/>
+                        <a:buSzTx/>
+                        <a:buFontTx/>
+                        <a:buNone/>
+                        <a:tabLst/>
+                      </a:pPr>
+                      <a:r>
+                        <a:rPr kumimoji="0" lang="ru-RU" sz="1000" b="0" i="0" u="none" strike="noStrike" cap="none" normalizeH="0" baseline="0" dirty="0">
+                          <a:ln>
+                            <a:noFill/>
+                          </a:ln>
+                          <a:solidFill>
+                            <a:schemeClr val="tx1"/>
+                          </a:solidFill>
+                          <a:effectLst/>
+                          <a:latin typeface="Times New Roman" pitchFamily="18" charset="0"/>
+                          <a:cs typeface="Times New Roman" pitchFamily="18" charset="0"/>
+                        </a:rPr>
+                        <a:t>Гагарина Л.Г.</a:t>
+                      </a:r>
+                    </a:p>
+                  </a:txBody>
+                  <a:tcPr marL="71962" marR="71962" marT="17991" marB="35979" horzOverflow="overflow">
+                    <a:lnL w="12700" cap="flat" cmpd="sng" algn="ctr">
+                      <a:solidFill>
+                        <a:srgbClr val="000000"/>
+                      </a:solidFill>
+                      <a:prstDash val="solid"/>
+                      <a:round/>
+                      <a:headEnd type="none" w="med" len="med"/>
+                      <a:tailEnd type="none" w="med" len="med"/>
+                    </a:lnL>
+                    <a:lnR w="12700" cap="flat" cmpd="sng" algn="ctr">
+                      <a:solidFill>
+                        <a:srgbClr val="000000"/>
+                      </a:solidFill>
+                      <a:prstDash val="solid"/>
+                      <a:round/>
+                      <a:headEnd type="none" w="med" len="med"/>
+                      <a:tailEnd type="none" w="med" len="med"/>
+                    </a:lnR>
+                    <a:lnT w="12700" cap="flat" cmpd="sng" algn="ctr">
+                      <a:solidFill>
+                        <a:srgbClr val="000000"/>
+                      </a:solidFill>
+                      <a:prstDash val="solid"/>
+                      <a:round/>
+                      <a:headEnd type="none" w="med" len="med"/>
+                      <a:tailEnd type="none" w="med" len="med"/>
+                    </a:lnT>
+                    <a:lnB w="12700" cap="flat" cmpd="sng" algn="ctr">
+                      <a:solidFill>
+                        <a:srgbClr val="000000"/>
+                      </a:solidFill>
+                      <a:prstDash val="solid"/>
+                      <a:round/>
+                      <a:headEnd type="none" w="med" len="med"/>
+                      <a:tailEnd type="none" w="med" len="med"/>
+                    </a:lnB>
+                    <a:lnTlToBr>
+                      <a:noFill/>
+                    </a:lnTlToBr>
+                    <a:lnBlToTr>
+                      <a:noFill/>
+                    </a:lnBlToTr>
+                    <a:noFill/>
+                  </a:tcPr>
+                </a:tc>
+                <a:tc>
+                  <a:txBody>
+                    <a:bodyPr/>
+                    <a:lstStyle/>
+                    <a:p>
+                      <a:pPr marL="0" marR="0" lvl="0" indent="0" algn="l" defTabSz="914400" rtl="0" eaLnBrk="1" fontAlgn="base" latinLnBrk="0" hangingPunct="1">
+                        <a:lnSpc>
+                          <a:spcPct val="100000"/>
+                        </a:lnSpc>
+                        <a:spcBef>
+                          <a:spcPct val="20000"/>
+                        </a:spcBef>
+                        <a:spcAft>
+                          <a:spcPct val="0"/>
+                        </a:spcAft>
+                        <a:buClrTx/>
+                        <a:buSzTx/>
+                        <a:buFontTx/>
+                        <a:buNone/>
+                        <a:tabLst/>
+                      </a:pPr>
+                      <a:endParaRPr kumimoji="0" lang="ru-RU" sz="1000" b="0" i="0" u="none" strike="noStrike" cap="none" normalizeH="0" baseline="0">
+                        <a:ln>
+                          <a:noFill/>
+                        </a:ln>
+                        <a:solidFill>
+                          <a:schemeClr val="tx1"/>
+                        </a:solidFill>
+                        <a:effectLst/>
+                        <a:latin typeface="Arial" charset="0"/>
+                      </a:endParaRPr>
+                    </a:p>
+                  </a:txBody>
+                  <a:tcPr marL="71962" marR="71962" marT="17991" marB="35979" horzOverflow="overflow">
+                    <a:lnL w="12700" cap="flat" cmpd="sng" algn="ctr">
+                      <a:solidFill>
+                        <a:srgbClr val="000000"/>
+                      </a:solidFill>
+                      <a:prstDash val="solid"/>
+                      <a:round/>
+                      <a:headEnd type="none" w="med" len="med"/>
+                      <a:tailEnd type="none" w="med" len="med"/>
+                    </a:lnL>
+                    <a:lnR w="12700" cap="flat" cmpd="sng" algn="ctr">
+                      <a:solidFill>
+                        <a:srgbClr val="000000"/>
+                      </a:solidFill>
+                      <a:prstDash val="solid"/>
+                      <a:round/>
+                      <a:headEnd type="none" w="med" len="med"/>
+                      <a:tailEnd type="none" w="med" len="med"/>
+                    </a:lnR>
+                    <a:lnT w="12700" cap="flat" cmpd="sng" algn="ctr">
+                      <a:solidFill>
+                        <a:srgbClr val="000000"/>
+                      </a:solidFill>
+                      <a:prstDash val="solid"/>
+                      <a:round/>
+                      <a:headEnd type="none" w="med" len="med"/>
+                      <a:tailEnd type="none" w="med" len="med"/>
+                    </a:lnT>
+                    <a:lnB w="12700" cap="flat" cmpd="sng" algn="ctr">
+                      <a:solidFill>
+                        <a:srgbClr val="000000"/>
+                      </a:solidFill>
+                      <a:prstDash val="solid"/>
+                      <a:round/>
+                      <a:headEnd type="none" w="med" len="med"/>
+                      <a:tailEnd type="none" w="med" len="med"/>
+                    </a:lnB>
+                    <a:lnTlToBr>
+                      <a:noFill/>
+                    </a:lnTlToBr>
+                    <a:lnBlToTr>
+                      <a:noFill/>
+                    </a:lnBlToTr>
+                    <a:noFill/>
+                  </a:tcPr>
+                </a:tc>
+                <a:tc>
+                  <a:txBody>
+                    <a:bodyPr/>
+                    <a:lstStyle/>
+                    <a:p>
+                      <a:pPr marL="0" marR="0" lvl="0" indent="0" algn="l" defTabSz="914400" rtl="0" eaLnBrk="1" fontAlgn="base" latinLnBrk="0" hangingPunct="1">
+                        <a:lnSpc>
+                          <a:spcPct val="100000"/>
+                        </a:lnSpc>
+                        <a:spcBef>
+                          <a:spcPct val="20000"/>
+                        </a:spcBef>
+                        <a:spcAft>
+                          <a:spcPct val="0"/>
+                        </a:spcAft>
+                        <a:buClrTx/>
+                        <a:buSzTx/>
+                        <a:buFontTx/>
+                        <a:buNone/>
+                        <a:tabLst/>
+                      </a:pPr>
+                      <a:endParaRPr kumimoji="0" lang="ru-RU" sz="1000" b="0" i="0" u="none" strike="noStrike" cap="none" normalizeH="0" baseline="0" dirty="0">
+                        <a:ln>
+                          <a:noFill/>
+                        </a:ln>
+                        <a:solidFill>
+                          <a:schemeClr val="tx1"/>
+                        </a:solidFill>
+                        <a:effectLst/>
+                        <a:latin typeface="Arial" charset="0"/>
+                      </a:endParaRPr>
+                    </a:p>
+                  </a:txBody>
+                  <a:tcPr marL="71962" marR="71962" marT="17991" marB="35979" horzOverflow="overflow">
+                    <a:lnL w="12700" cap="flat" cmpd="sng" algn="ctr">
+                      <a:solidFill>
+                        <a:srgbClr val="000000"/>
+                      </a:solidFill>
+                      <a:prstDash val="solid"/>
+                      <a:round/>
+                      <a:headEnd type="none" w="med" len="med"/>
+                      <a:tailEnd type="none" w="med" len="med"/>
+                    </a:lnL>
+                    <a:lnR w="12700" cap="flat" cmpd="sng" algn="ctr">
+                      <a:solidFill>
+                        <a:srgbClr val="000000"/>
+                      </a:solidFill>
+                      <a:prstDash val="solid"/>
+                      <a:round/>
+                      <a:headEnd type="none" w="med" len="med"/>
+                      <a:tailEnd type="none" w="med" len="med"/>
+                    </a:lnR>
+                    <a:lnT w="12700" cap="flat" cmpd="sng" algn="ctr">
+                      <a:solidFill>
+                        <a:srgbClr val="000000"/>
+                      </a:solidFill>
+                      <a:prstDash val="solid"/>
+                      <a:round/>
+                      <a:headEnd type="none" w="med" len="med"/>
+                      <a:tailEnd type="none" w="med" len="med"/>
+                    </a:lnT>
+                    <a:lnB w="12700" cap="flat" cmpd="sng" algn="ctr">
+                      <a:solidFill>
+                        <a:srgbClr val="000000"/>
+                      </a:solidFill>
+                      <a:prstDash val="solid"/>
+                      <a:round/>
+                      <a:headEnd type="none" w="med" len="med"/>
+                      <a:tailEnd type="none" w="med" len="med"/>
+                    </a:lnB>
+                    <a:lnTlToBr>
+                      <a:noFill/>
+                    </a:lnTlToBr>
+                    <a:lnBlToTr>
+                      <a:noFill/>
+                    </a:lnBlToTr>
+                    <a:noFill/>
+                  </a:tcPr>
+                </a:tc>
+                <a:extLst>
+                  <a:ext uri="{0D108BD9-81ED-4DB2-BD59-A6C34878D82A}">
+                    <a16:rowId xmlns:a16="http://schemas.microsoft.com/office/drawing/2014/main" val="10001"/>
+                  </a:ext>
+                </a:extLst>
+              </a:tr>
+            </a:tbl>
+          </a:graphicData>
+        </a:graphic>
+      </p:graphicFrame>
+      <p:sp>
+        <p:nvSpPr>
+          <p:cNvPr id="7" name="Line 158"/>
+          <p:cNvSpPr>
+            <a:spLocks noChangeShapeType="1"/>
+          </p:cNvSpPr>
+          <p:nvPr/>
+        </p:nvSpPr>
+        <p:spPr bwMode="auto">
+          <a:xfrm>
+            <a:off x="193675" y="188913"/>
+            <a:ext cx="8785225" cy="0"/>
+          </a:xfrm>
+          <a:prstGeom prst="line">
+            <a:avLst/>
+          </a:prstGeom>
+          <a:noFill/>
+          <a:ln w="12700" cap="sq">
+            <a:solidFill>
+              <a:schemeClr val="tx1"/>
+            </a:solidFill>
+            <a:round/>
+            <a:headEnd/>
+            <a:tailEnd/>
+          </a:ln>
+        </p:spPr>
+        <p:txBody>
+          <a:bodyPr/>
+          <a:lstStyle/>
+          <a:p>
+            <a:endParaRPr lang="ru-RU"/>
+          </a:p>
+        </p:txBody>
+      </p:sp>
+      <p:sp>
+        <p:nvSpPr>
+          <p:cNvPr id="8" name="Line 159"/>
+          <p:cNvSpPr>
+            <a:spLocks noChangeShapeType="1"/>
+          </p:cNvSpPr>
+          <p:nvPr/>
+        </p:nvSpPr>
+        <p:spPr bwMode="auto">
+          <a:xfrm>
+            <a:off x="193675" y="6669088"/>
+            <a:ext cx="8785225" cy="0"/>
+          </a:xfrm>
+          <a:prstGeom prst="line">
+            <a:avLst/>
+          </a:prstGeom>
+          <a:noFill/>
+          <a:ln w="12700" cap="sq">
+            <a:solidFill>
+              <a:schemeClr val="tx1"/>
+            </a:solidFill>
+            <a:round/>
+            <a:headEnd/>
+            <a:tailEnd/>
+          </a:ln>
+        </p:spPr>
+        <p:txBody>
+          <a:bodyPr/>
+          <a:lstStyle/>
+          <a:p>
+            <a:endParaRPr lang="ru-RU"/>
+          </a:p>
+        </p:txBody>
+      </p:sp>
+      <p:sp>
+        <p:nvSpPr>
+          <p:cNvPr id="9" name="TextBox 8"/>
+          <p:cNvSpPr txBox="1"/>
+          <p:nvPr/>
+        </p:nvSpPr>
+        <p:spPr>
+          <a:xfrm>
+            <a:off x="323528" y="1340769"/>
+            <a:ext cx="8424936" cy="2062103"/>
+          </a:xfrm>
+          <a:prstGeom prst="rect">
+            <a:avLst/>
+          </a:prstGeom>
+          <a:noFill/>
+        </p:spPr>
+        <p:txBody>
+          <a:bodyPr wrap="square" rtlCol="0">
+            <a:spAutoFit/>
+          </a:bodyPr>
+          <a:lstStyle/>
+          <a:p>
+            <a:pPr marL="177800" indent="-177800">
+              <a:spcAft>
+                <a:spcPts val="1200"/>
+              </a:spcAft>
+              <a:buFont typeface="Arial" pitchFamily="34" charset="0"/>
+              <a:buChar char="•"/>
+            </a:pPr>
+            <a:r>
+              <a:rPr lang="ru-RU" dirty="0"/>
+              <a:t>Ф.И. О. автора. Универсальный командный интерпретатор. </a:t>
+            </a:r>
+            <a:r>
+              <a:rPr lang="ru-RU" dirty="0" err="1"/>
+              <a:t>Инноватика</a:t>
+            </a:r>
+            <a:r>
+              <a:rPr lang="ru-RU" dirty="0"/>
+              <a:t> и инновационные процессы в экономике, науке, образовании и в области права. Седьмая межвузовская научно-практическая конференция. Материалы научных докладов. – М.: ИГУПИТ, 2014, с. 226-232.</a:t>
+            </a:r>
+          </a:p>
+          <a:p>
+            <a:pPr marL="177800" indent="-177800">
+              <a:spcAft>
+                <a:spcPts val="1200"/>
+              </a:spcAft>
+              <a:buFont typeface="Arial" pitchFamily="34" charset="0"/>
+              <a:buChar char="•"/>
+            </a:pPr>
+            <a:r>
+              <a:rPr lang="ru-RU" dirty="0"/>
+              <a:t>Программный модуль внедрен на предприятии ОАО «НИИ «</a:t>
+            </a:r>
+            <a:r>
+              <a:rPr lang="ru-RU" dirty="0" err="1"/>
+              <a:t>Субмикрон</a:t>
+            </a:r>
+            <a:r>
+              <a:rPr lang="ru-RU" dirty="0"/>
+              <a:t>»</a:t>
+            </a:r>
+          </a:p>
+          <a:p>
+            <a:pPr marL="177800" indent="-177800">
+              <a:spcAft>
+                <a:spcPts val="1200"/>
+              </a:spcAft>
+              <a:buFont typeface="Arial" pitchFamily="34" charset="0"/>
+              <a:buChar char="•"/>
+            </a:pPr>
+            <a:endParaRPr lang="ru-RU" dirty="0"/>
+          </a:p>
+        </p:txBody>
+      </p:sp>
+      <p:sp>
+        <p:nvSpPr>
+          <p:cNvPr id="10" name="Rectangle 23"/>
+          <p:cNvSpPr>
+            <a:spLocks noChangeArrowheads="1"/>
+          </p:cNvSpPr>
+          <p:nvPr/>
+        </p:nvSpPr>
+        <p:spPr bwMode="auto">
+          <a:xfrm>
+            <a:off x="251520" y="476672"/>
+            <a:ext cx="8642350" cy="430887"/>
+          </a:xfrm>
+          <a:prstGeom prst="rect">
+            <a:avLst/>
+          </a:prstGeom>
+          <a:noFill/>
+          <a:ln w="9525">
+            <a:noFill/>
+            <a:miter lim="800000"/>
+            <a:headEnd/>
+            <a:tailEnd/>
+          </a:ln>
+        </p:spPr>
+        <p:txBody>
+          <a:bodyPr wrap="square">
+            <a:spAutoFit/>
+          </a:bodyPr>
+          <a:lstStyle/>
+          <a:p>
+            <a:pPr algn="ctr"/>
+            <a:r>
+              <a:rPr lang="ru-RU" sz="2200" b="1" dirty="0"/>
+              <a:t>Апробация</a:t>
+            </a:r>
+          </a:p>
+        </p:txBody>
+      </p:sp>
+    </p:spTree>
+  </p:cSld>
+  <p:clrMapOvr>
+    <a:masterClrMapping/>
+  </p:clrMapOvr>
+</p:sld>
+</file>
+
+<file path=ppt/slides/slide11.xml><?xml version="1.0" encoding="utf-8"?>
+<p:sld xmlns:a="http://schemas.openxmlformats.org/drawingml/2006/main" xmlns:r="http://schemas.openxmlformats.org/officeDocument/2006/relationships" xmlns:p="http://schemas.openxmlformats.org/presentationml/2006/main">
+  <p:cSld>
+    <p:spTree>
+      <p:nvGrpSpPr>
+        <p:cNvPr id="1" name=""/>
+        <p:cNvGrpSpPr/>
+        <p:nvPr/>
+      </p:nvGrpSpPr>
+      <p:grpSpPr>
+        <a:xfrm>
+          <a:off x="0" y="0"/>
+          <a:ext cx="0" cy="0"/>
+          <a:chOff x="0" y="0"/>
+          <a:chExt cx="0" cy="0"/>
+        </a:xfrm>
+      </p:grpSpPr>
+      <p:sp>
+        <p:nvSpPr>
           <p:cNvPr id="4" name="Rectangle 23"/>
           <p:cNvSpPr>
             <a:spLocks noChangeArrowheads="1"/>
@@ -8286,7 +9433,7 @@
           <p:nvPr>
             <p:extLst>
               <p:ext uri="{D42A27DB-BD31-4B8C-83A1-F6EECF244321}">
-                <p14:modId xmlns:p14="http://schemas.microsoft.com/office/powerpoint/2010/main" val="3490775205"/>
+                <p14:modId xmlns:p14="http://schemas.microsoft.com/office/powerpoint/2010/main" val="3752332003"/>
               </p:ext>
             </p:extLst>
           </p:nvPr>
@@ -9095,14 +10242,14 @@
           <p:nvPr>
             <p:extLst>
               <p:ext uri="{D42A27DB-BD31-4B8C-83A1-F6EECF244321}">
-                <p14:modId xmlns:p14="http://schemas.microsoft.com/office/powerpoint/2010/main" val="2691494003"/>
+                <p14:modId xmlns:p14="http://schemas.microsoft.com/office/powerpoint/2010/main" val="1451467460"/>
               </p:ext>
             </p:extLst>
           </p:nvPr>
         </p:nvGraphicFramePr>
         <p:xfrm>
-          <a:off x="467543" y="764704"/>
-          <a:ext cx="8280921" cy="2346960"/>
+          <a:off x="467544" y="764704"/>
+          <a:ext cx="8280918" cy="4348480"/>
         </p:xfrm>
         <a:graphic>
           <a:graphicData uri="http://schemas.openxmlformats.org/drawingml/2006/table">
@@ -9111,59 +10258,52 @@
                 <a:tableStyleId>{D7AC3CCA-C797-4891-BE02-D94E43425B78}</a:tableStyleId>
               </a:tblPr>
               <a:tblGrid>
-                <a:gridCol w="1923311">
+                <a:gridCol w="2160240">
                   <a:extLst>
                     <a:ext uri="{9D8B030D-6E8A-4147-A177-3AD203B41FA5}">
                       <a16:colId xmlns:a16="http://schemas.microsoft.com/office/drawing/2014/main" val="20000"/>
                     </a:ext>
                   </a:extLst>
                 </a:gridCol>
-                <a:gridCol w="908230">
+                <a:gridCol w="1020113">
                   <a:extLst>
                     <a:ext uri="{9D8B030D-6E8A-4147-A177-3AD203B41FA5}">
                       <a16:colId xmlns:a16="http://schemas.microsoft.com/office/drawing/2014/main" val="20002"/>
                     </a:ext>
                   </a:extLst>
                 </a:gridCol>
-                <a:gridCol w="908230">
+                <a:gridCol w="1020113">
                   <a:extLst>
                     <a:ext uri="{9D8B030D-6E8A-4147-A177-3AD203B41FA5}">
                       <a16:colId xmlns:a16="http://schemas.microsoft.com/office/drawing/2014/main" val="20003"/>
                     </a:ext>
                   </a:extLst>
                 </a:gridCol>
-                <a:gridCol w="908230">
+                <a:gridCol w="1020113">
                   <a:extLst>
                     <a:ext uri="{9D8B030D-6E8A-4147-A177-3AD203B41FA5}">
                       <a16:colId xmlns:a16="http://schemas.microsoft.com/office/drawing/2014/main" val="20004"/>
                     </a:ext>
                   </a:extLst>
                 </a:gridCol>
-                <a:gridCol w="908230">
+                <a:gridCol w="1020113">
                   <a:extLst>
                     <a:ext uri="{9D8B030D-6E8A-4147-A177-3AD203B41FA5}">
                       <a16:colId xmlns:a16="http://schemas.microsoft.com/office/drawing/2014/main" val="922393062"/>
                     </a:ext>
                   </a:extLst>
                 </a:gridCol>
-                <a:gridCol w="908230">
+                <a:gridCol w="1020113">
                   <a:extLst>
                     <a:ext uri="{9D8B030D-6E8A-4147-A177-3AD203B41FA5}">
                       <a16:colId xmlns:a16="http://schemas.microsoft.com/office/drawing/2014/main" val="657217664"/>
                     </a:ext>
                   </a:extLst>
                 </a:gridCol>
-                <a:gridCol w="908230">
+                <a:gridCol w="1020113">
                   <a:extLst>
                     <a:ext uri="{9D8B030D-6E8A-4147-A177-3AD203B41FA5}">
                       <a16:colId xmlns:a16="http://schemas.microsoft.com/office/drawing/2014/main" val="3432312047"/>
-                    </a:ext>
-                  </a:extLst>
-                </a:gridCol>
-                <a:gridCol w="908230">
-                  <a:extLst>
-                    <a:ext uri="{9D8B030D-6E8A-4147-A177-3AD203B41FA5}">
-                      <a16:colId xmlns:a16="http://schemas.microsoft.com/office/drawing/2014/main" val="2059263773"/>
                     </a:ext>
                   </a:extLst>
                 </a:gridCol>
@@ -9174,7 +10314,7 @@
                     <a:bodyPr/>
                     <a:lstStyle/>
                     <a:p>
-                      <a:pPr marL="0" marR="0" lvl="0" indent="0" algn="ctr" defTabSz="914400" rtl="0" eaLnBrk="1" fontAlgn="base" latinLnBrk="0" hangingPunct="1">
+                      <a:pPr marL="0" marR="0" lvl="0" indent="0" algn="l" defTabSz="914400" rtl="0" eaLnBrk="1" fontAlgn="base" latinLnBrk="0" hangingPunct="1">
                         <a:lnSpc>
                           <a:spcPct val="100000"/>
                         </a:lnSpc>
@@ -9218,7 +10358,7 @@
                     <a:bodyPr/>
                     <a:lstStyle/>
                     <a:p>
-                      <a:pPr marL="0" marR="0" lvl="0" indent="0" algn="ctr" defTabSz="914400" rtl="0" eaLnBrk="1" fontAlgn="base" latinLnBrk="0" hangingPunct="1">
+                      <a:pPr marL="0" marR="0" lvl="0" indent="0" algn="l" defTabSz="914400" rtl="0" eaLnBrk="1" fontAlgn="base" latinLnBrk="0" hangingPunct="1">
                         <a:lnSpc>
                           <a:spcPct val="100000"/>
                         </a:lnSpc>
@@ -9276,7 +10416,7 @@
                     <a:bodyPr/>
                     <a:lstStyle/>
                     <a:p>
-                      <a:pPr marL="0" marR="0" lvl="0" indent="0" algn="ctr" defTabSz="914400" rtl="0" eaLnBrk="1" fontAlgn="base" latinLnBrk="0" hangingPunct="1">
+                      <a:pPr marL="342900" marR="0" lvl="0" indent="-342900" algn="l" defTabSz="914400" rtl="0" eaLnBrk="1" fontAlgn="base" latinLnBrk="0" hangingPunct="1">
                         <a:lnSpc>
                           <a:spcPct val="100000"/>
                         </a:lnSpc>
@@ -9293,20 +10433,32 @@
                         <a:tabLst/>
                       </a:pPr>
                       <a:r>
-                        <a:rPr kumimoji="0" lang="en-US" sz="1400" u="none" strike="noStrike" cap="none" normalizeH="0" baseline="0" dirty="0">
+                        <a:rPr kumimoji="0" lang="en-US" sz="1400" b="1" u="none" strike="noStrike" kern="1200" cap="none" normalizeH="0" baseline="0" dirty="0">
                           <a:ln>
                             <a:noFill/>
                           </a:ln>
+                          <a:solidFill>
+                            <a:schemeClr val="bg1"/>
+                          </a:solidFill>
                           <a:effectLst/>
+                          <a:latin typeface="+mn-lt"/>
+                          <a:ea typeface="+mn-ea"/>
+                          <a:cs typeface="+mn-cs"/>
                         </a:rPr>
                         <a:t>C#</a:t>
                       </a:r>
                       <a:r>
-                        <a:rPr kumimoji="0" lang="ru-RU" sz="1400" u="none" strike="noStrike" cap="none" normalizeH="0" baseline="0" dirty="0">
+                        <a:rPr kumimoji="0" lang="ru-RU" sz="1400" b="1" u="none" strike="noStrike" kern="1200" cap="none" normalizeH="0" baseline="0" dirty="0">
                           <a:ln>
                             <a:noFill/>
                           </a:ln>
+                          <a:solidFill>
+                            <a:schemeClr val="bg1"/>
+                          </a:solidFill>
                           <a:effectLst/>
+                          <a:latin typeface="+mn-lt"/>
+                          <a:ea typeface="+mn-ea"/>
+                          <a:cs typeface="+mn-cs"/>
                         </a:rPr>
                         <a:t> </a:t>
                       </a:r>
@@ -9316,25 +10468,71 @@
                             <a:noFill/>
                           </a:ln>
                           <a:solidFill>
-                            <a:schemeClr val="dk1"/>
+                            <a:schemeClr val="bg1"/>
                           </a:solidFill>
                           <a:effectLst/>
                           <a:latin typeface="+mn-lt"/>
                           <a:ea typeface="+mn-ea"/>
                           <a:cs typeface="+mn-cs"/>
                         </a:rPr>
-                        <a:t>[2]</a:t>
+                        <a:t>[</a:t>
                       </a:r>
+                      <a:r>
+                        <a:rPr kumimoji="0" lang="ru-RU" sz="1400" b="1" u="none" strike="noStrike" kern="1200" cap="none" normalizeH="0" baseline="30000" dirty="0">
+                          <a:ln>
+                            <a:noFill/>
+                          </a:ln>
+                          <a:solidFill>
+                            <a:schemeClr val="bg1"/>
+                          </a:solidFill>
+                          <a:effectLst/>
+                          <a:latin typeface="+mn-lt"/>
+                          <a:ea typeface="+mn-ea"/>
+                          <a:cs typeface="+mn-cs"/>
+                        </a:rPr>
+                        <a:t>2</a:t>
+                      </a:r>
+                      <a:r>
+                        <a:rPr kumimoji="0" lang="en-US" sz="1400" b="1" u="none" strike="noStrike" kern="1200" cap="none" normalizeH="0" baseline="30000" dirty="0">
+                          <a:ln>
+                            <a:noFill/>
+                          </a:ln>
+                          <a:solidFill>
+                            <a:schemeClr val="bg1"/>
+                          </a:solidFill>
+                          <a:effectLst/>
+                          <a:latin typeface="+mn-lt"/>
+                          <a:ea typeface="+mn-ea"/>
+                          <a:cs typeface="+mn-cs"/>
+                        </a:rPr>
+                        <a:t>]</a:t>
+                      </a:r>
+                      <a:endParaRPr kumimoji="0" lang="en-US" sz="1400" b="1" u="none" strike="noStrike" kern="1200" cap="none" normalizeH="0" baseline="0" dirty="0">
+                        <a:ln>
+                          <a:noFill/>
+                        </a:ln>
+                        <a:solidFill>
+                          <a:schemeClr val="bg1"/>
+                        </a:solidFill>
+                        <a:effectLst/>
+                        <a:latin typeface="+mn-lt"/>
+                        <a:ea typeface="+mn-ea"/>
+                        <a:cs typeface="+mn-cs"/>
+                      </a:endParaRPr>
                     </a:p>
                   </a:txBody>
-                  <a:tcPr anchor="ctr" horzOverflow="overflow"/>
+                  <a:tcPr anchor="ctr" horzOverflow="overflow">
+                    <a:solidFill>
+                      <a:srgbClr val="0070C0"/>
+                    </a:solidFill>
+                  </a:tcPr>
                 </a:tc>
                 <a:tc>
                   <a:txBody>
                     <a:bodyPr/>
                     <a:lstStyle/>
                     <a:p>
-                      <a:pPr marL="0" marR="0" lvl="0" indent="0" algn="ctr" defTabSz="914400" rtl="0" eaLnBrk="1" fontAlgn="base" latinLnBrk="0" hangingPunct="1">
+                      <a:pPr marL="0" marR="0" lvl="0" indent="0" algn="l" defTabSz="914400" rtl="0" eaLnBrk="1" fontAlgn="base" latinLnBrk="0" hangingPunct="1">
                         <a:lnSpc>
                           <a:spcPct val="100000"/>
                         </a:lnSpc>
@@ -9396,7 +10594,7 @@
                     <a:bodyPr/>
                     <a:lstStyle/>
                     <a:p>
-                      <a:pPr marL="0" marR="0" lvl="0" indent="0" algn="ctr" defTabSz="914400" rtl="0" eaLnBrk="1" fontAlgn="base" latinLnBrk="0" hangingPunct="1">
+                      <a:pPr marL="0" marR="0" lvl="0" indent="0" algn="l" defTabSz="914400" rtl="0" eaLnBrk="1" fontAlgn="base" latinLnBrk="0" hangingPunct="1">
                         <a:lnSpc>
                           <a:spcPct val="100000"/>
                         </a:lnSpc>
@@ -9455,7 +10653,7 @@
                     <a:bodyPr/>
                     <a:lstStyle/>
                     <a:p>
-                      <a:pPr marL="0" marR="0" lvl="0" indent="0" algn="ctr" defTabSz="914400" rtl="0" eaLnBrk="1" fontAlgn="base" latinLnBrk="0" hangingPunct="1">
+                      <a:pPr marL="0" marR="0" lvl="0" indent="0" algn="l" defTabSz="914400" rtl="0" eaLnBrk="1" fontAlgn="base" latinLnBrk="0" hangingPunct="1">
                         <a:lnSpc>
                           <a:spcPct val="100000"/>
                         </a:lnSpc>
@@ -9514,7 +10712,7 @@
                     <a:bodyPr/>
                     <a:lstStyle/>
                     <a:p>
-                      <a:pPr marL="0" marR="0" lvl="0" indent="0" algn="ctr" defTabSz="914400" rtl="0" eaLnBrk="1" fontAlgn="base" latinLnBrk="0" hangingPunct="1">
+                      <a:pPr marL="0" marR="0" lvl="0" indent="0" algn="l" defTabSz="914400" rtl="0" eaLnBrk="1" fontAlgn="base" latinLnBrk="0" hangingPunct="1">
                         <a:lnSpc>
                           <a:spcPct val="100000"/>
                         </a:lnSpc>
@@ -9568,12 +10766,47 @@
                   </a:txBody>
                   <a:tcPr anchor="ctr" horzOverflow="overflow"/>
                 </a:tc>
+                <a:extLst>
+                  <a:ext uri="{0D108BD9-81ED-4DB2-BD59-A6C34878D82A}">
+                    <a16:rowId xmlns:a16="http://schemas.microsoft.com/office/drawing/2014/main" val="10000"/>
+                  </a:ext>
+                </a:extLst>
+              </a:tr>
+              <a:tr h="216024">
                 <a:tc>
                   <a:txBody>
                     <a:bodyPr/>
                     <a:lstStyle/>
                     <a:p>
-                      <a:pPr marL="0" marR="0" lvl="0" indent="0" algn="ctr" defTabSz="914400" rtl="0" eaLnBrk="1" fontAlgn="base" latinLnBrk="0" hangingPunct="1">
+                      <a:pPr algn="l"/>
+                      <a:r>
+                        <a:rPr lang="ru-RU" sz="1600" dirty="0"/>
+                        <a:t>Поддержка ООП</a:t>
+                      </a:r>
+                    </a:p>
+                  </a:txBody>
+                  <a:tcPr anchor="ctr" horzOverflow="overflow"/>
+                </a:tc>
+                <a:tc>
+                  <a:txBody>
+                    <a:bodyPr/>
+                    <a:lstStyle/>
+                    <a:p>
+                      <a:pPr algn="l"/>
+                      <a:r>
+                        <a:rPr lang="ru-RU" sz="1600" dirty="0"/>
+                        <a:t>Да</a:t>
+                      </a:r>
+                    </a:p>
+                  </a:txBody>
+                  <a:tcPr anchor="ctr" horzOverflow="overflow"/>
+                </a:tc>
+                <a:tc>
+                  <a:txBody>
+                    <a:bodyPr/>
+                    <a:lstStyle/>
+                    <a:p>
+                      <a:pPr marL="342900" marR="0" lvl="0" indent="-342900" algn="l" defTabSz="914400" rtl="0" eaLnBrk="1" fontAlgn="base" latinLnBrk="0" hangingPunct="1">
                         <a:lnSpc>
                           <a:spcPct val="100000"/>
                         </a:lnSpc>
@@ -9588,88 +10821,40 @@
                         <a:buFontTx/>
                         <a:buNone/>
                         <a:tabLst/>
-                        <a:defRPr/>
                       </a:pPr>
                       <a:r>
-                        <a:rPr kumimoji="0" lang="en-US" sz="1400" u="none" strike="noStrike" cap="none" normalizeH="0" baseline="0">
-                          <a:ln>
-                            <a:noFill/>
-                          </a:ln>
-                          <a:effectLst/>
-                        </a:rPr>
-                        <a:t>Golang</a:t>
-                      </a:r>
-                      <a:r>
-                        <a:rPr kumimoji="0" lang="ru-RU" sz="1400" u="none" strike="noStrike" cap="none" normalizeH="0" baseline="0">
-                          <a:ln>
-                            <a:noFill/>
-                          </a:ln>
-                          <a:effectLst/>
-                        </a:rPr>
-                        <a:t> </a:t>
-                      </a:r>
-                      <a:r>
-                        <a:rPr kumimoji="0" lang="en-US" sz="1400" b="1" u="none" strike="noStrike" kern="1200" cap="none" normalizeH="0" baseline="30000" dirty="0">
+                        <a:rPr kumimoji="0" lang="ru-RU" sz="1600" b="1" u="none" strike="noStrike" kern="1200" cap="none" normalizeH="0" baseline="0" dirty="0">
                           <a:ln>
                             <a:noFill/>
                           </a:ln>
                           <a:solidFill>
-                            <a:schemeClr val="dk1"/>
+                            <a:schemeClr val="bg1"/>
                           </a:solidFill>
                           <a:effectLst/>
                           <a:latin typeface="+mn-lt"/>
                           <a:ea typeface="+mn-ea"/>
                           <a:cs typeface="+mn-cs"/>
                         </a:rPr>
-                        <a:t>[</a:t>
-                      </a:r>
-                      <a:r>
-                        <a:rPr kumimoji="0" lang="ru-RU" sz="1400" b="1" u="none" strike="noStrike" kern="1200" cap="none" normalizeH="0" baseline="30000" dirty="0">
-                          <a:ln>
-                            <a:noFill/>
-                          </a:ln>
-                          <a:solidFill>
-                            <a:schemeClr val="dk1"/>
-                          </a:solidFill>
-                          <a:effectLst/>
-                          <a:latin typeface="+mn-lt"/>
-                          <a:ea typeface="+mn-ea"/>
-                          <a:cs typeface="+mn-cs"/>
-                        </a:rPr>
-                        <a:t>7</a:t>
-                      </a:r>
-                      <a:r>
-                        <a:rPr kumimoji="0" lang="en-US" sz="1400" b="1" u="none" strike="noStrike" kern="1200" cap="none" normalizeH="0" baseline="30000" dirty="0">
-                          <a:ln>
-                            <a:noFill/>
-                          </a:ln>
-                          <a:solidFill>
-                            <a:schemeClr val="dk1"/>
-                          </a:solidFill>
-                          <a:effectLst/>
-                          <a:latin typeface="+mn-lt"/>
-                          <a:ea typeface="+mn-ea"/>
-                          <a:cs typeface="+mn-cs"/>
-                        </a:rPr>
-                        <a:t>]</a:t>
+                        <a:t>Да</a:t>
                       </a:r>
                     </a:p>
                   </a:txBody>
-                  <a:tcPr anchor="ctr" horzOverflow="overflow"/>
+                  <a:tcPr anchor="ctr" horzOverflow="overflow">
+                    <a:solidFill>
+                      <a:srgbClr val="0070C0"/>
+                    </a:solidFill>
+                  </a:tcPr>
                 </a:tc>
-                <a:extLst>
-                  <a:ext uri="{0D108BD9-81ED-4DB2-BD59-A6C34878D82A}">
-                    <a16:rowId xmlns:a16="http://schemas.microsoft.com/office/drawing/2014/main" val="10000"/>
-                  </a:ext>
-                </a:extLst>
-              </a:tr>
-              <a:tr h="216024">
                 <a:tc>
                   <a:txBody>
                     <a:bodyPr/>
                     <a:lstStyle/>
                     <a:p>
-                      <a:endParaRPr lang="ru-RU" dirty="0"/>
+                      <a:pPr algn="l"/>
+                      <a:r>
+                        <a:rPr lang="ru-RU" sz="1600" dirty="0"/>
+                        <a:t>Да</a:t>
+                      </a:r>
                     </a:p>
                   </a:txBody>
                   <a:tcPr anchor="ctr" horzOverflow="overflow"/>
@@ -9679,7 +10864,11 @@
                     <a:bodyPr/>
                     <a:lstStyle/>
                     <a:p>
-                      <a:endParaRPr lang="ru-RU" dirty="0"/>
+                      <a:pPr algn="l"/>
+                      <a:r>
+                        <a:rPr lang="ru-RU" sz="1600" dirty="0"/>
+                        <a:t>Да</a:t>
+                      </a:r>
                     </a:p>
                   </a:txBody>
                   <a:tcPr anchor="ctr" horzOverflow="overflow"/>
@@ -9689,7 +10878,11 @@
                     <a:bodyPr/>
                     <a:lstStyle/>
                     <a:p>
-                      <a:endParaRPr lang="ru-RU"/>
+                      <a:pPr algn="l"/>
+                      <a:r>
+                        <a:rPr lang="ru-RU" sz="1600" dirty="0"/>
+                        <a:t>Да</a:t>
+                      </a:r>
                     </a:p>
                   </a:txBody>
                   <a:tcPr anchor="ctr" horzOverflow="overflow"/>
@@ -9699,47 +10892,11 @@
                     <a:bodyPr/>
                     <a:lstStyle/>
                     <a:p>
-                      <a:endParaRPr lang="ru-RU"/>
-                    </a:p>
-                  </a:txBody>
-                  <a:tcPr anchor="ctr" horzOverflow="overflow"/>
-                </a:tc>
-                <a:tc>
-                  <a:txBody>
-                    <a:bodyPr/>
-                    <a:lstStyle/>
-                    <a:p>
-                      <a:endParaRPr lang="ru-RU"/>
-                    </a:p>
-                  </a:txBody>
-                  <a:tcPr anchor="ctr" horzOverflow="overflow"/>
-                </a:tc>
-                <a:tc>
-                  <a:txBody>
-                    <a:bodyPr/>
-                    <a:lstStyle/>
-                    <a:p>
-                      <a:endParaRPr lang="ru-RU"/>
-                    </a:p>
-                  </a:txBody>
-                  <a:tcPr anchor="ctr" horzOverflow="overflow"/>
-                </a:tc>
-                <a:tc>
-                  <a:txBody>
-                    <a:bodyPr/>
-                    <a:lstStyle/>
-                    <a:p>
-                      <a:endParaRPr lang="ru-RU" dirty="0"/>
-                    </a:p>
-                  </a:txBody>
-                  <a:tcPr anchor="ctr" horzOverflow="overflow"/>
-                </a:tc>
-                <a:tc>
-                  <a:txBody>
-                    <a:bodyPr/>
-                    <a:lstStyle/>
-                    <a:p>
-                      <a:endParaRPr lang="ru-RU"/>
+                      <a:pPr algn="l"/>
+                      <a:r>
+                        <a:rPr lang="ru-RU" sz="1600" dirty="0"/>
+                        <a:t>Да</a:t>
+                      </a:r>
                     </a:p>
                   </a:txBody>
                   <a:tcPr anchor="ctr" horzOverflow="overflow"/>
@@ -9756,7 +10913,11 @@
                     <a:bodyPr/>
                     <a:lstStyle/>
                     <a:p>
-                      <a:endParaRPr lang="ru-RU"/>
+                      <a:pPr algn="l"/>
+                      <a:r>
+                        <a:rPr lang="ru-RU" sz="1600" dirty="0"/>
+                        <a:t>Поддержка ФП</a:t>
+                      </a:r>
                     </a:p>
                   </a:txBody>
                   <a:tcPr anchor="ctr" horzOverflow="overflow"/>
@@ -9766,7 +10927,11 @@
                     <a:bodyPr/>
                     <a:lstStyle/>
                     <a:p>
-                      <a:endParaRPr lang="ru-RU" dirty="0"/>
+                      <a:pPr algn="l"/>
+                      <a:r>
+                        <a:rPr lang="ru-RU" sz="1600" dirty="0"/>
+                        <a:t>Нет</a:t>
+                      </a:r>
                     </a:p>
                   </a:txBody>
                   <a:tcPr anchor="ctr" horzOverflow="overflow"/>
@@ -9776,7 +10941,55 @@
                     <a:bodyPr/>
                     <a:lstStyle/>
                     <a:p>
-                      <a:endParaRPr lang="ru-RU"/>
+                      <a:pPr marL="342900" marR="0" lvl="0" indent="-342900" algn="l" defTabSz="914400" rtl="0" eaLnBrk="1" fontAlgn="base" latinLnBrk="0" hangingPunct="1">
+                        <a:lnSpc>
+                          <a:spcPct val="100000"/>
+                        </a:lnSpc>
+                        <a:spcBef>
+                          <a:spcPct val="0"/>
+                        </a:spcBef>
+                        <a:spcAft>
+                          <a:spcPct val="0"/>
+                        </a:spcAft>
+                        <a:buClrTx/>
+                        <a:buSzTx/>
+                        <a:buFontTx/>
+                        <a:buNone/>
+                        <a:tabLst/>
+                      </a:pPr>
+                      <a:r>
+                        <a:rPr kumimoji="0" lang="ru-RU" sz="1600" b="1" u="none" strike="noStrike" kern="1200" cap="none" normalizeH="0" baseline="0" dirty="0">
+                          <a:ln>
+                            <a:noFill/>
+                          </a:ln>
+                          <a:solidFill>
+                            <a:schemeClr val="bg1"/>
+                          </a:solidFill>
+                          <a:effectLst/>
+                          <a:latin typeface="+mn-lt"/>
+                          <a:ea typeface="+mn-ea"/>
+                          <a:cs typeface="+mn-cs"/>
+                        </a:rPr>
+                        <a:t>Да</a:t>
+                      </a:r>
+                    </a:p>
+                  </a:txBody>
+                  <a:tcPr anchor="ctr" horzOverflow="overflow">
+                    <a:solidFill>
+                      <a:srgbClr val="0070C0"/>
+                    </a:solidFill>
+                  </a:tcPr>
+                </a:tc>
+                <a:tc>
+                  <a:txBody>
+                    <a:bodyPr/>
+                    <a:lstStyle/>
+                    <a:p>
+                      <a:pPr algn="l"/>
+                      <a:r>
+                        <a:rPr lang="ru-RU" sz="1600" dirty="0"/>
+                        <a:t>Да</a:t>
+                      </a:r>
                     </a:p>
                   </a:txBody>
                   <a:tcPr anchor="ctr" horzOverflow="overflow"/>
@@ -9786,7 +10999,11 @@
                     <a:bodyPr/>
                     <a:lstStyle/>
                     <a:p>
-                      <a:endParaRPr lang="ru-RU"/>
+                      <a:pPr algn="l"/>
+                      <a:r>
+                        <a:rPr lang="ru-RU" sz="1600" dirty="0"/>
+                        <a:t>Да</a:t>
+                      </a:r>
                     </a:p>
                   </a:txBody>
                   <a:tcPr anchor="ctr" horzOverflow="overflow"/>
@@ -9796,7 +11013,11 @@
                     <a:bodyPr/>
                     <a:lstStyle/>
                     <a:p>
-                      <a:endParaRPr lang="ru-RU"/>
+                      <a:pPr algn="l"/>
+                      <a:r>
+                        <a:rPr lang="ru-RU" sz="1600" dirty="0"/>
+                        <a:t>Да</a:t>
+                      </a:r>
                     </a:p>
                   </a:txBody>
                   <a:tcPr anchor="ctr" horzOverflow="overflow"/>
@@ -9806,27 +11027,11 @@
                     <a:bodyPr/>
                     <a:lstStyle/>
                     <a:p>
-                      <a:endParaRPr lang="ru-RU"/>
-                    </a:p>
-                  </a:txBody>
-                  <a:tcPr anchor="ctr" horzOverflow="overflow"/>
-                </a:tc>
-                <a:tc>
-                  <a:txBody>
-                    <a:bodyPr/>
-                    <a:lstStyle/>
-                    <a:p>
-                      <a:endParaRPr lang="ru-RU"/>
-                    </a:p>
-                  </a:txBody>
-                  <a:tcPr anchor="ctr" horzOverflow="overflow"/>
-                </a:tc>
-                <a:tc>
-                  <a:txBody>
-                    <a:bodyPr/>
-                    <a:lstStyle/>
-                    <a:p>
-                      <a:endParaRPr lang="ru-RU"/>
+                      <a:pPr algn="l"/>
+                      <a:r>
+                        <a:rPr lang="ru-RU" sz="1600" dirty="0"/>
+                        <a:t>Да</a:t>
+                      </a:r>
                     </a:p>
                   </a:txBody>
                   <a:tcPr anchor="ctr" horzOverflow="overflow"/>
@@ -9843,7 +11048,11 @@
                     <a:bodyPr/>
                     <a:lstStyle/>
                     <a:p>
-                      <a:endParaRPr lang="ru-RU"/>
+                      <a:pPr algn="l"/>
+                      <a:r>
+                        <a:rPr lang="ru-RU" sz="1600" dirty="0"/>
+                        <a:t>Статистическая типизация</a:t>
+                      </a:r>
                     </a:p>
                   </a:txBody>
                   <a:tcPr anchor="ctr" horzOverflow="overflow"/>
@@ -9853,7 +11062,11 @@
                     <a:bodyPr/>
                     <a:lstStyle/>
                     <a:p>
-                      <a:endParaRPr lang="ru-RU"/>
+                      <a:pPr algn="l"/>
+                      <a:r>
+                        <a:rPr lang="ru-RU" sz="1600" dirty="0"/>
+                        <a:t>Да</a:t>
+                      </a:r>
                     </a:p>
                   </a:txBody>
                   <a:tcPr anchor="ctr" horzOverflow="overflow"/>
@@ -9863,7 +11076,55 @@
                     <a:bodyPr/>
                     <a:lstStyle/>
                     <a:p>
-                      <a:endParaRPr lang="ru-RU"/>
+                      <a:pPr marL="342900" marR="0" lvl="0" indent="-342900" algn="l" defTabSz="914400" rtl="0" eaLnBrk="1" fontAlgn="base" latinLnBrk="0" hangingPunct="1">
+                        <a:lnSpc>
+                          <a:spcPct val="100000"/>
+                        </a:lnSpc>
+                        <a:spcBef>
+                          <a:spcPct val="0"/>
+                        </a:spcBef>
+                        <a:spcAft>
+                          <a:spcPct val="0"/>
+                        </a:spcAft>
+                        <a:buClrTx/>
+                        <a:buSzTx/>
+                        <a:buFontTx/>
+                        <a:buNone/>
+                        <a:tabLst/>
+                      </a:pPr>
+                      <a:r>
+                        <a:rPr kumimoji="0" lang="ru-RU" sz="1600" b="1" u="none" strike="noStrike" kern="1200" cap="none" normalizeH="0" baseline="0" dirty="0">
+                          <a:ln>
+                            <a:noFill/>
+                          </a:ln>
+                          <a:solidFill>
+                            <a:schemeClr val="bg1"/>
+                          </a:solidFill>
+                          <a:effectLst/>
+                          <a:latin typeface="+mn-lt"/>
+                          <a:ea typeface="+mn-ea"/>
+                          <a:cs typeface="+mn-cs"/>
+                        </a:rPr>
+                        <a:t>Да</a:t>
+                      </a:r>
+                    </a:p>
+                  </a:txBody>
+                  <a:tcPr anchor="ctr" horzOverflow="overflow">
+                    <a:solidFill>
+                      <a:srgbClr val="0070C0"/>
+                    </a:solidFill>
+                  </a:tcPr>
+                </a:tc>
+                <a:tc>
+                  <a:txBody>
+                    <a:bodyPr/>
+                    <a:lstStyle/>
+                    <a:p>
+                      <a:pPr algn="l"/>
+                      <a:r>
+                        <a:rPr lang="ru-RU" sz="1600" dirty="0"/>
+                        <a:t>Нет</a:t>
+                      </a:r>
                     </a:p>
                   </a:txBody>
                   <a:tcPr anchor="ctr" horzOverflow="overflow"/>
@@ -9873,7 +11134,11 @@
                     <a:bodyPr/>
                     <a:lstStyle/>
                     <a:p>
-                      <a:endParaRPr lang="ru-RU"/>
+                      <a:pPr algn="l"/>
+                      <a:r>
+                        <a:rPr lang="ru-RU" sz="1600" dirty="0"/>
+                        <a:t>Нет</a:t>
+                      </a:r>
                     </a:p>
                   </a:txBody>
                   <a:tcPr anchor="ctr" horzOverflow="overflow"/>
@@ -9883,7 +11148,11 @@
                     <a:bodyPr/>
                     <a:lstStyle/>
                     <a:p>
-                      <a:endParaRPr lang="ru-RU" dirty="0"/>
+                      <a:pPr algn="l"/>
+                      <a:r>
+                        <a:rPr lang="ru-RU" sz="1600" dirty="0"/>
+                        <a:t>Нет</a:t>
+                      </a:r>
                     </a:p>
                   </a:txBody>
                   <a:tcPr anchor="ctr" horzOverflow="overflow"/>
@@ -9893,27 +11162,11 @@
                     <a:bodyPr/>
                     <a:lstStyle/>
                     <a:p>
-                      <a:endParaRPr lang="ru-RU"/>
-                    </a:p>
-                  </a:txBody>
-                  <a:tcPr anchor="ctr" horzOverflow="overflow"/>
-                </a:tc>
-                <a:tc>
-                  <a:txBody>
-                    <a:bodyPr/>
-                    <a:lstStyle/>
-                    <a:p>
-                      <a:endParaRPr lang="ru-RU" dirty="0"/>
-                    </a:p>
-                  </a:txBody>
-                  <a:tcPr anchor="ctr" horzOverflow="overflow"/>
-                </a:tc>
-                <a:tc>
-                  <a:txBody>
-                    <a:bodyPr/>
-                    <a:lstStyle/>
-                    <a:p>
-                      <a:endParaRPr lang="ru-RU" dirty="0"/>
+                      <a:pPr algn="l"/>
+                      <a:r>
+                        <a:rPr lang="ru-RU" sz="1600" dirty="0"/>
+                        <a:t>Нет</a:t>
+                      </a:r>
                     </a:p>
                   </a:txBody>
                   <a:tcPr anchor="ctr" horzOverflow="overflow"/>
@@ -9930,7 +11183,11 @@
                     <a:bodyPr/>
                     <a:lstStyle/>
                     <a:p>
-                      <a:endParaRPr lang="ru-RU"/>
+                      <a:pPr algn="l"/>
+                      <a:r>
+                        <a:rPr lang="ru-RU" sz="1600" dirty="0"/>
+                        <a:t>Поддержка динамической типизации</a:t>
+                      </a:r>
                     </a:p>
                   </a:txBody>
                   <a:tcPr anchor="ctr" horzOverflow="overflow"/>
@@ -9940,7 +11197,11 @@
                     <a:bodyPr/>
                     <a:lstStyle/>
                     <a:p>
-                      <a:endParaRPr lang="ru-RU"/>
+                      <a:pPr algn="l"/>
+                      <a:r>
+                        <a:rPr lang="ru-RU" sz="1600" dirty="0"/>
+                        <a:t>Нет</a:t>
+                      </a:r>
                     </a:p>
                   </a:txBody>
                   <a:tcPr anchor="ctr" horzOverflow="overflow"/>
@@ -9950,7 +11211,55 @@
                     <a:bodyPr/>
                     <a:lstStyle/>
                     <a:p>
-                      <a:endParaRPr lang="ru-RU"/>
+                      <a:pPr marL="342900" marR="0" lvl="0" indent="-342900" algn="l" defTabSz="914400" rtl="0" eaLnBrk="1" fontAlgn="base" latinLnBrk="0" hangingPunct="1">
+                        <a:lnSpc>
+                          <a:spcPct val="100000"/>
+                        </a:lnSpc>
+                        <a:spcBef>
+                          <a:spcPct val="0"/>
+                        </a:spcBef>
+                        <a:spcAft>
+                          <a:spcPct val="0"/>
+                        </a:spcAft>
+                        <a:buClrTx/>
+                        <a:buSzTx/>
+                        <a:buFontTx/>
+                        <a:buNone/>
+                        <a:tabLst/>
+                      </a:pPr>
+                      <a:r>
+                        <a:rPr kumimoji="0" lang="ru-RU" sz="1600" b="1" u="none" strike="noStrike" kern="1200" cap="none" normalizeH="0" baseline="0" dirty="0">
+                          <a:ln>
+                            <a:noFill/>
+                          </a:ln>
+                          <a:solidFill>
+                            <a:schemeClr val="bg1"/>
+                          </a:solidFill>
+                          <a:effectLst/>
+                          <a:latin typeface="+mn-lt"/>
+                          <a:ea typeface="+mn-ea"/>
+                          <a:cs typeface="+mn-cs"/>
+                        </a:rPr>
+                        <a:t>Да</a:t>
+                      </a:r>
+                    </a:p>
+                  </a:txBody>
+                  <a:tcPr anchor="ctr" horzOverflow="overflow">
+                    <a:solidFill>
+                      <a:srgbClr val="0070C0"/>
+                    </a:solidFill>
+                  </a:tcPr>
+                </a:tc>
+                <a:tc>
+                  <a:txBody>
+                    <a:bodyPr/>
+                    <a:lstStyle/>
+                    <a:p>
+                      <a:pPr algn="l"/>
+                      <a:r>
+                        <a:rPr lang="ru-RU" sz="1600" dirty="0"/>
+                        <a:t>Нет</a:t>
+                      </a:r>
                     </a:p>
                   </a:txBody>
                   <a:tcPr anchor="ctr" horzOverflow="overflow"/>
@@ -9960,7 +11269,11 @@
                     <a:bodyPr/>
                     <a:lstStyle/>
                     <a:p>
-                      <a:endParaRPr lang="ru-RU"/>
+                      <a:pPr algn="l"/>
+                      <a:r>
+                        <a:rPr lang="ru-RU" sz="1600" dirty="0"/>
+                        <a:t>Нет</a:t>
+                      </a:r>
                     </a:p>
                   </a:txBody>
                   <a:tcPr anchor="ctr" horzOverflow="overflow"/>
@@ -9970,7 +11283,11 @@
                     <a:bodyPr/>
                     <a:lstStyle/>
                     <a:p>
-                      <a:endParaRPr lang="ru-RU"/>
+                      <a:pPr algn="l"/>
+                      <a:r>
+                        <a:rPr lang="ru-RU" sz="1600" dirty="0"/>
+                        <a:t>Да</a:t>
+                      </a:r>
                     </a:p>
                   </a:txBody>
                   <a:tcPr anchor="ctr" horzOverflow="overflow"/>
@@ -9980,27 +11297,11 @@
                     <a:bodyPr/>
                     <a:lstStyle/>
                     <a:p>
-                      <a:endParaRPr lang="ru-RU"/>
-                    </a:p>
-                  </a:txBody>
-                  <a:tcPr anchor="ctr" horzOverflow="overflow"/>
-                </a:tc>
-                <a:tc>
-                  <a:txBody>
-                    <a:bodyPr/>
-                    <a:lstStyle/>
-                    <a:p>
-                      <a:endParaRPr lang="ru-RU" dirty="0"/>
-                    </a:p>
-                  </a:txBody>
-                  <a:tcPr anchor="ctr" horzOverflow="overflow"/>
-                </a:tc>
-                <a:tc>
-                  <a:txBody>
-                    <a:bodyPr/>
-                    <a:lstStyle/>
-                    <a:p>
-                      <a:endParaRPr lang="ru-RU" dirty="0"/>
+                      <a:pPr algn="l"/>
+                      <a:r>
+                        <a:rPr lang="ru-RU" sz="1600" dirty="0"/>
+                        <a:t>Да</a:t>
+                      </a:r>
                     </a:p>
                   </a:txBody>
                   <a:tcPr anchor="ctr" horzOverflow="overflow"/>
@@ -10017,7 +11318,11 @@
                     <a:bodyPr/>
                     <a:lstStyle/>
                     <a:p>
-                      <a:endParaRPr lang="ru-RU" dirty="0"/>
+                      <a:pPr algn="l"/>
+                      <a:r>
+                        <a:rPr lang="ru-RU" sz="1600" dirty="0"/>
+                        <a:t>Обработка исключений</a:t>
+                      </a:r>
                     </a:p>
                   </a:txBody>
                   <a:tcPr anchor="ctr" horzOverflow="overflow"/>
@@ -10027,7 +11332,11 @@
                     <a:bodyPr/>
                     <a:lstStyle/>
                     <a:p>
-                      <a:endParaRPr lang="ru-RU" dirty="0"/>
+                      <a:pPr algn="l"/>
+                      <a:r>
+                        <a:rPr lang="ru-RU" sz="1600" dirty="0"/>
+                        <a:t>Да</a:t>
+                      </a:r>
                     </a:p>
                   </a:txBody>
                   <a:tcPr anchor="ctr" horzOverflow="overflow"/>
@@ -10037,7 +11346,55 @@
                     <a:bodyPr/>
                     <a:lstStyle/>
                     <a:p>
-                      <a:endParaRPr lang="ru-RU"/>
+                      <a:pPr marL="342900" marR="0" lvl="0" indent="-342900" algn="l" defTabSz="914400" rtl="0" eaLnBrk="1" fontAlgn="base" latinLnBrk="0" hangingPunct="1">
+                        <a:lnSpc>
+                          <a:spcPct val="100000"/>
+                        </a:lnSpc>
+                        <a:spcBef>
+                          <a:spcPct val="0"/>
+                        </a:spcBef>
+                        <a:spcAft>
+                          <a:spcPct val="0"/>
+                        </a:spcAft>
+                        <a:buClrTx/>
+                        <a:buSzTx/>
+                        <a:buFontTx/>
+                        <a:buNone/>
+                        <a:tabLst/>
+                      </a:pPr>
+                      <a:r>
+                        <a:rPr kumimoji="0" lang="ru-RU" sz="1600" b="1" u="none" strike="noStrike" kern="1200" cap="none" normalizeH="0" baseline="0" dirty="0">
+                          <a:ln>
+                            <a:noFill/>
+                          </a:ln>
+                          <a:solidFill>
+                            <a:schemeClr val="bg1"/>
+                          </a:solidFill>
+                          <a:effectLst/>
+                          <a:latin typeface="+mn-lt"/>
+                          <a:ea typeface="+mn-ea"/>
+                          <a:cs typeface="+mn-cs"/>
+                        </a:rPr>
+                        <a:t>Да</a:t>
+                      </a:r>
+                    </a:p>
+                  </a:txBody>
+                  <a:tcPr anchor="ctr" horzOverflow="overflow">
+                    <a:solidFill>
+                      <a:srgbClr val="0070C0"/>
+                    </a:solidFill>
+                  </a:tcPr>
+                </a:tc>
+                <a:tc>
+                  <a:txBody>
+                    <a:bodyPr/>
+                    <a:lstStyle/>
+                    <a:p>
+                      <a:pPr algn="l"/>
+                      <a:r>
+                        <a:rPr lang="ru-RU" sz="1600" dirty="0"/>
+                        <a:t>Да</a:t>
+                      </a:r>
                     </a:p>
                   </a:txBody>
                   <a:tcPr anchor="ctr" horzOverflow="overflow"/>
@@ -10047,7 +11404,11 @@
                     <a:bodyPr/>
                     <a:lstStyle/>
                     <a:p>
-                      <a:endParaRPr lang="ru-RU" dirty="0"/>
+                      <a:pPr algn="l"/>
+                      <a:r>
+                        <a:rPr lang="ru-RU" sz="1600" dirty="0"/>
+                        <a:t>Да</a:t>
+                      </a:r>
                     </a:p>
                   </a:txBody>
                   <a:tcPr anchor="ctr" horzOverflow="overflow"/>
@@ -10057,7 +11418,11 @@
                     <a:bodyPr/>
                     <a:lstStyle/>
                     <a:p>
-                      <a:endParaRPr lang="ru-RU" dirty="0"/>
+                      <a:pPr algn="l"/>
+                      <a:r>
+                        <a:rPr lang="ru-RU" sz="1600" dirty="0"/>
+                        <a:t>Да</a:t>
+                      </a:r>
                     </a:p>
                   </a:txBody>
                   <a:tcPr anchor="ctr" horzOverflow="overflow"/>
@@ -10067,7 +11432,32 @@
                     <a:bodyPr/>
                     <a:lstStyle/>
                     <a:p>
-                      <a:endParaRPr lang="ru-RU" dirty="0"/>
+                      <a:pPr algn="l"/>
+                      <a:r>
+                        <a:rPr lang="ru-RU" sz="1600" dirty="0"/>
+                        <a:t>Да</a:t>
+                      </a:r>
+                    </a:p>
+                  </a:txBody>
+                  <a:tcPr anchor="ctr" horzOverflow="overflow"/>
+                </a:tc>
+                <a:extLst>
+                  <a:ext uri="{0D108BD9-81ED-4DB2-BD59-A6C34878D82A}">
+                    <a16:rowId xmlns:a16="http://schemas.microsoft.com/office/drawing/2014/main" val="10005"/>
+                  </a:ext>
+                </a:extLst>
+              </a:tr>
+              <a:tr h="216024">
+                <a:tc>
+                  <a:txBody>
+                    <a:bodyPr/>
+                    <a:lstStyle/>
+                    <a:p>
+                      <a:pPr algn="l"/>
+                      <a:r>
+                        <a:rPr lang="ru-RU" sz="1600" dirty="0"/>
+                        <a:t>Многопоточность</a:t>
+                      </a:r>
                     </a:p>
                   </a:txBody>
                   <a:tcPr anchor="ctr" horzOverflow="overflow"/>
@@ -10077,7 +11467,11 @@
                     <a:bodyPr/>
                     <a:lstStyle/>
                     <a:p>
-                      <a:endParaRPr lang="ru-RU" dirty="0"/>
+                      <a:pPr algn="l"/>
+                      <a:r>
+                        <a:rPr lang="ru-RU" sz="1600" dirty="0"/>
+                        <a:t>Да</a:t>
+                      </a:r>
                     </a:p>
                   </a:txBody>
                   <a:tcPr anchor="ctr" horzOverflow="overflow"/>
@@ -10087,14 +11481,381 @@
                     <a:bodyPr/>
                     <a:lstStyle/>
                     <a:p>
-                      <a:endParaRPr lang="ru-RU" dirty="0"/>
+                      <a:pPr marL="342900" marR="0" lvl="0" indent="-342900" algn="l" defTabSz="914400" rtl="0" eaLnBrk="1" fontAlgn="base" latinLnBrk="0" hangingPunct="1">
+                        <a:lnSpc>
+                          <a:spcPct val="100000"/>
+                        </a:lnSpc>
+                        <a:spcBef>
+                          <a:spcPct val="0"/>
+                        </a:spcBef>
+                        <a:spcAft>
+                          <a:spcPct val="0"/>
+                        </a:spcAft>
+                        <a:buClrTx/>
+                        <a:buSzTx/>
+                        <a:buFontTx/>
+                        <a:buNone/>
+                        <a:tabLst/>
+                      </a:pPr>
+                      <a:r>
+                        <a:rPr kumimoji="0" lang="ru-RU" sz="1600" b="1" u="none" strike="noStrike" kern="1200" cap="none" normalizeH="0" baseline="0" dirty="0">
+                          <a:ln>
+                            <a:noFill/>
+                          </a:ln>
+                          <a:solidFill>
+                            <a:schemeClr val="bg1"/>
+                          </a:solidFill>
+                          <a:effectLst/>
+                          <a:latin typeface="+mn-lt"/>
+                          <a:ea typeface="+mn-ea"/>
+                          <a:cs typeface="+mn-cs"/>
+                        </a:rPr>
+                        <a:t>Да</a:t>
+                      </a:r>
+                    </a:p>
+                  </a:txBody>
+                  <a:tcPr anchor="ctr" horzOverflow="overflow">
+                    <a:solidFill>
+                      <a:srgbClr val="0070C0"/>
+                    </a:solidFill>
+                  </a:tcPr>
+                </a:tc>
+                <a:tc>
+                  <a:txBody>
+                    <a:bodyPr/>
+                    <a:lstStyle/>
+                    <a:p>
+                      <a:pPr algn="l"/>
+                      <a:endParaRPr lang="ru-RU" sz="1600" dirty="0"/>
+                    </a:p>
+                  </a:txBody>
+                  <a:tcPr anchor="ctr" horzOverflow="overflow"/>
+                </a:tc>
+                <a:tc>
+                  <a:txBody>
+                    <a:bodyPr/>
+                    <a:lstStyle/>
+                    <a:p>
+                      <a:pPr algn="l"/>
+                      <a:r>
+                        <a:rPr lang="ru-RU" sz="1600" dirty="0"/>
+                        <a:t>Да</a:t>
+                      </a:r>
+                    </a:p>
+                  </a:txBody>
+                  <a:tcPr anchor="ctr" horzOverflow="overflow"/>
+                </a:tc>
+                <a:tc>
+                  <a:txBody>
+                    <a:bodyPr/>
+                    <a:lstStyle/>
+                    <a:p>
+                      <a:pPr algn="l"/>
+                      <a:r>
+                        <a:rPr lang="ru-RU" sz="1600" dirty="0"/>
+                        <a:t>Да</a:t>
+                      </a:r>
+                    </a:p>
+                  </a:txBody>
+                  <a:tcPr anchor="ctr" horzOverflow="overflow"/>
+                </a:tc>
+                <a:tc>
+                  <a:txBody>
+                    <a:bodyPr/>
+                    <a:lstStyle/>
+                    <a:p>
+                      <a:pPr algn="l"/>
+                      <a:r>
+                        <a:rPr lang="ru-RU" sz="1600" dirty="0"/>
+                        <a:t>Да</a:t>
+                      </a:r>
                     </a:p>
                   </a:txBody>
                   <a:tcPr anchor="ctr" horzOverflow="overflow"/>
                 </a:tc>
                 <a:extLst>
                   <a:ext uri="{0D108BD9-81ED-4DB2-BD59-A6C34878D82A}">
-                    <a16:rowId xmlns:a16="http://schemas.microsoft.com/office/drawing/2014/main" val="10005"/>
+                    <a16:rowId xmlns:a16="http://schemas.microsoft.com/office/drawing/2014/main" val="3027736201"/>
+                  </a:ext>
+                </a:extLst>
+              </a:tr>
+              <a:tr h="216024">
+                <a:tc>
+                  <a:txBody>
+                    <a:bodyPr/>
+                    <a:lstStyle/>
+                    <a:p>
+                      <a:pPr algn="l"/>
+                      <a:r>
+                        <a:rPr lang="ru-RU" sz="1600" dirty="0"/>
+                        <a:t>Асинхронность</a:t>
+                      </a:r>
+                    </a:p>
+                  </a:txBody>
+                  <a:tcPr anchor="ctr" horzOverflow="overflow"/>
+                </a:tc>
+                <a:tc>
+                  <a:txBody>
+                    <a:bodyPr/>
+                    <a:lstStyle/>
+                    <a:p>
+                      <a:pPr algn="l"/>
+                      <a:r>
+                        <a:rPr lang="ru-RU" sz="1600" dirty="0"/>
+                        <a:t>Да</a:t>
+                      </a:r>
+                    </a:p>
+                  </a:txBody>
+                  <a:tcPr anchor="ctr" horzOverflow="overflow"/>
+                </a:tc>
+                <a:tc>
+                  <a:txBody>
+                    <a:bodyPr/>
+                    <a:lstStyle/>
+                    <a:p>
+                      <a:pPr marL="342900" marR="0" lvl="0" indent="-342900" algn="l" defTabSz="914400" rtl="0" eaLnBrk="1" fontAlgn="base" latinLnBrk="0" hangingPunct="1">
+                        <a:lnSpc>
+                          <a:spcPct val="100000"/>
+                        </a:lnSpc>
+                        <a:spcBef>
+                          <a:spcPct val="0"/>
+                        </a:spcBef>
+                        <a:spcAft>
+                          <a:spcPct val="0"/>
+                        </a:spcAft>
+                        <a:buClrTx/>
+                        <a:buSzTx/>
+                        <a:buFontTx/>
+                        <a:buNone/>
+                        <a:tabLst/>
+                      </a:pPr>
+                      <a:r>
+                        <a:rPr kumimoji="0" lang="ru-RU" sz="1600" b="1" u="none" strike="noStrike" kern="1200" cap="none" normalizeH="0" baseline="0" dirty="0">
+                          <a:ln>
+                            <a:noFill/>
+                          </a:ln>
+                          <a:solidFill>
+                            <a:schemeClr val="bg1"/>
+                          </a:solidFill>
+                          <a:effectLst/>
+                          <a:latin typeface="+mn-lt"/>
+                          <a:ea typeface="+mn-ea"/>
+                          <a:cs typeface="+mn-cs"/>
+                        </a:rPr>
+                        <a:t>Да</a:t>
+                      </a:r>
+                    </a:p>
+                  </a:txBody>
+                  <a:tcPr anchor="ctr" horzOverflow="overflow">
+                    <a:solidFill>
+                      <a:srgbClr val="0070C0"/>
+                    </a:solidFill>
+                  </a:tcPr>
+                </a:tc>
+                <a:tc>
+                  <a:txBody>
+                    <a:bodyPr/>
+                    <a:lstStyle/>
+                    <a:p>
+                      <a:pPr algn="l"/>
+                      <a:r>
+                        <a:rPr lang="ru-RU" sz="1600" dirty="0"/>
+                        <a:t>Да</a:t>
+                      </a:r>
+                    </a:p>
+                  </a:txBody>
+                  <a:tcPr anchor="ctr" horzOverflow="overflow"/>
+                </a:tc>
+                <a:tc>
+                  <a:txBody>
+                    <a:bodyPr/>
+                    <a:lstStyle/>
+                    <a:p>
+                      <a:pPr algn="l"/>
+                      <a:r>
+                        <a:rPr lang="ru-RU" sz="1600" dirty="0"/>
+                        <a:t>Да</a:t>
+                      </a:r>
+                    </a:p>
+                  </a:txBody>
+                  <a:tcPr anchor="ctr" horzOverflow="overflow"/>
+                </a:tc>
+                <a:tc>
+                  <a:txBody>
+                    <a:bodyPr/>
+                    <a:lstStyle/>
+                    <a:p>
+                      <a:pPr algn="l"/>
+                      <a:r>
+                        <a:rPr lang="ru-RU" sz="1600" dirty="0"/>
+                        <a:t>Да</a:t>
+                      </a:r>
+                    </a:p>
+                  </a:txBody>
+                  <a:tcPr anchor="ctr" horzOverflow="overflow"/>
+                </a:tc>
+                <a:tc>
+                  <a:txBody>
+                    <a:bodyPr/>
+                    <a:lstStyle/>
+                    <a:p>
+                      <a:pPr algn="l"/>
+                      <a:endParaRPr lang="ru-RU" sz="1600" dirty="0"/>
+                    </a:p>
+                  </a:txBody>
+                  <a:tcPr anchor="ctr" horzOverflow="overflow"/>
+                </a:tc>
+                <a:extLst>
+                  <a:ext uri="{0D108BD9-81ED-4DB2-BD59-A6C34878D82A}">
+                    <a16:rowId xmlns:a16="http://schemas.microsoft.com/office/drawing/2014/main" val="110670202"/>
+                  </a:ext>
+                </a:extLst>
+              </a:tr>
+              <a:tr h="216024">
+                <a:tc>
+                  <a:txBody>
+                    <a:bodyPr/>
+                    <a:lstStyle/>
+                    <a:p>
+                      <a:pPr marL="0" marR="0" lvl="0" indent="0" algn="l" defTabSz="914400" rtl="0" eaLnBrk="1" fontAlgn="auto" latinLnBrk="0" hangingPunct="1">
+                        <a:lnSpc>
+                          <a:spcPct val="100000"/>
+                        </a:lnSpc>
+                        <a:spcBef>
+                          <a:spcPts val="0"/>
+                        </a:spcBef>
+                        <a:spcAft>
+                          <a:spcPts val="0"/>
+                        </a:spcAft>
+                        <a:buClrTx/>
+                        <a:buSzTx/>
+                        <a:buFontTx/>
+                        <a:buNone/>
+                        <a:tabLst/>
+                        <a:defRPr/>
+                      </a:pPr>
+                      <a:r>
+                        <a:rPr lang="ru-RU" sz="1600" dirty="0"/>
+                        <a:t>Отложенные вычисления</a:t>
+                      </a:r>
+                    </a:p>
+                  </a:txBody>
+                  <a:tcPr anchor="ctr" horzOverflow="overflow"/>
+                </a:tc>
+                <a:tc>
+                  <a:txBody>
+                    <a:bodyPr/>
+                    <a:lstStyle/>
+                    <a:p>
+                      <a:pPr algn="l"/>
+                      <a:r>
+                        <a:rPr lang="ru-RU" sz="1600" dirty="0"/>
+                        <a:t>Нет</a:t>
+                      </a:r>
+                    </a:p>
+                  </a:txBody>
+                  <a:tcPr anchor="ctr" horzOverflow="overflow"/>
+                </a:tc>
+                <a:tc>
+                  <a:txBody>
+                    <a:bodyPr/>
+                    <a:lstStyle/>
+                    <a:p>
+                      <a:pPr marL="342900" marR="0" lvl="0" indent="-342900" algn="l" defTabSz="914400" rtl="0" eaLnBrk="1" fontAlgn="base" latinLnBrk="0" hangingPunct="1">
+                        <a:lnSpc>
+                          <a:spcPct val="100000"/>
+                        </a:lnSpc>
+                        <a:spcBef>
+                          <a:spcPct val="0"/>
+                        </a:spcBef>
+                        <a:spcAft>
+                          <a:spcPct val="0"/>
+                        </a:spcAft>
+                        <a:buClrTx/>
+                        <a:buSzTx/>
+                        <a:buFontTx/>
+                        <a:buNone/>
+                        <a:tabLst/>
+                      </a:pPr>
+                      <a:r>
+                        <a:rPr kumimoji="0" lang="ru-RU" sz="1600" b="1" u="none" strike="noStrike" kern="1200" cap="none" normalizeH="0" baseline="0" dirty="0">
+                          <a:ln>
+                            <a:noFill/>
+                          </a:ln>
+                          <a:solidFill>
+                            <a:schemeClr val="bg1"/>
+                          </a:solidFill>
+                          <a:effectLst/>
+                          <a:latin typeface="+mn-lt"/>
+                          <a:ea typeface="+mn-ea"/>
+                          <a:cs typeface="+mn-cs"/>
+                        </a:rPr>
+                        <a:t>Да</a:t>
+                      </a:r>
+                    </a:p>
+                  </a:txBody>
+                  <a:tcPr anchor="ctr" horzOverflow="overflow">
+                    <a:solidFill>
+                      <a:srgbClr val="0070C0"/>
+                    </a:solidFill>
+                  </a:tcPr>
+                </a:tc>
+                <a:tc>
+                  <a:txBody>
+                    <a:bodyPr/>
+                    <a:lstStyle/>
+                    <a:p>
+                      <a:pPr algn="l"/>
+                      <a:r>
+                        <a:rPr lang="ru-RU" sz="1600" dirty="0"/>
+                        <a:t>Да</a:t>
+                      </a:r>
+                    </a:p>
+                  </a:txBody>
+                  <a:tcPr anchor="ctr" horzOverflow="overflow"/>
+                </a:tc>
+                <a:tc>
+                  <a:txBody>
+                    <a:bodyPr/>
+                    <a:lstStyle/>
+                    <a:p>
+                      <a:pPr algn="l"/>
+                      <a:r>
+                        <a:rPr lang="ru-RU" sz="1600" dirty="0"/>
+                        <a:t>Да</a:t>
+                      </a:r>
+                    </a:p>
+                  </a:txBody>
+                  <a:tcPr anchor="ctr" horzOverflow="overflow"/>
+                </a:tc>
+                <a:tc>
+                  <a:txBody>
+                    <a:bodyPr/>
+                    <a:lstStyle/>
+                    <a:p>
+                      <a:pPr algn="l"/>
+                      <a:endParaRPr lang="ru-RU" sz="1600" dirty="0"/>
+                    </a:p>
+                  </a:txBody>
+                  <a:tcPr anchor="ctr" horzOverflow="overflow"/>
+                </a:tc>
+                <a:tc>
+                  <a:txBody>
+                    <a:bodyPr/>
+                    <a:lstStyle/>
+                    <a:p>
+                      <a:pPr algn="l"/>
+                      <a:r>
+                        <a:rPr lang="ru-RU" sz="1600" dirty="0"/>
+                        <a:t>Да</a:t>
+                      </a:r>
+                    </a:p>
+                  </a:txBody>
+                  <a:tcPr anchor="ctr" horzOverflow="overflow"/>
+                </a:tc>
+                <a:extLst>
+                  <a:ext uri="{0D108BD9-81ED-4DB2-BD59-A6C34878D82A}">
+                    <a16:rowId xmlns:a16="http://schemas.microsoft.com/office/drawing/2014/main" val="1160426947"/>
                   </a:ext>
                 </a:extLst>
               </a:tr>
@@ -10135,8 +11896,1346 @@
             <a:pPr algn="ctr"/>
             <a:r>
               <a:rPr lang="ru-RU" sz="2200" b="1" dirty="0"/>
-              <a:t>Выбор языка и среды программирования</a:t>
+              <a:t>Выбор языка программирования</a:t>
             </a:r>
+          </a:p>
+        </p:txBody>
+      </p:sp>
+      <p:sp>
+        <p:nvSpPr>
+          <p:cNvPr id="13" name="Rectangle 206"/>
+          <p:cNvSpPr>
+            <a:spLocks noChangeArrowheads="1"/>
+          </p:cNvSpPr>
+          <p:nvPr/>
+        </p:nvSpPr>
+        <p:spPr bwMode="auto">
+          <a:xfrm>
+            <a:off x="3563888" y="5805264"/>
+            <a:ext cx="2520278" cy="861774"/>
+          </a:xfrm>
+          <a:prstGeom prst="rect">
+            <a:avLst/>
+          </a:prstGeom>
+          <a:noFill/>
+          <a:ln w="9525">
+            <a:noFill/>
+            <a:miter lim="800000"/>
+            <a:headEnd/>
+            <a:tailEnd/>
+          </a:ln>
+        </p:spPr>
+        <p:txBody>
+          <a:bodyPr wrap="square">
+            <a:spAutoFit/>
+          </a:bodyPr>
+          <a:lstStyle/>
+          <a:p>
+            <a:r>
+              <a:rPr lang="ru-RU" sz="1000" dirty="0"/>
+              <a:t>Условные обозначения:</a:t>
+            </a:r>
+          </a:p>
+          <a:p>
+            <a:r>
+              <a:rPr lang="ru-RU" sz="1000" dirty="0"/>
+              <a:t>«Да» - указанная возможность присутствует</a:t>
+            </a:r>
+          </a:p>
+          <a:p>
+            <a:r>
+              <a:rPr lang="ru-RU" sz="1000" b="1" dirty="0"/>
+              <a:t>«</a:t>
+            </a:r>
+            <a:r>
+              <a:rPr lang="ru-RU" sz="1000" dirty="0"/>
+              <a:t>Нет</a:t>
+            </a:r>
+            <a:r>
+              <a:rPr lang="ru-RU" sz="1000" b="1" dirty="0"/>
+              <a:t>»</a:t>
+            </a:r>
+            <a:r>
+              <a:rPr lang="en-US" sz="1000" dirty="0"/>
+              <a:t> </a:t>
+            </a:r>
+            <a:r>
+              <a:rPr lang="ru-RU" sz="1000" dirty="0"/>
+              <a:t>- указанная возможность отсутствует</a:t>
+            </a:r>
+          </a:p>
+        </p:txBody>
+      </p:sp>
+      <p:sp>
+        <p:nvSpPr>
+          <p:cNvPr id="14" name="Rectangle 24"/>
+          <p:cNvSpPr>
+            <a:spLocks noChangeArrowheads="1"/>
+          </p:cNvSpPr>
+          <p:nvPr/>
+        </p:nvSpPr>
+        <p:spPr bwMode="auto">
+          <a:xfrm>
+            <a:off x="107503" y="5517232"/>
+            <a:ext cx="3384221" cy="1169551"/>
+          </a:xfrm>
+          <a:prstGeom prst="rect">
+            <a:avLst/>
+          </a:prstGeom>
+          <a:noFill/>
+          <a:ln w="9525">
+            <a:noFill/>
+            <a:miter lim="800000"/>
+            <a:headEnd/>
+            <a:tailEnd/>
+          </a:ln>
+        </p:spPr>
+        <p:txBody>
+          <a:bodyPr wrap="square" anchor="ctr">
+            <a:spAutoFit/>
+          </a:bodyPr>
+          <a:lstStyle/>
+          <a:p>
+            <a:pPr indent="450850" algn="just" eaLnBrk="0" hangingPunct="0"/>
+            <a:r>
+              <a:rPr lang="ru-RU" sz="1000" dirty="0">
+                <a:cs typeface="Times New Roman" pitchFamily="18" charset="0"/>
+              </a:rPr>
+              <a:t>Источники информации:</a:t>
+            </a:r>
+          </a:p>
+          <a:p>
+            <a:pPr indent="450850" algn="just" eaLnBrk="0" hangingPunct="0"/>
+            <a:r>
+              <a:rPr lang="en-US" sz="1000" dirty="0">
+                <a:cs typeface="Arial" charset="0"/>
+              </a:rPr>
+              <a:t>[1] </a:t>
+            </a:r>
+            <a:r>
+              <a:rPr lang="en-US" sz="1000" dirty="0">
+                <a:cs typeface="Arial" charset="0"/>
+                <a:hlinkClick r:id="rId2"/>
+              </a:rPr>
+              <a:t>https://docs.oracle.com/en/java/</a:t>
+            </a:r>
+            <a:r>
+              <a:rPr lang="en-US" sz="1000" dirty="0">
+                <a:cs typeface="Arial" charset="0"/>
+              </a:rPr>
+              <a:t> </a:t>
+            </a:r>
+          </a:p>
+          <a:p>
+            <a:pPr indent="450850" algn="just" eaLnBrk="0" hangingPunct="0"/>
+            <a:r>
+              <a:rPr lang="en-US" sz="1000" dirty="0">
+                <a:cs typeface="Arial" charset="0"/>
+              </a:rPr>
+              <a:t>[2]</a:t>
+            </a:r>
+            <a:r>
+              <a:rPr lang="en-US" sz="1000" dirty="0">
+                <a:cs typeface="Arial" charset="0"/>
+                <a:hlinkClick r:id="rId3"/>
+              </a:rPr>
+              <a:t> https://docs.microsoft.com/ru-ru/dotnet/csharp/</a:t>
+            </a:r>
+            <a:r>
+              <a:rPr lang="en-US" sz="1000" dirty="0">
+                <a:cs typeface="Arial" charset="0"/>
+              </a:rPr>
+              <a:t> </a:t>
+            </a:r>
+            <a:endParaRPr lang="ru-RU" sz="1000" dirty="0">
+              <a:cs typeface="Arial" charset="0"/>
+            </a:endParaRPr>
+          </a:p>
+          <a:p>
+            <a:pPr indent="450850" algn="just" eaLnBrk="0" hangingPunct="0"/>
+            <a:r>
+              <a:rPr lang="en-US" sz="1000" dirty="0">
+                <a:cs typeface="Arial" charset="0"/>
+              </a:rPr>
+              <a:t>[3] </a:t>
+            </a:r>
+            <a:r>
+              <a:rPr lang="en-US" sz="1000" dirty="0">
+                <a:cs typeface="Arial" charset="0"/>
+                <a:hlinkClick r:id="rId4"/>
+              </a:rPr>
+              <a:t>https://learn.javascript.ru/</a:t>
+            </a:r>
+            <a:r>
+              <a:rPr lang="en-US" sz="1000" dirty="0">
+                <a:cs typeface="Arial" charset="0"/>
+              </a:rPr>
+              <a:t> </a:t>
+            </a:r>
+            <a:endParaRPr lang="ru-RU" sz="1000" dirty="0">
+              <a:cs typeface="Arial" charset="0"/>
+            </a:endParaRPr>
+          </a:p>
+          <a:p>
+            <a:pPr indent="450850" algn="just" eaLnBrk="0" hangingPunct="0"/>
+            <a:r>
+              <a:rPr lang="en-US" sz="1000" u="sng" dirty="0">
+                <a:cs typeface="Arial" charset="0"/>
+              </a:rPr>
+              <a:t>[4] </a:t>
+            </a:r>
+            <a:r>
+              <a:rPr lang="en-US" sz="1000" u="sng" dirty="0">
+                <a:cs typeface="Arial" charset="0"/>
+                <a:hlinkClick r:id="rId5"/>
+              </a:rPr>
+              <a:t>https://www.python.org/</a:t>
+            </a:r>
+            <a:r>
+              <a:rPr lang="en-US" sz="1000" u="sng" dirty="0">
+                <a:cs typeface="Arial" charset="0"/>
+              </a:rPr>
+              <a:t> </a:t>
+            </a:r>
+          </a:p>
+          <a:p>
+            <a:pPr indent="450850" algn="just" eaLnBrk="0" hangingPunct="0"/>
+            <a:r>
+              <a:rPr lang="en-US" sz="1000" u="sng" dirty="0">
+                <a:cs typeface="Arial" charset="0"/>
+              </a:rPr>
+              <a:t>[5] </a:t>
+            </a:r>
+            <a:r>
+              <a:rPr lang="en-US" sz="1000" u="sng" dirty="0">
+                <a:cs typeface="Arial" charset="0"/>
+                <a:hlinkClick r:id="rId6"/>
+              </a:rPr>
+              <a:t>https://www.php.net/</a:t>
+            </a:r>
+            <a:r>
+              <a:rPr lang="en-US" sz="1000" u="sng" dirty="0">
+                <a:cs typeface="Arial" charset="0"/>
+              </a:rPr>
+              <a:t> </a:t>
+            </a:r>
+          </a:p>
+          <a:p>
+            <a:pPr indent="450850" algn="just" eaLnBrk="0" hangingPunct="0"/>
+            <a:r>
+              <a:rPr lang="en-US" sz="1000" u="sng" dirty="0">
+                <a:cs typeface="Arial" charset="0"/>
+              </a:rPr>
+              <a:t>[6] </a:t>
+            </a:r>
+            <a:r>
+              <a:rPr lang="en-US" sz="1000" u="sng" dirty="0">
+                <a:cs typeface="Arial" charset="0"/>
+                <a:hlinkClick r:id="rId7"/>
+              </a:rPr>
+              <a:t>https://www.ruby-lang.org/ru/</a:t>
+            </a:r>
+            <a:r>
+              <a:rPr lang="en-US" sz="1000" u="sng" dirty="0">
+                <a:cs typeface="Arial" charset="0"/>
+              </a:rPr>
+              <a:t> </a:t>
+            </a:r>
+          </a:p>
+        </p:txBody>
+      </p:sp>
+    </p:spTree>
+  </p:cSld>
+  <p:clrMapOvr>
+    <a:masterClrMapping/>
+  </p:clrMapOvr>
+</p:sld>
+</file>
+
+<file path=ppt/slides/slide5.xml><?xml version="1.0" encoding="utf-8"?>
+<p:sld xmlns:a="http://schemas.openxmlformats.org/drawingml/2006/main" xmlns:r="http://schemas.openxmlformats.org/officeDocument/2006/relationships" xmlns:p="http://schemas.openxmlformats.org/presentationml/2006/main">
+  <p:cSld>
+    <p:spTree>
+      <p:nvGrpSpPr>
+        <p:cNvPr id="1" name=""/>
+        <p:cNvGrpSpPr/>
+        <p:nvPr/>
+      </p:nvGrpSpPr>
+      <p:grpSpPr>
+        <a:xfrm>
+          <a:off x="0" y="0"/>
+          <a:ext cx="0" cy="0"/>
+          <a:chOff x="0" y="0"/>
+          <a:chExt cx="0" cy="0"/>
+        </a:xfrm>
+      </p:grpSpPr>
+      <p:sp>
+        <p:nvSpPr>
+          <p:cNvPr id="4" name="Line 137"/>
+          <p:cNvSpPr>
+            <a:spLocks noChangeShapeType="1"/>
+          </p:cNvSpPr>
+          <p:nvPr/>
+        </p:nvSpPr>
+        <p:spPr bwMode="auto">
+          <a:xfrm>
+            <a:off x="193675" y="188913"/>
+            <a:ext cx="0" cy="6480175"/>
+          </a:xfrm>
+          <a:prstGeom prst="line">
+            <a:avLst/>
+          </a:prstGeom>
+          <a:noFill/>
+          <a:ln w="12700" cap="sq">
+            <a:solidFill>
+              <a:schemeClr val="tx1"/>
+            </a:solidFill>
+            <a:round/>
+            <a:headEnd/>
+            <a:tailEnd/>
+          </a:ln>
+        </p:spPr>
+        <p:txBody>
+          <a:bodyPr/>
+          <a:lstStyle/>
+          <a:p>
+            <a:endParaRPr lang="ru-RU"/>
+          </a:p>
+        </p:txBody>
+      </p:sp>
+      <p:sp>
+        <p:nvSpPr>
+          <p:cNvPr id="5" name="Line 138"/>
+          <p:cNvSpPr>
+            <a:spLocks noChangeShapeType="1"/>
+          </p:cNvSpPr>
+          <p:nvPr/>
+        </p:nvSpPr>
+        <p:spPr bwMode="auto">
+          <a:xfrm>
+            <a:off x="8978900" y="188913"/>
+            <a:ext cx="0" cy="6480175"/>
+          </a:xfrm>
+          <a:prstGeom prst="line">
+            <a:avLst/>
+          </a:prstGeom>
+          <a:noFill/>
+          <a:ln w="12700" cap="sq">
+            <a:solidFill>
+              <a:schemeClr val="tx1"/>
+            </a:solidFill>
+            <a:round/>
+            <a:headEnd/>
+            <a:tailEnd/>
+          </a:ln>
+        </p:spPr>
+        <p:txBody>
+          <a:bodyPr/>
+          <a:lstStyle/>
+          <a:p>
+            <a:endParaRPr lang="ru-RU"/>
+          </a:p>
+        </p:txBody>
+      </p:sp>
+      <p:graphicFrame>
+        <p:nvGraphicFramePr>
+          <p:cNvPr id="6" name="Group 10"/>
+          <p:cNvGraphicFramePr>
+            <a:graphicFrameLocks noGrp="1"/>
+          </p:cNvGraphicFramePr>
+          <p:nvPr>
+            <p:extLst>
+              <p:ext uri="{D42A27DB-BD31-4B8C-83A1-F6EECF244321}">
+                <p14:modId xmlns:p14="http://schemas.microsoft.com/office/powerpoint/2010/main" val="83407160"/>
+              </p:ext>
+            </p:extLst>
+          </p:nvPr>
+        </p:nvGraphicFramePr>
+        <p:xfrm>
+          <a:off x="6156325" y="6254750"/>
+          <a:ext cx="2822575" cy="412740"/>
+        </p:xfrm>
+        <a:graphic>
+          <a:graphicData uri="http://schemas.openxmlformats.org/drawingml/2006/table">
+            <a:tbl>
+              <a:tblPr/>
+              <a:tblGrid>
+                <a:gridCol w="792163">
+                  <a:extLst>
+                    <a:ext uri="{9D8B030D-6E8A-4147-A177-3AD203B41FA5}">
+                      <a16:colId xmlns:a16="http://schemas.microsoft.com/office/drawing/2014/main" val="20000"/>
+                    </a:ext>
+                  </a:extLst>
+                </a:gridCol>
+                <a:gridCol w="1008062">
+                  <a:extLst>
+                    <a:ext uri="{9D8B030D-6E8A-4147-A177-3AD203B41FA5}">
+                      <a16:colId xmlns:a16="http://schemas.microsoft.com/office/drawing/2014/main" val="20001"/>
+                    </a:ext>
+                  </a:extLst>
+                </a:gridCol>
+                <a:gridCol w="649288">
+                  <a:extLst>
+                    <a:ext uri="{9D8B030D-6E8A-4147-A177-3AD203B41FA5}">
+                      <a16:colId xmlns:a16="http://schemas.microsoft.com/office/drawing/2014/main" val="20002"/>
+                    </a:ext>
+                  </a:extLst>
+                </a:gridCol>
+                <a:gridCol w="373062">
+                  <a:extLst>
+                    <a:ext uri="{9D8B030D-6E8A-4147-A177-3AD203B41FA5}">
+                      <a16:colId xmlns:a16="http://schemas.microsoft.com/office/drawing/2014/main" val="20003"/>
+                    </a:ext>
+                  </a:extLst>
+                </a:gridCol>
+              </a:tblGrid>
+              <a:tr h="0">
+                <a:tc>
+                  <a:txBody>
+                    <a:bodyPr/>
+                    <a:lstStyle/>
+                    <a:p>
+                      <a:pPr marL="0" marR="0" lvl="0" indent="0" algn="l" defTabSz="914400" rtl="0" eaLnBrk="1" fontAlgn="base" latinLnBrk="0" hangingPunct="1">
+                        <a:lnSpc>
+                          <a:spcPct val="100000"/>
+                        </a:lnSpc>
+                        <a:spcBef>
+                          <a:spcPct val="0"/>
+                        </a:spcBef>
+                        <a:spcAft>
+                          <a:spcPct val="0"/>
+                        </a:spcAft>
+                        <a:buClrTx/>
+                        <a:buSzTx/>
+                        <a:buFontTx/>
+                        <a:buNone/>
+                        <a:tabLst/>
+                      </a:pPr>
+                      <a:r>
+                        <a:rPr kumimoji="0" lang="ru-RU" sz="1000" b="0" i="0" u="none" strike="noStrike" cap="none" normalizeH="0" baseline="0" dirty="0">
+                          <a:ln>
+                            <a:noFill/>
+                          </a:ln>
+                          <a:solidFill>
+                            <a:schemeClr val="tx1"/>
+                          </a:solidFill>
+                          <a:effectLst/>
+                          <a:latin typeface="Times New Roman" pitchFamily="18" charset="0"/>
+                          <a:cs typeface="Times New Roman" pitchFamily="18" charset="0"/>
+                        </a:rPr>
+                        <a:t>Разработал</a:t>
+                      </a:r>
+                      <a:endParaRPr kumimoji="0" lang="ru-RU" sz="1000" b="0" i="0" u="none" strike="noStrike" cap="none" normalizeH="0" baseline="0" dirty="0">
+                        <a:ln>
+                          <a:noFill/>
+                        </a:ln>
+                        <a:solidFill>
+                          <a:schemeClr val="tx1"/>
+                        </a:solidFill>
+                        <a:effectLst/>
+                        <a:latin typeface="Arial" charset="0"/>
+                      </a:endParaRPr>
+                    </a:p>
+                  </a:txBody>
+                  <a:tcPr marL="71962" marR="71962" marT="17991" marB="35979" horzOverflow="overflow">
+                    <a:lnL w="12700" cap="flat" cmpd="sng" algn="ctr">
+                      <a:solidFill>
+                        <a:srgbClr val="000000"/>
+                      </a:solidFill>
+                      <a:prstDash val="solid"/>
+                      <a:round/>
+                      <a:headEnd type="none" w="med" len="med"/>
+                      <a:tailEnd type="none" w="med" len="med"/>
+                    </a:lnL>
+                    <a:lnR w="12700" cap="flat" cmpd="sng" algn="ctr">
+                      <a:solidFill>
+                        <a:srgbClr val="000000"/>
+                      </a:solidFill>
+                      <a:prstDash val="solid"/>
+                      <a:round/>
+                      <a:headEnd type="none" w="med" len="med"/>
+                      <a:tailEnd type="none" w="med" len="med"/>
+                    </a:lnR>
+                    <a:lnT w="12700" cap="flat" cmpd="sng" algn="ctr">
+                      <a:solidFill>
+                        <a:srgbClr val="000000"/>
+                      </a:solidFill>
+                      <a:prstDash val="solid"/>
+                      <a:round/>
+                      <a:headEnd type="none" w="med" len="med"/>
+                      <a:tailEnd type="none" w="med" len="med"/>
+                    </a:lnT>
+                    <a:lnB w="12700" cap="flat" cmpd="sng" algn="ctr">
+                      <a:solidFill>
+                        <a:srgbClr val="000000"/>
+                      </a:solidFill>
+                      <a:prstDash val="solid"/>
+                      <a:round/>
+                      <a:headEnd type="none" w="med" len="med"/>
+                      <a:tailEnd type="none" w="med" len="med"/>
+                    </a:lnB>
+                    <a:lnTlToBr>
+                      <a:noFill/>
+                    </a:lnTlToBr>
+                    <a:lnBlToTr>
+                      <a:noFill/>
+                    </a:lnBlToTr>
+                    <a:noFill/>
+                  </a:tcPr>
+                </a:tc>
+                <a:tc>
+                  <a:txBody>
+                    <a:bodyPr/>
+                    <a:lstStyle/>
+                    <a:p>
+                      <a:pPr marL="0" marR="0" lvl="0" indent="0" algn="l" defTabSz="914400" rtl="0" eaLnBrk="1" fontAlgn="base" latinLnBrk="0" hangingPunct="1">
+                        <a:lnSpc>
+                          <a:spcPct val="100000"/>
+                        </a:lnSpc>
+                        <a:spcBef>
+                          <a:spcPct val="0"/>
+                        </a:spcBef>
+                        <a:spcAft>
+                          <a:spcPct val="0"/>
+                        </a:spcAft>
+                        <a:buClrTx/>
+                        <a:buSzTx/>
+                        <a:buFontTx/>
+                        <a:buNone/>
+                        <a:tabLst/>
+                      </a:pPr>
+                      <a:r>
+                        <a:rPr kumimoji="0" lang="ru-RU" sz="1000" b="0" i="0" u="none" strike="noStrike" cap="none" normalizeH="0" baseline="0" dirty="0">
+                          <a:ln>
+                            <a:noFill/>
+                          </a:ln>
+                          <a:solidFill>
+                            <a:schemeClr val="tx1"/>
+                          </a:solidFill>
+                          <a:effectLst/>
+                          <a:latin typeface="Times New Roman" pitchFamily="18" charset="0"/>
+                          <a:cs typeface="Times New Roman" pitchFamily="18" charset="0"/>
+                        </a:rPr>
+                        <a:t>Мясников М.А.</a:t>
+                      </a:r>
+                    </a:p>
+                  </a:txBody>
+                  <a:tcPr marL="71962" marR="71962" marT="17991" marB="35979" horzOverflow="overflow">
+                    <a:lnL w="12700" cap="flat" cmpd="sng" algn="ctr">
+                      <a:solidFill>
+                        <a:srgbClr val="000000"/>
+                      </a:solidFill>
+                      <a:prstDash val="solid"/>
+                      <a:round/>
+                      <a:headEnd type="none" w="med" len="med"/>
+                      <a:tailEnd type="none" w="med" len="med"/>
+                    </a:lnL>
+                    <a:lnR w="12700" cap="flat" cmpd="sng" algn="ctr">
+                      <a:solidFill>
+                        <a:srgbClr val="000000"/>
+                      </a:solidFill>
+                      <a:prstDash val="solid"/>
+                      <a:round/>
+                      <a:headEnd type="none" w="med" len="med"/>
+                      <a:tailEnd type="none" w="med" len="med"/>
+                    </a:lnR>
+                    <a:lnT w="12700" cap="flat" cmpd="sng" algn="ctr">
+                      <a:solidFill>
+                        <a:srgbClr val="000000"/>
+                      </a:solidFill>
+                      <a:prstDash val="solid"/>
+                      <a:round/>
+                      <a:headEnd type="none" w="med" len="med"/>
+                      <a:tailEnd type="none" w="med" len="med"/>
+                    </a:lnT>
+                    <a:lnB w="12700" cap="flat" cmpd="sng" algn="ctr">
+                      <a:solidFill>
+                        <a:srgbClr val="000000"/>
+                      </a:solidFill>
+                      <a:prstDash val="solid"/>
+                      <a:round/>
+                      <a:headEnd type="none" w="med" len="med"/>
+                      <a:tailEnd type="none" w="med" len="med"/>
+                    </a:lnB>
+                    <a:lnTlToBr>
+                      <a:noFill/>
+                    </a:lnTlToBr>
+                    <a:lnBlToTr>
+                      <a:noFill/>
+                    </a:lnBlToTr>
+                    <a:noFill/>
+                  </a:tcPr>
+                </a:tc>
+                <a:tc>
+                  <a:txBody>
+                    <a:bodyPr/>
+                    <a:lstStyle/>
+                    <a:p>
+                      <a:pPr marL="0" marR="0" lvl="0" indent="0" algn="l" defTabSz="914400" rtl="0" eaLnBrk="1" fontAlgn="base" latinLnBrk="0" hangingPunct="1">
+                        <a:lnSpc>
+                          <a:spcPct val="100000"/>
+                        </a:lnSpc>
+                        <a:spcBef>
+                          <a:spcPct val="20000"/>
+                        </a:spcBef>
+                        <a:spcAft>
+                          <a:spcPct val="0"/>
+                        </a:spcAft>
+                        <a:buClrTx/>
+                        <a:buSzTx/>
+                        <a:buFontTx/>
+                        <a:buNone/>
+                        <a:tabLst/>
+                      </a:pPr>
+                      <a:endParaRPr kumimoji="0" lang="ru-RU" sz="1000" b="0" i="0" u="none" strike="noStrike" cap="none" normalizeH="0" baseline="0">
+                        <a:ln>
+                          <a:noFill/>
+                        </a:ln>
+                        <a:solidFill>
+                          <a:schemeClr val="tx1"/>
+                        </a:solidFill>
+                        <a:effectLst/>
+                        <a:latin typeface="Arial" charset="0"/>
+                      </a:endParaRPr>
+                    </a:p>
+                  </a:txBody>
+                  <a:tcPr marL="71962" marR="71962" marT="17991" marB="35979" horzOverflow="overflow">
+                    <a:lnL w="12700" cap="flat" cmpd="sng" algn="ctr">
+                      <a:solidFill>
+                        <a:srgbClr val="000000"/>
+                      </a:solidFill>
+                      <a:prstDash val="solid"/>
+                      <a:round/>
+                      <a:headEnd type="none" w="med" len="med"/>
+                      <a:tailEnd type="none" w="med" len="med"/>
+                    </a:lnL>
+                    <a:lnR w="12700" cap="flat" cmpd="sng" algn="ctr">
+                      <a:solidFill>
+                        <a:srgbClr val="000000"/>
+                      </a:solidFill>
+                      <a:prstDash val="solid"/>
+                      <a:round/>
+                      <a:headEnd type="none" w="med" len="med"/>
+                      <a:tailEnd type="none" w="med" len="med"/>
+                    </a:lnR>
+                    <a:lnT w="12700" cap="flat" cmpd="sng" algn="ctr">
+                      <a:solidFill>
+                        <a:srgbClr val="000000"/>
+                      </a:solidFill>
+                      <a:prstDash val="solid"/>
+                      <a:round/>
+                      <a:headEnd type="none" w="med" len="med"/>
+                      <a:tailEnd type="none" w="med" len="med"/>
+                    </a:lnT>
+                    <a:lnB w="12700" cap="flat" cmpd="sng" algn="ctr">
+                      <a:solidFill>
+                        <a:srgbClr val="000000"/>
+                      </a:solidFill>
+                      <a:prstDash val="solid"/>
+                      <a:round/>
+                      <a:headEnd type="none" w="med" len="med"/>
+                      <a:tailEnd type="none" w="med" len="med"/>
+                    </a:lnB>
+                    <a:lnTlToBr>
+                      <a:noFill/>
+                    </a:lnTlToBr>
+                    <a:lnBlToTr>
+                      <a:noFill/>
+                    </a:lnBlToTr>
+                    <a:noFill/>
+                  </a:tcPr>
+                </a:tc>
+                <a:tc>
+                  <a:txBody>
+                    <a:bodyPr/>
+                    <a:lstStyle/>
+                    <a:p>
+                      <a:pPr marL="0" marR="0" lvl="0" indent="0" algn="l" defTabSz="914400" rtl="0" eaLnBrk="1" fontAlgn="base" latinLnBrk="0" hangingPunct="1">
+                        <a:lnSpc>
+                          <a:spcPct val="100000"/>
+                        </a:lnSpc>
+                        <a:spcBef>
+                          <a:spcPct val="20000"/>
+                        </a:spcBef>
+                        <a:spcAft>
+                          <a:spcPct val="0"/>
+                        </a:spcAft>
+                        <a:buClrTx/>
+                        <a:buSzTx/>
+                        <a:buFontTx/>
+                        <a:buNone/>
+                        <a:tabLst/>
+                      </a:pPr>
+                      <a:r>
+                        <a:rPr kumimoji="0" lang="ru-RU" sz="1000" b="0" i="0" u="none" strike="noStrike" cap="none" normalizeH="0" baseline="0" dirty="0">
+                          <a:ln>
+                            <a:noFill/>
+                          </a:ln>
+                          <a:solidFill>
+                            <a:schemeClr val="tx1"/>
+                          </a:solidFill>
+                          <a:effectLst/>
+                          <a:latin typeface="Times New Roman" pitchFamily="18" charset="0"/>
+                        </a:rPr>
+                        <a:t>5</a:t>
+                      </a:r>
+                    </a:p>
+                  </a:txBody>
+                  <a:tcPr marL="71962" marR="71962" marT="17991" marB="35979" horzOverflow="overflow">
+                    <a:lnL w="12700" cap="flat" cmpd="sng" algn="ctr">
+                      <a:solidFill>
+                        <a:srgbClr val="000000"/>
+                      </a:solidFill>
+                      <a:prstDash val="solid"/>
+                      <a:round/>
+                      <a:headEnd type="none" w="med" len="med"/>
+                      <a:tailEnd type="none" w="med" len="med"/>
+                    </a:lnL>
+                    <a:lnR w="12700" cap="flat" cmpd="sng" algn="ctr">
+                      <a:solidFill>
+                        <a:srgbClr val="000000"/>
+                      </a:solidFill>
+                      <a:prstDash val="solid"/>
+                      <a:round/>
+                      <a:headEnd type="none" w="med" len="med"/>
+                      <a:tailEnd type="none" w="med" len="med"/>
+                    </a:lnR>
+                    <a:lnT w="12700" cap="flat" cmpd="sng" algn="ctr">
+                      <a:solidFill>
+                        <a:srgbClr val="000000"/>
+                      </a:solidFill>
+                      <a:prstDash val="solid"/>
+                      <a:round/>
+                      <a:headEnd type="none" w="med" len="med"/>
+                      <a:tailEnd type="none" w="med" len="med"/>
+                    </a:lnT>
+                    <a:lnB w="12700" cap="flat" cmpd="sng" algn="ctr">
+                      <a:solidFill>
+                        <a:srgbClr val="000000"/>
+                      </a:solidFill>
+                      <a:prstDash val="solid"/>
+                      <a:round/>
+                      <a:headEnd type="none" w="med" len="med"/>
+                      <a:tailEnd type="none" w="med" len="med"/>
+                    </a:lnB>
+                    <a:lnTlToBr>
+                      <a:noFill/>
+                    </a:lnTlToBr>
+                    <a:lnBlToTr>
+                      <a:noFill/>
+                    </a:lnBlToTr>
+                    <a:noFill/>
+                  </a:tcPr>
+                </a:tc>
+                <a:extLst>
+                  <a:ext uri="{0D108BD9-81ED-4DB2-BD59-A6C34878D82A}">
+                    <a16:rowId xmlns:a16="http://schemas.microsoft.com/office/drawing/2014/main" val="10000"/>
+                  </a:ext>
+                </a:extLst>
+              </a:tr>
+              <a:tr h="0">
+                <a:tc>
+                  <a:txBody>
+                    <a:bodyPr/>
+                    <a:lstStyle/>
+                    <a:p>
+                      <a:pPr marL="0" marR="0" lvl="0" indent="0" algn="l" defTabSz="914400" rtl="0" eaLnBrk="1" fontAlgn="base" latinLnBrk="0" hangingPunct="1">
+                        <a:lnSpc>
+                          <a:spcPct val="100000"/>
+                        </a:lnSpc>
+                        <a:spcBef>
+                          <a:spcPct val="0"/>
+                        </a:spcBef>
+                        <a:spcAft>
+                          <a:spcPct val="0"/>
+                        </a:spcAft>
+                        <a:buClrTx/>
+                        <a:buSzTx/>
+                        <a:buFontTx/>
+                        <a:buNone/>
+                        <a:tabLst/>
+                      </a:pPr>
+                      <a:r>
+                        <a:rPr kumimoji="0" lang="ru-RU" sz="1000" b="0" i="0" u="none" strike="noStrike" cap="none" normalizeH="0" baseline="0">
+                          <a:ln>
+                            <a:noFill/>
+                          </a:ln>
+                          <a:solidFill>
+                            <a:schemeClr val="tx1"/>
+                          </a:solidFill>
+                          <a:effectLst/>
+                          <a:latin typeface="Times New Roman" pitchFamily="18" charset="0"/>
+                          <a:cs typeface="Times New Roman" pitchFamily="18" charset="0"/>
+                        </a:rPr>
+                        <a:t>Утвердил</a:t>
+                      </a:r>
+                      <a:endParaRPr kumimoji="0" lang="ru-RU" sz="1000" b="0" i="0" u="none" strike="noStrike" cap="none" normalizeH="0" baseline="0">
+                        <a:ln>
+                          <a:noFill/>
+                        </a:ln>
+                        <a:solidFill>
+                          <a:schemeClr val="tx1"/>
+                        </a:solidFill>
+                        <a:effectLst/>
+                        <a:latin typeface="Arial" charset="0"/>
+                      </a:endParaRPr>
+                    </a:p>
+                  </a:txBody>
+                  <a:tcPr marL="71962" marR="71962" marT="17991" marB="35979" horzOverflow="overflow">
+                    <a:lnL w="12700" cap="flat" cmpd="sng" algn="ctr">
+                      <a:solidFill>
+                        <a:srgbClr val="000000"/>
+                      </a:solidFill>
+                      <a:prstDash val="solid"/>
+                      <a:round/>
+                      <a:headEnd type="none" w="med" len="med"/>
+                      <a:tailEnd type="none" w="med" len="med"/>
+                    </a:lnL>
+                    <a:lnR w="12700" cap="flat" cmpd="sng" algn="ctr">
+                      <a:solidFill>
+                        <a:srgbClr val="000000"/>
+                      </a:solidFill>
+                      <a:prstDash val="solid"/>
+                      <a:round/>
+                      <a:headEnd type="none" w="med" len="med"/>
+                      <a:tailEnd type="none" w="med" len="med"/>
+                    </a:lnR>
+                    <a:lnT w="12700" cap="flat" cmpd="sng" algn="ctr">
+                      <a:solidFill>
+                        <a:srgbClr val="000000"/>
+                      </a:solidFill>
+                      <a:prstDash val="solid"/>
+                      <a:round/>
+                      <a:headEnd type="none" w="med" len="med"/>
+                      <a:tailEnd type="none" w="med" len="med"/>
+                    </a:lnT>
+                    <a:lnB w="12700" cap="flat" cmpd="sng" algn="ctr">
+                      <a:solidFill>
+                        <a:srgbClr val="000000"/>
+                      </a:solidFill>
+                      <a:prstDash val="solid"/>
+                      <a:round/>
+                      <a:headEnd type="none" w="med" len="med"/>
+                      <a:tailEnd type="none" w="med" len="med"/>
+                    </a:lnB>
+                    <a:lnTlToBr>
+                      <a:noFill/>
+                    </a:lnTlToBr>
+                    <a:lnBlToTr>
+                      <a:noFill/>
+                    </a:lnBlToTr>
+                    <a:noFill/>
+                  </a:tcPr>
+                </a:tc>
+                <a:tc>
+                  <a:txBody>
+                    <a:bodyPr/>
+                    <a:lstStyle/>
+                    <a:p>
+                      <a:pPr marL="0" marR="0" lvl="0" indent="0" algn="l" defTabSz="914400" rtl="0" eaLnBrk="1" fontAlgn="base" latinLnBrk="0" hangingPunct="1">
+                        <a:lnSpc>
+                          <a:spcPct val="100000"/>
+                        </a:lnSpc>
+                        <a:spcBef>
+                          <a:spcPct val="0"/>
+                        </a:spcBef>
+                        <a:spcAft>
+                          <a:spcPct val="0"/>
+                        </a:spcAft>
+                        <a:buClrTx/>
+                        <a:buSzTx/>
+                        <a:buFontTx/>
+                        <a:buNone/>
+                        <a:tabLst/>
+                      </a:pPr>
+                      <a:r>
+                        <a:rPr kumimoji="0" lang="ru-RU" sz="1000" b="0" i="0" u="none" strike="noStrike" cap="none" normalizeH="0" baseline="0" dirty="0">
+                          <a:ln>
+                            <a:noFill/>
+                          </a:ln>
+                          <a:solidFill>
+                            <a:schemeClr val="tx1"/>
+                          </a:solidFill>
+                          <a:effectLst/>
+                          <a:latin typeface="Times New Roman" pitchFamily="18" charset="0"/>
+                          <a:cs typeface="Times New Roman" pitchFamily="18" charset="0"/>
+                        </a:rPr>
+                        <a:t>Гагарина Л.Г.</a:t>
+                      </a:r>
+                    </a:p>
+                  </a:txBody>
+                  <a:tcPr marL="71962" marR="71962" marT="17991" marB="35979" horzOverflow="overflow">
+                    <a:lnL w="12700" cap="flat" cmpd="sng" algn="ctr">
+                      <a:solidFill>
+                        <a:srgbClr val="000000"/>
+                      </a:solidFill>
+                      <a:prstDash val="solid"/>
+                      <a:round/>
+                      <a:headEnd type="none" w="med" len="med"/>
+                      <a:tailEnd type="none" w="med" len="med"/>
+                    </a:lnL>
+                    <a:lnR w="12700" cap="flat" cmpd="sng" algn="ctr">
+                      <a:solidFill>
+                        <a:srgbClr val="000000"/>
+                      </a:solidFill>
+                      <a:prstDash val="solid"/>
+                      <a:round/>
+                      <a:headEnd type="none" w="med" len="med"/>
+                      <a:tailEnd type="none" w="med" len="med"/>
+                    </a:lnR>
+                    <a:lnT w="12700" cap="flat" cmpd="sng" algn="ctr">
+                      <a:solidFill>
+                        <a:srgbClr val="000000"/>
+                      </a:solidFill>
+                      <a:prstDash val="solid"/>
+                      <a:round/>
+                      <a:headEnd type="none" w="med" len="med"/>
+                      <a:tailEnd type="none" w="med" len="med"/>
+                    </a:lnT>
+                    <a:lnB w="12700" cap="flat" cmpd="sng" algn="ctr">
+                      <a:solidFill>
+                        <a:srgbClr val="000000"/>
+                      </a:solidFill>
+                      <a:prstDash val="solid"/>
+                      <a:round/>
+                      <a:headEnd type="none" w="med" len="med"/>
+                      <a:tailEnd type="none" w="med" len="med"/>
+                    </a:lnB>
+                    <a:lnTlToBr>
+                      <a:noFill/>
+                    </a:lnTlToBr>
+                    <a:lnBlToTr>
+                      <a:noFill/>
+                    </a:lnBlToTr>
+                    <a:noFill/>
+                  </a:tcPr>
+                </a:tc>
+                <a:tc>
+                  <a:txBody>
+                    <a:bodyPr/>
+                    <a:lstStyle/>
+                    <a:p>
+                      <a:pPr marL="0" marR="0" lvl="0" indent="0" algn="l" defTabSz="914400" rtl="0" eaLnBrk="1" fontAlgn="base" latinLnBrk="0" hangingPunct="1">
+                        <a:lnSpc>
+                          <a:spcPct val="100000"/>
+                        </a:lnSpc>
+                        <a:spcBef>
+                          <a:spcPct val="20000"/>
+                        </a:spcBef>
+                        <a:spcAft>
+                          <a:spcPct val="0"/>
+                        </a:spcAft>
+                        <a:buClrTx/>
+                        <a:buSzTx/>
+                        <a:buFontTx/>
+                        <a:buNone/>
+                        <a:tabLst/>
+                      </a:pPr>
+                      <a:endParaRPr kumimoji="0" lang="ru-RU" sz="1000" b="0" i="0" u="none" strike="noStrike" cap="none" normalizeH="0" baseline="0">
+                        <a:ln>
+                          <a:noFill/>
+                        </a:ln>
+                        <a:solidFill>
+                          <a:schemeClr val="tx1"/>
+                        </a:solidFill>
+                        <a:effectLst/>
+                        <a:latin typeface="Arial" charset="0"/>
+                      </a:endParaRPr>
+                    </a:p>
+                  </a:txBody>
+                  <a:tcPr marL="71962" marR="71962" marT="17991" marB="35979" horzOverflow="overflow">
+                    <a:lnL w="12700" cap="flat" cmpd="sng" algn="ctr">
+                      <a:solidFill>
+                        <a:srgbClr val="000000"/>
+                      </a:solidFill>
+                      <a:prstDash val="solid"/>
+                      <a:round/>
+                      <a:headEnd type="none" w="med" len="med"/>
+                      <a:tailEnd type="none" w="med" len="med"/>
+                    </a:lnL>
+                    <a:lnR w="12700" cap="flat" cmpd="sng" algn="ctr">
+                      <a:solidFill>
+                        <a:srgbClr val="000000"/>
+                      </a:solidFill>
+                      <a:prstDash val="solid"/>
+                      <a:round/>
+                      <a:headEnd type="none" w="med" len="med"/>
+                      <a:tailEnd type="none" w="med" len="med"/>
+                    </a:lnR>
+                    <a:lnT w="12700" cap="flat" cmpd="sng" algn="ctr">
+                      <a:solidFill>
+                        <a:srgbClr val="000000"/>
+                      </a:solidFill>
+                      <a:prstDash val="solid"/>
+                      <a:round/>
+                      <a:headEnd type="none" w="med" len="med"/>
+                      <a:tailEnd type="none" w="med" len="med"/>
+                    </a:lnT>
+                    <a:lnB w="12700" cap="flat" cmpd="sng" algn="ctr">
+                      <a:solidFill>
+                        <a:srgbClr val="000000"/>
+                      </a:solidFill>
+                      <a:prstDash val="solid"/>
+                      <a:round/>
+                      <a:headEnd type="none" w="med" len="med"/>
+                      <a:tailEnd type="none" w="med" len="med"/>
+                    </a:lnB>
+                    <a:lnTlToBr>
+                      <a:noFill/>
+                    </a:lnTlToBr>
+                    <a:lnBlToTr>
+                      <a:noFill/>
+                    </a:lnBlToTr>
+                    <a:noFill/>
+                  </a:tcPr>
+                </a:tc>
+                <a:tc>
+                  <a:txBody>
+                    <a:bodyPr/>
+                    <a:lstStyle/>
+                    <a:p>
+                      <a:pPr marL="0" marR="0" lvl="0" indent="0" algn="l" defTabSz="914400" rtl="0" eaLnBrk="1" fontAlgn="base" latinLnBrk="0" hangingPunct="1">
+                        <a:lnSpc>
+                          <a:spcPct val="100000"/>
+                        </a:lnSpc>
+                        <a:spcBef>
+                          <a:spcPct val="20000"/>
+                        </a:spcBef>
+                        <a:spcAft>
+                          <a:spcPct val="0"/>
+                        </a:spcAft>
+                        <a:buClrTx/>
+                        <a:buSzTx/>
+                        <a:buFontTx/>
+                        <a:buNone/>
+                        <a:tabLst/>
+                      </a:pPr>
+                      <a:endParaRPr kumimoji="0" lang="ru-RU" sz="1000" b="0" i="0" u="none" strike="noStrike" cap="none" normalizeH="0" baseline="0" dirty="0">
+                        <a:ln>
+                          <a:noFill/>
+                        </a:ln>
+                        <a:solidFill>
+                          <a:schemeClr val="tx1"/>
+                        </a:solidFill>
+                        <a:effectLst/>
+                        <a:latin typeface="Arial" charset="0"/>
+                      </a:endParaRPr>
+                    </a:p>
+                  </a:txBody>
+                  <a:tcPr marL="71962" marR="71962" marT="17991" marB="35979" horzOverflow="overflow">
+                    <a:lnL w="12700" cap="flat" cmpd="sng" algn="ctr">
+                      <a:solidFill>
+                        <a:srgbClr val="000000"/>
+                      </a:solidFill>
+                      <a:prstDash val="solid"/>
+                      <a:round/>
+                      <a:headEnd type="none" w="med" len="med"/>
+                      <a:tailEnd type="none" w="med" len="med"/>
+                    </a:lnL>
+                    <a:lnR w="12700" cap="flat" cmpd="sng" algn="ctr">
+                      <a:solidFill>
+                        <a:srgbClr val="000000"/>
+                      </a:solidFill>
+                      <a:prstDash val="solid"/>
+                      <a:round/>
+                      <a:headEnd type="none" w="med" len="med"/>
+                      <a:tailEnd type="none" w="med" len="med"/>
+                    </a:lnR>
+                    <a:lnT w="12700" cap="flat" cmpd="sng" algn="ctr">
+                      <a:solidFill>
+                        <a:srgbClr val="000000"/>
+                      </a:solidFill>
+                      <a:prstDash val="solid"/>
+                      <a:round/>
+                      <a:headEnd type="none" w="med" len="med"/>
+                      <a:tailEnd type="none" w="med" len="med"/>
+                    </a:lnT>
+                    <a:lnB w="12700" cap="flat" cmpd="sng" algn="ctr">
+                      <a:solidFill>
+                        <a:srgbClr val="000000"/>
+                      </a:solidFill>
+                      <a:prstDash val="solid"/>
+                      <a:round/>
+                      <a:headEnd type="none" w="med" len="med"/>
+                      <a:tailEnd type="none" w="med" len="med"/>
+                    </a:lnB>
+                    <a:lnTlToBr>
+                      <a:noFill/>
+                    </a:lnTlToBr>
+                    <a:lnBlToTr>
+                      <a:noFill/>
+                    </a:lnBlToTr>
+                    <a:noFill/>
+                  </a:tcPr>
+                </a:tc>
+                <a:extLst>
+                  <a:ext uri="{0D108BD9-81ED-4DB2-BD59-A6C34878D82A}">
+                    <a16:rowId xmlns:a16="http://schemas.microsoft.com/office/drawing/2014/main" val="10001"/>
+                  </a:ext>
+                </a:extLst>
+              </a:tr>
+            </a:tbl>
+          </a:graphicData>
+        </a:graphic>
+      </p:graphicFrame>
+      <p:sp>
+        <p:nvSpPr>
+          <p:cNvPr id="7" name="Line 158"/>
+          <p:cNvSpPr>
+            <a:spLocks noChangeShapeType="1"/>
+          </p:cNvSpPr>
+          <p:nvPr/>
+        </p:nvSpPr>
+        <p:spPr bwMode="auto">
+          <a:xfrm>
+            <a:off x="193675" y="188913"/>
+            <a:ext cx="8785225" cy="0"/>
+          </a:xfrm>
+          <a:prstGeom prst="line">
+            <a:avLst/>
+          </a:prstGeom>
+          <a:noFill/>
+          <a:ln w="12700" cap="sq">
+            <a:solidFill>
+              <a:schemeClr val="tx1"/>
+            </a:solidFill>
+            <a:round/>
+            <a:headEnd/>
+            <a:tailEnd/>
+          </a:ln>
+        </p:spPr>
+        <p:txBody>
+          <a:bodyPr/>
+          <a:lstStyle/>
+          <a:p>
+            <a:endParaRPr lang="ru-RU"/>
+          </a:p>
+        </p:txBody>
+      </p:sp>
+      <p:sp>
+        <p:nvSpPr>
+          <p:cNvPr id="8" name="Line 159"/>
+          <p:cNvSpPr>
+            <a:spLocks noChangeShapeType="1"/>
+          </p:cNvSpPr>
+          <p:nvPr/>
+        </p:nvSpPr>
+        <p:spPr bwMode="auto">
+          <a:xfrm>
+            <a:off x="193675" y="6669088"/>
+            <a:ext cx="8785225" cy="0"/>
+          </a:xfrm>
+          <a:prstGeom prst="line">
+            <a:avLst/>
+          </a:prstGeom>
+          <a:noFill/>
+          <a:ln w="12700" cap="sq">
+            <a:solidFill>
+              <a:schemeClr val="tx1"/>
+            </a:solidFill>
+            <a:round/>
+            <a:headEnd/>
+            <a:tailEnd/>
+          </a:ln>
+        </p:spPr>
+        <p:txBody>
+          <a:bodyPr/>
+          <a:lstStyle/>
+          <a:p>
+            <a:endParaRPr lang="ru-RU"/>
+          </a:p>
+        </p:txBody>
+      </p:sp>
+      <p:sp>
+        <p:nvSpPr>
+          <p:cNvPr id="10" name="Rectangle 23"/>
+          <p:cNvSpPr>
+            <a:spLocks noChangeArrowheads="1"/>
+          </p:cNvSpPr>
+          <p:nvPr/>
+        </p:nvSpPr>
+        <p:spPr bwMode="auto">
+          <a:xfrm>
+            <a:off x="250825" y="260350"/>
+            <a:ext cx="8642350" cy="427038"/>
+          </a:xfrm>
+          <a:prstGeom prst="rect">
+            <a:avLst/>
+          </a:prstGeom>
+          <a:noFill/>
+          <a:ln w="9525">
+            <a:noFill/>
+            <a:miter lim="800000"/>
+            <a:headEnd/>
+            <a:tailEnd/>
+          </a:ln>
+        </p:spPr>
+        <p:txBody>
+          <a:bodyPr>
+            <a:spAutoFit/>
+          </a:bodyPr>
+          <a:lstStyle/>
+          <a:p>
+            <a:pPr algn="ctr"/>
+            <a:r>
+              <a:rPr lang="ru-RU" sz="2200" b="1" dirty="0"/>
+              <a:t>Выбор среды программирования</a:t>
+            </a:r>
+          </a:p>
+        </p:txBody>
+      </p:sp>
+      <p:sp>
+        <p:nvSpPr>
+          <p:cNvPr id="14" name="Rectangle 24"/>
+          <p:cNvSpPr>
+            <a:spLocks noChangeArrowheads="1"/>
+          </p:cNvSpPr>
+          <p:nvPr/>
+        </p:nvSpPr>
+        <p:spPr bwMode="auto">
+          <a:xfrm>
+            <a:off x="107503" y="5728320"/>
+            <a:ext cx="3384225" cy="861774"/>
+          </a:xfrm>
+          <a:prstGeom prst="rect">
+            <a:avLst/>
+          </a:prstGeom>
+          <a:noFill/>
+          <a:ln w="9525">
+            <a:noFill/>
+            <a:miter lim="800000"/>
+            <a:headEnd/>
+            <a:tailEnd/>
+          </a:ln>
+        </p:spPr>
+        <p:txBody>
+          <a:bodyPr wrap="square" anchor="ctr">
+            <a:spAutoFit/>
+          </a:bodyPr>
+          <a:lstStyle/>
+          <a:p>
+            <a:pPr indent="450850" algn="just" eaLnBrk="0" hangingPunct="0"/>
+            <a:r>
+              <a:rPr lang="ru-RU" sz="1000" dirty="0">
+                <a:cs typeface="Times New Roman" pitchFamily="18" charset="0"/>
+              </a:rPr>
+              <a:t>Источники информации:</a:t>
+            </a:r>
+          </a:p>
+          <a:p>
+            <a:pPr indent="450850" algn="just" eaLnBrk="0" hangingPunct="0"/>
+            <a:r>
+              <a:rPr lang="en-US" sz="1000" dirty="0">
+                <a:cs typeface="Arial" charset="0"/>
+              </a:rPr>
+              <a:t>[1] </a:t>
+            </a:r>
+            <a:r>
+              <a:rPr lang="en-US" sz="1000" u="sng" dirty="0">
+                <a:cs typeface="Arial" charset="0"/>
+                <a:hlinkClick r:id="rId2"/>
+              </a:rPr>
+              <a:t>https://visualstudio.microsoft.com/ru/</a:t>
+            </a:r>
+            <a:endParaRPr lang="ru-RU" sz="1000" u="sng" dirty="0">
+              <a:cs typeface="Arial" charset="0"/>
+            </a:endParaRPr>
+          </a:p>
+          <a:p>
+            <a:pPr indent="450850" algn="just" eaLnBrk="0" hangingPunct="0"/>
+            <a:r>
+              <a:rPr lang="en-US" sz="1000" dirty="0">
+                <a:cs typeface="Arial" charset="0"/>
+              </a:rPr>
+              <a:t>[2] </a:t>
+            </a:r>
+            <a:r>
+              <a:rPr lang="en-US" sz="1000" dirty="0">
+                <a:cs typeface="Arial" charset="0"/>
+                <a:hlinkClick r:id="rId3"/>
+              </a:rPr>
+              <a:t>https://www.jetbrains.com/ru-ru/rider/</a:t>
+            </a:r>
+            <a:r>
+              <a:rPr lang="ru-RU" sz="1000" dirty="0">
+                <a:cs typeface="Arial" charset="0"/>
+              </a:rPr>
+              <a:t> </a:t>
+            </a:r>
+            <a:endParaRPr lang="ru-RU" sz="1000" u="sng" dirty="0">
+              <a:cs typeface="Arial" charset="0"/>
+            </a:endParaRPr>
+          </a:p>
+          <a:p>
+            <a:pPr indent="450850" algn="just" eaLnBrk="0" hangingPunct="0"/>
+            <a:r>
+              <a:rPr lang="en-US" sz="1000" dirty="0">
+                <a:cs typeface="Arial" charset="0"/>
+              </a:rPr>
+              <a:t>[3]</a:t>
+            </a:r>
+            <a:r>
+              <a:rPr lang="ru-RU" sz="1000" dirty="0">
+                <a:cs typeface="Arial" charset="0"/>
+              </a:rPr>
+              <a:t> </a:t>
+            </a:r>
+            <a:r>
+              <a:rPr lang="en-US" sz="1000" dirty="0">
+                <a:cs typeface="Arial" charset="0"/>
+                <a:hlinkClick r:id="rId4"/>
+              </a:rPr>
+              <a:t>https://www.monodevelop.com/</a:t>
+            </a:r>
+            <a:r>
+              <a:rPr lang="ru-RU" sz="1000" dirty="0">
+                <a:cs typeface="Arial" charset="0"/>
+              </a:rPr>
+              <a:t> </a:t>
+            </a:r>
+          </a:p>
+          <a:p>
+            <a:pPr indent="450850" algn="just" eaLnBrk="0" hangingPunct="0"/>
+            <a:r>
+              <a:rPr lang="en-US" sz="1000" dirty="0">
+                <a:cs typeface="Arial" charset="0"/>
+              </a:rPr>
+              <a:t>[</a:t>
+            </a:r>
+            <a:r>
+              <a:rPr lang="ru-RU" sz="1000" dirty="0">
+                <a:cs typeface="Arial" charset="0"/>
+              </a:rPr>
+              <a:t>4</a:t>
+            </a:r>
+            <a:r>
+              <a:rPr lang="en-US" sz="1000" dirty="0">
+                <a:cs typeface="Arial" charset="0"/>
+              </a:rPr>
+              <a:t>]</a:t>
+            </a:r>
+            <a:r>
+              <a:rPr lang="ru-RU" sz="1000" dirty="0">
+                <a:cs typeface="Arial" charset="0"/>
+              </a:rPr>
+              <a:t> </a:t>
+            </a:r>
+            <a:r>
+              <a:rPr lang="en-US" sz="1000" dirty="0">
+                <a:cs typeface="Arial" charset="0"/>
+                <a:hlinkClick r:id="rId5"/>
+              </a:rPr>
+              <a:t>https://ru.wikipedia.org/wiki/SharpDevelop</a:t>
+            </a:r>
+            <a:r>
+              <a:rPr lang="ru-RU" sz="1000" dirty="0">
+                <a:cs typeface="Arial" charset="0"/>
+              </a:rPr>
+              <a:t> </a:t>
+            </a:r>
+            <a:endParaRPr lang="en-US" sz="1000" u="sng" dirty="0">
+              <a:cs typeface="Arial" charset="0"/>
+            </a:endParaRPr>
           </a:p>
         </p:txBody>
       </p:sp>
@@ -10149,14 +13248,14 @@
           <p:nvPr>
             <p:extLst>
               <p:ext uri="{D42A27DB-BD31-4B8C-83A1-F6EECF244321}">
-                <p14:modId xmlns:p14="http://schemas.microsoft.com/office/powerpoint/2010/main" val="2663070784"/>
+                <p14:modId xmlns:p14="http://schemas.microsoft.com/office/powerpoint/2010/main" val="1074849257"/>
               </p:ext>
             </p:extLst>
           </p:nvPr>
         </p:nvGraphicFramePr>
         <p:xfrm>
-          <a:off x="467544" y="3573016"/>
-          <a:ext cx="8280920" cy="1981200"/>
+          <a:off x="467544" y="766652"/>
+          <a:ext cx="8280920" cy="4724400"/>
         </p:xfrm>
         <a:graphic>
           <a:graphicData uri="http://schemas.openxmlformats.org/drawingml/2006/table">
@@ -10165,14 +13264,14 @@
                 <a:tableStyleId>{D7AC3CCA-C797-4891-BE02-D94E43425B78}</a:tableStyleId>
               </a:tblPr>
               <a:tblGrid>
-                <a:gridCol w="2232248">
+                <a:gridCol w="2397108">
                   <a:extLst>
                     <a:ext uri="{9D8B030D-6E8A-4147-A177-3AD203B41FA5}">
                       <a16:colId xmlns:a16="http://schemas.microsoft.com/office/drawing/2014/main" val="20000"/>
                     </a:ext>
                   </a:extLst>
                 </a:gridCol>
-                <a:gridCol w="1368152">
+                <a:gridCol w="1491324">
                   <a:extLst>
                     <a:ext uri="{9D8B030D-6E8A-4147-A177-3AD203B41FA5}">
                       <a16:colId xmlns:a16="http://schemas.microsoft.com/office/drawing/2014/main" val="20001"/>
@@ -10186,17 +13285,17 @@
                     </a:ext>
                   </a:extLst>
                 </a:gridCol>
-                <a:gridCol w="1296144">
+                <a:gridCol w="1425632">
                   <a:extLst>
                     <a:ext uri="{9D8B030D-6E8A-4147-A177-3AD203B41FA5}">
                       <a16:colId xmlns:a16="http://schemas.microsoft.com/office/drawing/2014/main" val="20003"/>
                     </a:ext>
                   </a:extLst>
                 </a:gridCol>
-                <a:gridCol w="2088232">
+                <a:gridCol w="1670712">
                   <a:extLst>
                     <a:ext uri="{9D8B030D-6E8A-4147-A177-3AD203B41FA5}">
-                      <a16:colId xmlns:a16="http://schemas.microsoft.com/office/drawing/2014/main" val="20004"/>
+                      <a16:colId xmlns:a16="http://schemas.microsoft.com/office/drawing/2014/main" val="1505116884"/>
                     </a:ext>
                   </a:extLst>
                 </a:gridCol>
@@ -10273,33 +13372,22 @@
                             <a:noFill/>
                           </a:ln>
                           <a:solidFill>
-                            <a:schemeClr val="dk1"/>
+                            <a:schemeClr val="bg1"/>
                           </a:solidFill>
                           <a:effectLst/>
                           <a:latin typeface="+mn-lt"/>
                           <a:ea typeface="+mn-ea"/>
                           <a:cs typeface="+mn-cs"/>
                         </a:rPr>
-                        <a:t>JetBrains Rider</a:t>
-                      </a:r>
-                      <a:r>
-                        <a:rPr kumimoji="0" lang="en-US" sz="1400" b="1" u="none" strike="noStrike" kern="1200" cap="none" normalizeH="0" baseline="30000" dirty="0">
-                          <a:ln>
-                            <a:noFill/>
-                          </a:ln>
-                          <a:solidFill>
-                            <a:schemeClr val="dk1"/>
-                          </a:solidFill>
-                          <a:effectLst/>
-                          <a:latin typeface="+mn-lt"/>
-                          <a:ea typeface="+mn-ea"/>
-                          <a:cs typeface="+mn-cs"/>
-                        </a:rPr>
-                        <a:t>[1]</a:t>
+                        <a:t>Visual Studio[1]</a:t>
                       </a:r>
                     </a:p>
                   </a:txBody>
-                  <a:tcPr anchor="ctr" horzOverflow="overflow"/>
+                  <a:tcPr anchor="ctr" horzOverflow="overflow">
+                    <a:solidFill>
+                      <a:srgbClr val="0070C0"/>
+                    </a:solidFill>
+                  </a:tcPr>
                 </a:tc>
                 <a:tc>
                   <a:txBody>
@@ -10323,21 +13411,6 @@
                         <a:tabLst/>
                       </a:pPr>
                       <a:r>
-                        <a:rPr kumimoji="0" lang="en-US" sz="1400" b="1" u="none" strike="noStrike" kern="1200" cap="none" normalizeH="0" baseline="0" dirty="0" err="1">
-                          <a:ln>
-                            <a:noFill/>
-                          </a:ln>
-                          <a:solidFill>
-                            <a:schemeClr val="dk1"/>
-                          </a:solidFill>
-                          <a:effectLst/>
-                          <a:latin typeface="+mn-lt"/>
-                          <a:ea typeface="+mn-ea"/>
-                          <a:cs typeface="+mn-cs"/>
-                        </a:rPr>
-                        <a:t>MonoDevelop</a:t>
-                      </a:r>
-                      <a:r>
                         <a:rPr kumimoji="0" lang="en-US" sz="1400" b="1" u="none" strike="noStrike" kern="1200" cap="none" normalizeH="0" baseline="0" dirty="0">
                           <a:ln>
                             <a:noFill/>
@@ -10350,7 +13423,7 @@
                           <a:ea typeface="+mn-ea"/>
                           <a:cs typeface="+mn-cs"/>
                         </a:rPr>
-                        <a:t> </a:t>
+                        <a:t>Rider</a:t>
                       </a:r>
                       <a:r>
                         <a:rPr kumimoji="0" lang="en-US" sz="1400" b="1" u="none" strike="noStrike" kern="1200" cap="none" normalizeH="0" baseline="30000" dirty="0">
@@ -10405,7 +13478,7 @@
                           <a:ea typeface="+mn-ea"/>
                           <a:cs typeface="+mn-cs"/>
                         </a:rPr>
-                        <a:t>SharpDevelop</a:t>
+                        <a:t>MonoDevelop</a:t>
                       </a:r>
                       <a:r>
                         <a:rPr kumimoji="0" lang="en-US" sz="1400" b="1" u="none" strike="noStrike" kern="1200" cap="none" normalizeH="0" baseline="30000" dirty="0">
@@ -10448,28 +13521,19 @@
                         <a:tabLst/>
                       </a:pPr>
                       <a:r>
-                        <a:rPr kumimoji="0" lang="en-US" sz="1400" u="none" strike="noStrike" cap="none" normalizeH="0" baseline="0" dirty="0">
+                        <a:rPr kumimoji="0" lang="en-US" sz="1400" b="1" u="none" strike="noStrike" kern="1200" cap="none" normalizeH="0" baseline="0" dirty="0" err="1">
                           <a:ln>
                             <a:noFill/>
                           </a:ln>
                           <a:solidFill>
-                            <a:schemeClr val="bg1"/>
+                            <a:schemeClr val="dk1"/>
                           </a:solidFill>
                           <a:effectLst/>
+                          <a:latin typeface="+mn-lt"/>
+                          <a:ea typeface="+mn-ea"/>
+                          <a:cs typeface="+mn-cs"/>
                         </a:rPr>
-                        <a:t>Microsoft Visual Studio</a:t>
-                      </a:r>
-                      <a:r>
-                        <a:rPr kumimoji="0" lang="ru-RU" sz="1400" u="none" strike="noStrike" cap="none" normalizeH="0" baseline="0" dirty="0">
-                          <a:ln>
-                            <a:noFill/>
-                          </a:ln>
-                          <a:solidFill>
-                            <a:schemeClr val="bg1"/>
-                          </a:solidFill>
-                          <a:effectLst/>
-                        </a:rPr>
-                        <a:t> </a:t>
+                        <a:t>SharpDevelop</a:t>
                       </a:r>
                       <a:r>
                         <a:rPr kumimoji="0" lang="en-US" sz="1400" b="1" u="none" strike="noStrike" kern="1200" cap="none" normalizeH="0" baseline="30000" dirty="0">
@@ -10477,52 +13541,18 @@
                             <a:noFill/>
                           </a:ln>
                           <a:solidFill>
-                            <a:schemeClr val="bg1"/>
+                            <a:schemeClr val="dk1"/>
                           </a:solidFill>
                           <a:effectLst/>
                           <a:latin typeface="+mn-lt"/>
                           <a:ea typeface="+mn-ea"/>
                           <a:cs typeface="+mn-cs"/>
                         </a:rPr>
-                        <a:t>[</a:t>
-                      </a:r>
-                      <a:r>
-                        <a:rPr kumimoji="0" lang="ru-RU" sz="1400" b="1" u="none" strike="noStrike" kern="1200" cap="none" normalizeH="0" baseline="30000" dirty="0">
-                          <a:ln>
-                            <a:noFill/>
-                          </a:ln>
-                          <a:solidFill>
-                            <a:schemeClr val="bg1"/>
-                          </a:solidFill>
-                          <a:effectLst/>
-                          <a:latin typeface="+mn-lt"/>
-                          <a:ea typeface="+mn-ea"/>
-                          <a:cs typeface="+mn-cs"/>
-                        </a:rPr>
-                        <a:t>4</a:t>
-                      </a:r>
-                      <a:r>
-                        <a:rPr kumimoji="0" lang="en-US" sz="1400" b="1" u="none" strike="noStrike" kern="1200" cap="none" normalizeH="0" baseline="30000" dirty="0">
-                          <a:ln>
-                            <a:noFill/>
-                          </a:ln>
-                          <a:solidFill>
-                            <a:schemeClr val="bg1"/>
-                          </a:solidFill>
-                          <a:effectLst/>
-                          <a:latin typeface="+mn-lt"/>
-                          <a:ea typeface="+mn-ea"/>
-                          <a:cs typeface="+mn-cs"/>
-                        </a:rPr>
-                        <a:t>]</a:t>
+                        <a:t>[4]</a:t>
                       </a:r>
                     </a:p>
                   </a:txBody>
-                  <a:tcPr anchor="ctr" horzOverflow="overflow">
-                    <a:solidFill>
-                      <a:srgbClr val="0070C0"/>
-                    </a:solidFill>
-                  </a:tcPr>
+                  <a:tcPr anchor="ctr" horzOverflow="overflow"/>
                 </a:tc>
                 <a:extLst>
                   <a:ext uri="{0D108BD9-81ED-4DB2-BD59-A6C34878D82A}">
@@ -10536,7 +13566,10 @@
                     <a:bodyPr/>
                     <a:lstStyle/>
                     <a:p>
-                      <a:endParaRPr lang="ru-RU"/>
+                      <a:r>
+                        <a:rPr lang="ru-RU" dirty="0"/>
+                        <a:t>Бесплатность</a:t>
+                      </a:r>
                     </a:p>
                   </a:txBody>
                   <a:tcPr anchor="ctr" horzOverflow="overflow"/>
@@ -10546,7 +13579,38 @@
                     <a:bodyPr/>
                     <a:lstStyle/>
                     <a:p>
-                      <a:endParaRPr lang="ru-RU"/>
+                      <a:r>
+                        <a:rPr kumimoji="0" lang="ru-RU" sz="1600" b="1" u="none" strike="noStrike" kern="1200" cap="none" normalizeH="0" baseline="0" dirty="0">
+                          <a:ln>
+                            <a:noFill/>
+                          </a:ln>
+                          <a:solidFill>
+                            <a:schemeClr val="bg1"/>
+                          </a:solidFill>
+                          <a:effectLst/>
+                          <a:latin typeface="+mn-lt"/>
+                          <a:ea typeface="+mn-ea"/>
+                          <a:cs typeface="+mn-cs"/>
+                        </a:rPr>
+                        <a:t>Да</a:t>
+                      </a:r>
+                    </a:p>
+                  </a:txBody>
+                  <a:tcPr anchor="ctr" horzOverflow="overflow">
+                    <a:solidFill>
+                      <a:srgbClr val="0070C0"/>
+                    </a:solidFill>
+                  </a:tcPr>
+                </a:tc>
+                <a:tc>
+                  <a:txBody>
+                    <a:bodyPr/>
+                    <a:lstStyle/>
+                    <a:p>
+                      <a:r>
+                        <a:rPr lang="ru-RU" sz="1600" dirty="0"/>
+                        <a:t>Бесплатно для студентов</a:t>
+                      </a:r>
                     </a:p>
                   </a:txBody>
                   <a:tcPr anchor="ctr" horzOverflow="overflow"/>
@@ -10556,7 +13620,10 @@
                     <a:bodyPr/>
                     <a:lstStyle/>
                     <a:p>
-                      <a:endParaRPr lang="ru-RU"/>
+                      <a:r>
+                        <a:rPr lang="ru-RU" sz="1600" dirty="0"/>
+                        <a:t>Да</a:t>
+                      </a:r>
                     </a:p>
                   </a:txBody>
                   <a:tcPr anchor="ctr" horzOverflow="overflow"/>
@@ -10566,49 +13633,13 @@
                     <a:bodyPr/>
                     <a:lstStyle/>
                     <a:p>
-                      <a:endParaRPr lang="ru-RU" dirty="0"/>
+                      <a:r>
+                        <a:rPr lang="ru-RU" sz="1600" dirty="0"/>
+                        <a:t>Да</a:t>
+                      </a:r>
                     </a:p>
                   </a:txBody>
                   <a:tcPr anchor="ctr" horzOverflow="overflow"/>
-                </a:tc>
-                <a:tc>
-                  <a:txBody>
-                    <a:bodyPr/>
-                    <a:lstStyle/>
-                    <a:p>
-                      <a:pPr marL="342900" marR="0" lvl="0" indent="-342900" algn="l" defTabSz="914400" rtl="0" eaLnBrk="1" fontAlgn="base" latinLnBrk="0" hangingPunct="1">
-                        <a:lnSpc>
-                          <a:spcPct val="100000"/>
-                        </a:lnSpc>
-                        <a:spcBef>
-                          <a:spcPct val="0"/>
-                        </a:spcBef>
-                        <a:spcAft>
-                          <a:spcPct val="0"/>
-                        </a:spcAft>
-                        <a:buClrTx/>
-                        <a:buSzTx/>
-                        <a:buFontTx/>
-                        <a:buNone/>
-                        <a:tabLst/>
-                      </a:pPr>
-                      <a:endParaRPr kumimoji="0" lang="ru-RU" sz="1600" b="1" i="0" u="none" strike="noStrike" cap="none" normalizeH="0" baseline="0" dirty="0">
-                        <a:ln>
-                          <a:noFill/>
-                        </a:ln>
-                        <a:solidFill>
-                          <a:schemeClr val="bg1"/>
-                        </a:solidFill>
-                        <a:effectLst/>
-                        <a:latin typeface="+mn-lt"/>
-                      </a:endParaRPr>
-                    </a:p>
-                  </a:txBody>
-                  <a:tcPr anchor="ctr" horzOverflow="overflow">
-                    <a:solidFill>
-                      <a:srgbClr val="0070C0"/>
-                    </a:solidFill>
-                  </a:tcPr>
                 </a:tc>
                 <a:extLst>
                   <a:ext uri="{0D108BD9-81ED-4DB2-BD59-A6C34878D82A}">
@@ -10622,7 +13653,10 @@
                     <a:bodyPr/>
                     <a:lstStyle/>
                     <a:p>
-                      <a:endParaRPr lang="ru-RU"/>
+                      <a:r>
+                        <a:rPr lang="ru-RU" dirty="0"/>
+                        <a:t>Автоматическое дополнение кода</a:t>
+                      </a:r>
                     </a:p>
                   </a:txBody>
                   <a:tcPr anchor="ctr" horzOverflow="overflow"/>
@@ -10632,7 +13666,38 @@
                     <a:bodyPr/>
                     <a:lstStyle/>
                     <a:p>
-                      <a:endParaRPr lang="ru-RU"/>
+                      <a:r>
+                        <a:rPr kumimoji="0" lang="ru-RU" sz="1600" b="1" u="none" strike="noStrike" kern="1200" cap="none" normalizeH="0" baseline="0" dirty="0">
+                          <a:ln>
+                            <a:noFill/>
+                          </a:ln>
+                          <a:solidFill>
+                            <a:schemeClr val="bg1"/>
+                          </a:solidFill>
+                          <a:effectLst/>
+                          <a:latin typeface="+mn-lt"/>
+                          <a:ea typeface="+mn-ea"/>
+                          <a:cs typeface="+mn-cs"/>
+                        </a:rPr>
+                        <a:t>Да</a:t>
+                      </a:r>
+                    </a:p>
+                  </a:txBody>
+                  <a:tcPr anchor="ctr" horzOverflow="overflow">
+                    <a:solidFill>
+                      <a:srgbClr val="0070C0"/>
+                    </a:solidFill>
+                  </a:tcPr>
+                </a:tc>
+                <a:tc>
+                  <a:txBody>
+                    <a:bodyPr/>
+                    <a:lstStyle/>
+                    <a:p>
+                      <a:r>
+                        <a:rPr lang="ru-RU" sz="1600" dirty="0"/>
+                        <a:t>Да</a:t>
+                      </a:r>
                     </a:p>
                   </a:txBody>
                   <a:tcPr anchor="ctr" horzOverflow="overflow"/>
@@ -10642,7 +13707,10 @@
                     <a:bodyPr/>
                     <a:lstStyle/>
                     <a:p>
-                      <a:endParaRPr lang="ru-RU"/>
+                      <a:r>
+                        <a:rPr lang="ru-RU" sz="1600" dirty="0"/>
+                        <a:t>Да</a:t>
+                      </a:r>
                     </a:p>
                   </a:txBody>
                   <a:tcPr anchor="ctr" horzOverflow="overflow"/>
@@ -10652,49 +13720,13 @@
                     <a:bodyPr/>
                     <a:lstStyle/>
                     <a:p>
-                      <a:endParaRPr lang="ru-RU"/>
+                      <a:r>
+                        <a:rPr lang="ru-RU" sz="1600" dirty="0"/>
+                        <a:t>Да</a:t>
+                      </a:r>
                     </a:p>
                   </a:txBody>
                   <a:tcPr anchor="ctr" horzOverflow="overflow"/>
-                </a:tc>
-                <a:tc>
-                  <a:txBody>
-                    <a:bodyPr/>
-                    <a:lstStyle/>
-                    <a:p>
-                      <a:pPr marL="342900" marR="0" lvl="0" indent="-342900" algn="l" defTabSz="914400" rtl="0" eaLnBrk="1" fontAlgn="base" latinLnBrk="0" hangingPunct="1">
-                        <a:lnSpc>
-                          <a:spcPct val="100000"/>
-                        </a:lnSpc>
-                        <a:spcBef>
-                          <a:spcPct val="0"/>
-                        </a:spcBef>
-                        <a:spcAft>
-                          <a:spcPct val="0"/>
-                        </a:spcAft>
-                        <a:buClrTx/>
-                        <a:buSzTx/>
-                        <a:buFontTx/>
-                        <a:buNone/>
-                        <a:tabLst/>
-                      </a:pPr>
-                      <a:endParaRPr kumimoji="0" lang="ru-RU" sz="1600" b="1" i="0" u="none" strike="noStrike" cap="none" normalizeH="0" baseline="0" dirty="0">
-                        <a:ln>
-                          <a:noFill/>
-                        </a:ln>
-                        <a:solidFill>
-                          <a:schemeClr val="bg1"/>
-                        </a:solidFill>
-                        <a:effectLst/>
-                        <a:latin typeface="+mn-lt"/>
-                      </a:endParaRPr>
-                    </a:p>
-                  </a:txBody>
-                  <a:tcPr anchor="ctr" horzOverflow="overflow">
-                    <a:solidFill>
-                      <a:srgbClr val="0070C0"/>
-                    </a:solidFill>
-                  </a:tcPr>
                 </a:tc>
                 <a:extLst>
                   <a:ext uri="{0D108BD9-81ED-4DB2-BD59-A6C34878D82A}">
@@ -10708,7 +13740,10 @@
                     <a:bodyPr/>
                     <a:lstStyle/>
                     <a:p>
-                      <a:endParaRPr lang="ru-RU"/>
+                      <a:r>
+                        <a:rPr lang="ru-RU" dirty="0"/>
+                        <a:t>Статистический анализатор кода</a:t>
+                      </a:r>
                     </a:p>
                   </a:txBody>
                   <a:tcPr anchor="ctr" horzOverflow="overflow"/>
@@ -10718,7 +13753,38 @@
                     <a:bodyPr/>
                     <a:lstStyle/>
                     <a:p>
-                      <a:endParaRPr lang="ru-RU"/>
+                      <a:r>
+                        <a:rPr kumimoji="0" lang="ru-RU" sz="1600" b="1" u="none" strike="noStrike" kern="1200" cap="none" normalizeH="0" baseline="0" dirty="0">
+                          <a:ln>
+                            <a:noFill/>
+                          </a:ln>
+                          <a:solidFill>
+                            <a:schemeClr val="bg1"/>
+                          </a:solidFill>
+                          <a:effectLst/>
+                          <a:latin typeface="+mn-lt"/>
+                          <a:ea typeface="+mn-ea"/>
+                          <a:cs typeface="+mn-cs"/>
+                        </a:rPr>
+                        <a:t>Да</a:t>
+                      </a:r>
+                    </a:p>
+                  </a:txBody>
+                  <a:tcPr anchor="ctr" horzOverflow="overflow">
+                    <a:solidFill>
+                      <a:srgbClr val="0070C0"/>
+                    </a:solidFill>
+                  </a:tcPr>
+                </a:tc>
+                <a:tc>
+                  <a:txBody>
+                    <a:bodyPr/>
+                    <a:lstStyle/>
+                    <a:p>
+                      <a:r>
+                        <a:rPr lang="ru-RU" sz="1600" dirty="0"/>
+                        <a:t>Да</a:t>
+                      </a:r>
                     </a:p>
                   </a:txBody>
                   <a:tcPr anchor="ctr" horzOverflow="overflow"/>
@@ -10728,7 +13794,10 @@
                     <a:bodyPr/>
                     <a:lstStyle/>
                     <a:p>
-                      <a:endParaRPr lang="ru-RU"/>
+                      <a:r>
+                        <a:rPr lang="ru-RU" sz="1600" dirty="0"/>
+                        <a:t>Да</a:t>
+                      </a:r>
                     </a:p>
                   </a:txBody>
                   <a:tcPr anchor="ctr" horzOverflow="overflow"/>
@@ -10738,49 +13807,13 @@
                     <a:bodyPr/>
                     <a:lstStyle/>
                     <a:p>
-                      <a:endParaRPr lang="ru-RU"/>
+                      <a:r>
+                        <a:rPr lang="ru-RU" sz="1600" dirty="0"/>
+                        <a:t>Да</a:t>
+                      </a:r>
                     </a:p>
                   </a:txBody>
                   <a:tcPr anchor="ctr" horzOverflow="overflow"/>
-                </a:tc>
-                <a:tc>
-                  <a:txBody>
-                    <a:bodyPr/>
-                    <a:lstStyle/>
-                    <a:p>
-                      <a:pPr marL="342900" marR="0" lvl="0" indent="-342900" algn="l" defTabSz="914400" rtl="0" eaLnBrk="1" fontAlgn="base" latinLnBrk="0" hangingPunct="1">
-                        <a:lnSpc>
-                          <a:spcPct val="100000"/>
-                        </a:lnSpc>
-                        <a:spcBef>
-                          <a:spcPct val="0"/>
-                        </a:spcBef>
-                        <a:spcAft>
-                          <a:spcPct val="0"/>
-                        </a:spcAft>
-                        <a:buClrTx/>
-                        <a:buSzTx/>
-                        <a:buFontTx/>
-                        <a:buNone/>
-                        <a:tabLst/>
-                      </a:pPr>
-                      <a:endParaRPr kumimoji="0" lang="ru-RU" sz="1600" b="1" i="0" u="none" strike="noStrike" cap="none" normalizeH="0" baseline="0" dirty="0">
-                        <a:ln>
-                          <a:noFill/>
-                        </a:ln>
-                        <a:solidFill>
-                          <a:schemeClr val="bg1"/>
-                        </a:solidFill>
-                        <a:effectLst/>
-                        <a:latin typeface="+mn-lt"/>
-                      </a:endParaRPr>
-                    </a:p>
-                  </a:txBody>
-                  <a:tcPr anchor="ctr" horzOverflow="overflow">
-                    <a:solidFill>
-                      <a:srgbClr val="0070C0"/>
-                    </a:solidFill>
-                  </a:tcPr>
                 </a:tc>
                 <a:extLst>
                   <a:ext uri="{0D108BD9-81ED-4DB2-BD59-A6C34878D82A}">
@@ -10794,7 +13827,10 @@
                     <a:bodyPr/>
                     <a:lstStyle/>
                     <a:p>
-                      <a:endParaRPr lang="ru-RU"/>
+                      <a:r>
+                        <a:rPr lang="ru-RU" dirty="0"/>
+                        <a:t>Отладчик</a:t>
+                      </a:r>
                     </a:p>
                   </a:txBody>
                   <a:tcPr anchor="ctr" horzOverflow="overflow"/>
@@ -10804,7 +13840,38 @@
                     <a:bodyPr/>
                     <a:lstStyle/>
                     <a:p>
-                      <a:endParaRPr lang="ru-RU"/>
+                      <a:r>
+                        <a:rPr kumimoji="0" lang="ru-RU" sz="1600" b="1" u="none" strike="noStrike" kern="1200" cap="none" normalizeH="0" baseline="0" dirty="0">
+                          <a:ln>
+                            <a:noFill/>
+                          </a:ln>
+                          <a:solidFill>
+                            <a:schemeClr val="bg1"/>
+                          </a:solidFill>
+                          <a:effectLst/>
+                          <a:latin typeface="+mn-lt"/>
+                          <a:ea typeface="+mn-ea"/>
+                          <a:cs typeface="+mn-cs"/>
+                        </a:rPr>
+                        <a:t>Да</a:t>
+                      </a:r>
+                    </a:p>
+                  </a:txBody>
+                  <a:tcPr anchor="ctr" horzOverflow="overflow">
+                    <a:solidFill>
+                      <a:srgbClr val="0070C0"/>
+                    </a:solidFill>
+                  </a:tcPr>
+                </a:tc>
+                <a:tc>
+                  <a:txBody>
+                    <a:bodyPr/>
+                    <a:lstStyle/>
+                    <a:p>
+                      <a:r>
+                        <a:rPr lang="ru-RU" sz="1600" dirty="0"/>
+                        <a:t>Да</a:t>
+                      </a:r>
                     </a:p>
                   </a:txBody>
                   <a:tcPr anchor="ctr" horzOverflow="overflow"/>
@@ -10814,7 +13881,10 @@
                     <a:bodyPr/>
                     <a:lstStyle/>
                     <a:p>
-                      <a:endParaRPr lang="ru-RU"/>
+                      <a:r>
+                        <a:rPr lang="ru-RU" sz="1600" dirty="0"/>
+                        <a:t>Да</a:t>
+                      </a:r>
                     </a:p>
                   </a:txBody>
                   <a:tcPr anchor="ctr" horzOverflow="overflow"/>
@@ -10824,7 +13894,30 @@
                     <a:bodyPr/>
                     <a:lstStyle/>
                     <a:p>
-                      <a:endParaRPr lang="ru-RU" dirty="0"/>
+                      <a:r>
+                        <a:rPr lang="ru-RU" sz="1600" dirty="0"/>
+                        <a:t>Да</a:t>
+                      </a:r>
+                    </a:p>
+                  </a:txBody>
+                  <a:tcPr anchor="ctr" horzOverflow="overflow"/>
+                </a:tc>
+                <a:extLst>
+                  <a:ext uri="{0D108BD9-81ED-4DB2-BD59-A6C34878D82A}">
+                    <a16:rowId xmlns:a16="http://schemas.microsoft.com/office/drawing/2014/main" val="10004"/>
+                  </a:ext>
+                </a:extLst>
+              </a:tr>
+              <a:tr h="130843">
+                <a:tc>
+                  <a:txBody>
+                    <a:bodyPr/>
+                    <a:lstStyle/>
+                    <a:p>
+                      <a:r>
+                        <a:rPr lang="ru-RU" dirty="0"/>
+                        <a:t>Тестирование</a:t>
+                      </a:r>
                     </a:p>
                   </a:txBody>
                   <a:tcPr anchor="ctr" horzOverflow="overflow"/>
@@ -10834,32 +13927,21 @@
                     <a:bodyPr/>
                     <a:lstStyle/>
                     <a:p>
-                      <a:pPr marL="342900" marR="0" lvl="0" indent="-342900" algn="l" defTabSz="914400" rtl="0" eaLnBrk="1" fontAlgn="base" latinLnBrk="0" hangingPunct="1">
-                        <a:lnSpc>
-                          <a:spcPct val="100000"/>
-                        </a:lnSpc>
-                        <a:spcBef>
-                          <a:spcPct val="0"/>
-                        </a:spcBef>
-                        <a:spcAft>
-                          <a:spcPct val="0"/>
-                        </a:spcAft>
-                        <a:buClrTx/>
-                        <a:buSzTx/>
-                        <a:buFontTx/>
-                        <a:buNone/>
-                        <a:tabLst/>
-                      </a:pPr>
-                      <a:endParaRPr kumimoji="0" lang="ru-RU" sz="1600" b="1" i="0" u="none" strike="noStrike" cap="none" normalizeH="0" baseline="0" dirty="0">
-                        <a:ln>
-                          <a:noFill/>
-                        </a:ln>
-                        <a:solidFill>
-                          <a:schemeClr val="bg1"/>
-                        </a:solidFill>
-                        <a:effectLst/>
-                        <a:latin typeface="+mn-lt"/>
-                      </a:endParaRPr>
+                      <a:r>
+                        <a:rPr kumimoji="0" lang="ru-RU" sz="1600" b="1" u="none" strike="noStrike" kern="1200" cap="none" normalizeH="0" baseline="0" dirty="0">
+                          <a:ln>
+                            <a:noFill/>
+                          </a:ln>
+                          <a:solidFill>
+                            <a:schemeClr val="bg1"/>
+                          </a:solidFill>
+                          <a:effectLst/>
+                          <a:latin typeface="+mn-lt"/>
+                          <a:ea typeface="+mn-ea"/>
+                          <a:cs typeface="+mn-cs"/>
+                        </a:rPr>
+                        <a:t>Да</a:t>
+                      </a:r>
                     </a:p>
                   </a:txBody>
                   <a:tcPr anchor="ctr" horzOverflow="overflow">
@@ -10868,9 +13950,309 @@
                     </a:solidFill>
                   </a:tcPr>
                 </a:tc>
+                <a:tc>
+                  <a:txBody>
+                    <a:bodyPr/>
+                    <a:lstStyle/>
+                    <a:p>
+                      <a:r>
+                        <a:rPr lang="ru-RU" sz="1600" dirty="0"/>
+                        <a:t>Да</a:t>
+                      </a:r>
+                    </a:p>
+                  </a:txBody>
+                  <a:tcPr anchor="ctr" horzOverflow="overflow"/>
+                </a:tc>
+                <a:tc>
+                  <a:txBody>
+                    <a:bodyPr/>
+                    <a:lstStyle/>
+                    <a:p>
+                      <a:r>
+                        <a:rPr lang="ru-RU" sz="1600" dirty="0"/>
+                        <a:t>Да</a:t>
+                      </a:r>
+                    </a:p>
+                  </a:txBody>
+                  <a:tcPr anchor="ctr" horzOverflow="overflow"/>
+                </a:tc>
+                <a:tc>
+                  <a:txBody>
+                    <a:bodyPr/>
+                    <a:lstStyle/>
+                    <a:p>
+                      <a:r>
+                        <a:rPr lang="ru-RU" sz="1600" dirty="0"/>
+                        <a:t>Да</a:t>
+                      </a:r>
+                    </a:p>
+                  </a:txBody>
+                  <a:tcPr anchor="ctr" horzOverflow="overflow"/>
+                </a:tc>
                 <a:extLst>
                   <a:ext uri="{0D108BD9-81ED-4DB2-BD59-A6C34878D82A}">
-                    <a16:rowId xmlns:a16="http://schemas.microsoft.com/office/drawing/2014/main" val="10004"/>
+                    <a16:rowId xmlns:a16="http://schemas.microsoft.com/office/drawing/2014/main" val="1171437795"/>
+                  </a:ext>
+                </a:extLst>
+              </a:tr>
+              <a:tr h="130843">
+                <a:tc>
+                  <a:txBody>
+                    <a:bodyPr/>
+                    <a:lstStyle/>
+                    <a:p>
+                      <a:r>
+                        <a:rPr lang="ru-RU" dirty="0"/>
+                        <a:t>Профилирование</a:t>
+                      </a:r>
+                    </a:p>
+                  </a:txBody>
+                  <a:tcPr anchor="ctr" horzOverflow="overflow"/>
+                </a:tc>
+                <a:tc>
+                  <a:txBody>
+                    <a:bodyPr/>
+                    <a:lstStyle/>
+                    <a:p>
+                      <a:r>
+                        <a:rPr kumimoji="0" lang="ru-RU" sz="1600" b="1" u="none" strike="noStrike" kern="1200" cap="none" normalizeH="0" baseline="0" dirty="0">
+                          <a:ln>
+                            <a:noFill/>
+                          </a:ln>
+                          <a:solidFill>
+                            <a:schemeClr val="bg1"/>
+                          </a:solidFill>
+                          <a:effectLst/>
+                          <a:latin typeface="+mn-lt"/>
+                          <a:ea typeface="+mn-ea"/>
+                          <a:cs typeface="+mn-cs"/>
+                        </a:rPr>
+                        <a:t>Да</a:t>
+                      </a:r>
+                    </a:p>
+                  </a:txBody>
+                  <a:tcPr anchor="ctr" horzOverflow="overflow">
+                    <a:solidFill>
+                      <a:srgbClr val="0070C0"/>
+                    </a:solidFill>
+                  </a:tcPr>
+                </a:tc>
+                <a:tc>
+                  <a:txBody>
+                    <a:bodyPr/>
+                    <a:lstStyle/>
+                    <a:p>
+                      <a:r>
+                        <a:rPr lang="ru-RU" sz="1600" dirty="0"/>
+                        <a:t>Необходимы расширения</a:t>
+                      </a:r>
+                    </a:p>
+                  </a:txBody>
+                  <a:tcPr anchor="ctr" horzOverflow="overflow"/>
+                </a:tc>
+                <a:tc>
+                  <a:txBody>
+                    <a:bodyPr/>
+                    <a:lstStyle/>
+                    <a:p>
+                      <a:r>
+                        <a:rPr lang="ru-RU" sz="1600" dirty="0"/>
+                        <a:t>Нет</a:t>
+                      </a:r>
+                    </a:p>
+                  </a:txBody>
+                  <a:tcPr anchor="ctr" horzOverflow="overflow"/>
+                </a:tc>
+                <a:tc>
+                  <a:txBody>
+                    <a:bodyPr/>
+                    <a:lstStyle/>
+                    <a:p>
+                      <a:r>
+                        <a:rPr lang="ru-RU" sz="1600" dirty="0"/>
+                        <a:t>Да</a:t>
+                      </a:r>
+                    </a:p>
+                  </a:txBody>
+                  <a:tcPr anchor="ctr" horzOverflow="overflow"/>
+                </a:tc>
+                <a:extLst>
+                  <a:ext uri="{0D108BD9-81ED-4DB2-BD59-A6C34878D82A}">
+                    <a16:rowId xmlns:a16="http://schemas.microsoft.com/office/drawing/2014/main" val="1537954110"/>
+                  </a:ext>
+                </a:extLst>
+              </a:tr>
+              <a:tr h="130843">
+                <a:tc>
+                  <a:txBody>
+                    <a:bodyPr/>
+                    <a:lstStyle/>
+                    <a:p>
+                      <a:r>
+                        <a:rPr lang="ru-RU" dirty="0"/>
+                        <a:t>Шаблоны проектов</a:t>
+                      </a:r>
+                    </a:p>
+                  </a:txBody>
+                  <a:tcPr anchor="ctr" horzOverflow="overflow"/>
+                </a:tc>
+                <a:tc>
+                  <a:txBody>
+                    <a:bodyPr/>
+                    <a:lstStyle/>
+                    <a:p>
+                      <a:r>
+                        <a:rPr kumimoji="0" lang="ru-RU" sz="1600" b="1" u="none" strike="noStrike" kern="1200" cap="none" normalizeH="0" baseline="0" dirty="0">
+                          <a:ln>
+                            <a:noFill/>
+                          </a:ln>
+                          <a:solidFill>
+                            <a:schemeClr val="bg1"/>
+                          </a:solidFill>
+                          <a:effectLst/>
+                          <a:latin typeface="+mn-lt"/>
+                          <a:ea typeface="+mn-ea"/>
+                          <a:cs typeface="+mn-cs"/>
+                        </a:rPr>
+                        <a:t>Да</a:t>
+                      </a:r>
+                    </a:p>
+                  </a:txBody>
+                  <a:tcPr anchor="ctr" horzOverflow="overflow">
+                    <a:solidFill>
+                      <a:srgbClr val="0070C0"/>
+                    </a:solidFill>
+                  </a:tcPr>
+                </a:tc>
+                <a:tc>
+                  <a:txBody>
+                    <a:bodyPr/>
+                    <a:lstStyle/>
+                    <a:p>
+                      <a:r>
+                        <a:rPr lang="ru-RU" sz="1600" dirty="0"/>
+                        <a:t>Да</a:t>
+                      </a:r>
+                    </a:p>
+                  </a:txBody>
+                  <a:tcPr anchor="ctr" horzOverflow="overflow"/>
+                </a:tc>
+                <a:tc>
+                  <a:txBody>
+                    <a:bodyPr/>
+                    <a:lstStyle/>
+                    <a:p>
+                      <a:r>
+                        <a:rPr lang="ru-RU" sz="1600" dirty="0"/>
+                        <a:t>Нет</a:t>
+                      </a:r>
+                    </a:p>
+                  </a:txBody>
+                  <a:tcPr anchor="ctr" horzOverflow="overflow"/>
+                </a:tc>
+                <a:tc>
+                  <a:txBody>
+                    <a:bodyPr/>
+                    <a:lstStyle/>
+                    <a:p>
+                      <a:r>
+                        <a:rPr lang="ru-RU" sz="1600" dirty="0"/>
+                        <a:t>Нет</a:t>
+                      </a:r>
+                    </a:p>
+                  </a:txBody>
+                  <a:tcPr anchor="ctr" horzOverflow="overflow"/>
+                </a:tc>
+                <a:extLst>
+                  <a:ext uri="{0D108BD9-81ED-4DB2-BD59-A6C34878D82A}">
+                    <a16:rowId xmlns:a16="http://schemas.microsoft.com/office/drawing/2014/main" val="1033297324"/>
+                  </a:ext>
+                </a:extLst>
+              </a:tr>
+              <a:tr h="130843">
+                <a:tc>
+                  <a:txBody>
+                    <a:bodyPr/>
+                    <a:lstStyle/>
+                    <a:p>
+                      <a:r>
+                        <a:rPr lang="ru-RU" dirty="0"/>
+                        <a:t>Кроссплатформенная сборка</a:t>
+                      </a:r>
+                    </a:p>
+                  </a:txBody>
+                  <a:tcPr anchor="ctr" horzOverflow="overflow"/>
+                </a:tc>
+                <a:tc>
+                  <a:txBody>
+                    <a:bodyPr/>
+                    <a:lstStyle/>
+                    <a:p>
+                      <a:r>
+                        <a:rPr kumimoji="0" lang="ru-RU" sz="1600" b="1" u="none" strike="noStrike" kern="1200" cap="none" normalizeH="0" baseline="0" dirty="0">
+                          <a:ln>
+                            <a:noFill/>
+                          </a:ln>
+                          <a:solidFill>
+                            <a:schemeClr val="bg1"/>
+                          </a:solidFill>
+                          <a:effectLst/>
+                          <a:latin typeface="+mn-lt"/>
+                          <a:ea typeface="+mn-ea"/>
+                          <a:cs typeface="+mn-cs"/>
+                        </a:rPr>
+                        <a:t>Да</a:t>
+                      </a:r>
+                    </a:p>
+                  </a:txBody>
+                  <a:tcPr anchor="ctr" horzOverflow="overflow">
+                    <a:solidFill>
+                      <a:srgbClr val="0070C0"/>
+                    </a:solidFill>
+                  </a:tcPr>
+                </a:tc>
+                <a:tc>
+                  <a:txBody>
+                    <a:bodyPr/>
+                    <a:lstStyle/>
+                    <a:p>
+                      <a:r>
+                        <a:rPr lang="ru-RU" sz="1600" dirty="0"/>
+                        <a:t>Да</a:t>
+                      </a:r>
+                    </a:p>
+                  </a:txBody>
+                  <a:tcPr anchor="ctr" horzOverflow="overflow"/>
+                </a:tc>
+                <a:tc>
+                  <a:txBody>
+                    <a:bodyPr/>
+                    <a:lstStyle/>
+                    <a:p>
+                      <a:r>
+                        <a:rPr lang="ru-RU" sz="1600" dirty="0"/>
+                        <a:t>Да</a:t>
+                      </a:r>
+                    </a:p>
+                  </a:txBody>
+                  <a:tcPr anchor="ctr" horzOverflow="overflow"/>
+                </a:tc>
+                <a:tc>
+                  <a:txBody>
+                    <a:bodyPr/>
+                    <a:lstStyle/>
+                    <a:p>
+                      <a:r>
+                        <a:rPr lang="ru-RU" sz="1600" dirty="0"/>
+                        <a:t>Нет</a:t>
+                      </a:r>
+                    </a:p>
+                  </a:txBody>
+                  <a:tcPr anchor="ctr" horzOverflow="overflow"/>
+                </a:tc>
+                <a:extLst>
+                  <a:ext uri="{0D108BD9-81ED-4DB2-BD59-A6C34878D82A}">
+                    <a16:rowId xmlns:a16="http://schemas.microsoft.com/office/drawing/2014/main" val="546013313"/>
                   </a:ext>
                 </a:extLst>
               </a:tr>
@@ -10880,7 +14262,13 @@
       </p:graphicFrame>
       <p:sp>
         <p:nvSpPr>
-          <p:cNvPr id="12" name="Rectangle 204"/>
+          <p:cNvPr id="17" name="Rectangle 206">
+            <a:extLst>
+              <a:ext uri="{FF2B5EF4-FFF2-40B4-BE49-F238E27FC236}">
+                <a16:creationId xmlns:a16="http://schemas.microsoft.com/office/drawing/2014/main" id="{4FCA7011-0A55-4B99-B620-C867CF65B469}"/>
+              </a:ext>
+            </a:extLst>
+          </p:cNvPr>
           <p:cNvSpPr>
             <a:spLocks noChangeArrowheads="1"/>
           </p:cNvSpPr>
@@ -10888,8 +14276,8 @@
         </p:nvSpPr>
         <p:spPr bwMode="auto">
           <a:xfrm>
-            <a:off x="467544" y="2780928"/>
-            <a:ext cx="4572000" cy="707886"/>
+            <a:off x="3563888" y="5805264"/>
+            <a:ext cx="2520278" cy="861774"/>
           </a:xfrm>
           <a:prstGeom prst="rect">
             <a:avLst/>
@@ -10903,83 +14291,7 @@
           </a:ln>
         </p:spPr>
         <p:txBody>
-          <a:bodyPr>
-            <a:spAutoFit/>
-          </a:bodyPr>
-          <a:lstStyle/>
-          <a:p>
-            <a:r>
-              <a:rPr lang="ru-RU" sz="1000" dirty="0"/>
-              <a:t>Источники информации:</a:t>
-            </a:r>
-          </a:p>
-          <a:p>
-            <a:r>
-              <a:rPr lang="en-US" sz="1000" dirty="0"/>
-              <a:t>[1] </a:t>
-            </a:r>
-            <a:r>
-              <a:rPr lang="ru-RU" sz="1000" u="sng" dirty="0">
-                <a:hlinkClick r:id="rId2"/>
-              </a:rPr>
-              <a:t>http://www.oracle.com/technetwork/java/index.html</a:t>
-            </a:r>
-            <a:endParaRPr lang="en-US" sz="1000" u="sng" dirty="0"/>
-          </a:p>
-          <a:p>
-            <a:r>
-              <a:rPr lang="en-US" sz="1000" dirty="0"/>
-              <a:t>[2] </a:t>
-            </a:r>
-            <a:r>
-              <a:rPr lang="ru-RU" sz="1000" u="sng" dirty="0">
-                <a:hlinkClick r:id="rId3"/>
-              </a:rPr>
-              <a:t>http://msdn.microsoft.com/ru-ru/vcsharp/default.aspx</a:t>
-            </a:r>
-            <a:endParaRPr lang="en-US" sz="1000" u="sng" dirty="0"/>
-          </a:p>
-          <a:p>
-            <a:r>
-              <a:rPr lang="en-US" sz="1000" dirty="0"/>
-              <a:t>[3] </a:t>
-            </a:r>
-            <a:r>
-              <a:rPr lang="ru-RU" sz="1000" u="sng" dirty="0">
-                <a:hlinkClick r:id="rId4"/>
-              </a:rPr>
-              <a:t>http://ru.wikipedia.org</a:t>
-            </a:r>
-            <a:endParaRPr lang="en-US" sz="1000" u="sng" dirty="0"/>
-          </a:p>
-        </p:txBody>
-      </p:sp>
-      <p:sp>
-        <p:nvSpPr>
-          <p:cNvPr id="13" name="Rectangle 206"/>
-          <p:cNvSpPr>
-            <a:spLocks noChangeArrowheads="1"/>
-          </p:cNvSpPr>
-          <p:nvPr/>
-        </p:nvSpPr>
-        <p:spPr bwMode="auto">
-          <a:xfrm>
-            <a:off x="3563888" y="5877272"/>
-            <a:ext cx="2447925" cy="549275"/>
-          </a:xfrm>
-          <a:prstGeom prst="rect">
-            <a:avLst/>
-          </a:prstGeom>
-          <a:noFill/>
-          <a:ln w="9525">
-            <a:noFill/>
-            <a:miter lim="800000"/>
-            <a:headEnd/>
-            <a:tailEnd/>
-          </a:ln>
-        </p:spPr>
-        <p:txBody>
-          <a:bodyPr>
+          <a:bodyPr wrap="square">
             <a:spAutoFit/>
           </a:bodyPr>
           <a:lstStyle/>
@@ -10991,22 +14303,22 @@
           </a:p>
           <a:p>
             <a:r>
-              <a:rPr lang="ru-RU" sz="1000" b="1" dirty="0"/>
-              <a:t>+</a:t>
-            </a:r>
-            <a:r>
               <a:rPr lang="ru-RU" sz="1000" dirty="0"/>
-              <a:t> - указанная возможность присутствует</a:t>
+              <a:t>«Да» - указанная возможность присутствует</a:t>
             </a:r>
           </a:p>
           <a:p>
             <a:r>
               <a:rPr lang="ru-RU" sz="1000" b="1" dirty="0"/>
-              <a:t>-</a:t>
+              <a:t>«</a:t>
             </a:r>
             <a:r>
               <a:rPr lang="ru-RU" sz="1000" dirty="0"/>
-              <a:t> </a:t>
+              <a:t>Нет</a:t>
+            </a:r>
+            <a:r>
+              <a:rPr lang="ru-RU" sz="1000" b="1" dirty="0"/>
+              <a:t>»</a:t>
             </a:r>
             <a:r>
               <a:rPr lang="en-US" sz="1000" dirty="0"/>
@@ -11019,104 +14331,12 @@
           </a:p>
         </p:txBody>
       </p:sp>
-      <p:sp>
-        <p:nvSpPr>
-          <p:cNvPr id="14" name="Rectangle 24"/>
-          <p:cNvSpPr>
-            <a:spLocks noChangeArrowheads="1"/>
-          </p:cNvSpPr>
-          <p:nvPr/>
-        </p:nvSpPr>
-        <p:spPr bwMode="auto">
-          <a:xfrm>
-            <a:off x="107504" y="5805264"/>
-            <a:ext cx="3096344" cy="707886"/>
-          </a:xfrm>
-          <a:prstGeom prst="rect">
-            <a:avLst/>
-          </a:prstGeom>
-          <a:noFill/>
-          <a:ln w="9525">
-            <a:noFill/>
-            <a:miter lim="800000"/>
-            <a:headEnd/>
-            <a:tailEnd/>
-          </a:ln>
-        </p:spPr>
-        <p:txBody>
-          <a:bodyPr wrap="square" anchor="ctr">
-            <a:spAutoFit/>
-          </a:bodyPr>
-          <a:lstStyle/>
-          <a:p>
-            <a:pPr indent="450850" algn="just" eaLnBrk="0" hangingPunct="0"/>
-            <a:r>
-              <a:rPr lang="ru-RU" sz="1000" dirty="0">
-                <a:cs typeface="Times New Roman" pitchFamily="18" charset="0"/>
-              </a:rPr>
-              <a:t>Источники информации:</a:t>
-            </a:r>
-          </a:p>
-          <a:p>
-            <a:pPr indent="450850" algn="just" eaLnBrk="0" hangingPunct="0"/>
-            <a:r>
-              <a:rPr lang="en-US" sz="1000" dirty="0">
-                <a:cs typeface="Arial" charset="0"/>
-              </a:rPr>
-              <a:t>[1] </a:t>
-            </a:r>
-            <a:r>
-              <a:rPr lang="ru-RU" sz="1000" u="sng" dirty="0">
-                <a:cs typeface="Arial" charset="0"/>
-                <a:hlinkClick r:id="rId5"/>
-              </a:rPr>
-              <a:t>http://www.embarcadero.com</a:t>
-            </a:r>
-            <a:endParaRPr lang="en-US" sz="1000" u="sng" dirty="0">
-              <a:cs typeface="Arial" charset="0"/>
-            </a:endParaRPr>
-          </a:p>
-          <a:p>
-            <a:pPr indent="450850" algn="just" eaLnBrk="0" hangingPunct="0"/>
-            <a:r>
-              <a:rPr lang="en-US" sz="1000" dirty="0">
-                <a:cs typeface="Arial" charset="0"/>
-              </a:rPr>
-              <a:t>[2] </a:t>
-            </a:r>
-            <a:r>
-              <a:rPr lang="ru-RU" sz="1000" u="sng" dirty="0">
-                <a:cs typeface="Arial" charset="0"/>
-                <a:hlinkClick r:id="rId6"/>
-              </a:rPr>
-              <a:t>http://www.bloodshed.net</a:t>
-            </a:r>
-            <a:endParaRPr lang="en-US" sz="1000" u="sng" dirty="0">
-              <a:cs typeface="Arial" charset="0"/>
-            </a:endParaRPr>
-          </a:p>
-          <a:p>
-            <a:pPr indent="450850" algn="just" eaLnBrk="0" hangingPunct="0"/>
-            <a:r>
-              <a:rPr lang="en-US" sz="1000" dirty="0">
-                <a:cs typeface="Arial" charset="0"/>
-              </a:rPr>
-              <a:t>[3] </a:t>
-            </a:r>
-            <a:r>
-              <a:rPr lang="ru-RU" sz="1000" u="sng" dirty="0">
-                <a:cs typeface="Arial" charset="0"/>
-                <a:hlinkClick r:id="rId4"/>
-              </a:rPr>
-              <a:t>http://ru.wikipedia.org</a:t>
-            </a:r>
-            <a:endParaRPr lang="en-US" sz="1000" u="sng" dirty="0">
-              <a:cs typeface="Arial" charset="0"/>
-            </a:endParaRPr>
-          </a:p>
-        </p:txBody>
-      </p:sp>
     </p:spTree>
+    <p:extLst>
+      <p:ext uri="{BB962C8B-B14F-4D97-AF65-F5344CB8AC3E}">
+        <p14:creationId xmlns:p14="http://schemas.microsoft.com/office/powerpoint/2010/main" val="2829726656"/>
+      </p:ext>
+    </p:extLst>
   </p:cSld>
   <p:clrMapOvr>
     <a:masterClrMapping/>
@@ -11124,7 +14344,7 @@
 </p:sld>
 </file>
 
-<file path=ppt/slides/slide5.xml><?xml version="1.0" encoding="utf-8"?>
+<file path=ppt/slides/slide6.xml><?xml version="1.0" encoding="utf-8"?>
 <p:sld xmlns:a="http://schemas.openxmlformats.org/drawingml/2006/main" xmlns:r="http://schemas.openxmlformats.org/officeDocument/2006/relationships" xmlns:p="http://schemas.openxmlformats.org/presentationml/2006/main">
   <p:cSld>
     <p:spTree>
@@ -11256,7 +14476,7 @@
           <p:nvPr>
             <p:extLst>
               <p:ext uri="{D42A27DB-BD31-4B8C-83A1-F6EECF244321}">
-                <p14:modId xmlns:p14="http://schemas.microsoft.com/office/powerpoint/2010/main" val="1277704618"/>
+                <p14:modId xmlns:p14="http://schemas.microsoft.com/office/powerpoint/2010/main" val="1188443106"/>
               </p:ext>
             </p:extLst>
           </p:nvPr>
@@ -11587,7 +14807,7 @@
                           <a:effectLst/>
                           <a:latin typeface="Times New Roman" pitchFamily="18" charset="0"/>
                         </a:rPr>
-                        <a:t>5</a:t>
+                        <a:t>6</a:t>
                       </a:r>
                     </a:p>
                   </a:txBody>
@@ -12064,7 +15284,7 @@
 </p:sld>
 </file>
 
-<file path=ppt/slides/slide6.xml><?xml version="1.0" encoding="utf-8"?>
+<file path=ppt/slides/slide7.xml><?xml version="1.0" encoding="utf-8"?>
 <p:sld xmlns:a="http://schemas.openxmlformats.org/drawingml/2006/main" xmlns:r="http://schemas.openxmlformats.org/officeDocument/2006/relationships" xmlns:p="http://schemas.openxmlformats.org/presentationml/2006/main">
   <p:cSld>
     <p:spTree>
@@ -12961,11 +16181,11 @@
                 <a:tabLst/>
               </a:pPr>
               <a:r>
-                <a:rPr lang="en-US" sz="800" i="1" dirty="0">
+                <a:rPr lang="ru-RU" sz="800" i="1" dirty="0">
                   <a:latin typeface="Times New Roman" pitchFamily="18" charset="0"/>
                   <a:cs typeface="Arial" pitchFamily="34" charset="0"/>
                 </a:rPr>
-                <a:t>6</a:t>
+                <a:t>7</a:t>
               </a:r>
               <a:endParaRPr kumimoji="0" lang="ru-RU" sz="800" b="0" i="0" u="none" strike="noStrike" cap="none" normalizeH="0" baseline="0" dirty="0">
                 <a:ln>
@@ -14026,7 +17246,7 @@
             </a:bodyPr>
             <a:lstStyle/>
             <a:p>
-              <a:endParaRPr lang="ru-RU" sz="800"/>
+              <a:endParaRPr lang="ru-RU" sz="800" dirty="0"/>
             </a:p>
           </p:txBody>
         </p:sp>
@@ -14065,7 +17285,7 @@
             </a:bodyPr>
             <a:lstStyle/>
             <a:p>
-              <a:endParaRPr lang="ru-RU" sz="800"/>
+              <a:endParaRPr lang="ru-RU" sz="800" dirty="0"/>
             </a:p>
           </p:txBody>
         </p:sp>
@@ -14249,7 +17469,7 @@
                 <a:tabLst/>
               </a:pPr>
               <a:r>
-                <a:rPr kumimoji="0" lang="uk-UA" sz="800" b="0" i="1" u="none" strike="noStrike" cap="none" normalizeH="0" baseline="0">
+                <a:rPr kumimoji="0" lang="uk-UA" sz="800" b="0" i="1" u="none" strike="noStrike" cap="none" normalizeH="0" baseline="0" dirty="0">
                   <a:ln>
                     <a:noFill/>
                   </a:ln>
@@ -14262,7 +17482,7 @@
                 </a:rPr>
                 <a:t>Листов</a:t>
               </a:r>
-              <a:endParaRPr kumimoji="0" lang="ru-RU" sz="800" b="0" i="0" u="none" strike="noStrike" cap="none" normalizeH="0" baseline="0">
+              <a:endParaRPr kumimoji="0" lang="ru-RU" sz="800" b="0" i="0" u="none" strike="noStrike" cap="none" normalizeH="0" baseline="0" dirty="0">
                 <a:ln>
                   <a:noFill/>
                 </a:ln>
@@ -15267,7 +18487,7 @@
 </p:sld>
 </file>
 
-<file path=ppt/slides/slide7.xml><?xml version="1.0" encoding="utf-8"?>
+<file path=ppt/slides/slide8.xml><?xml version="1.0" encoding="utf-8"?>
 <p:sld xmlns:a="http://schemas.openxmlformats.org/drawingml/2006/main" xmlns:r="http://schemas.openxmlformats.org/officeDocument/2006/relationships" xmlns:p="http://schemas.openxmlformats.org/presentationml/2006/main">
   <p:cSld>
     <p:spTree>
@@ -15337,7 +18557,7 @@
 </p:sld>
 </file>
 
-<file path=ppt/slides/slide8.xml><?xml version="1.0" encoding="utf-8"?>
+<file path=ppt/slides/slide9.xml><?xml version="1.0" encoding="utf-8"?>
 <p:sld xmlns:a="http://schemas.openxmlformats.org/drawingml/2006/main" xmlns:r="http://schemas.openxmlformats.org/officeDocument/2006/relationships" xmlns:p="http://schemas.openxmlformats.org/presentationml/2006/main">
   <p:cSld>
     <p:spTree>
@@ -16336,1018 +19556,6 @@
             <a:r>
               <a:rPr lang="ru-RU" sz="1400" dirty="0"/>
               <a:t>Тестирование с помощью …………………..</a:t>
-            </a:r>
-          </a:p>
-        </p:txBody>
-      </p:sp>
-    </p:spTree>
-  </p:cSld>
-  <p:clrMapOvr>
-    <a:masterClrMapping/>
-  </p:clrMapOvr>
-</p:sld>
-</file>
-
-<file path=ppt/slides/slide9.xml><?xml version="1.0" encoding="utf-8"?>
-<p:sld xmlns:a="http://schemas.openxmlformats.org/drawingml/2006/main" xmlns:r="http://schemas.openxmlformats.org/officeDocument/2006/relationships" xmlns:p="http://schemas.openxmlformats.org/presentationml/2006/main">
-  <p:cSld>
-    <p:spTree>
-      <p:nvGrpSpPr>
-        <p:cNvPr id="1" name=""/>
-        <p:cNvGrpSpPr/>
-        <p:nvPr/>
-      </p:nvGrpSpPr>
-      <p:grpSpPr>
-        <a:xfrm>
-          <a:off x="0" y="0"/>
-          <a:ext cx="0" cy="0"/>
-          <a:chOff x="0" y="0"/>
-          <a:chExt cx="0" cy="0"/>
-        </a:xfrm>
-      </p:grpSpPr>
-      <p:sp>
-        <p:nvSpPr>
-          <p:cNvPr id="4" name="Line 137"/>
-          <p:cNvSpPr>
-            <a:spLocks noChangeShapeType="1"/>
-          </p:cNvSpPr>
-          <p:nvPr/>
-        </p:nvSpPr>
-        <p:spPr bwMode="auto">
-          <a:xfrm>
-            <a:off x="193675" y="188913"/>
-            <a:ext cx="0" cy="6480175"/>
-          </a:xfrm>
-          <a:prstGeom prst="line">
-            <a:avLst/>
-          </a:prstGeom>
-          <a:noFill/>
-          <a:ln w="12700" cap="sq">
-            <a:solidFill>
-              <a:schemeClr val="tx1"/>
-            </a:solidFill>
-            <a:round/>
-            <a:headEnd/>
-            <a:tailEnd/>
-          </a:ln>
-        </p:spPr>
-        <p:txBody>
-          <a:bodyPr/>
-          <a:lstStyle/>
-          <a:p>
-            <a:endParaRPr lang="ru-RU"/>
-          </a:p>
-        </p:txBody>
-      </p:sp>
-      <p:sp>
-        <p:nvSpPr>
-          <p:cNvPr id="5" name="Line 138"/>
-          <p:cNvSpPr>
-            <a:spLocks noChangeShapeType="1"/>
-          </p:cNvSpPr>
-          <p:nvPr/>
-        </p:nvSpPr>
-        <p:spPr bwMode="auto">
-          <a:xfrm>
-            <a:off x="8978900" y="188913"/>
-            <a:ext cx="0" cy="6480175"/>
-          </a:xfrm>
-          <a:prstGeom prst="line">
-            <a:avLst/>
-          </a:prstGeom>
-          <a:noFill/>
-          <a:ln w="12700" cap="sq">
-            <a:solidFill>
-              <a:schemeClr val="tx1"/>
-            </a:solidFill>
-            <a:round/>
-            <a:headEnd/>
-            <a:tailEnd/>
-          </a:ln>
-        </p:spPr>
-        <p:txBody>
-          <a:bodyPr/>
-          <a:lstStyle/>
-          <a:p>
-            <a:endParaRPr lang="ru-RU"/>
-          </a:p>
-        </p:txBody>
-      </p:sp>
-      <p:graphicFrame>
-        <p:nvGraphicFramePr>
-          <p:cNvPr id="6" name="Group 10"/>
-          <p:cNvGraphicFramePr>
-            <a:graphicFrameLocks noGrp="1"/>
-          </p:cNvGraphicFramePr>
-          <p:nvPr>
-            <p:extLst>
-              <p:ext uri="{D42A27DB-BD31-4B8C-83A1-F6EECF244321}">
-                <p14:modId xmlns:p14="http://schemas.microsoft.com/office/powerpoint/2010/main" val="2134691398"/>
-              </p:ext>
-            </p:extLst>
-          </p:nvPr>
-        </p:nvGraphicFramePr>
-        <p:xfrm>
-          <a:off x="6156325" y="6254750"/>
-          <a:ext cx="2822575" cy="412740"/>
-        </p:xfrm>
-        <a:graphic>
-          <a:graphicData uri="http://schemas.openxmlformats.org/drawingml/2006/table">
-            <a:tbl>
-              <a:tblPr/>
-              <a:tblGrid>
-                <a:gridCol w="792163">
-                  <a:extLst>
-                    <a:ext uri="{9D8B030D-6E8A-4147-A177-3AD203B41FA5}">
-                      <a16:colId xmlns:a16="http://schemas.microsoft.com/office/drawing/2014/main" val="20000"/>
-                    </a:ext>
-                  </a:extLst>
-                </a:gridCol>
-                <a:gridCol w="1008062">
-                  <a:extLst>
-                    <a:ext uri="{9D8B030D-6E8A-4147-A177-3AD203B41FA5}">
-                      <a16:colId xmlns:a16="http://schemas.microsoft.com/office/drawing/2014/main" val="20001"/>
-                    </a:ext>
-                  </a:extLst>
-                </a:gridCol>
-                <a:gridCol w="649288">
-                  <a:extLst>
-                    <a:ext uri="{9D8B030D-6E8A-4147-A177-3AD203B41FA5}">
-                      <a16:colId xmlns:a16="http://schemas.microsoft.com/office/drawing/2014/main" val="20002"/>
-                    </a:ext>
-                  </a:extLst>
-                </a:gridCol>
-                <a:gridCol w="373062">
-                  <a:extLst>
-                    <a:ext uri="{9D8B030D-6E8A-4147-A177-3AD203B41FA5}">
-                      <a16:colId xmlns:a16="http://schemas.microsoft.com/office/drawing/2014/main" val="20003"/>
-                    </a:ext>
-                  </a:extLst>
-                </a:gridCol>
-              </a:tblGrid>
-              <a:tr h="0">
-                <a:tc>
-                  <a:txBody>
-                    <a:bodyPr/>
-                    <a:lstStyle/>
-                    <a:p>
-                      <a:pPr marL="0" marR="0" lvl="0" indent="0" algn="l" defTabSz="914400" rtl="0" eaLnBrk="1" fontAlgn="base" latinLnBrk="0" hangingPunct="1">
-                        <a:lnSpc>
-                          <a:spcPct val="100000"/>
-                        </a:lnSpc>
-                        <a:spcBef>
-                          <a:spcPct val="0"/>
-                        </a:spcBef>
-                        <a:spcAft>
-                          <a:spcPct val="0"/>
-                        </a:spcAft>
-                        <a:buClrTx/>
-                        <a:buSzTx/>
-                        <a:buFontTx/>
-                        <a:buNone/>
-                        <a:tabLst/>
-                      </a:pPr>
-                      <a:r>
-                        <a:rPr kumimoji="0" lang="ru-RU" sz="1000" b="0" i="0" u="none" strike="noStrike" cap="none" normalizeH="0" baseline="0" dirty="0">
-                          <a:ln>
-                            <a:noFill/>
-                          </a:ln>
-                          <a:solidFill>
-                            <a:schemeClr val="tx1"/>
-                          </a:solidFill>
-                          <a:effectLst/>
-                          <a:latin typeface="Times New Roman" pitchFamily="18" charset="0"/>
-                          <a:cs typeface="Times New Roman" pitchFamily="18" charset="0"/>
-                        </a:rPr>
-                        <a:t>Разработал</a:t>
-                      </a:r>
-                      <a:endParaRPr kumimoji="0" lang="ru-RU" sz="1000" b="0" i="0" u="none" strike="noStrike" cap="none" normalizeH="0" baseline="0" dirty="0">
-                        <a:ln>
-                          <a:noFill/>
-                        </a:ln>
-                        <a:solidFill>
-                          <a:schemeClr val="tx1"/>
-                        </a:solidFill>
-                        <a:effectLst/>
-                        <a:latin typeface="Arial" charset="0"/>
-                      </a:endParaRPr>
-                    </a:p>
-                  </a:txBody>
-                  <a:tcPr marL="71962" marR="71962" marT="17991" marB="35979" horzOverflow="overflow">
-                    <a:lnL w="12700" cap="flat" cmpd="sng" algn="ctr">
-                      <a:solidFill>
-                        <a:srgbClr val="000000"/>
-                      </a:solidFill>
-                      <a:prstDash val="solid"/>
-                      <a:round/>
-                      <a:headEnd type="none" w="med" len="med"/>
-                      <a:tailEnd type="none" w="med" len="med"/>
-                    </a:lnL>
-                    <a:lnR w="12700" cap="flat" cmpd="sng" algn="ctr">
-                      <a:solidFill>
-                        <a:srgbClr val="000000"/>
-                      </a:solidFill>
-                      <a:prstDash val="solid"/>
-                      <a:round/>
-                      <a:headEnd type="none" w="med" len="med"/>
-                      <a:tailEnd type="none" w="med" len="med"/>
-                    </a:lnR>
-                    <a:lnT w="12700" cap="flat" cmpd="sng" algn="ctr">
-                      <a:solidFill>
-                        <a:srgbClr val="000000"/>
-                      </a:solidFill>
-                      <a:prstDash val="solid"/>
-                      <a:round/>
-                      <a:headEnd type="none" w="med" len="med"/>
-                      <a:tailEnd type="none" w="med" len="med"/>
-                    </a:lnT>
-                    <a:lnB w="12700" cap="flat" cmpd="sng" algn="ctr">
-                      <a:solidFill>
-                        <a:srgbClr val="000000"/>
-                      </a:solidFill>
-                      <a:prstDash val="solid"/>
-                      <a:round/>
-                      <a:headEnd type="none" w="med" len="med"/>
-                      <a:tailEnd type="none" w="med" len="med"/>
-                    </a:lnB>
-                    <a:lnTlToBr>
-                      <a:noFill/>
-                    </a:lnTlToBr>
-                    <a:lnBlToTr>
-                      <a:noFill/>
-                    </a:lnBlToTr>
-                    <a:noFill/>
-                  </a:tcPr>
-                </a:tc>
-                <a:tc>
-                  <a:txBody>
-                    <a:bodyPr/>
-                    <a:lstStyle/>
-                    <a:p>
-                      <a:pPr marL="0" marR="0" lvl="0" indent="0" algn="l" defTabSz="914400" rtl="0" eaLnBrk="1" fontAlgn="base" latinLnBrk="0" hangingPunct="1">
-                        <a:lnSpc>
-                          <a:spcPct val="100000"/>
-                        </a:lnSpc>
-                        <a:spcBef>
-                          <a:spcPct val="0"/>
-                        </a:spcBef>
-                        <a:spcAft>
-                          <a:spcPct val="0"/>
-                        </a:spcAft>
-                        <a:buClrTx/>
-                        <a:buSzTx/>
-                        <a:buFontTx/>
-                        <a:buNone/>
-                        <a:tabLst/>
-                      </a:pPr>
-                      <a:r>
-                        <a:rPr kumimoji="0" lang="ru-RU" sz="1000" b="0" i="0" u="none" strike="noStrike" cap="none" normalizeH="0" baseline="0" dirty="0">
-                          <a:ln>
-                            <a:noFill/>
-                          </a:ln>
-                          <a:solidFill>
-                            <a:schemeClr val="tx1"/>
-                          </a:solidFill>
-                          <a:effectLst/>
-                          <a:latin typeface="Times New Roman" pitchFamily="18" charset="0"/>
-                          <a:cs typeface="Times New Roman" pitchFamily="18" charset="0"/>
-                        </a:rPr>
-                        <a:t>Мясников М.А.</a:t>
-                      </a:r>
-                    </a:p>
-                  </a:txBody>
-                  <a:tcPr marL="71962" marR="71962" marT="17991" marB="35979" horzOverflow="overflow">
-                    <a:lnL w="12700" cap="flat" cmpd="sng" algn="ctr">
-                      <a:solidFill>
-                        <a:srgbClr val="000000"/>
-                      </a:solidFill>
-                      <a:prstDash val="solid"/>
-                      <a:round/>
-                      <a:headEnd type="none" w="med" len="med"/>
-                      <a:tailEnd type="none" w="med" len="med"/>
-                    </a:lnL>
-                    <a:lnR w="12700" cap="flat" cmpd="sng" algn="ctr">
-                      <a:solidFill>
-                        <a:srgbClr val="000000"/>
-                      </a:solidFill>
-                      <a:prstDash val="solid"/>
-                      <a:round/>
-                      <a:headEnd type="none" w="med" len="med"/>
-                      <a:tailEnd type="none" w="med" len="med"/>
-                    </a:lnR>
-                    <a:lnT w="12700" cap="flat" cmpd="sng" algn="ctr">
-                      <a:solidFill>
-                        <a:srgbClr val="000000"/>
-                      </a:solidFill>
-                      <a:prstDash val="solid"/>
-                      <a:round/>
-                      <a:headEnd type="none" w="med" len="med"/>
-                      <a:tailEnd type="none" w="med" len="med"/>
-                    </a:lnT>
-                    <a:lnB w="12700" cap="flat" cmpd="sng" algn="ctr">
-                      <a:solidFill>
-                        <a:srgbClr val="000000"/>
-                      </a:solidFill>
-                      <a:prstDash val="solid"/>
-                      <a:round/>
-                      <a:headEnd type="none" w="med" len="med"/>
-                      <a:tailEnd type="none" w="med" len="med"/>
-                    </a:lnB>
-                    <a:lnTlToBr>
-                      <a:noFill/>
-                    </a:lnTlToBr>
-                    <a:lnBlToTr>
-                      <a:noFill/>
-                    </a:lnBlToTr>
-                    <a:noFill/>
-                  </a:tcPr>
-                </a:tc>
-                <a:tc>
-                  <a:txBody>
-                    <a:bodyPr/>
-                    <a:lstStyle/>
-                    <a:p>
-                      <a:pPr marL="0" marR="0" lvl="0" indent="0" algn="l" defTabSz="914400" rtl="0" eaLnBrk="1" fontAlgn="base" latinLnBrk="0" hangingPunct="1">
-                        <a:lnSpc>
-                          <a:spcPct val="100000"/>
-                        </a:lnSpc>
-                        <a:spcBef>
-                          <a:spcPct val="20000"/>
-                        </a:spcBef>
-                        <a:spcAft>
-                          <a:spcPct val="0"/>
-                        </a:spcAft>
-                        <a:buClrTx/>
-                        <a:buSzTx/>
-                        <a:buFontTx/>
-                        <a:buNone/>
-                        <a:tabLst/>
-                      </a:pPr>
-                      <a:endParaRPr kumimoji="0" lang="ru-RU" sz="1000" b="0" i="0" u="none" strike="noStrike" cap="none" normalizeH="0" baseline="0">
-                        <a:ln>
-                          <a:noFill/>
-                        </a:ln>
-                        <a:solidFill>
-                          <a:schemeClr val="tx1"/>
-                        </a:solidFill>
-                        <a:effectLst/>
-                        <a:latin typeface="Arial" charset="0"/>
-                      </a:endParaRPr>
-                    </a:p>
-                  </a:txBody>
-                  <a:tcPr marL="71962" marR="71962" marT="17991" marB="35979" horzOverflow="overflow">
-                    <a:lnL w="12700" cap="flat" cmpd="sng" algn="ctr">
-                      <a:solidFill>
-                        <a:srgbClr val="000000"/>
-                      </a:solidFill>
-                      <a:prstDash val="solid"/>
-                      <a:round/>
-                      <a:headEnd type="none" w="med" len="med"/>
-                      <a:tailEnd type="none" w="med" len="med"/>
-                    </a:lnL>
-                    <a:lnR w="12700" cap="flat" cmpd="sng" algn="ctr">
-                      <a:solidFill>
-                        <a:srgbClr val="000000"/>
-                      </a:solidFill>
-                      <a:prstDash val="solid"/>
-                      <a:round/>
-                      <a:headEnd type="none" w="med" len="med"/>
-                      <a:tailEnd type="none" w="med" len="med"/>
-                    </a:lnR>
-                    <a:lnT w="12700" cap="flat" cmpd="sng" algn="ctr">
-                      <a:solidFill>
-                        <a:srgbClr val="000000"/>
-                      </a:solidFill>
-                      <a:prstDash val="solid"/>
-                      <a:round/>
-                      <a:headEnd type="none" w="med" len="med"/>
-                      <a:tailEnd type="none" w="med" len="med"/>
-                    </a:lnT>
-                    <a:lnB w="12700" cap="flat" cmpd="sng" algn="ctr">
-                      <a:solidFill>
-                        <a:srgbClr val="000000"/>
-                      </a:solidFill>
-                      <a:prstDash val="solid"/>
-                      <a:round/>
-                      <a:headEnd type="none" w="med" len="med"/>
-                      <a:tailEnd type="none" w="med" len="med"/>
-                    </a:lnB>
-                    <a:lnTlToBr>
-                      <a:noFill/>
-                    </a:lnTlToBr>
-                    <a:lnBlToTr>
-                      <a:noFill/>
-                    </a:lnBlToTr>
-                    <a:noFill/>
-                  </a:tcPr>
-                </a:tc>
-                <a:tc>
-                  <a:txBody>
-                    <a:bodyPr/>
-                    <a:lstStyle/>
-                    <a:p>
-                      <a:pPr marL="0" marR="0" lvl="0" indent="0" algn="l" defTabSz="914400" rtl="0" eaLnBrk="1" fontAlgn="base" latinLnBrk="0" hangingPunct="1">
-                        <a:lnSpc>
-                          <a:spcPct val="100000"/>
-                        </a:lnSpc>
-                        <a:spcBef>
-                          <a:spcPct val="20000"/>
-                        </a:spcBef>
-                        <a:spcAft>
-                          <a:spcPct val="0"/>
-                        </a:spcAft>
-                        <a:buClrTx/>
-                        <a:buSzTx/>
-                        <a:buFontTx/>
-                        <a:buNone/>
-                        <a:tabLst/>
-                      </a:pPr>
-                      <a:endParaRPr kumimoji="0" lang="ru-RU" sz="1000" b="0" i="0" u="none" strike="noStrike" cap="none" normalizeH="0" baseline="0" dirty="0">
-                        <a:ln>
-                          <a:noFill/>
-                        </a:ln>
-                        <a:solidFill>
-                          <a:schemeClr val="tx1"/>
-                        </a:solidFill>
-                        <a:effectLst/>
-                        <a:latin typeface="Times New Roman" pitchFamily="18" charset="0"/>
-                      </a:endParaRPr>
-                    </a:p>
-                  </a:txBody>
-                  <a:tcPr marL="71962" marR="71962" marT="17991" marB="35979" horzOverflow="overflow">
-                    <a:lnL w="12700" cap="flat" cmpd="sng" algn="ctr">
-                      <a:solidFill>
-                        <a:srgbClr val="000000"/>
-                      </a:solidFill>
-                      <a:prstDash val="solid"/>
-                      <a:round/>
-                      <a:headEnd type="none" w="med" len="med"/>
-                      <a:tailEnd type="none" w="med" len="med"/>
-                    </a:lnL>
-                    <a:lnR w="12700" cap="flat" cmpd="sng" algn="ctr">
-                      <a:solidFill>
-                        <a:srgbClr val="000000"/>
-                      </a:solidFill>
-                      <a:prstDash val="solid"/>
-                      <a:round/>
-                      <a:headEnd type="none" w="med" len="med"/>
-                      <a:tailEnd type="none" w="med" len="med"/>
-                    </a:lnR>
-                    <a:lnT w="12700" cap="flat" cmpd="sng" algn="ctr">
-                      <a:solidFill>
-                        <a:srgbClr val="000000"/>
-                      </a:solidFill>
-                      <a:prstDash val="solid"/>
-                      <a:round/>
-                      <a:headEnd type="none" w="med" len="med"/>
-                      <a:tailEnd type="none" w="med" len="med"/>
-                    </a:lnT>
-                    <a:lnB w="12700" cap="flat" cmpd="sng" algn="ctr">
-                      <a:solidFill>
-                        <a:srgbClr val="000000"/>
-                      </a:solidFill>
-                      <a:prstDash val="solid"/>
-                      <a:round/>
-                      <a:headEnd type="none" w="med" len="med"/>
-                      <a:tailEnd type="none" w="med" len="med"/>
-                    </a:lnB>
-                    <a:lnTlToBr>
-                      <a:noFill/>
-                    </a:lnTlToBr>
-                    <a:lnBlToTr>
-                      <a:noFill/>
-                    </a:lnBlToTr>
-                    <a:noFill/>
-                  </a:tcPr>
-                </a:tc>
-                <a:extLst>
-                  <a:ext uri="{0D108BD9-81ED-4DB2-BD59-A6C34878D82A}">
-                    <a16:rowId xmlns:a16="http://schemas.microsoft.com/office/drawing/2014/main" val="10000"/>
-                  </a:ext>
-                </a:extLst>
-              </a:tr>
-              <a:tr h="0">
-                <a:tc>
-                  <a:txBody>
-                    <a:bodyPr/>
-                    <a:lstStyle/>
-                    <a:p>
-                      <a:pPr marL="0" marR="0" lvl="0" indent="0" algn="l" defTabSz="914400" rtl="0" eaLnBrk="1" fontAlgn="base" latinLnBrk="0" hangingPunct="1">
-                        <a:lnSpc>
-                          <a:spcPct val="100000"/>
-                        </a:lnSpc>
-                        <a:spcBef>
-                          <a:spcPct val="0"/>
-                        </a:spcBef>
-                        <a:spcAft>
-                          <a:spcPct val="0"/>
-                        </a:spcAft>
-                        <a:buClrTx/>
-                        <a:buSzTx/>
-                        <a:buFontTx/>
-                        <a:buNone/>
-                        <a:tabLst/>
-                      </a:pPr>
-                      <a:r>
-                        <a:rPr kumimoji="0" lang="ru-RU" sz="1000" b="0" i="0" u="none" strike="noStrike" cap="none" normalizeH="0" baseline="0">
-                          <a:ln>
-                            <a:noFill/>
-                          </a:ln>
-                          <a:solidFill>
-                            <a:schemeClr val="tx1"/>
-                          </a:solidFill>
-                          <a:effectLst/>
-                          <a:latin typeface="Times New Roman" pitchFamily="18" charset="0"/>
-                          <a:cs typeface="Times New Roman" pitchFamily="18" charset="0"/>
-                        </a:rPr>
-                        <a:t>Утвердил</a:t>
-                      </a:r>
-                      <a:endParaRPr kumimoji="0" lang="ru-RU" sz="1000" b="0" i="0" u="none" strike="noStrike" cap="none" normalizeH="0" baseline="0">
-                        <a:ln>
-                          <a:noFill/>
-                        </a:ln>
-                        <a:solidFill>
-                          <a:schemeClr val="tx1"/>
-                        </a:solidFill>
-                        <a:effectLst/>
-                        <a:latin typeface="Arial" charset="0"/>
-                      </a:endParaRPr>
-                    </a:p>
-                  </a:txBody>
-                  <a:tcPr marL="71962" marR="71962" marT="17991" marB="35979" horzOverflow="overflow">
-                    <a:lnL w="12700" cap="flat" cmpd="sng" algn="ctr">
-                      <a:solidFill>
-                        <a:srgbClr val="000000"/>
-                      </a:solidFill>
-                      <a:prstDash val="solid"/>
-                      <a:round/>
-                      <a:headEnd type="none" w="med" len="med"/>
-                      <a:tailEnd type="none" w="med" len="med"/>
-                    </a:lnL>
-                    <a:lnR w="12700" cap="flat" cmpd="sng" algn="ctr">
-                      <a:solidFill>
-                        <a:srgbClr val="000000"/>
-                      </a:solidFill>
-                      <a:prstDash val="solid"/>
-                      <a:round/>
-                      <a:headEnd type="none" w="med" len="med"/>
-                      <a:tailEnd type="none" w="med" len="med"/>
-                    </a:lnR>
-                    <a:lnT w="12700" cap="flat" cmpd="sng" algn="ctr">
-                      <a:solidFill>
-                        <a:srgbClr val="000000"/>
-                      </a:solidFill>
-                      <a:prstDash val="solid"/>
-                      <a:round/>
-                      <a:headEnd type="none" w="med" len="med"/>
-                      <a:tailEnd type="none" w="med" len="med"/>
-                    </a:lnT>
-                    <a:lnB w="12700" cap="flat" cmpd="sng" algn="ctr">
-                      <a:solidFill>
-                        <a:srgbClr val="000000"/>
-                      </a:solidFill>
-                      <a:prstDash val="solid"/>
-                      <a:round/>
-                      <a:headEnd type="none" w="med" len="med"/>
-                      <a:tailEnd type="none" w="med" len="med"/>
-                    </a:lnB>
-                    <a:lnTlToBr>
-                      <a:noFill/>
-                    </a:lnTlToBr>
-                    <a:lnBlToTr>
-                      <a:noFill/>
-                    </a:lnBlToTr>
-                    <a:noFill/>
-                  </a:tcPr>
-                </a:tc>
-                <a:tc>
-                  <a:txBody>
-                    <a:bodyPr/>
-                    <a:lstStyle/>
-                    <a:p>
-                      <a:pPr marL="0" marR="0" lvl="0" indent="0" algn="l" defTabSz="914400" rtl="0" eaLnBrk="1" fontAlgn="base" latinLnBrk="0" hangingPunct="1">
-                        <a:lnSpc>
-                          <a:spcPct val="100000"/>
-                        </a:lnSpc>
-                        <a:spcBef>
-                          <a:spcPct val="0"/>
-                        </a:spcBef>
-                        <a:spcAft>
-                          <a:spcPct val="0"/>
-                        </a:spcAft>
-                        <a:buClrTx/>
-                        <a:buSzTx/>
-                        <a:buFontTx/>
-                        <a:buNone/>
-                        <a:tabLst/>
-                      </a:pPr>
-                      <a:r>
-                        <a:rPr kumimoji="0" lang="ru-RU" sz="1000" b="0" i="0" u="none" strike="noStrike" cap="none" normalizeH="0" baseline="0" dirty="0">
-                          <a:ln>
-                            <a:noFill/>
-                          </a:ln>
-                          <a:solidFill>
-                            <a:schemeClr val="tx1"/>
-                          </a:solidFill>
-                          <a:effectLst/>
-                          <a:latin typeface="Times New Roman" pitchFamily="18" charset="0"/>
-                          <a:cs typeface="Times New Roman" pitchFamily="18" charset="0"/>
-                        </a:rPr>
-                        <a:t>Гагарина Л.Г.</a:t>
-                      </a:r>
-                    </a:p>
-                  </a:txBody>
-                  <a:tcPr marL="71962" marR="71962" marT="17991" marB="35979" horzOverflow="overflow">
-                    <a:lnL w="12700" cap="flat" cmpd="sng" algn="ctr">
-                      <a:solidFill>
-                        <a:srgbClr val="000000"/>
-                      </a:solidFill>
-                      <a:prstDash val="solid"/>
-                      <a:round/>
-                      <a:headEnd type="none" w="med" len="med"/>
-                      <a:tailEnd type="none" w="med" len="med"/>
-                    </a:lnL>
-                    <a:lnR w="12700" cap="flat" cmpd="sng" algn="ctr">
-                      <a:solidFill>
-                        <a:srgbClr val="000000"/>
-                      </a:solidFill>
-                      <a:prstDash val="solid"/>
-                      <a:round/>
-                      <a:headEnd type="none" w="med" len="med"/>
-                      <a:tailEnd type="none" w="med" len="med"/>
-                    </a:lnR>
-                    <a:lnT w="12700" cap="flat" cmpd="sng" algn="ctr">
-                      <a:solidFill>
-                        <a:srgbClr val="000000"/>
-                      </a:solidFill>
-                      <a:prstDash val="solid"/>
-                      <a:round/>
-                      <a:headEnd type="none" w="med" len="med"/>
-                      <a:tailEnd type="none" w="med" len="med"/>
-                    </a:lnT>
-                    <a:lnB w="12700" cap="flat" cmpd="sng" algn="ctr">
-                      <a:solidFill>
-                        <a:srgbClr val="000000"/>
-                      </a:solidFill>
-                      <a:prstDash val="solid"/>
-                      <a:round/>
-                      <a:headEnd type="none" w="med" len="med"/>
-                      <a:tailEnd type="none" w="med" len="med"/>
-                    </a:lnB>
-                    <a:lnTlToBr>
-                      <a:noFill/>
-                    </a:lnTlToBr>
-                    <a:lnBlToTr>
-                      <a:noFill/>
-                    </a:lnBlToTr>
-                    <a:noFill/>
-                  </a:tcPr>
-                </a:tc>
-                <a:tc>
-                  <a:txBody>
-                    <a:bodyPr/>
-                    <a:lstStyle/>
-                    <a:p>
-                      <a:pPr marL="0" marR="0" lvl="0" indent="0" algn="l" defTabSz="914400" rtl="0" eaLnBrk="1" fontAlgn="base" latinLnBrk="0" hangingPunct="1">
-                        <a:lnSpc>
-                          <a:spcPct val="100000"/>
-                        </a:lnSpc>
-                        <a:spcBef>
-                          <a:spcPct val="20000"/>
-                        </a:spcBef>
-                        <a:spcAft>
-                          <a:spcPct val="0"/>
-                        </a:spcAft>
-                        <a:buClrTx/>
-                        <a:buSzTx/>
-                        <a:buFontTx/>
-                        <a:buNone/>
-                        <a:tabLst/>
-                      </a:pPr>
-                      <a:endParaRPr kumimoji="0" lang="ru-RU" sz="1000" b="0" i="0" u="none" strike="noStrike" cap="none" normalizeH="0" baseline="0">
-                        <a:ln>
-                          <a:noFill/>
-                        </a:ln>
-                        <a:solidFill>
-                          <a:schemeClr val="tx1"/>
-                        </a:solidFill>
-                        <a:effectLst/>
-                        <a:latin typeface="Arial" charset="0"/>
-                      </a:endParaRPr>
-                    </a:p>
-                  </a:txBody>
-                  <a:tcPr marL="71962" marR="71962" marT="17991" marB="35979" horzOverflow="overflow">
-                    <a:lnL w="12700" cap="flat" cmpd="sng" algn="ctr">
-                      <a:solidFill>
-                        <a:srgbClr val="000000"/>
-                      </a:solidFill>
-                      <a:prstDash val="solid"/>
-                      <a:round/>
-                      <a:headEnd type="none" w="med" len="med"/>
-                      <a:tailEnd type="none" w="med" len="med"/>
-                    </a:lnL>
-                    <a:lnR w="12700" cap="flat" cmpd="sng" algn="ctr">
-                      <a:solidFill>
-                        <a:srgbClr val="000000"/>
-                      </a:solidFill>
-                      <a:prstDash val="solid"/>
-                      <a:round/>
-                      <a:headEnd type="none" w="med" len="med"/>
-                      <a:tailEnd type="none" w="med" len="med"/>
-                    </a:lnR>
-                    <a:lnT w="12700" cap="flat" cmpd="sng" algn="ctr">
-                      <a:solidFill>
-                        <a:srgbClr val="000000"/>
-                      </a:solidFill>
-                      <a:prstDash val="solid"/>
-                      <a:round/>
-                      <a:headEnd type="none" w="med" len="med"/>
-                      <a:tailEnd type="none" w="med" len="med"/>
-                    </a:lnT>
-                    <a:lnB w="12700" cap="flat" cmpd="sng" algn="ctr">
-                      <a:solidFill>
-                        <a:srgbClr val="000000"/>
-                      </a:solidFill>
-                      <a:prstDash val="solid"/>
-                      <a:round/>
-                      <a:headEnd type="none" w="med" len="med"/>
-                      <a:tailEnd type="none" w="med" len="med"/>
-                    </a:lnB>
-                    <a:lnTlToBr>
-                      <a:noFill/>
-                    </a:lnTlToBr>
-                    <a:lnBlToTr>
-                      <a:noFill/>
-                    </a:lnBlToTr>
-                    <a:noFill/>
-                  </a:tcPr>
-                </a:tc>
-                <a:tc>
-                  <a:txBody>
-                    <a:bodyPr/>
-                    <a:lstStyle/>
-                    <a:p>
-                      <a:pPr marL="0" marR="0" lvl="0" indent="0" algn="l" defTabSz="914400" rtl="0" eaLnBrk="1" fontAlgn="base" latinLnBrk="0" hangingPunct="1">
-                        <a:lnSpc>
-                          <a:spcPct val="100000"/>
-                        </a:lnSpc>
-                        <a:spcBef>
-                          <a:spcPct val="20000"/>
-                        </a:spcBef>
-                        <a:spcAft>
-                          <a:spcPct val="0"/>
-                        </a:spcAft>
-                        <a:buClrTx/>
-                        <a:buSzTx/>
-                        <a:buFontTx/>
-                        <a:buNone/>
-                        <a:tabLst/>
-                      </a:pPr>
-                      <a:endParaRPr kumimoji="0" lang="ru-RU" sz="1000" b="0" i="0" u="none" strike="noStrike" cap="none" normalizeH="0" baseline="0" dirty="0">
-                        <a:ln>
-                          <a:noFill/>
-                        </a:ln>
-                        <a:solidFill>
-                          <a:schemeClr val="tx1"/>
-                        </a:solidFill>
-                        <a:effectLst/>
-                        <a:latin typeface="Arial" charset="0"/>
-                      </a:endParaRPr>
-                    </a:p>
-                  </a:txBody>
-                  <a:tcPr marL="71962" marR="71962" marT="17991" marB="35979" horzOverflow="overflow">
-                    <a:lnL w="12700" cap="flat" cmpd="sng" algn="ctr">
-                      <a:solidFill>
-                        <a:srgbClr val="000000"/>
-                      </a:solidFill>
-                      <a:prstDash val="solid"/>
-                      <a:round/>
-                      <a:headEnd type="none" w="med" len="med"/>
-                      <a:tailEnd type="none" w="med" len="med"/>
-                    </a:lnL>
-                    <a:lnR w="12700" cap="flat" cmpd="sng" algn="ctr">
-                      <a:solidFill>
-                        <a:srgbClr val="000000"/>
-                      </a:solidFill>
-                      <a:prstDash val="solid"/>
-                      <a:round/>
-                      <a:headEnd type="none" w="med" len="med"/>
-                      <a:tailEnd type="none" w="med" len="med"/>
-                    </a:lnR>
-                    <a:lnT w="12700" cap="flat" cmpd="sng" algn="ctr">
-                      <a:solidFill>
-                        <a:srgbClr val="000000"/>
-                      </a:solidFill>
-                      <a:prstDash val="solid"/>
-                      <a:round/>
-                      <a:headEnd type="none" w="med" len="med"/>
-                      <a:tailEnd type="none" w="med" len="med"/>
-                    </a:lnT>
-                    <a:lnB w="12700" cap="flat" cmpd="sng" algn="ctr">
-                      <a:solidFill>
-                        <a:srgbClr val="000000"/>
-                      </a:solidFill>
-                      <a:prstDash val="solid"/>
-                      <a:round/>
-                      <a:headEnd type="none" w="med" len="med"/>
-                      <a:tailEnd type="none" w="med" len="med"/>
-                    </a:lnB>
-                    <a:lnTlToBr>
-                      <a:noFill/>
-                    </a:lnTlToBr>
-                    <a:lnBlToTr>
-                      <a:noFill/>
-                    </a:lnBlToTr>
-                    <a:noFill/>
-                  </a:tcPr>
-                </a:tc>
-                <a:extLst>
-                  <a:ext uri="{0D108BD9-81ED-4DB2-BD59-A6C34878D82A}">
-                    <a16:rowId xmlns:a16="http://schemas.microsoft.com/office/drawing/2014/main" val="10001"/>
-                  </a:ext>
-                </a:extLst>
-              </a:tr>
-            </a:tbl>
-          </a:graphicData>
-        </a:graphic>
-      </p:graphicFrame>
-      <p:sp>
-        <p:nvSpPr>
-          <p:cNvPr id="7" name="Line 158"/>
-          <p:cNvSpPr>
-            <a:spLocks noChangeShapeType="1"/>
-          </p:cNvSpPr>
-          <p:nvPr/>
-        </p:nvSpPr>
-        <p:spPr bwMode="auto">
-          <a:xfrm>
-            <a:off x="193675" y="188913"/>
-            <a:ext cx="8785225" cy="0"/>
-          </a:xfrm>
-          <a:prstGeom prst="line">
-            <a:avLst/>
-          </a:prstGeom>
-          <a:noFill/>
-          <a:ln w="12700" cap="sq">
-            <a:solidFill>
-              <a:schemeClr val="tx1"/>
-            </a:solidFill>
-            <a:round/>
-            <a:headEnd/>
-            <a:tailEnd/>
-          </a:ln>
-        </p:spPr>
-        <p:txBody>
-          <a:bodyPr/>
-          <a:lstStyle/>
-          <a:p>
-            <a:endParaRPr lang="ru-RU"/>
-          </a:p>
-        </p:txBody>
-      </p:sp>
-      <p:sp>
-        <p:nvSpPr>
-          <p:cNvPr id="8" name="Line 159"/>
-          <p:cNvSpPr>
-            <a:spLocks noChangeShapeType="1"/>
-          </p:cNvSpPr>
-          <p:nvPr/>
-        </p:nvSpPr>
-        <p:spPr bwMode="auto">
-          <a:xfrm>
-            <a:off x="193675" y="6669088"/>
-            <a:ext cx="8785225" cy="0"/>
-          </a:xfrm>
-          <a:prstGeom prst="line">
-            <a:avLst/>
-          </a:prstGeom>
-          <a:noFill/>
-          <a:ln w="12700" cap="sq">
-            <a:solidFill>
-              <a:schemeClr val="tx1"/>
-            </a:solidFill>
-            <a:round/>
-            <a:headEnd/>
-            <a:tailEnd/>
-          </a:ln>
-        </p:spPr>
-        <p:txBody>
-          <a:bodyPr/>
-          <a:lstStyle/>
-          <a:p>
-            <a:endParaRPr lang="ru-RU"/>
-          </a:p>
-        </p:txBody>
-      </p:sp>
-      <p:sp>
-        <p:nvSpPr>
-          <p:cNvPr id="9" name="TextBox 8"/>
-          <p:cNvSpPr txBox="1"/>
-          <p:nvPr/>
-        </p:nvSpPr>
-        <p:spPr>
-          <a:xfrm>
-            <a:off x="323528" y="1340769"/>
-            <a:ext cx="8424936" cy="2062103"/>
-          </a:xfrm>
-          <a:prstGeom prst="rect">
-            <a:avLst/>
-          </a:prstGeom>
-          <a:noFill/>
-        </p:spPr>
-        <p:txBody>
-          <a:bodyPr wrap="square" rtlCol="0">
-            <a:spAutoFit/>
-          </a:bodyPr>
-          <a:lstStyle/>
-          <a:p>
-            <a:pPr marL="177800" indent="-177800">
-              <a:spcAft>
-                <a:spcPts val="1200"/>
-              </a:spcAft>
-              <a:buFont typeface="Arial" pitchFamily="34" charset="0"/>
-              <a:buChar char="•"/>
-            </a:pPr>
-            <a:r>
-              <a:rPr lang="ru-RU" dirty="0"/>
-              <a:t>Ф.И. О. автора. Универсальный командный интерпретатор. </a:t>
-            </a:r>
-            <a:r>
-              <a:rPr lang="ru-RU" dirty="0" err="1"/>
-              <a:t>Инноватика</a:t>
-            </a:r>
-            <a:r>
-              <a:rPr lang="ru-RU" dirty="0"/>
-              <a:t> и инновационные процессы в экономике, науке, образовании и в области права. Седьмая межвузовская научно-практическая конференция. Материалы научных докладов. – М.: ИГУПИТ, 2014, с. 226-232.</a:t>
-            </a:r>
-          </a:p>
-          <a:p>
-            <a:pPr marL="177800" indent="-177800">
-              <a:spcAft>
-                <a:spcPts val="1200"/>
-              </a:spcAft>
-              <a:buFont typeface="Arial" pitchFamily="34" charset="0"/>
-              <a:buChar char="•"/>
-            </a:pPr>
-            <a:r>
-              <a:rPr lang="ru-RU" dirty="0"/>
-              <a:t>Программный модуль внедрен на предприятии ОАО «НИИ «</a:t>
-            </a:r>
-            <a:r>
-              <a:rPr lang="ru-RU" dirty="0" err="1"/>
-              <a:t>Субмикрон</a:t>
-            </a:r>
-            <a:r>
-              <a:rPr lang="ru-RU" dirty="0"/>
-              <a:t>»</a:t>
-            </a:r>
-          </a:p>
-          <a:p>
-            <a:pPr marL="177800" indent="-177800">
-              <a:spcAft>
-                <a:spcPts val="1200"/>
-              </a:spcAft>
-              <a:buFont typeface="Arial" pitchFamily="34" charset="0"/>
-              <a:buChar char="•"/>
-            </a:pPr>
-            <a:endParaRPr lang="ru-RU" dirty="0"/>
-          </a:p>
-        </p:txBody>
-      </p:sp>
-      <p:sp>
-        <p:nvSpPr>
-          <p:cNvPr id="10" name="Rectangle 23"/>
-          <p:cNvSpPr>
-            <a:spLocks noChangeArrowheads="1"/>
-          </p:cNvSpPr>
-          <p:nvPr/>
-        </p:nvSpPr>
-        <p:spPr bwMode="auto">
-          <a:xfrm>
-            <a:off x="251520" y="476672"/>
-            <a:ext cx="8642350" cy="430887"/>
-          </a:xfrm>
-          <a:prstGeom prst="rect">
-            <a:avLst/>
-          </a:prstGeom>
-          <a:noFill/>
-          <a:ln w="9525">
-            <a:noFill/>
-            <a:miter lim="800000"/>
-            <a:headEnd/>
-            <a:tailEnd/>
-          </a:ln>
-        </p:spPr>
-        <p:txBody>
-          <a:bodyPr wrap="square">
-            <a:spAutoFit/>
-          </a:bodyPr>
-          <a:lstStyle/>
-          <a:p>
-            <a:pPr algn="ctr"/>
-            <a:r>
-              <a:rPr lang="ru-RU" sz="2200" b="1" dirty="0"/>
-              <a:t>Апробация</a:t>
             </a:r>
           </a:p>
         </p:txBody>

--- a/УП-Презентация.pptx
+++ b/УП-Презентация.pptx
@@ -144,18 +144,18 @@
   <pc:docChgLst>
     <pc:chgData name="Максим Мясников" userId="eb1110bc54b184a5" providerId="LiveId" clId="{A2428F48-EFAB-4F7A-AA4A-4DF7BB9402D9}"/>
     <pc:docChg chg="undo redo custSel addSld modSld">
-      <pc:chgData name="Максим Мясников" userId="eb1110bc54b184a5" providerId="LiveId" clId="{A2428F48-EFAB-4F7A-AA4A-4DF7BB9402D9}" dt="2021-12-12T13:19:14.478" v="1552" actId="20577"/>
+      <pc:chgData name="Максим Мясников" userId="eb1110bc54b184a5" providerId="LiveId" clId="{A2428F48-EFAB-4F7A-AA4A-4DF7BB9402D9}" dt="2021-12-14T08:09:55.730" v="1601" actId="20577"/>
       <pc:docMkLst>
         <pc:docMk/>
       </pc:docMkLst>
       <pc:sldChg chg="modSp mod">
-        <pc:chgData name="Максим Мясников" userId="eb1110bc54b184a5" providerId="LiveId" clId="{A2428F48-EFAB-4F7A-AA4A-4DF7BB9402D9}" dt="2021-12-04T17:05:31.071" v="358" actId="20577"/>
+        <pc:chgData name="Максим Мясников" userId="eb1110bc54b184a5" providerId="LiveId" clId="{A2428F48-EFAB-4F7A-AA4A-4DF7BB9402D9}" dt="2021-12-14T08:09:39.674" v="1583" actId="20577"/>
         <pc:sldMkLst>
           <pc:docMk/>
           <pc:sldMk cId="0" sldId="256"/>
         </pc:sldMkLst>
         <pc:spChg chg="mod">
-          <ac:chgData name="Максим Мясников" userId="eb1110bc54b184a5" providerId="LiveId" clId="{A2428F48-EFAB-4F7A-AA4A-4DF7BB9402D9}" dt="2021-12-04T17:01:05.621" v="102" actId="20577"/>
+          <ac:chgData name="Максим Мясников" userId="eb1110bc54b184a5" providerId="LiveId" clId="{A2428F48-EFAB-4F7A-AA4A-4DF7BB9402D9}" dt="2021-12-14T08:06:57.474" v="1554" actId="20577"/>
           <ac:spMkLst>
             <pc:docMk/>
             <pc:sldMk cId="0" sldId="256"/>
@@ -171,7 +171,7 @@
           </ac:spMkLst>
         </pc:spChg>
         <pc:spChg chg="mod">
-          <ac:chgData name="Максим Мясников" userId="eb1110bc54b184a5" providerId="LiveId" clId="{A2428F48-EFAB-4F7A-AA4A-4DF7BB9402D9}" dt="2021-12-04T17:04:06.231" v="240" actId="1076"/>
+          <ac:chgData name="Максим Мясников" userId="eb1110bc54b184a5" providerId="LiveId" clId="{A2428F48-EFAB-4F7A-AA4A-4DF7BB9402D9}" dt="2021-12-14T08:09:39.674" v="1583" actId="20577"/>
           <ac:spMkLst>
             <pc:docMk/>
             <pc:sldMk cId="0" sldId="256"/>
@@ -218,7 +218,7 @@
         </pc:graphicFrameChg>
       </pc:sldChg>
       <pc:sldChg chg="addSp delSp modSp mod">
-        <pc:chgData name="Максим Мясников" userId="eb1110bc54b184a5" providerId="LiveId" clId="{A2428F48-EFAB-4F7A-AA4A-4DF7BB9402D9}" dt="2021-12-12T13:12:45.562" v="1445" actId="255"/>
+        <pc:chgData name="Максим Мясников" userId="eb1110bc54b184a5" providerId="LiveId" clId="{A2428F48-EFAB-4F7A-AA4A-4DF7BB9402D9}" dt="2021-12-14T08:08:31.802" v="1562" actId="14734"/>
         <pc:sldMkLst>
           <pc:docMk/>
           <pc:sldMk cId="0" sldId="260"/>
@@ -264,7 +264,7 @@
           </ac:graphicFrameMkLst>
         </pc:graphicFrameChg>
         <pc:graphicFrameChg chg="mod modGraphic">
-          <ac:chgData name="Максим Мясников" userId="eb1110bc54b184a5" providerId="LiveId" clId="{A2428F48-EFAB-4F7A-AA4A-4DF7BB9402D9}" dt="2021-12-12T13:12:45.562" v="1445" actId="255"/>
+          <ac:chgData name="Максим Мясников" userId="eb1110bc54b184a5" providerId="LiveId" clId="{A2428F48-EFAB-4F7A-AA4A-4DF7BB9402D9}" dt="2021-12-14T08:08:31.802" v="1562" actId="14734"/>
           <ac:graphicFrameMkLst>
             <pc:docMk/>
             <pc:sldMk cId="0" sldId="260"/>
@@ -311,11 +311,19 @@
         </pc:spChg>
       </pc:sldChg>
       <pc:sldChg chg="addSp delSp modSp mod">
-        <pc:chgData name="Максим Мясников" userId="eb1110bc54b184a5" providerId="LiveId" clId="{A2428F48-EFAB-4F7A-AA4A-4DF7BB9402D9}" dt="2021-12-05T16:50:36.746" v="561"/>
+        <pc:chgData name="Максим Мясников" userId="eb1110bc54b184a5" providerId="LiveId" clId="{A2428F48-EFAB-4F7A-AA4A-4DF7BB9402D9}" dt="2021-12-14T08:09:55.730" v="1601" actId="20577"/>
         <pc:sldMkLst>
           <pc:docMk/>
           <pc:sldMk cId="0" sldId="264"/>
         </pc:sldMkLst>
+        <pc:spChg chg="mod">
+          <ac:chgData name="Максим Мясников" userId="eb1110bc54b184a5" providerId="LiveId" clId="{A2428F48-EFAB-4F7A-AA4A-4DF7BB9402D9}" dt="2021-12-14T08:09:55.730" v="1601" actId="20577"/>
+          <ac:spMkLst>
+            <pc:docMk/>
+            <pc:sldMk cId="0" sldId="264"/>
+            <ac:spMk id="10" creationId="{00000000-0000-0000-0000-000000000000}"/>
+          </ac:spMkLst>
+        </pc:spChg>
         <pc:graphicFrameChg chg="del mod modGraphic">
           <ac:chgData name="Максим Мясников" userId="eb1110bc54b184a5" providerId="LiveId" clId="{A2428F48-EFAB-4F7A-AA4A-4DF7BB9402D9}" dt="2021-12-05T16:49:38.949" v="550" actId="478"/>
           <ac:graphicFrameMkLst>
@@ -364,7 +372,7 @@
         </pc:graphicFrameChg>
       </pc:sldChg>
       <pc:sldChg chg="addSp delSp modSp add mod">
-        <pc:chgData name="Максим Мясников" userId="eb1110bc54b184a5" providerId="LiveId" clId="{A2428F48-EFAB-4F7A-AA4A-4DF7BB9402D9}" dt="2021-12-12T13:19:14.478" v="1552" actId="20577"/>
+        <pc:chgData name="Максим Мясников" userId="eb1110bc54b184a5" providerId="LiveId" clId="{A2428F48-EFAB-4F7A-AA4A-4DF7BB9402D9}" dt="2021-12-14T08:08:12.779" v="1558" actId="255"/>
         <pc:sldMkLst>
           <pc:docMk/>
           <pc:sldMk cId="2829726656" sldId="271"/>
@@ -426,7 +434,7 @@
           </ac:graphicFrameMkLst>
         </pc:graphicFrameChg>
         <pc:graphicFrameChg chg="mod ord modGraphic">
-          <ac:chgData name="Максим Мясников" userId="eb1110bc54b184a5" providerId="LiveId" clId="{A2428F48-EFAB-4F7A-AA4A-4DF7BB9402D9}" dt="2021-12-12T13:13:56.870" v="1529" actId="20577"/>
+          <ac:chgData name="Максим Мясников" userId="eb1110bc54b184a5" providerId="LiveId" clId="{A2428F48-EFAB-4F7A-AA4A-4DF7BB9402D9}" dt="2021-12-14T08:08:12.779" v="1558" actId="255"/>
           <ac:graphicFrameMkLst>
             <pc:docMk/>
             <pc:sldMk cId="2829726656" sldId="271"/>
@@ -635,7 +643,7 @@
             <a:fld id="{D3F45E69-51FF-4017-B855-FA6AEE2AB1D5}" type="datetimeFigureOut">
               <a:rPr lang="ru-RU" smtClean="0"/>
               <a:pPr/>
-              <a:t>12.12.2021</a:t>
+              <a:t>14.12.2021</a:t>
             </a:fld>
             <a:endParaRPr lang="ru-RU"/>
           </a:p>
@@ -800,7 +808,7 @@
             <a:fld id="{D3F45E69-51FF-4017-B855-FA6AEE2AB1D5}" type="datetimeFigureOut">
               <a:rPr lang="ru-RU" smtClean="0"/>
               <a:pPr/>
-              <a:t>12.12.2021</a:t>
+              <a:t>14.12.2021</a:t>
             </a:fld>
             <a:endParaRPr lang="ru-RU"/>
           </a:p>
@@ -975,7 +983,7 @@
             <a:fld id="{D3F45E69-51FF-4017-B855-FA6AEE2AB1D5}" type="datetimeFigureOut">
               <a:rPr lang="ru-RU" smtClean="0"/>
               <a:pPr/>
-              <a:t>12.12.2021</a:t>
+              <a:t>14.12.2021</a:t>
             </a:fld>
             <a:endParaRPr lang="ru-RU"/>
           </a:p>
@@ -1140,7 +1148,7 @@
             <a:fld id="{D3F45E69-51FF-4017-B855-FA6AEE2AB1D5}" type="datetimeFigureOut">
               <a:rPr lang="ru-RU" smtClean="0"/>
               <a:pPr/>
-              <a:t>12.12.2021</a:t>
+              <a:t>14.12.2021</a:t>
             </a:fld>
             <a:endParaRPr lang="ru-RU"/>
           </a:p>
@@ -1382,7 +1390,7 @@
             <a:fld id="{D3F45E69-51FF-4017-B855-FA6AEE2AB1D5}" type="datetimeFigureOut">
               <a:rPr lang="ru-RU" smtClean="0"/>
               <a:pPr/>
-              <a:t>12.12.2021</a:t>
+              <a:t>14.12.2021</a:t>
             </a:fld>
             <a:endParaRPr lang="ru-RU"/>
           </a:p>
@@ -1664,7 +1672,7 @@
             <a:fld id="{D3F45E69-51FF-4017-B855-FA6AEE2AB1D5}" type="datetimeFigureOut">
               <a:rPr lang="ru-RU" smtClean="0"/>
               <a:pPr/>
-              <a:t>12.12.2021</a:t>
+              <a:t>14.12.2021</a:t>
             </a:fld>
             <a:endParaRPr lang="ru-RU"/>
           </a:p>
@@ -2080,7 +2088,7 @@
             <a:fld id="{D3F45E69-51FF-4017-B855-FA6AEE2AB1D5}" type="datetimeFigureOut">
               <a:rPr lang="ru-RU" smtClean="0"/>
               <a:pPr/>
-              <a:t>12.12.2021</a:t>
+              <a:t>14.12.2021</a:t>
             </a:fld>
             <a:endParaRPr lang="ru-RU"/>
           </a:p>
@@ -2194,7 +2202,7 @@
             <a:fld id="{D3F45E69-51FF-4017-B855-FA6AEE2AB1D5}" type="datetimeFigureOut">
               <a:rPr lang="ru-RU" smtClean="0"/>
               <a:pPr/>
-              <a:t>12.12.2021</a:t>
+              <a:t>14.12.2021</a:t>
             </a:fld>
             <a:endParaRPr lang="ru-RU"/>
           </a:p>
@@ -2286,7 +2294,7 @@
             <a:fld id="{D3F45E69-51FF-4017-B855-FA6AEE2AB1D5}" type="datetimeFigureOut">
               <a:rPr lang="ru-RU" smtClean="0"/>
               <a:pPr/>
-              <a:t>12.12.2021</a:t>
+              <a:t>14.12.2021</a:t>
             </a:fld>
             <a:endParaRPr lang="ru-RU"/>
           </a:p>
@@ -2558,7 +2566,7 @@
             <a:fld id="{D3F45E69-51FF-4017-B855-FA6AEE2AB1D5}" type="datetimeFigureOut">
               <a:rPr lang="ru-RU" smtClean="0"/>
               <a:pPr/>
-              <a:t>12.12.2021</a:t>
+              <a:t>14.12.2021</a:t>
             </a:fld>
             <a:endParaRPr lang="ru-RU"/>
           </a:p>
@@ -2807,7 +2815,7 @@
             <a:fld id="{D3F45E69-51FF-4017-B855-FA6AEE2AB1D5}" type="datetimeFigureOut">
               <a:rPr lang="ru-RU" smtClean="0"/>
               <a:pPr/>
-              <a:t>12.12.2021</a:t>
+              <a:t>14.12.2021</a:t>
             </a:fld>
             <a:endParaRPr lang="ru-RU"/>
           </a:p>
@@ -3015,7 +3023,7 @@
             <a:fld id="{D3F45E69-51FF-4017-B855-FA6AEE2AB1D5}" type="datetimeFigureOut">
               <a:rPr lang="ru-RU" smtClean="0"/>
               <a:pPr/>
-              <a:t>12.12.2021</a:t>
+              <a:t>14.12.2021</a:t>
             </a:fld>
             <a:endParaRPr lang="ru-RU"/>
           </a:p>
@@ -4313,7 +4321,7 @@
             </a:br>
             <a:r>
               <a:rPr lang="ru-RU" sz="2200" b="1" dirty="0"/>
-              <a:t> (Шифр ВС ДПДА)</a:t>
+              <a:t> (Шифр ВС ДЭП)</a:t>
             </a:r>
           </a:p>
         </p:txBody>
@@ -4497,7 +4505,7 @@
             </a:pPr>
             <a:r>
               <a:rPr lang="ru-RU" sz="2000" dirty="0"/>
-              <a:t>разработка схемы данных ПМ УКИ;</a:t>
+              <a:t>разработка схемы данных ВС ДЭП;</a:t>
             </a:r>
           </a:p>
           <a:p>
@@ -4510,7 +4518,7 @@
             </a:pPr>
             <a:r>
               <a:rPr lang="ru-RU" sz="2000" dirty="0"/>
-              <a:t>разработка схем алгоритмов ПМ УКИ;</a:t>
+              <a:t>разработка схем алгоритмов ВС ДЭП;</a:t>
             </a:r>
           </a:p>
           <a:p>
@@ -5822,7 +5830,7 @@
             </a:pPr>
             <a:r>
               <a:rPr lang="ru-RU" sz="2400" dirty="0"/>
-              <a:t> разработана схема данных ПМ УКИ;</a:t>
+              <a:t> разработана схема данных ВС ДЭП;</a:t>
             </a:r>
           </a:p>
           <a:p>
@@ -5835,7 +5843,7 @@
             </a:pPr>
             <a:r>
               <a:rPr lang="ru-RU" sz="2400" dirty="0"/>
-              <a:t> разработана схема алгоритма ПМ УКИ;</a:t>
+              <a:t> разработана схема алгоритма ВС ДЭП;</a:t>
             </a:r>
           </a:p>
           <a:p>
@@ -10242,14 +10250,14 @@
           <p:nvPr>
             <p:extLst>
               <p:ext uri="{D42A27DB-BD31-4B8C-83A1-F6EECF244321}">
-                <p14:modId xmlns:p14="http://schemas.microsoft.com/office/powerpoint/2010/main" val="1451467460"/>
+                <p14:modId xmlns:p14="http://schemas.microsoft.com/office/powerpoint/2010/main" val="1765138568"/>
               </p:ext>
             </p:extLst>
           </p:nvPr>
         </p:nvGraphicFramePr>
         <p:xfrm>
           <a:off x="467544" y="764704"/>
-          <a:ext cx="8280918" cy="4348480"/>
+          <a:ext cx="8280918" cy="4206240"/>
         </p:xfrm>
         <a:graphic>
           <a:graphicData uri="http://schemas.openxmlformats.org/drawingml/2006/table">
@@ -10272,21 +10280,21 @@
                     </a:ext>
                   </a:extLst>
                 </a:gridCol>
-                <a:gridCol w="1020113">
+                <a:gridCol w="924103">
                   <a:extLst>
                     <a:ext uri="{9D8B030D-6E8A-4147-A177-3AD203B41FA5}">
                       <a16:colId xmlns:a16="http://schemas.microsoft.com/office/drawing/2014/main" val="20003"/>
                     </a:ext>
                   </a:extLst>
                 </a:gridCol>
-                <a:gridCol w="1020113">
+                <a:gridCol w="1224136">
                   <a:extLst>
                     <a:ext uri="{9D8B030D-6E8A-4147-A177-3AD203B41FA5}">
                       <a16:colId xmlns:a16="http://schemas.microsoft.com/office/drawing/2014/main" val="20004"/>
                     </a:ext>
                   </a:extLst>
                 </a:gridCol>
-                <a:gridCol w="1020113">
+                <a:gridCol w="912100">
                   <a:extLst>
                     <a:ext uri="{9D8B030D-6E8A-4147-A177-3AD203B41FA5}">
                       <a16:colId xmlns:a16="http://schemas.microsoft.com/office/drawing/2014/main" val="922393062"/>
@@ -13248,14 +13256,14 @@
           <p:nvPr>
             <p:extLst>
               <p:ext uri="{D42A27DB-BD31-4B8C-83A1-F6EECF244321}">
-                <p14:modId xmlns:p14="http://schemas.microsoft.com/office/powerpoint/2010/main" val="1074849257"/>
+                <p14:modId xmlns:p14="http://schemas.microsoft.com/office/powerpoint/2010/main" val="1438870300"/>
               </p:ext>
             </p:extLst>
           </p:nvPr>
         </p:nvGraphicFramePr>
         <p:xfrm>
           <a:off x="467544" y="766652"/>
-          <a:ext cx="8280920" cy="4724400"/>
+          <a:ext cx="8280920" cy="4450080"/>
         </p:xfrm>
         <a:graphic>
           <a:graphicData uri="http://schemas.openxmlformats.org/drawingml/2006/table">
@@ -13379,7 +13387,22 @@
                           <a:ea typeface="+mn-ea"/>
                           <a:cs typeface="+mn-cs"/>
                         </a:rPr>
-                        <a:t>Visual Studio[1]</a:t>
+                        <a:t>Visual Studio</a:t>
+                      </a:r>
+                      <a:r>
+                        <a:rPr kumimoji="0" lang="en-US" sz="1400" b="1" u="none" strike="noStrike" kern="1200" cap="none" normalizeH="0" baseline="30000" dirty="0">
+                          <a:ln>
+                            <a:noFill/>
+                          </a:ln>
+                          <a:solidFill>
+                            <a:schemeClr val="bg1"/>
+                          </a:solidFill>
+                          <a:effectLst/>
+                          <a:latin typeface="+mn-lt"/>
+                          <a:ea typeface="+mn-ea"/>
+                          <a:cs typeface="+mn-cs"/>
+                        </a:rPr>
+                        <a:t>[1]</a:t>
                       </a:r>
                     </a:p>
                   </a:txBody>
@@ -13567,7 +13590,7 @@
                     <a:lstStyle/>
                     <a:p>
                       <a:r>
-                        <a:rPr lang="ru-RU" dirty="0"/>
+                        <a:rPr lang="ru-RU" sz="1600" dirty="0"/>
                         <a:t>Бесплатность</a:t>
                       </a:r>
                     </a:p>
@@ -13654,7 +13677,7 @@
                     <a:lstStyle/>
                     <a:p>
                       <a:r>
-                        <a:rPr lang="ru-RU" dirty="0"/>
+                        <a:rPr lang="ru-RU" sz="1600" dirty="0"/>
                         <a:t>Автоматическое дополнение кода</a:t>
                       </a:r>
                     </a:p>
@@ -13741,7 +13764,7 @@
                     <a:lstStyle/>
                     <a:p>
                       <a:r>
-                        <a:rPr lang="ru-RU" dirty="0"/>
+                        <a:rPr lang="ru-RU" sz="1600" dirty="0"/>
                         <a:t>Статистический анализатор кода</a:t>
                       </a:r>
                     </a:p>
@@ -13828,7 +13851,7 @@
                     <a:lstStyle/>
                     <a:p>
                       <a:r>
-                        <a:rPr lang="ru-RU" dirty="0"/>
+                        <a:rPr lang="ru-RU" sz="1600" dirty="0"/>
                         <a:t>Отладчик</a:t>
                       </a:r>
                     </a:p>
@@ -13915,7 +13938,7 @@
                     <a:lstStyle/>
                     <a:p>
                       <a:r>
-                        <a:rPr lang="ru-RU" dirty="0"/>
+                        <a:rPr lang="ru-RU" sz="1600" dirty="0"/>
                         <a:t>Тестирование</a:t>
                       </a:r>
                     </a:p>
@@ -14002,7 +14025,7 @@
                     <a:lstStyle/>
                     <a:p>
                       <a:r>
-                        <a:rPr lang="ru-RU" dirty="0"/>
+                        <a:rPr lang="ru-RU" sz="1600" dirty="0"/>
                         <a:t>Профилирование</a:t>
                       </a:r>
                     </a:p>
@@ -14089,7 +14112,7 @@
                     <a:lstStyle/>
                     <a:p>
                       <a:r>
-                        <a:rPr lang="ru-RU" dirty="0"/>
+                        <a:rPr lang="ru-RU" sz="1600" dirty="0"/>
                         <a:t>Шаблоны проектов</a:t>
                       </a:r>
                     </a:p>
@@ -14176,7 +14199,7 @@
                     <a:lstStyle/>
                     <a:p>
                       <a:r>
-                        <a:rPr lang="ru-RU" dirty="0"/>
+                        <a:rPr lang="ru-RU" sz="1600" dirty="0"/>
                         <a:t>Кроссплатформенная сборка</a:t>
                       </a:r>
                     </a:p>

--- a/УП-Презентация.pptx
+++ b/УП-Презентация.pptx
@@ -144,7 +144,7 @@
   <pc:docChgLst>
     <pc:chgData name="Максим Мясников" userId="eb1110bc54b184a5" providerId="LiveId" clId="{A2428F48-EFAB-4F7A-AA4A-4DF7BB9402D9}"/>
     <pc:docChg chg="undo redo custSel addSld modSld">
-      <pc:chgData name="Максим Мясников" userId="eb1110bc54b184a5" providerId="LiveId" clId="{A2428F48-EFAB-4F7A-AA4A-4DF7BB9402D9}" dt="2021-12-14T08:09:55.730" v="1601" actId="20577"/>
+      <pc:chgData name="Максим Мясников" userId="eb1110bc54b184a5" providerId="LiveId" clId="{A2428F48-EFAB-4F7A-AA4A-4DF7BB9402D9}" dt="2021-12-14T16:43:06.624" v="1798" actId="20577"/>
       <pc:docMkLst>
         <pc:docMk/>
       </pc:docMkLst>
@@ -203,11 +203,19 @@
         </pc:graphicFrameChg>
       </pc:sldChg>
       <pc:sldChg chg="modSp mod">
-        <pc:chgData name="Максим Мясников" userId="eb1110bc54b184a5" providerId="LiveId" clId="{A2428F48-EFAB-4F7A-AA4A-4DF7BB9402D9}" dt="2021-12-05T16:50:09.230" v="556" actId="20577"/>
+        <pc:chgData name="Максим Мясников" userId="eb1110bc54b184a5" providerId="LiveId" clId="{A2428F48-EFAB-4F7A-AA4A-4DF7BB9402D9}" dt="2021-12-14T16:43:06.624" v="1798" actId="20577"/>
         <pc:sldMkLst>
           <pc:docMk/>
           <pc:sldMk cId="0" sldId="258"/>
         </pc:sldMkLst>
+        <pc:spChg chg="mod">
+          <ac:chgData name="Максим Мясников" userId="eb1110bc54b184a5" providerId="LiveId" clId="{A2428F48-EFAB-4F7A-AA4A-4DF7BB9402D9}" dt="2021-12-14T16:43:06.624" v="1798" actId="20577"/>
+          <ac:spMkLst>
+            <pc:docMk/>
+            <pc:sldMk cId="0" sldId="258"/>
+            <ac:spMk id="11" creationId="{00000000-0000-0000-0000-000000000000}"/>
+          </ac:spMkLst>
+        </pc:spChg>
         <pc:graphicFrameChg chg="mod modGraphic">
           <ac:chgData name="Максим Мясников" userId="eb1110bc54b184a5" providerId="LiveId" clId="{A2428F48-EFAB-4F7A-AA4A-4DF7BB9402D9}" dt="2021-12-05T16:50:09.230" v="556" actId="20577"/>
           <ac:graphicFrameMkLst>
@@ -216,9 +224,17 @@
             <ac:graphicFrameMk id="6" creationId="{00000000-0000-0000-0000-000000000000}"/>
           </ac:graphicFrameMkLst>
         </pc:graphicFrameChg>
+        <pc:graphicFrameChg chg="mod modGraphic">
+          <ac:chgData name="Максим Мясников" userId="eb1110bc54b184a5" providerId="LiveId" clId="{A2428F48-EFAB-4F7A-AA4A-4DF7BB9402D9}" dt="2021-12-14T16:31:52.408" v="1762" actId="20577"/>
+          <ac:graphicFrameMkLst>
+            <pc:docMk/>
+            <pc:sldMk cId="0" sldId="258"/>
+            <ac:graphicFrameMk id="14" creationId="{00000000-0000-0000-0000-000000000000}"/>
+          </ac:graphicFrameMkLst>
+        </pc:graphicFrameChg>
       </pc:sldChg>
       <pc:sldChg chg="addSp delSp modSp mod">
-        <pc:chgData name="Максим Мясников" userId="eb1110bc54b184a5" providerId="LiveId" clId="{A2428F48-EFAB-4F7A-AA4A-4DF7BB9402D9}" dt="2021-12-14T08:08:31.802" v="1562" actId="14734"/>
+        <pc:chgData name="Максим Мясников" userId="eb1110bc54b184a5" providerId="LiveId" clId="{A2428F48-EFAB-4F7A-AA4A-4DF7BB9402D9}" dt="2021-12-14T16:26:11.223" v="1644" actId="207"/>
         <pc:sldMkLst>
           <pc:docMk/>
           <pc:sldMk cId="0" sldId="260"/>
@@ -264,7 +280,7 @@
           </ac:graphicFrameMkLst>
         </pc:graphicFrameChg>
         <pc:graphicFrameChg chg="mod modGraphic">
-          <ac:chgData name="Максим Мясников" userId="eb1110bc54b184a5" providerId="LiveId" clId="{A2428F48-EFAB-4F7A-AA4A-4DF7BB9402D9}" dt="2021-12-14T08:08:31.802" v="1562" actId="14734"/>
+          <ac:chgData name="Максим Мясников" userId="eb1110bc54b184a5" providerId="LiveId" clId="{A2428F48-EFAB-4F7A-AA4A-4DF7BB9402D9}" dt="2021-12-14T16:26:11.223" v="1644" actId="207"/>
           <ac:graphicFrameMkLst>
             <pc:docMk/>
             <pc:sldMk cId="0" sldId="260"/>
@@ -8492,7 +8508,7 @@
         <p:spPr>
           <a:xfrm>
             <a:off x="467544" y="5877272"/>
-            <a:ext cx="4464496" cy="461665"/>
+            <a:ext cx="4464496" cy="646331"/>
           </a:xfrm>
           <a:prstGeom prst="rect">
             <a:avLst/>
@@ -8516,14 +8532,39 @@
               <a:t>[1] </a:t>
             </a:r>
             <a:r>
-              <a:rPr lang="en-US" sz="1200" u="sng" dirty="0"/>
-              <a:t>http://qt-project.org/</a:t>
+              <a:rPr lang="ru-RU" sz="1200" dirty="0">
+                <a:hlinkClick r:id="rId2"/>
+              </a:rPr>
+              <a:t>https://docs.microsoft.com/ru-ru/graph/</a:t>
             </a:r>
             <a:r>
-              <a:rPr lang="ru-RU" sz="1200" u="sng" dirty="0"/>
-              <a:t>...............................................</a:t>
+              <a:rPr lang="en-US" sz="1200" dirty="0"/>
+              <a:t> </a:t>
             </a:r>
-            <a:endParaRPr lang="en-US" sz="1200" u="sng" dirty="0"/>
+            <a:endParaRPr lang="ru-RU" sz="1200" dirty="0"/>
+          </a:p>
+          <a:p>
+            <a:r>
+              <a:rPr lang="en-US" sz="1200" dirty="0"/>
+              <a:t>[2] </a:t>
+            </a:r>
+            <a:r>
+              <a:rPr lang="en-US" sz="1200" dirty="0">
+                <a:hlinkClick r:id="rId3"/>
+              </a:rPr>
+              <a:t>https://developers.google.com/gmail</a:t>
+            </a:r>
+            <a:r>
+              <a:rPr lang="en-US" sz="1200">
+                <a:hlinkClick r:id="rId3"/>
+              </a:rPr>
+              <a:t>/api</a:t>
+            </a:r>
+            <a:r>
+              <a:rPr lang="en-US" sz="1200"/>
+              <a:t> </a:t>
+            </a:r>
+            <a:endParaRPr lang="en-US" sz="1200" dirty="0"/>
           </a:p>
         </p:txBody>
       </p:sp>
@@ -8533,25 +8574,31 @@
           <p:cNvGraphicFramePr>
             <a:graphicFrameLocks noGrp="1"/>
           </p:cNvGraphicFramePr>
-          <p:nvPr/>
+          <p:nvPr>
+            <p:extLst>
+              <p:ext uri="{D42A27DB-BD31-4B8C-83A1-F6EECF244321}">
+                <p14:modId xmlns:p14="http://schemas.microsoft.com/office/powerpoint/2010/main" val="1047535462"/>
+              </p:ext>
+            </p:extLst>
+          </p:nvPr>
         </p:nvGraphicFramePr>
         <p:xfrm>
           <a:off x="467544" y="764704"/>
-          <a:ext cx="8352928" cy="2286064"/>
+          <a:ext cx="8352928" cy="2928057"/>
         </p:xfrm>
         <a:graphic>
           <a:graphicData uri="http://schemas.openxmlformats.org/drawingml/2006/table">
             <a:tbl>
               <a:tblPr/>
               <a:tblGrid>
-                <a:gridCol w="1715056">
+                <a:gridCol w="1944216">
                   <a:extLst>
                     <a:ext uri="{9D8B030D-6E8A-4147-A177-3AD203B41FA5}">
                       <a16:colId xmlns:a16="http://schemas.microsoft.com/office/drawing/2014/main" val="20000"/>
                     </a:ext>
                   </a:extLst>
                 </a:gridCol>
-                <a:gridCol w="2458955">
+                <a:gridCol w="2229795">
                   <a:extLst>
                     <a:ext uri="{9D8B030D-6E8A-4147-A177-3AD203B41FA5}">
                       <a16:colId xmlns:a16="http://schemas.microsoft.com/office/drawing/2014/main" val="20001"/>
@@ -8588,7 +8635,7 @@
                         </a:spcAft>
                       </a:pPr>
                       <a:r>
-                        <a:rPr lang="ru-RU" sz="1600" dirty="0">
+                        <a:rPr lang="ru-RU" sz="1600" b="1" dirty="0">
                           <a:latin typeface="Times New Roman"/>
                           <a:ea typeface="Times New Roman"/>
                           <a:cs typeface="Mangal"/>
@@ -8653,7 +8700,7 @@
                         </a:spcAft>
                       </a:pPr>
                       <a:r>
-                        <a:rPr lang="ru-RU" sz="1600" dirty="0">
+                        <a:rPr lang="ru-RU" sz="1600" b="1" dirty="0">
                           <a:latin typeface="Times New Roman"/>
                           <a:ea typeface="Times New Roman"/>
                           <a:cs typeface="Mangal"/>
@@ -8718,7 +8765,7 @@
                         </a:spcAft>
                       </a:pPr>
                       <a:r>
-                        <a:rPr lang="ru-RU" sz="1600">
+                        <a:rPr lang="ru-RU" sz="1600" b="1" dirty="0">
                           <a:latin typeface="Times New Roman"/>
                           <a:ea typeface="Times New Roman"/>
                           <a:cs typeface="Mangal"/>
@@ -8783,7 +8830,7 @@
                         </a:spcAft>
                       </a:pPr>
                       <a:r>
-                        <a:rPr lang="ru-RU" sz="1600">
+                        <a:rPr lang="ru-RU" sz="1600" b="1" dirty="0">
                           <a:latin typeface="Times New Roman"/>
                           <a:ea typeface="Times New Roman"/>
                           <a:cs typeface="Mangal"/>
@@ -8854,11 +8901,311 @@
                           <a:spcPts val="0"/>
                         </a:spcAft>
                       </a:pPr>
+                      <a:r>
+                        <a:rPr lang="en-US" sz="1600" kern="1200" dirty="0">
+                          <a:solidFill>
+                            <a:schemeClr val="dk1"/>
+                          </a:solidFill>
+                          <a:latin typeface="+mn-lt"/>
+                          <a:ea typeface="+mn-ea"/>
+                          <a:cs typeface="+mn-cs"/>
+                        </a:rPr>
+                        <a:t>Microsoft Graph</a:t>
+                      </a:r>
+                      <a:r>
+                        <a:rPr lang="en-US" sz="1600" baseline="30000" dirty="0">
+                          <a:latin typeface="+mn-lt"/>
+                          <a:ea typeface="Times New Roman"/>
+                          <a:cs typeface="Mangal"/>
+                        </a:rPr>
+                        <a:t>[1]</a:t>
+                      </a:r>
+                      <a:r>
+                        <a:rPr lang="ru-RU" sz="1600" baseline="30000" dirty="0">
+                          <a:latin typeface="+mn-lt"/>
+                          <a:ea typeface="Times New Roman"/>
+                          <a:cs typeface="Mangal"/>
+                        </a:rPr>
+                        <a:t> </a:t>
+                      </a:r>
                       <a:endParaRPr lang="ru-RU" sz="1600" baseline="30000" dirty="0">
                         <a:latin typeface="Times New Roman"/>
                         <a:ea typeface="Times New Roman"/>
                         <a:cs typeface="Mangal"/>
                       </a:endParaRPr>
+                    </a:p>
+                  </a:txBody>
+                  <a:tcPr anchor="ctr">
+                    <a:lnL w="12700" cap="flat" cmpd="sng" algn="ctr">
+                      <a:solidFill>
+                        <a:srgbClr val="000000"/>
+                      </a:solidFill>
+                      <a:prstDash val="solid"/>
+                      <a:round/>
+                      <a:headEnd type="none" w="med" len="med"/>
+                      <a:tailEnd type="none" w="med" len="med"/>
+                    </a:lnL>
+                    <a:lnR w="12700" cap="flat" cmpd="sng" algn="ctr">
+                      <a:solidFill>
+                        <a:srgbClr val="000000"/>
+                      </a:solidFill>
+                      <a:prstDash val="solid"/>
+                      <a:round/>
+                      <a:headEnd type="none" w="med" len="med"/>
+                      <a:tailEnd type="none" w="med" len="med"/>
+                    </a:lnR>
+                    <a:lnT w="12700" cap="flat" cmpd="sng" algn="ctr">
+                      <a:solidFill>
+                        <a:srgbClr val="000000"/>
+                      </a:solidFill>
+                      <a:prstDash val="solid"/>
+                      <a:round/>
+                      <a:headEnd type="none" w="med" len="med"/>
+                      <a:tailEnd type="none" w="med" len="med"/>
+                    </a:lnT>
+                    <a:lnB w="12700" cap="flat" cmpd="sng" algn="ctr">
+                      <a:solidFill>
+                        <a:srgbClr val="000000"/>
+                      </a:solidFill>
+                      <a:prstDash val="solid"/>
+                      <a:round/>
+                      <a:headEnd type="none" w="med" len="med"/>
+                      <a:tailEnd type="none" w="med" len="med"/>
+                    </a:lnB>
+                    <a:solidFill>
+                      <a:srgbClr val="CBCBCB"/>
+                    </a:solidFill>
+                  </a:tcPr>
+                </a:tc>
+                <a:tc>
+                  <a:txBody>
+                    <a:bodyPr/>
+                    <a:lstStyle/>
+                    <a:p>
+                      <a:endParaRPr lang="ru-RU" dirty="0"/>
+                    </a:p>
+                  </a:txBody>
+                  <a:tcPr anchor="ctr">
+                    <a:lnL w="12700" cap="flat" cmpd="sng" algn="ctr">
+                      <a:solidFill>
+                        <a:srgbClr val="000000"/>
+                      </a:solidFill>
+                      <a:prstDash val="solid"/>
+                      <a:round/>
+                      <a:headEnd type="none" w="med" len="med"/>
+                      <a:tailEnd type="none" w="med" len="med"/>
+                    </a:lnL>
+                    <a:lnR w="12700" cap="flat" cmpd="sng" algn="ctr">
+                      <a:solidFill>
+                        <a:srgbClr val="000000"/>
+                      </a:solidFill>
+                      <a:prstDash val="solid"/>
+                      <a:round/>
+                      <a:headEnd type="none" w="med" len="med"/>
+                      <a:tailEnd type="none" w="med" len="med"/>
+                    </a:lnR>
+                    <a:lnT w="12700" cap="flat" cmpd="sng" algn="ctr">
+                      <a:solidFill>
+                        <a:srgbClr val="000000"/>
+                      </a:solidFill>
+                      <a:prstDash val="solid"/>
+                      <a:round/>
+                      <a:headEnd type="none" w="med" len="med"/>
+                      <a:tailEnd type="none" w="med" len="med"/>
+                    </a:lnT>
+                    <a:lnB w="12700" cap="flat" cmpd="sng" algn="ctr">
+                      <a:solidFill>
+                        <a:srgbClr val="000000"/>
+                      </a:solidFill>
+                      <a:prstDash val="solid"/>
+                      <a:round/>
+                      <a:headEnd type="none" w="med" len="med"/>
+                      <a:tailEnd type="none" w="med" len="med"/>
+                    </a:lnB>
+                    <a:solidFill>
+                      <a:srgbClr val="CBCBCB"/>
+                    </a:solidFill>
+                  </a:tcPr>
+                </a:tc>
+                <a:tc>
+                  <a:txBody>
+                    <a:bodyPr/>
+                    <a:lstStyle/>
+                    <a:p>
+                      <a:pPr>
+                        <a:lnSpc>
+                          <a:spcPct val="115000"/>
+                        </a:lnSpc>
+                        <a:spcAft>
+                          <a:spcPts val="0"/>
+                        </a:spcAft>
+                      </a:pPr>
+                      <a:endParaRPr lang="ru-RU" sz="1600" dirty="0">
+                        <a:latin typeface="Times New Roman"/>
+                        <a:ea typeface="Times New Roman"/>
+                        <a:cs typeface="Mangal"/>
+                      </a:endParaRPr>
+                    </a:p>
+                  </a:txBody>
+                  <a:tcPr anchor="ctr">
+                    <a:lnL w="12700" cap="flat" cmpd="sng" algn="ctr">
+                      <a:solidFill>
+                        <a:srgbClr val="000000"/>
+                      </a:solidFill>
+                      <a:prstDash val="solid"/>
+                      <a:round/>
+                      <a:headEnd type="none" w="med" len="med"/>
+                      <a:tailEnd type="none" w="med" len="med"/>
+                    </a:lnL>
+                    <a:lnR w="12700" cap="flat" cmpd="sng" algn="ctr">
+                      <a:solidFill>
+                        <a:srgbClr val="000000"/>
+                      </a:solidFill>
+                      <a:prstDash val="solid"/>
+                      <a:round/>
+                      <a:headEnd type="none" w="med" len="med"/>
+                      <a:tailEnd type="none" w="med" len="med"/>
+                    </a:lnR>
+                    <a:lnT w="12700" cap="flat" cmpd="sng" algn="ctr">
+                      <a:solidFill>
+                        <a:srgbClr val="000000"/>
+                      </a:solidFill>
+                      <a:prstDash val="solid"/>
+                      <a:round/>
+                      <a:headEnd type="none" w="med" len="med"/>
+                      <a:tailEnd type="none" w="med" len="med"/>
+                    </a:lnT>
+                    <a:lnB w="12700" cap="flat" cmpd="sng" algn="ctr">
+                      <a:solidFill>
+                        <a:srgbClr val="000000"/>
+                      </a:solidFill>
+                      <a:prstDash val="solid"/>
+                      <a:round/>
+                      <a:headEnd type="none" w="med" len="med"/>
+                      <a:tailEnd type="none" w="med" len="med"/>
+                    </a:lnB>
+                    <a:solidFill>
+                      <a:srgbClr val="CBCBCB"/>
+                    </a:solidFill>
+                  </a:tcPr>
+                </a:tc>
+                <a:tc>
+                  <a:txBody>
+                    <a:bodyPr/>
+                    <a:lstStyle/>
+                    <a:p>
+                      <a:pPr>
+                        <a:lnSpc>
+                          <a:spcPct val="115000"/>
+                        </a:lnSpc>
+                        <a:spcAft>
+                          <a:spcPts val="0"/>
+                        </a:spcAft>
+                      </a:pPr>
+                      <a:r>
+                        <a:rPr lang="en-US" sz="1600" dirty="0">
+                          <a:latin typeface="Times New Roman"/>
+                          <a:ea typeface="Times New Roman"/>
+                          <a:cs typeface="Mangal"/>
+                        </a:rPr>
+                        <a:t>2014</a:t>
+                      </a:r>
+                      <a:endParaRPr lang="ru-RU" sz="1600" dirty="0">
+                        <a:latin typeface="Times New Roman"/>
+                        <a:ea typeface="Times New Roman"/>
+                        <a:cs typeface="Mangal"/>
+                      </a:endParaRPr>
+                    </a:p>
+                  </a:txBody>
+                  <a:tcPr anchor="ctr">
+                    <a:lnL w="12700" cap="flat" cmpd="sng" algn="ctr">
+                      <a:solidFill>
+                        <a:srgbClr val="000000"/>
+                      </a:solidFill>
+                      <a:prstDash val="solid"/>
+                      <a:round/>
+                      <a:headEnd type="none" w="med" len="med"/>
+                      <a:tailEnd type="none" w="med" len="med"/>
+                    </a:lnL>
+                    <a:lnR w="12700" cap="flat" cmpd="sng" algn="ctr">
+                      <a:solidFill>
+                        <a:srgbClr val="000000"/>
+                      </a:solidFill>
+                      <a:prstDash val="solid"/>
+                      <a:round/>
+                      <a:headEnd type="none" w="med" len="med"/>
+                      <a:tailEnd type="none" w="med" len="med"/>
+                    </a:lnR>
+                    <a:lnT w="12700" cap="flat" cmpd="sng" algn="ctr">
+                      <a:solidFill>
+                        <a:srgbClr val="000000"/>
+                      </a:solidFill>
+                      <a:prstDash val="solid"/>
+                      <a:round/>
+                      <a:headEnd type="none" w="med" len="med"/>
+                      <a:tailEnd type="none" w="med" len="med"/>
+                    </a:lnT>
+                    <a:lnB w="12700" cap="flat" cmpd="sng" algn="ctr">
+                      <a:solidFill>
+                        <a:srgbClr val="000000"/>
+                      </a:solidFill>
+                      <a:prstDash val="solid"/>
+                      <a:round/>
+                      <a:headEnd type="none" w="med" len="med"/>
+                      <a:tailEnd type="none" w="med" len="med"/>
+                    </a:lnB>
+                    <a:solidFill>
+                      <a:srgbClr val="CBCBCB"/>
+                    </a:solidFill>
+                  </a:tcPr>
+                </a:tc>
+                <a:extLst>
+                  <a:ext uri="{0D108BD9-81ED-4DB2-BD59-A6C34878D82A}">
+                    <a16:rowId xmlns:a16="http://schemas.microsoft.com/office/drawing/2014/main" val="10001"/>
+                  </a:ext>
+                </a:extLst>
+              </a:tr>
+              <a:tr h="641993">
+                <a:tc>
+                  <a:txBody>
+                    <a:bodyPr/>
+                    <a:lstStyle/>
+                    <a:p>
+                      <a:pPr>
+                        <a:lnSpc>
+                          <a:spcPct val="115000"/>
+                        </a:lnSpc>
+                        <a:spcAft>
+                          <a:spcPts val="0"/>
+                        </a:spcAft>
+                      </a:pPr>
+                      <a:r>
+                        <a:rPr lang="en-US" sz="1600" kern="1200" dirty="0">
+                          <a:solidFill>
+                            <a:schemeClr val="dk1"/>
+                          </a:solidFill>
+                          <a:latin typeface="+mn-lt"/>
+                          <a:ea typeface="+mn-ea"/>
+                          <a:cs typeface="+mn-cs"/>
+                        </a:rPr>
+                        <a:t>Gmail API</a:t>
+                      </a:r>
+                      <a:r>
+                        <a:rPr lang="en-US" sz="1600" baseline="30000" dirty="0">
+                          <a:latin typeface="Times New Roman"/>
+                          <a:ea typeface="Times New Roman"/>
+                          <a:cs typeface="Mangal"/>
+                        </a:rPr>
+                        <a:t>[2]</a:t>
+                      </a:r>
+                      <a:r>
+                        <a:rPr lang="ru-RU" sz="1600" baseline="30000" dirty="0">
+                          <a:latin typeface="Times New Roman"/>
+                          <a:ea typeface="Times New Roman"/>
+                          <a:cs typeface="Mangal"/>
+                        </a:rPr>
+                        <a:t> </a:t>
+                      </a:r>
                     </a:p>
                   </a:txBody>
                   <a:tcPr anchor="ctr">
@@ -8908,7 +9255,7 @@
                     <a:bodyPr/>
                     <a:lstStyle/>
                     <a:p>
-                      <a:endParaRPr lang="ru-RU"/>
+                      <a:endParaRPr lang="ru-RU" dirty="0"/>
                     </a:p>
                   </a:txBody>
                   <a:tcPr anchor="ctr">
@@ -9028,6 +9375,14 @@
                           <a:spcPts val="0"/>
                         </a:spcAft>
                       </a:pPr>
+                      <a:r>
+                        <a:rPr lang="en-US" sz="1600" dirty="0">
+                          <a:latin typeface="Times New Roman"/>
+                          <a:ea typeface="Times New Roman"/>
+                          <a:cs typeface="Mangal"/>
+                        </a:rPr>
+                        <a:t>2015</a:t>
+                      </a:r>
                       <a:endParaRPr lang="ru-RU" sz="1600" dirty="0">
                         <a:latin typeface="Times New Roman"/>
                         <a:ea typeface="Times New Roman"/>
@@ -9079,7 +9434,7 @@
                 </a:tc>
                 <a:extLst>
                   <a:ext uri="{0D108BD9-81ED-4DB2-BD59-A6C34878D82A}">
-                    <a16:rowId xmlns:a16="http://schemas.microsoft.com/office/drawing/2014/main" val="10001"/>
+                    <a16:rowId xmlns:a16="http://schemas.microsoft.com/office/drawing/2014/main" val="1913462336"/>
                   </a:ext>
                 </a:extLst>
               </a:tr>
@@ -9097,14 +9452,17 @@
                           <a:spcPts val="0"/>
                         </a:spcAft>
                       </a:pPr>
-                      <a:endParaRPr lang="ru-RU" sz="1800" b="1" u="none" dirty="0">
-                        <a:solidFill>
-                          <a:schemeClr val="bg1"/>
-                        </a:solidFill>
-                        <a:latin typeface="Times New Roman"/>
-                        <a:ea typeface="Times New Roman"/>
-                        <a:cs typeface="Mangal"/>
-                      </a:endParaRPr>
+                      <a:r>
+                        <a:rPr lang="ru-RU" sz="1800" b="1" u="none" dirty="0">
+                          <a:solidFill>
+                            <a:schemeClr val="bg1"/>
+                          </a:solidFill>
+                          <a:latin typeface="Times New Roman"/>
+                          <a:ea typeface="Times New Roman"/>
+                          <a:cs typeface="Mangal"/>
+                        </a:rPr>
+                        <a:t>ВС ДЭП</a:t>
+                      </a:r>
                     </a:p>
                   </a:txBody>
                   <a:tcPr anchor="ctr">
@@ -9277,14 +9635,17 @@
                           <a:spcPts val="0"/>
                         </a:spcAft>
                       </a:pPr>
-                      <a:endParaRPr lang="ru-RU" sz="1800" b="1" dirty="0">
-                        <a:solidFill>
-                          <a:schemeClr val="bg1"/>
-                        </a:solidFill>
-                        <a:latin typeface="Times New Roman"/>
-                        <a:ea typeface="Times New Roman"/>
-                        <a:cs typeface="Mangal"/>
-                      </a:endParaRPr>
+                      <a:r>
+                        <a:rPr lang="ru-RU" sz="1800" b="1" dirty="0">
+                          <a:solidFill>
+                            <a:schemeClr val="bg1"/>
+                          </a:solidFill>
+                          <a:latin typeface="Times New Roman"/>
+                          <a:ea typeface="Times New Roman"/>
+                          <a:cs typeface="Mangal"/>
+                        </a:rPr>
+                        <a:t>2022</a:t>
+                      </a:r>
                     </a:p>
                   </a:txBody>
                   <a:tcPr anchor="ctr">
@@ -10250,14 +10611,14 @@
           <p:nvPr>
             <p:extLst>
               <p:ext uri="{D42A27DB-BD31-4B8C-83A1-F6EECF244321}">
-                <p14:modId xmlns:p14="http://schemas.microsoft.com/office/powerpoint/2010/main" val="1765138568"/>
+                <p14:modId xmlns:p14="http://schemas.microsoft.com/office/powerpoint/2010/main" val="2771612246"/>
               </p:ext>
             </p:extLst>
           </p:nvPr>
         </p:nvGraphicFramePr>
         <p:xfrm>
           <a:off x="467544" y="764704"/>
-          <a:ext cx="8280918" cy="4206240"/>
+          <a:ext cx="8280918" cy="3627120"/>
         </p:xfrm>
         <a:graphic>
           <a:graphicData uri="http://schemas.openxmlformats.org/drawingml/2006/table">
@@ -11063,7 +11424,11 @@
                       </a:r>
                     </a:p>
                   </a:txBody>
-                  <a:tcPr anchor="ctr" horzOverflow="overflow"/>
+                  <a:tcPr anchor="ctr" horzOverflow="overflow">
+                    <a:solidFill>
+                      <a:srgbClr val="CBCBCB"/>
+                    </a:solidFill>
+                  </a:tcPr>
                 </a:tc>
                 <a:tc>
                   <a:txBody>
@@ -11716,154 +12081,6 @@
                 <a:extLst>
                   <a:ext uri="{0D108BD9-81ED-4DB2-BD59-A6C34878D82A}">
                     <a16:rowId xmlns:a16="http://schemas.microsoft.com/office/drawing/2014/main" val="110670202"/>
-                  </a:ext>
-                </a:extLst>
-              </a:tr>
-              <a:tr h="216024">
-                <a:tc>
-                  <a:txBody>
-                    <a:bodyPr/>
-                    <a:lstStyle/>
-                    <a:p>
-                      <a:pPr marL="0" marR="0" lvl="0" indent="0" algn="l" defTabSz="914400" rtl="0" eaLnBrk="1" fontAlgn="auto" latinLnBrk="0" hangingPunct="1">
-                        <a:lnSpc>
-                          <a:spcPct val="100000"/>
-                        </a:lnSpc>
-                        <a:spcBef>
-                          <a:spcPts val="0"/>
-                        </a:spcBef>
-                        <a:spcAft>
-                          <a:spcPts val="0"/>
-                        </a:spcAft>
-                        <a:buClrTx/>
-                        <a:buSzTx/>
-                        <a:buFontTx/>
-                        <a:buNone/>
-                        <a:tabLst/>
-                        <a:defRPr/>
-                      </a:pPr>
-                      <a:r>
-                        <a:rPr lang="ru-RU" sz="1600" dirty="0"/>
-                        <a:t>Отложенные вычисления</a:t>
-                      </a:r>
-                    </a:p>
-                  </a:txBody>
-                  <a:tcPr anchor="ctr" horzOverflow="overflow"/>
-                </a:tc>
-                <a:tc>
-                  <a:txBody>
-                    <a:bodyPr/>
-                    <a:lstStyle/>
-                    <a:p>
-                      <a:pPr algn="l"/>
-                      <a:r>
-                        <a:rPr lang="ru-RU" sz="1600" dirty="0"/>
-                        <a:t>Нет</a:t>
-                      </a:r>
-                    </a:p>
-                  </a:txBody>
-                  <a:tcPr anchor="ctr" horzOverflow="overflow"/>
-                </a:tc>
-                <a:tc>
-                  <a:txBody>
-                    <a:bodyPr/>
-                    <a:lstStyle/>
-                    <a:p>
-                      <a:pPr marL="342900" marR="0" lvl="0" indent="-342900" algn="l" defTabSz="914400" rtl="0" eaLnBrk="1" fontAlgn="base" latinLnBrk="0" hangingPunct="1">
-                        <a:lnSpc>
-                          <a:spcPct val="100000"/>
-                        </a:lnSpc>
-                        <a:spcBef>
-                          <a:spcPct val="0"/>
-                        </a:spcBef>
-                        <a:spcAft>
-                          <a:spcPct val="0"/>
-                        </a:spcAft>
-                        <a:buClrTx/>
-                        <a:buSzTx/>
-                        <a:buFontTx/>
-                        <a:buNone/>
-                        <a:tabLst/>
-                      </a:pPr>
-                      <a:r>
-                        <a:rPr kumimoji="0" lang="ru-RU" sz="1600" b="1" u="none" strike="noStrike" kern="1200" cap="none" normalizeH="0" baseline="0" dirty="0">
-                          <a:ln>
-                            <a:noFill/>
-                          </a:ln>
-                          <a:solidFill>
-                            <a:schemeClr val="bg1"/>
-                          </a:solidFill>
-                          <a:effectLst/>
-                          <a:latin typeface="+mn-lt"/>
-                          <a:ea typeface="+mn-ea"/>
-                          <a:cs typeface="+mn-cs"/>
-                        </a:rPr>
-                        <a:t>Да</a:t>
-                      </a:r>
-                    </a:p>
-                  </a:txBody>
-                  <a:tcPr anchor="ctr" horzOverflow="overflow">
-                    <a:solidFill>
-                      <a:srgbClr val="0070C0"/>
-                    </a:solidFill>
-                  </a:tcPr>
-                </a:tc>
-                <a:tc>
-                  <a:txBody>
-                    <a:bodyPr/>
-                    <a:lstStyle/>
-                    <a:p>
-                      <a:pPr algn="l"/>
-                      <a:r>
-                        <a:rPr lang="ru-RU" sz="1600" dirty="0"/>
-                        <a:t>Да</a:t>
-                      </a:r>
-                    </a:p>
-                  </a:txBody>
-                  <a:tcPr anchor="ctr" horzOverflow="overflow"/>
-                </a:tc>
-                <a:tc>
-                  <a:txBody>
-                    <a:bodyPr/>
-                    <a:lstStyle/>
-                    <a:p>
-                      <a:pPr algn="l"/>
-                      <a:r>
-                        <a:rPr lang="ru-RU" sz="1600" dirty="0"/>
-                        <a:t>Да</a:t>
-                      </a:r>
-                    </a:p>
-                  </a:txBody>
-                  <a:tcPr anchor="ctr" horzOverflow="overflow"/>
-                </a:tc>
-                <a:tc>
-                  <a:txBody>
-                    <a:bodyPr/>
-                    <a:lstStyle/>
-                    <a:p>
-                      <a:pPr algn="l"/>
-                      <a:endParaRPr lang="ru-RU" sz="1600" dirty="0"/>
-                    </a:p>
-                  </a:txBody>
-                  <a:tcPr anchor="ctr" horzOverflow="overflow"/>
-                </a:tc>
-                <a:tc>
-                  <a:txBody>
-                    <a:bodyPr/>
-                    <a:lstStyle/>
-                    <a:p>
-                      <a:pPr algn="l"/>
-                      <a:r>
-                        <a:rPr lang="ru-RU" sz="1600" dirty="0"/>
-                        <a:t>Да</a:t>
-                      </a:r>
-                    </a:p>
-                  </a:txBody>
-                  <a:tcPr anchor="ctr" horzOverflow="overflow"/>
-                </a:tc>
-                <a:extLst>
-                  <a:ext uri="{0D108BD9-81ED-4DB2-BD59-A6C34878D82A}">
-                    <a16:rowId xmlns:a16="http://schemas.microsoft.com/office/drawing/2014/main" val="1160426947"/>
                   </a:ext>
                 </a:extLst>
               </a:tr>

--- a/УП-Презентация.pptx
+++ b/УП-Презентация.pptx
@@ -12,10 +12,8 @@
     <p:sldId id="271" r:id="rId6"/>
     <p:sldId id="261" r:id="rId7"/>
     <p:sldId id="262" r:id="rId8"/>
-    <p:sldId id="270" r:id="rId9"/>
-    <p:sldId id="266" r:id="rId10"/>
-    <p:sldId id="269" r:id="rId11"/>
-    <p:sldId id="264" r:id="rId12"/>
+    <p:sldId id="269" r:id="rId9"/>
+    <p:sldId id="264" r:id="rId10"/>
   </p:sldIdLst>
   <p:sldSz cx="9144000" cy="6858000" type="screen4x3"/>
   <p:notesSz cx="6797675" cy="9926638"/>
@@ -143,8 +141,8 @@
 <pc:chgInfo xmlns:a="http://schemas.openxmlformats.org/drawingml/2006/main" xmlns:r="http://schemas.openxmlformats.org/officeDocument/2006/relationships" xmlns:ac="http://schemas.microsoft.com/office/drawing/2013/main/command" xmlns:pc="http://schemas.microsoft.com/office/powerpoint/2013/main/command">
   <pc:docChgLst>
     <pc:chgData name="Максим Мясников" userId="eb1110bc54b184a5" providerId="LiveId" clId="{A2428F48-EFAB-4F7A-AA4A-4DF7BB9402D9}"/>
-    <pc:docChg chg="undo redo custSel addSld modSld">
-      <pc:chgData name="Максим Мясников" userId="eb1110bc54b184a5" providerId="LiveId" clId="{A2428F48-EFAB-4F7A-AA4A-4DF7BB9402D9}" dt="2021-12-14T16:43:06.624" v="1798" actId="20577"/>
+    <pc:docChg chg="undo redo custSel addSld delSld modSld">
+      <pc:chgData name="Максим Мясников" userId="eb1110bc54b184a5" providerId="LiveId" clId="{A2428F48-EFAB-4F7A-AA4A-4DF7BB9402D9}" dt="2021-12-17T15:23:36.179" v="2107" actId="20577"/>
       <pc:docMkLst>
         <pc:docMk/>
       </pc:docMkLst>
@@ -296,8 +294,8 @@
           </ac:graphicFrameMkLst>
         </pc:graphicFrameChg>
       </pc:sldChg>
-      <pc:sldChg chg="modSp mod">
-        <pc:chgData name="Максим Мясников" userId="eb1110bc54b184a5" providerId="LiveId" clId="{A2428F48-EFAB-4F7A-AA4A-4DF7BB9402D9}" dt="2021-12-12T12:56:38.370" v="950" actId="20577"/>
+      <pc:sldChg chg="addSp delSp modSp mod">
+        <pc:chgData name="Максим Мясников" userId="eb1110bc54b184a5" providerId="LiveId" clId="{A2428F48-EFAB-4F7A-AA4A-4DF7BB9402D9}" dt="2021-12-17T11:30:18.151" v="1833" actId="1036"/>
         <pc:sldMkLst>
           <pc:docMk/>
           <pc:sldMk cId="0" sldId="261"/>
@@ -310,13 +308,45 @@
             <ac:graphicFrameMk id="7" creationId="{00000000-0000-0000-0000-000000000000}"/>
           </ac:graphicFrameMkLst>
         </pc:graphicFrameChg>
+        <pc:picChg chg="add mod">
+          <ac:chgData name="Максим Мясников" userId="eb1110bc54b184a5" providerId="LiveId" clId="{A2428F48-EFAB-4F7A-AA4A-4DF7BB9402D9}" dt="2021-12-17T11:30:18.151" v="1833" actId="1036"/>
+          <ac:picMkLst>
+            <pc:docMk/>
+            <pc:sldMk cId="0" sldId="261"/>
+            <ac:picMk id="3" creationId="{8D21F8CB-F307-493F-98CC-4931DD2BDD3D}"/>
+          </ac:picMkLst>
+        </pc:picChg>
+        <pc:picChg chg="add del mod">
+          <ac:chgData name="Максим Мясников" userId="eb1110bc54b184a5" providerId="LiveId" clId="{A2428F48-EFAB-4F7A-AA4A-4DF7BB9402D9}" dt="2021-12-17T10:18:30.405" v="1803" actId="21"/>
+          <ac:picMkLst>
+            <pc:docMk/>
+            <pc:sldMk cId="0" sldId="261"/>
+            <ac:picMk id="3" creationId="{FAB54E6F-22A1-46A8-A694-560B5C2288B3}"/>
+          </ac:picMkLst>
+        </pc:picChg>
       </pc:sldChg>
-      <pc:sldChg chg="modSp mod">
-        <pc:chgData name="Максим Мясников" userId="eb1110bc54b184a5" providerId="LiveId" clId="{A2428F48-EFAB-4F7A-AA4A-4DF7BB9402D9}" dt="2021-12-12T12:58:24.083" v="1009" actId="20577"/>
+      <pc:sldChg chg="addSp delSp modSp mod">
+        <pc:chgData name="Максим Мясников" userId="eb1110bc54b184a5" providerId="LiveId" clId="{A2428F48-EFAB-4F7A-AA4A-4DF7BB9402D9}" dt="2021-12-17T15:21:09.442" v="1910" actId="20577"/>
         <pc:sldMkLst>
           <pc:docMk/>
           <pc:sldMk cId="0" sldId="262"/>
         </pc:sldMkLst>
+        <pc:spChg chg="add mod">
+          <ac:chgData name="Максим Мясников" userId="eb1110bc54b184a5" providerId="LiveId" clId="{A2428F48-EFAB-4F7A-AA4A-4DF7BB9402D9}" dt="2021-12-17T15:21:09.442" v="1910" actId="20577"/>
+          <ac:spMkLst>
+            <pc:docMk/>
+            <pc:sldMk cId="0" sldId="262"/>
+            <ac:spMk id="59" creationId="{463373AB-F1ED-4FB9-9DB2-8E8605059FF4}"/>
+          </ac:spMkLst>
+        </pc:spChg>
+        <pc:spChg chg="add mod">
+          <ac:chgData name="Максим Мясников" userId="eb1110bc54b184a5" providerId="LiveId" clId="{A2428F48-EFAB-4F7A-AA4A-4DF7BB9402D9}" dt="2021-12-17T15:21:08.227" v="1909" actId="20577"/>
+          <ac:spMkLst>
+            <pc:docMk/>
+            <pc:sldMk cId="0" sldId="262"/>
+            <ac:spMk id="60" creationId="{05D7E326-973F-42AE-A0EB-FC462D37DA48}"/>
+          </ac:spMkLst>
+        </pc:spChg>
         <pc:spChg chg="mod">
           <ac:chgData name="Максим Мясников" userId="eb1110bc54b184a5" providerId="LiveId" clId="{A2428F48-EFAB-4F7A-AA4A-4DF7BB9402D9}" dt="2021-12-12T12:58:24.083" v="1009" actId="20577"/>
           <ac:spMkLst>
@@ -325,6 +355,46 @@
             <ac:spMk id="89" creationId="{00000000-0000-0000-0000-000000000000}"/>
           </ac:spMkLst>
         </pc:spChg>
+        <pc:spChg chg="mod">
+          <ac:chgData name="Максим Мясников" userId="eb1110bc54b184a5" providerId="LiveId" clId="{A2428F48-EFAB-4F7A-AA4A-4DF7BB9402D9}" dt="2021-12-17T10:18:51.317" v="1831" actId="20577"/>
+          <ac:spMkLst>
+            <pc:docMk/>
+            <pc:sldMk cId="0" sldId="262"/>
+            <ac:spMk id="90" creationId="{00000000-0000-0000-0000-000000000000}"/>
+          </ac:spMkLst>
+        </pc:spChg>
+        <pc:spChg chg="mod">
+          <ac:chgData name="Максим Мясников" userId="eb1110bc54b184a5" providerId="LiveId" clId="{A2428F48-EFAB-4F7A-AA4A-4DF7BB9402D9}" dt="2021-12-17T15:18:50.915" v="1892" actId="20577"/>
+          <ac:spMkLst>
+            <pc:docMk/>
+            <pc:sldMk cId="0" sldId="262"/>
+            <ac:spMk id="108" creationId="{00000000-0000-0000-0000-000000000000}"/>
+          </ac:spMkLst>
+        </pc:spChg>
+        <pc:spChg chg="del mod">
+          <ac:chgData name="Максим Мясников" userId="eb1110bc54b184a5" providerId="LiveId" clId="{A2428F48-EFAB-4F7A-AA4A-4DF7BB9402D9}" dt="2021-12-17T13:43:57.366" v="1852" actId="478"/>
+          <ac:spMkLst>
+            <pc:docMk/>
+            <pc:sldMk cId="0" sldId="262"/>
+            <ac:spMk id="137" creationId="{00000000-0000-0000-0000-000000000000}"/>
+          </ac:spMkLst>
+        </pc:spChg>
+        <pc:grpChg chg="del">
+          <ac:chgData name="Максим Мясников" userId="eb1110bc54b184a5" providerId="LiveId" clId="{A2428F48-EFAB-4F7A-AA4A-4DF7BB9402D9}" dt="2021-12-17T13:43:57.366" v="1852" actId="478"/>
+          <ac:grpSpMkLst>
+            <pc:docMk/>
+            <pc:sldMk cId="0" sldId="262"/>
+            <ac:grpSpMk id="96" creationId="{00000000-0000-0000-0000-000000000000}"/>
+          </ac:grpSpMkLst>
+        </pc:grpChg>
+        <pc:picChg chg="add mod">
+          <ac:chgData name="Максим Мясников" userId="eb1110bc54b184a5" providerId="LiveId" clId="{A2428F48-EFAB-4F7A-AA4A-4DF7BB9402D9}" dt="2021-12-17T10:18:35.265" v="1818" actId="1036"/>
+          <ac:picMkLst>
+            <pc:docMk/>
+            <pc:sldMk cId="0" sldId="262"/>
+            <ac:picMk id="58" creationId="{DCDA012D-503B-46ED-8B4E-C360878AB23E}"/>
+          </ac:picMkLst>
+        </pc:picChg>
       </pc:sldChg>
       <pc:sldChg chg="addSp delSp modSp mod">
         <pc:chgData name="Максим Мясников" userId="eb1110bc54b184a5" providerId="LiveId" clId="{A2428F48-EFAB-4F7A-AA4A-4DF7BB9402D9}" dt="2021-12-14T08:09:55.730" v="1601" actId="20577"/>
@@ -357,8 +427,8 @@
           </ac:graphicFrameMkLst>
         </pc:graphicFrameChg>
       </pc:sldChg>
-      <pc:sldChg chg="modSp">
-        <pc:chgData name="Максим Мясников" userId="eb1110bc54b184a5" providerId="LiveId" clId="{A2428F48-EFAB-4F7A-AA4A-4DF7BB9402D9}" dt="2021-12-05T16:50:30.363" v="559"/>
+      <pc:sldChg chg="modSp del">
+        <pc:chgData name="Максим Мясников" userId="eb1110bc54b184a5" providerId="LiveId" clId="{A2428F48-EFAB-4F7A-AA4A-4DF7BB9402D9}" dt="2021-12-17T15:14:11.082" v="1889" actId="47"/>
         <pc:sldMkLst>
           <pc:docMk/>
           <pc:sldMk cId="0" sldId="266"/>
@@ -372,12 +442,20 @@
           </ac:graphicFrameMkLst>
         </pc:graphicFrameChg>
       </pc:sldChg>
-      <pc:sldChg chg="modSp">
-        <pc:chgData name="Максим Мясников" userId="eb1110bc54b184a5" providerId="LiveId" clId="{A2428F48-EFAB-4F7A-AA4A-4DF7BB9402D9}" dt="2021-12-05T16:50:33.578" v="560"/>
+      <pc:sldChg chg="modSp mod">
+        <pc:chgData name="Максим Мясников" userId="eb1110bc54b184a5" providerId="LiveId" clId="{A2428F48-EFAB-4F7A-AA4A-4DF7BB9402D9}" dt="2021-12-17T15:23:36.179" v="2107" actId="20577"/>
         <pc:sldMkLst>
           <pc:docMk/>
           <pc:sldMk cId="0" sldId="269"/>
         </pc:sldMkLst>
+        <pc:spChg chg="mod">
+          <ac:chgData name="Максим Мясников" userId="eb1110bc54b184a5" providerId="LiveId" clId="{A2428F48-EFAB-4F7A-AA4A-4DF7BB9402D9}" dt="2021-12-17T15:23:36.179" v="2107" actId="20577"/>
+          <ac:spMkLst>
+            <pc:docMk/>
+            <pc:sldMk cId="0" sldId="269"/>
+            <ac:spMk id="9" creationId="{00000000-0000-0000-0000-000000000000}"/>
+          </ac:spMkLst>
+        </pc:spChg>
         <pc:graphicFrameChg chg="mod">
           <ac:chgData name="Максим Мясников" userId="eb1110bc54b184a5" providerId="LiveId" clId="{A2428F48-EFAB-4F7A-AA4A-4DF7BB9402D9}" dt="2021-12-05T16:50:33.578" v="560"/>
           <ac:graphicFrameMkLst>
@@ -386,6 +464,13 @@
             <ac:graphicFrameMk id="6" creationId="{00000000-0000-0000-0000-000000000000}"/>
           </ac:graphicFrameMkLst>
         </pc:graphicFrameChg>
+      </pc:sldChg>
+      <pc:sldChg chg="del">
+        <pc:chgData name="Максим Мясников" userId="eb1110bc54b184a5" providerId="LiveId" clId="{A2428F48-EFAB-4F7A-AA4A-4DF7BB9402D9}" dt="2021-12-17T15:14:09.383" v="1888" actId="47"/>
+        <pc:sldMkLst>
+          <pc:docMk/>
+          <pc:sldMk cId="0" sldId="270"/>
+        </pc:sldMkLst>
       </pc:sldChg>
       <pc:sldChg chg="addSp delSp modSp add mod">
         <pc:chgData name="Максим Мясников" userId="eb1110bc54b184a5" providerId="LiveId" clId="{A2428F48-EFAB-4F7A-AA4A-4DF7BB9402D9}" dt="2021-12-14T08:08:12.779" v="1558" actId="255"/>
@@ -659,7 +744,7 @@
             <a:fld id="{D3F45E69-51FF-4017-B855-FA6AEE2AB1D5}" type="datetimeFigureOut">
               <a:rPr lang="ru-RU" smtClean="0"/>
               <a:pPr/>
-              <a:t>14.12.2021</a:t>
+              <a:t>17.12.2021</a:t>
             </a:fld>
             <a:endParaRPr lang="ru-RU"/>
           </a:p>
@@ -824,7 +909,7 @@
             <a:fld id="{D3F45E69-51FF-4017-B855-FA6AEE2AB1D5}" type="datetimeFigureOut">
               <a:rPr lang="ru-RU" smtClean="0"/>
               <a:pPr/>
-              <a:t>14.12.2021</a:t>
+              <a:t>17.12.2021</a:t>
             </a:fld>
             <a:endParaRPr lang="ru-RU"/>
           </a:p>
@@ -999,7 +1084,7 @@
             <a:fld id="{D3F45E69-51FF-4017-B855-FA6AEE2AB1D5}" type="datetimeFigureOut">
               <a:rPr lang="ru-RU" smtClean="0"/>
               <a:pPr/>
-              <a:t>14.12.2021</a:t>
+              <a:t>17.12.2021</a:t>
             </a:fld>
             <a:endParaRPr lang="ru-RU"/>
           </a:p>
@@ -1164,7 +1249,7 @@
             <a:fld id="{D3F45E69-51FF-4017-B855-FA6AEE2AB1D5}" type="datetimeFigureOut">
               <a:rPr lang="ru-RU" smtClean="0"/>
               <a:pPr/>
-              <a:t>14.12.2021</a:t>
+              <a:t>17.12.2021</a:t>
             </a:fld>
             <a:endParaRPr lang="ru-RU"/>
           </a:p>
@@ -1406,7 +1491,7 @@
             <a:fld id="{D3F45E69-51FF-4017-B855-FA6AEE2AB1D5}" type="datetimeFigureOut">
               <a:rPr lang="ru-RU" smtClean="0"/>
               <a:pPr/>
-              <a:t>14.12.2021</a:t>
+              <a:t>17.12.2021</a:t>
             </a:fld>
             <a:endParaRPr lang="ru-RU"/>
           </a:p>
@@ -1688,7 +1773,7 @@
             <a:fld id="{D3F45E69-51FF-4017-B855-FA6AEE2AB1D5}" type="datetimeFigureOut">
               <a:rPr lang="ru-RU" smtClean="0"/>
               <a:pPr/>
-              <a:t>14.12.2021</a:t>
+              <a:t>17.12.2021</a:t>
             </a:fld>
             <a:endParaRPr lang="ru-RU"/>
           </a:p>
@@ -2104,7 +2189,7 @@
             <a:fld id="{D3F45E69-51FF-4017-B855-FA6AEE2AB1D5}" type="datetimeFigureOut">
               <a:rPr lang="ru-RU" smtClean="0"/>
               <a:pPr/>
-              <a:t>14.12.2021</a:t>
+              <a:t>17.12.2021</a:t>
             </a:fld>
             <a:endParaRPr lang="ru-RU"/>
           </a:p>
@@ -2218,7 +2303,7 @@
             <a:fld id="{D3F45E69-51FF-4017-B855-FA6AEE2AB1D5}" type="datetimeFigureOut">
               <a:rPr lang="ru-RU" smtClean="0"/>
               <a:pPr/>
-              <a:t>14.12.2021</a:t>
+              <a:t>17.12.2021</a:t>
             </a:fld>
             <a:endParaRPr lang="ru-RU"/>
           </a:p>
@@ -2310,7 +2395,7 @@
             <a:fld id="{D3F45E69-51FF-4017-B855-FA6AEE2AB1D5}" type="datetimeFigureOut">
               <a:rPr lang="ru-RU" smtClean="0"/>
               <a:pPr/>
-              <a:t>14.12.2021</a:t>
+              <a:t>17.12.2021</a:t>
             </a:fld>
             <a:endParaRPr lang="ru-RU"/>
           </a:p>
@@ -2582,7 +2667,7 @@
             <a:fld id="{D3F45E69-51FF-4017-B855-FA6AEE2AB1D5}" type="datetimeFigureOut">
               <a:rPr lang="ru-RU" smtClean="0"/>
               <a:pPr/>
-              <a:t>14.12.2021</a:t>
+              <a:t>17.12.2021</a:t>
             </a:fld>
             <a:endParaRPr lang="ru-RU"/>
           </a:p>
@@ -2831,7 +2916,7 @@
             <a:fld id="{D3F45E69-51FF-4017-B855-FA6AEE2AB1D5}" type="datetimeFigureOut">
               <a:rPr lang="ru-RU" smtClean="0"/>
               <a:pPr/>
-              <a:t>14.12.2021</a:t>
+              <a:t>17.12.2021</a:t>
             </a:fld>
             <a:endParaRPr lang="ru-RU"/>
           </a:p>
@@ -3039,7 +3124,7 @@
             <a:fld id="{D3F45E69-51FF-4017-B855-FA6AEE2AB1D5}" type="datetimeFigureOut">
               <a:rPr lang="ru-RU" smtClean="0"/>
               <a:pPr/>
-              <a:t>14.12.2021</a:t>
+              <a:t>17.12.2021</a:t>
             </a:fld>
             <a:endParaRPr lang="ru-RU"/>
           </a:p>
@@ -4557,2065 +4642,6 @@
           </a:p>
         </p:txBody>
       </p:sp>
-    </p:spTree>
-  </p:cSld>
-  <p:clrMapOvr>
-    <a:masterClrMapping/>
-  </p:clrMapOvr>
-</p:sld>
-</file>
-
-<file path=ppt/slides/slide10.xml><?xml version="1.0" encoding="utf-8"?>
-<p:sld xmlns:a="http://schemas.openxmlformats.org/drawingml/2006/main" xmlns:r="http://schemas.openxmlformats.org/officeDocument/2006/relationships" xmlns:p="http://schemas.openxmlformats.org/presentationml/2006/main">
-  <p:cSld>
-    <p:spTree>
-      <p:nvGrpSpPr>
-        <p:cNvPr id="1" name=""/>
-        <p:cNvGrpSpPr/>
-        <p:nvPr/>
-      </p:nvGrpSpPr>
-      <p:grpSpPr>
-        <a:xfrm>
-          <a:off x="0" y="0"/>
-          <a:ext cx="0" cy="0"/>
-          <a:chOff x="0" y="0"/>
-          <a:chExt cx="0" cy="0"/>
-        </a:xfrm>
-      </p:grpSpPr>
-      <p:sp>
-        <p:nvSpPr>
-          <p:cNvPr id="4" name="Line 137"/>
-          <p:cNvSpPr>
-            <a:spLocks noChangeShapeType="1"/>
-          </p:cNvSpPr>
-          <p:nvPr/>
-        </p:nvSpPr>
-        <p:spPr bwMode="auto">
-          <a:xfrm>
-            <a:off x="193675" y="188913"/>
-            <a:ext cx="0" cy="6480175"/>
-          </a:xfrm>
-          <a:prstGeom prst="line">
-            <a:avLst/>
-          </a:prstGeom>
-          <a:noFill/>
-          <a:ln w="12700" cap="sq">
-            <a:solidFill>
-              <a:schemeClr val="tx1"/>
-            </a:solidFill>
-            <a:round/>
-            <a:headEnd/>
-            <a:tailEnd/>
-          </a:ln>
-        </p:spPr>
-        <p:txBody>
-          <a:bodyPr/>
-          <a:lstStyle/>
-          <a:p>
-            <a:endParaRPr lang="ru-RU"/>
-          </a:p>
-        </p:txBody>
-      </p:sp>
-      <p:sp>
-        <p:nvSpPr>
-          <p:cNvPr id="5" name="Line 138"/>
-          <p:cNvSpPr>
-            <a:spLocks noChangeShapeType="1"/>
-          </p:cNvSpPr>
-          <p:nvPr/>
-        </p:nvSpPr>
-        <p:spPr bwMode="auto">
-          <a:xfrm>
-            <a:off x="8978900" y="188913"/>
-            <a:ext cx="0" cy="6480175"/>
-          </a:xfrm>
-          <a:prstGeom prst="line">
-            <a:avLst/>
-          </a:prstGeom>
-          <a:noFill/>
-          <a:ln w="12700" cap="sq">
-            <a:solidFill>
-              <a:schemeClr val="tx1"/>
-            </a:solidFill>
-            <a:round/>
-            <a:headEnd/>
-            <a:tailEnd/>
-          </a:ln>
-        </p:spPr>
-        <p:txBody>
-          <a:bodyPr/>
-          <a:lstStyle/>
-          <a:p>
-            <a:endParaRPr lang="ru-RU"/>
-          </a:p>
-        </p:txBody>
-      </p:sp>
-      <p:graphicFrame>
-        <p:nvGraphicFramePr>
-          <p:cNvPr id="6" name="Group 10"/>
-          <p:cNvGraphicFramePr>
-            <a:graphicFrameLocks noGrp="1"/>
-          </p:cNvGraphicFramePr>
-          <p:nvPr>
-            <p:extLst>
-              <p:ext uri="{D42A27DB-BD31-4B8C-83A1-F6EECF244321}">
-                <p14:modId xmlns:p14="http://schemas.microsoft.com/office/powerpoint/2010/main" val="2134691398"/>
-              </p:ext>
-            </p:extLst>
-          </p:nvPr>
-        </p:nvGraphicFramePr>
-        <p:xfrm>
-          <a:off x="6156325" y="6254750"/>
-          <a:ext cx="2822575" cy="412740"/>
-        </p:xfrm>
-        <a:graphic>
-          <a:graphicData uri="http://schemas.openxmlformats.org/drawingml/2006/table">
-            <a:tbl>
-              <a:tblPr/>
-              <a:tblGrid>
-                <a:gridCol w="792163">
-                  <a:extLst>
-                    <a:ext uri="{9D8B030D-6E8A-4147-A177-3AD203B41FA5}">
-                      <a16:colId xmlns:a16="http://schemas.microsoft.com/office/drawing/2014/main" val="20000"/>
-                    </a:ext>
-                  </a:extLst>
-                </a:gridCol>
-                <a:gridCol w="1008062">
-                  <a:extLst>
-                    <a:ext uri="{9D8B030D-6E8A-4147-A177-3AD203B41FA5}">
-                      <a16:colId xmlns:a16="http://schemas.microsoft.com/office/drawing/2014/main" val="20001"/>
-                    </a:ext>
-                  </a:extLst>
-                </a:gridCol>
-                <a:gridCol w="649288">
-                  <a:extLst>
-                    <a:ext uri="{9D8B030D-6E8A-4147-A177-3AD203B41FA5}">
-                      <a16:colId xmlns:a16="http://schemas.microsoft.com/office/drawing/2014/main" val="20002"/>
-                    </a:ext>
-                  </a:extLst>
-                </a:gridCol>
-                <a:gridCol w="373062">
-                  <a:extLst>
-                    <a:ext uri="{9D8B030D-6E8A-4147-A177-3AD203B41FA5}">
-                      <a16:colId xmlns:a16="http://schemas.microsoft.com/office/drawing/2014/main" val="20003"/>
-                    </a:ext>
-                  </a:extLst>
-                </a:gridCol>
-              </a:tblGrid>
-              <a:tr h="0">
-                <a:tc>
-                  <a:txBody>
-                    <a:bodyPr/>
-                    <a:lstStyle/>
-                    <a:p>
-                      <a:pPr marL="0" marR="0" lvl="0" indent="0" algn="l" defTabSz="914400" rtl="0" eaLnBrk="1" fontAlgn="base" latinLnBrk="0" hangingPunct="1">
-                        <a:lnSpc>
-                          <a:spcPct val="100000"/>
-                        </a:lnSpc>
-                        <a:spcBef>
-                          <a:spcPct val="0"/>
-                        </a:spcBef>
-                        <a:spcAft>
-                          <a:spcPct val="0"/>
-                        </a:spcAft>
-                        <a:buClrTx/>
-                        <a:buSzTx/>
-                        <a:buFontTx/>
-                        <a:buNone/>
-                        <a:tabLst/>
-                      </a:pPr>
-                      <a:r>
-                        <a:rPr kumimoji="0" lang="ru-RU" sz="1000" b="0" i="0" u="none" strike="noStrike" cap="none" normalizeH="0" baseline="0" dirty="0">
-                          <a:ln>
-                            <a:noFill/>
-                          </a:ln>
-                          <a:solidFill>
-                            <a:schemeClr val="tx1"/>
-                          </a:solidFill>
-                          <a:effectLst/>
-                          <a:latin typeface="Times New Roman" pitchFamily="18" charset="0"/>
-                          <a:cs typeface="Times New Roman" pitchFamily="18" charset="0"/>
-                        </a:rPr>
-                        <a:t>Разработал</a:t>
-                      </a:r>
-                      <a:endParaRPr kumimoji="0" lang="ru-RU" sz="1000" b="0" i="0" u="none" strike="noStrike" cap="none" normalizeH="0" baseline="0" dirty="0">
-                        <a:ln>
-                          <a:noFill/>
-                        </a:ln>
-                        <a:solidFill>
-                          <a:schemeClr val="tx1"/>
-                        </a:solidFill>
-                        <a:effectLst/>
-                        <a:latin typeface="Arial" charset="0"/>
-                      </a:endParaRPr>
-                    </a:p>
-                  </a:txBody>
-                  <a:tcPr marL="71962" marR="71962" marT="17991" marB="35979" horzOverflow="overflow">
-                    <a:lnL w="12700" cap="flat" cmpd="sng" algn="ctr">
-                      <a:solidFill>
-                        <a:srgbClr val="000000"/>
-                      </a:solidFill>
-                      <a:prstDash val="solid"/>
-                      <a:round/>
-                      <a:headEnd type="none" w="med" len="med"/>
-                      <a:tailEnd type="none" w="med" len="med"/>
-                    </a:lnL>
-                    <a:lnR w="12700" cap="flat" cmpd="sng" algn="ctr">
-                      <a:solidFill>
-                        <a:srgbClr val="000000"/>
-                      </a:solidFill>
-                      <a:prstDash val="solid"/>
-                      <a:round/>
-                      <a:headEnd type="none" w="med" len="med"/>
-                      <a:tailEnd type="none" w="med" len="med"/>
-                    </a:lnR>
-                    <a:lnT w="12700" cap="flat" cmpd="sng" algn="ctr">
-                      <a:solidFill>
-                        <a:srgbClr val="000000"/>
-                      </a:solidFill>
-                      <a:prstDash val="solid"/>
-                      <a:round/>
-                      <a:headEnd type="none" w="med" len="med"/>
-                      <a:tailEnd type="none" w="med" len="med"/>
-                    </a:lnT>
-                    <a:lnB w="12700" cap="flat" cmpd="sng" algn="ctr">
-                      <a:solidFill>
-                        <a:srgbClr val="000000"/>
-                      </a:solidFill>
-                      <a:prstDash val="solid"/>
-                      <a:round/>
-                      <a:headEnd type="none" w="med" len="med"/>
-                      <a:tailEnd type="none" w="med" len="med"/>
-                    </a:lnB>
-                    <a:lnTlToBr>
-                      <a:noFill/>
-                    </a:lnTlToBr>
-                    <a:lnBlToTr>
-                      <a:noFill/>
-                    </a:lnBlToTr>
-                    <a:noFill/>
-                  </a:tcPr>
-                </a:tc>
-                <a:tc>
-                  <a:txBody>
-                    <a:bodyPr/>
-                    <a:lstStyle/>
-                    <a:p>
-                      <a:pPr marL="0" marR="0" lvl="0" indent="0" algn="l" defTabSz="914400" rtl="0" eaLnBrk="1" fontAlgn="base" latinLnBrk="0" hangingPunct="1">
-                        <a:lnSpc>
-                          <a:spcPct val="100000"/>
-                        </a:lnSpc>
-                        <a:spcBef>
-                          <a:spcPct val="0"/>
-                        </a:spcBef>
-                        <a:spcAft>
-                          <a:spcPct val="0"/>
-                        </a:spcAft>
-                        <a:buClrTx/>
-                        <a:buSzTx/>
-                        <a:buFontTx/>
-                        <a:buNone/>
-                        <a:tabLst/>
-                      </a:pPr>
-                      <a:r>
-                        <a:rPr kumimoji="0" lang="ru-RU" sz="1000" b="0" i="0" u="none" strike="noStrike" cap="none" normalizeH="0" baseline="0" dirty="0">
-                          <a:ln>
-                            <a:noFill/>
-                          </a:ln>
-                          <a:solidFill>
-                            <a:schemeClr val="tx1"/>
-                          </a:solidFill>
-                          <a:effectLst/>
-                          <a:latin typeface="Times New Roman" pitchFamily="18" charset="0"/>
-                          <a:cs typeface="Times New Roman" pitchFamily="18" charset="0"/>
-                        </a:rPr>
-                        <a:t>Мясников М.А.</a:t>
-                      </a:r>
-                    </a:p>
-                  </a:txBody>
-                  <a:tcPr marL="71962" marR="71962" marT="17991" marB="35979" horzOverflow="overflow">
-                    <a:lnL w="12700" cap="flat" cmpd="sng" algn="ctr">
-                      <a:solidFill>
-                        <a:srgbClr val="000000"/>
-                      </a:solidFill>
-                      <a:prstDash val="solid"/>
-                      <a:round/>
-                      <a:headEnd type="none" w="med" len="med"/>
-                      <a:tailEnd type="none" w="med" len="med"/>
-                    </a:lnL>
-                    <a:lnR w="12700" cap="flat" cmpd="sng" algn="ctr">
-                      <a:solidFill>
-                        <a:srgbClr val="000000"/>
-                      </a:solidFill>
-                      <a:prstDash val="solid"/>
-                      <a:round/>
-                      <a:headEnd type="none" w="med" len="med"/>
-                      <a:tailEnd type="none" w="med" len="med"/>
-                    </a:lnR>
-                    <a:lnT w="12700" cap="flat" cmpd="sng" algn="ctr">
-                      <a:solidFill>
-                        <a:srgbClr val="000000"/>
-                      </a:solidFill>
-                      <a:prstDash val="solid"/>
-                      <a:round/>
-                      <a:headEnd type="none" w="med" len="med"/>
-                      <a:tailEnd type="none" w="med" len="med"/>
-                    </a:lnT>
-                    <a:lnB w="12700" cap="flat" cmpd="sng" algn="ctr">
-                      <a:solidFill>
-                        <a:srgbClr val="000000"/>
-                      </a:solidFill>
-                      <a:prstDash val="solid"/>
-                      <a:round/>
-                      <a:headEnd type="none" w="med" len="med"/>
-                      <a:tailEnd type="none" w="med" len="med"/>
-                    </a:lnB>
-                    <a:lnTlToBr>
-                      <a:noFill/>
-                    </a:lnTlToBr>
-                    <a:lnBlToTr>
-                      <a:noFill/>
-                    </a:lnBlToTr>
-                    <a:noFill/>
-                  </a:tcPr>
-                </a:tc>
-                <a:tc>
-                  <a:txBody>
-                    <a:bodyPr/>
-                    <a:lstStyle/>
-                    <a:p>
-                      <a:pPr marL="0" marR="0" lvl="0" indent="0" algn="l" defTabSz="914400" rtl="0" eaLnBrk="1" fontAlgn="base" latinLnBrk="0" hangingPunct="1">
-                        <a:lnSpc>
-                          <a:spcPct val="100000"/>
-                        </a:lnSpc>
-                        <a:spcBef>
-                          <a:spcPct val="20000"/>
-                        </a:spcBef>
-                        <a:spcAft>
-                          <a:spcPct val="0"/>
-                        </a:spcAft>
-                        <a:buClrTx/>
-                        <a:buSzTx/>
-                        <a:buFontTx/>
-                        <a:buNone/>
-                        <a:tabLst/>
-                      </a:pPr>
-                      <a:endParaRPr kumimoji="0" lang="ru-RU" sz="1000" b="0" i="0" u="none" strike="noStrike" cap="none" normalizeH="0" baseline="0">
-                        <a:ln>
-                          <a:noFill/>
-                        </a:ln>
-                        <a:solidFill>
-                          <a:schemeClr val="tx1"/>
-                        </a:solidFill>
-                        <a:effectLst/>
-                        <a:latin typeface="Arial" charset="0"/>
-                      </a:endParaRPr>
-                    </a:p>
-                  </a:txBody>
-                  <a:tcPr marL="71962" marR="71962" marT="17991" marB="35979" horzOverflow="overflow">
-                    <a:lnL w="12700" cap="flat" cmpd="sng" algn="ctr">
-                      <a:solidFill>
-                        <a:srgbClr val="000000"/>
-                      </a:solidFill>
-                      <a:prstDash val="solid"/>
-                      <a:round/>
-                      <a:headEnd type="none" w="med" len="med"/>
-                      <a:tailEnd type="none" w="med" len="med"/>
-                    </a:lnL>
-                    <a:lnR w="12700" cap="flat" cmpd="sng" algn="ctr">
-                      <a:solidFill>
-                        <a:srgbClr val="000000"/>
-                      </a:solidFill>
-                      <a:prstDash val="solid"/>
-                      <a:round/>
-                      <a:headEnd type="none" w="med" len="med"/>
-                      <a:tailEnd type="none" w="med" len="med"/>
-                    </a:lnR>
-                    <a:lnT w="12700" cap="flat" cmpd="sng" algn="ctr">
-                      <a:solidFill>
-                        <a:srgbClr val="000000"/>
-                      </a:solidFill>
-                      <a:prstDash val="solid"/>
-                      <a:round/>
-                      <a:headEnd type="none" w="med" len="med"/>
-                      <a:tailEnd type="none" w="med" len="med"/>
-                    </a:lnT>
-                    <a:lnB w="12700" cap="flat" cmpd="sng" algn="ctr">
-                      <a:solidFill>
-                        <a:srgbClr val="000000"/>
-                      </a:solidFill>
-                      <a:prstDash val="solid"/>
-                      <a:round/>
-                      <a:headEnd type="none" w="med" len="med"/>
-                      <a:tailEnd type="none" w="med" len="med"/>
-                    </a:lnB>
-                    <a:lnTlToBr>
-                      <a:noFill/>
-                    </a:lnTlToBr>
-                    <a:lnBlToTr>
-                      <a:noFill/>
-                    </a:lnBlToTr>
-                    <a:noFill/>
-                  </a:tcPr>
-                </a:tc>
-                <a:tc>
-                  <a:txBody>
-                    <a:bodyPr/>
-                    <a:lstStyle/>
-                    <a:p>
-                      <a:pPr marL="0" marR="0" lvl="0" indent="0" algn="l" defTabSz="914400" rtl="0" eaLnBrk="1" fontAlgn="base" latinLnBrk="0" hangingPunct="1">
-                        <a:lnSpc>
-                          <a:spcPct val="100000"/>
-                        </a:lnSpc>
-                        <a:spcBef>
-                          <a:spcPct val="20000"/>
-                        </a:spcBef>
-                        <a:spcAft>
-                          <a:spcPct val="0"/>
-                        </a:spcAft>
-                        <a:buClrTx/>
-                        <a:buSzTx/>
-                        <a:buFontTx/>
-                        <a:buNone/>
-                        <a:tabLst/>
-                      </a:pPr>
-                      <a:endParaRPr kumimoji="0" lang="ru-RU" sz="1000" b="0" i="0" u="none" strike="noStrike" cap="none" normalizeH="0" baseline="0" dirty="0">
-                        <a:ln>
-                          <a:noFill/>
-                        </a:ln>
-                        <a:solidFill>
-                          <a:schemeClr val="tx1"/>
-                        </a:solidFill>
-                        <a:effectLst/>
-                        <a:latin typeface="Times New Roman" pitchFamily="18" charset="0"/>
-                      </a:endParaRPr>
-                    </a:p>
-                  </a:txBody>
-                  <a:tcPr marL="71962" marR="71962" marT="17991" marB="35979" horzOverflow="overflow">
-                    <a:lnL w="12700" cap="flat" cmpd="sng" algn="ctr">
-                      <a:solidFill>
-                        <a:srgbClr val="000000"/>
-                      </a:solidFill>
-                      <a:prstDash val="solid"/>
-                      <a:round/>
-                      <a:headEnd type="none" w="med" len="med"/>
-                      <a:tailEnd type="none" w="med" len="med"/>
-                    </a:lnL>
-                    <a:lnR w="12700" cap="flat" cmpd="sng" algn="ctr">
-                      <a:solidFill>
-                        <a:srgbClr val="000000"/>
-                      </a:solidFill>
-                      <a:prstDash val="solid"/>
-                      <a:round/>
-                      <a:headEnd type="none" w="med" len="med"/>
-                      <a:tailEnd type="none" w="med" len="med"/>
-                    </a:lnR>
-                    <a:lnT w="12700" cap="flat" cmpd="sng" algn="ctr">
-                      <a:solidFill>
-                        <a:srgbClr val="000000"/>
-                      </a:solidFill>
-                      <a:prstDash val="solid"/>
-                      <a:round/>
-                      <a:headEnd type="none" w="med" len="med"/>
-                      <a:tailEnd type="none" w="med" len="med"/>
-                    </a:lnT>
-                    <a:lnB w="12700" cap="flat" cmpd="sng" algn="ctr">
-                      <a:solidFill>
-                        <a:srgbClr val="000000"/>
-                      </a:solidFill>
-                      <a:prstDash val="solid"/>
-                      <a:round/>
-                      <a:headEnd type="none" w="med" len="med"/>
-                      <a:tailEnd type="none" w="med" len="med"/>
-                    </a:lnB>
-                    <a:lnTlToBr>
-                      <a:noFill/>
-                    </a:lnTlToBr>
-                    <a:lnBlToTr>
-                      <a:noFill/>
-                    </a:lnBlToTr>
-                    <a:noFill/>
-                  </a:tcPr>
-                </a:tc>
-                <a:extLst>
-                  <a:ext uri="{0D108BD9-81ED-4DB2-BD59-A6C34878D82A}">
-                    <a16:rowId xmlns:a16="http://schemas.microsoft.com/office/drawing/2014/main" val="10000"/>
-                  </a:ext>
-                </a:extLst>
-              </a:tr>
-              <a:tr h="0">
-                <a:tc>
-                  <a:txBody>
-                    <a:bodyPr/>
-                    <a:lstStyle/>
-                    <a:p>
-                      <a:pPr marL="0" marR="0" lvl="0" indent="0" algn="l" defTabSz="914400" rtl="0" eaLnBrk="1" fontAlgn="base" latinLnBrk="0" hangingPunct="1">
-                        <a:lnSpc>
-                          <a:spcPct val="100000"/>
-                        </a:lnSpc>
-                        <a:spcBef>
-                          <a:spcPct val="0"/>
-                        </a:spcBef>
-                        <a:spcAft>
-                          <a:spcPct val="0"/>
-                        </a:spcAft>
-                        <a:buClrTx/>
-                        <a:buSzTx/>
-                        <a:buFontTx/>
-                        <a:buNone/>
-                        <a:tabLst/>
-                      </a:pPr>
-                      <a:r>
-                        <a:rPr kumimoji="0" lang="ru-RU" sz="1000" b="0" i="0" u="none" strike="noStrike" cap="none" normalizeH="0" baseline="0">
-                          <a:ln>
-                            <a:noFill/>
-                          </a:ln>
-                          <a:solidFill>
-                            <a:schemeClr val="tx1"/>
-                          </a:solidFill>
-                          <a:effectLst/>
-                          <a:latin typeface="Times New Roman" pitchFamily="18" charset="0"/>
-                          <a:cs typeface="Times New Roman" pitchFamily="18" charset="0"/>
-                        </a:rPr>
-                        <a:t>Утвердил</a:t>
-                      </a:r>
-                      <a:endParaRPr kumimoji="0" lang="ru-RU" sz="1000" b="0" i="0" u="none" strike="noStrike" cap="none" normalizeH="0" baseline="0">
-                        <a:ln>
-                          <a:noFill/>
-                        </a:ln>
-                        <a:solidFill>
-                          <a:schemeClr val="tx1"/>
-                        </a:solidFill>
-                        <a:effectLst/>
-                        <a:latin typeface="Arial" charset="0"/>
-                      </a:endParaRPr>
-                    </a:p>
-                  </a:txBody>
-                  <a:tcPr marL="71962" marR="71962" marT="17991" marB="35979" horzOverflow="overflow">
-                    <a:lnL w="12700" cap="flat" cmpd="sng" algn="ctr">
-                      <a:solidFill>
-                        <a:srgbClr val="000000"/>
-                      </a:solidFill>
-                      <a:prstDash val="solid"/>
-                      <a:round/>
-                      <a:headEnd type="none" w="med" len="med"/>
-                      <a:tailEnd type="none" w="med" len="med"/>
-                    </a:lnL>
-                    <a:lnR w="12700" cap="flat" cmpd="sng" algn="ctr">
-                      <a:solidFill>
-                        <a:srgbClr val="000000"/>
-                      </a:solidFill>
-                      <a:prstDash val="solid"/>
-                      <a:round/>
-                      <a:headEnd type="none" w="med" len="med"/>
-                      <a:tailEnd type="none" w="med" len="med"/>
-                    </a:lnR>
-                    <a:lnT w="12700" cap="flat" cmpd="sng" algn="ctr">
-                      <a:solidFill>
-                        <a:srgbClr val="000000"/>
-                      </a:solidFill>
-                      <a:prstDash val="solid"/>
-                      <a:round/>
-                      <a:headEnd type="none" w="med" len="med"/>
-                      <a:tailEnd type="none" w="med" len="med"/>
-                    </a:lnT>
-                    <a:lnB w="12700" cap="flat" cmpd="sng" algn="ctr">
-                      <a:solidFill>
-                        <a:srgbClr val="000000"/>
-                      </a:solidFill>
-                      <a:prstDash val="solid"/>
-                      <a:round/>
-                      <a:headEnd type="none" w="med" len="med"/>
-                      <a:tailEnd type="none" w="med" len="med"/>
-                    </a:lnB>
-                    <a:lnTlToBr>
-                      <a:noFill/>
-                    </a:lnTlToBr>
-                    <a:lnBlToTr>
-                      <a:noFill/>
-                    </a:lnBlToTr>
-                    <a:noFill/>
-                  </a:tcPr>
-                </a:tc>
-                <a:tc>
-                  <a:txBody>
-                    <a:bodyPr/>
-                    <a:lstStyle/>
-                    <a:p>
-                      <a:pPr marL="0" marR="0" lvl="0" indent="0" algn="l" defTabSz="914400" rtl="0" eaLnBrk="1" fontAlgn="base" latinLnBrk="0" hangingPunct="1">
-                        <a:lnSpc>
-                          <a:spcPct val="100000"/>
-                        </a:lnSpc>
-                        <a:spcBef>
-                          <a:spcPct val="0"/>
-                        </a:spcBef>
-                        <a:spcAft>
-                          <a:spcPct val="0"/>
-                        </a:spcAft>
-                        <a:buClrTx/>
-                        <a:buSzTx/>
-                        <a:buFontTx/>
-                        <a:buNone/>
-                        <a:tabLst/>
-                      </a:pPr>
-                      <a:r>
-                        <a:rPr kumimoji="0" lang="ru-RU" sz="1000" b="0" i="0" u="none" strike="noStrike" cap="none" normalizeH="0" baseline="0" dirty="0">
-                          <a:ln>
-                            <a:noFill/>
-                          </a:ln>
-                          <a:solidFill>
-                            <a:schemeClr val="tx1"/>
-                          </a:solidFill>
-                          <a:effectLst/>
-                          <a:latin typeface="Times New Roman" pitchFamily="18" charset="0"/>
-                          <a:cs typeface="Times New Roman" pitchFamily="18" charset="0"/>
-                        </a:rPr>
-                        <a:t>Гагарина Л.Г.</a:t>
-                      </a:r>
-                    </a:p>
-                  </a:txBody>
-                  <a:tcPr marL="71962" marR="71962" marT="17991" marB="35979" horzOverflow="overflow">
-                    <a:lnL w="12700" cap="flat" cmpd="sng" algn="ctr">
-                      <a:solidFill>
-                        <a:srgbClr val="000000"/>
-                      </a:solidFill>
-                      <a:prstDash val="solid"/>
-                      <a:round/>
-                      <a:headEnd type="none" w="med" len="med"/>
-                      <a:tailEnd type="none" w="med" len="med"/>
-                    </a:lnL>
-                    <a:lnR w="12700" cap="flat" cmpd="sng" algn="ctr">
-                      <a:solidFill>
-                        <a:srgbClr val="000000"/>
-                      </a:solidFill>
-                      <a:prstDash val="solid"/>
-                      <a:round/>
-                      <a:headEnd type="none" w="med" len="med"/>
-                      <a:tailEnd type="none" w="med" len="med"/>
-                    </a:lnR>
-                    <a:lnT w="12700" cap="flat" cmpd="sng" algn="ctr">
-                      <a:solidFill>
-                        <a:srgbClr val="000000"/>
-                      </a:solidFill>
-                      <a:prstDash val="solid"/>
-                      <a:round/>
-                      <a:headEnd type="none" w="med" len="med"/>
-                      <a:tailEnd type="none" w="med" len="med"/>
-                    </a:lnT>
-                    <a:lnB w="12700" cap="flat" cmpd="sng" algn="ctr">
-                      <a:solidFill>
-                        <a:srgbClr val="000000"/>
-                      </a:solidFill>
-                      <a:prstDash val="solid"/>
-                      <a:round/>
-                      <a:headEnd type="none" w="med" len="med"/>
-                      <a:tailEnd type="none" w="med" len="med"/>
-                    </a:lnB>
-                    <a:lnTlToBr>
-                      <a:noFill/>
-                    </a:lnTlToBr>
-                    <a:lnBlToTr>
-                      <a:noFill/>
-                    </a:lnBlToTr>
-                    <a:noFill/>
-                  </a:tcPr>
-                </a:tc>
-                <a:tc>
-                  <a:txBody>
-                    <a:bodyPr/>
-                    <a:lstStyle/>
-                    <a:p>
-                      <a:pPr marL="0" marR="0" lvl="0" indent="0" algn="l" defTabSz="914400" rtl="0" eaLnBrk="1" fontAlgn="base" latinLnBrk="0" hangingPunct="1">
-                        <a:lnSpc>
-                          <a:spcPct val="100000"/>
-                        </a:lnSpc>
-                        <a:spcBef>
-                          <a:spcPct val="20000"/>
-                        </a:spcBef>
-                        <a:spcAft>
-                          <a:spcPct val="0"/>
-                        </a:spcAft>
-                        <a:buClrTx/>
-                        <a:buSzTx/>
-                        <a:buFontTx/>
-                        <a:buNone/>
-                        <a:tabLst/>
-                      </a:pPr>
-                      <a:endParaRPr kumimoji="0" lang="ru-RU" sz="1000" b="0" i="0" u="none" strike="noStrike" cap="none" normalizeH="0" baseline="0">
-                        <a:ln>
-                          <a:noFill/>
-                        </a:ln>
-                        <a:solidFill>
-                          <a:schemeClr val="tx1"/>
-                        </a:solidFill>
-                        <a:effectLst/>
-                        <a:latin typeface="Arial" charset="0"/>
-                      </a:endParaRPr>
-                    </a:p>
-                  </a:txBody>
-                  <a:tcPr marL="71962" marR="71962" marT="17991" marB="35979" horzOverflow="overflow">
-                    <a:lnL w="12700" cap="flat" cmpd="sng" algn="ctr">
-                      <a:solidFill>
-                        <a:srgbClr val="000000"/>
-                      </a:solidFill>
-                      <a:prstDash val="solid"/>
-                      <a:round/>
-                      <a:headEnd type="none" w="med" len="med"/>
-                      <a:tailEnd type="none" w="med" len="med"/>
-                    </a:lnL>
-                    <a:lnR w="12700" cap="flat" cmpd="sng" algn="ctr">
-                      <a:solidFill>
-                        <a:srgbClr val="000000"/>
-                      </a:solidFill>
-                      <a:prstDash val="solid"/>
-                      <a:round/>
-                      <a:headEnd type="none" w="med" len="med"/>
-                      <a:tailEnd type="none" w="med" len="med"/>
-                    </a:lnR>
-                    <a:lnT w="12700" cap="flat" cmpd="sng" algn="ctr">
-                      <a:solidFill>
-                        <a:srgbClr val="000000"/>
-                      </a:solidFill>
-                      <a:prstDash val="solid"/>
-                      <a:round/>
-                      <a:headEnd type="none" w="med" len="med"/>
-                      <a:tailEnd type="none" w="med" len="med"/>
-                    </a:lnT>
-                    <a:lnB w="12700" cap="flat" cmpd="sng" algn="ctr">
-                      <a:solidFill>
-                        <a:srgbClr val="000000"/>
-                      </a:solidFill>
-                      <a:prstDash val="solid"/>
-                      <a:round/>
-                      <a:headEnd type="none" w="med" len="med"/>
-                      <a:tailEnd type="none" w="med" len="med"/>
-                    </a:lnB>
-                    <a:lnTlToBr>
-                      <a:noFill/>
-                    </a:lnTlToBr>
-                    <a:lnBlToTr>
-                      <a:noFill/>
-                    </a:lnBlToTr>
-                    <a:noFill/>
-                  </a:tcPr>
-                </a:tc>
-                <a:tc>
-                  <a:txBody>
-                    <a:bodyPr/>
-                    <a:lstStyle/>
-                    <a:p>
-                      <a:pPr marL="0" marR="0" lvl="0" indent="0" algn="l" defTabSz="914400" rtl="0" eaLnBrk="1" fontAlgn="base" latinLnBrk="0" hangingPunct="1">
-                        <a:lnSpc>
-                          <a:spcPct val="100000"/>
-                        </a:lnSpc>
-                        <a:spcBef>
-                          <a:spcPct val="20000"/>
-                        </a:spcBef>
-                        <a:spcAft>
-                          <a:spcPct val="0"/>
-                        </a:spcAft>
-                        <a:buClrTx/>
-                        <a:buSzTx/>
-                        <a:buFontTx/>
-                        <a:buNone/>
-                        <a:tabLst/>
-                      </a:pPr>
-                      <a:endParaRPr kumimoji="0" lang="ru-RU" sz="1000" b="0" i="0" u="none" strike="noStrike" cap="none" normalizeH="0" baseline="0" dirty="0">
-                        <a:ln>
-                          <a:noFill/>
-                        </a:ln>
-                        <a:solidFill>
-                          <a:schemeClr val="tx1"/>
-                        </a:solidFill>
-                        <a:effectLst/>
-                        <a:latin typeface="Arial" charset="0"/>
-                      </a:endParaRPr>
-                    </a:p>
-                  </a:txBody>
-                  <a:tcPr marL="71962" marR="71962" marT="17991" marB="35979" horzOverflow="overflow">
-                    <a:lnL w="12700" cap="flat" cmpd="sng" algn="ctr">
-                      <a:solidFill>
-                        <a:srgbClr val="000000"/>
-                      </a:solidFill>
-                      <a:prstDash val="solid"/>
-                      <a:round/>
-                      <a:headEnd type="none" w="med" len="med"/>
-                      <a:tailEnd type="none" w="med" len="med"/>
-                    </a:lnL>
-                    <a:lnR w="12700" cap="flat" cmpd="sng" algn="ctr">
-                      <a:solidFill>
-                        <a:srgbClr val="000000"/>
-                      </a:solidFill>
-                      <a:prstDash val="solid"/>
-                      <a:round/>
-                      <a:headEnd type="none" w="med" len="med"/>
-                      <a:tailEnd type="none" w="med" len="med"/>
-                    </a:lnR>
-                    <a:lnT w="12700" cap="flat" cmpd="sng" algn="ctr">
-                      <a:solidFill>
-                        <a:srgbClr val="000000"/>
-                      </a:solidFill>
-                      <a:prstDash val="solid"/>
-                      <a:round/>
-                      <a:headEnd type="none" w="med" len="med"/>
-                      <a:tailEnd type="none" w="med" len="med"/>
-                    </a:lnT>
-                    <a:lnB w="12700" cap="flat" cmpd="sng" algn="ctr">
-                      <a:solidFill>
-                        <a:srgbClr val="000000"/>
-                      </a:solidFill>
-                      <a:prstDash val="solid"/>
-                      <a:round/>
-                      <a:headEnd type="none" w="med" len="med"/>
-                      <a:tailEnd type="none" w="med" len="med"/>
-                    </a:lnB>
-                    <a:lnTlToBr>
-                      <a:noFill/>
-                    </a:lnTlToBr>
-                    <a:lnBlToTr>
-                      <a:noFill/>
-                    </a:lnBlToTr>
-                    <a:noFill/>
-                  </a:tcPr>
-                </a:tc>
-                <a:extLst>
-                  <a:ext uri="{0D108BD9-81ED-4DB2-BD59-A6C34878D82A}">
-                    <a16:rowId xmlns:a16="http://schemas.microsoft.com/office/drawing/2014/main" val="10001"/>
-                  </a:ext>
-                </a:extLst>
-              </a:tr>
-            </a:tbl>
-          </a:graphicData>
-        </a:graphic>
-      </p:graphicFrame>
-      <p:sp>
-        <p:nvSpPr>
-          <p:cNvPr id="7" name="Line 158"/>
-          <p:cNvSpPr>
-            <a:spLocks noChangeShapeType="1"/>
-          </p:cNvSpPr>
-          <p:nvPr/>
-        </p:nvSpPr>
-        <p:spPr bwMode="auto">
-          <a:xfrm>
-            <a:off x="193675" y="188913"/>
-            <a:ext cx="8785225" cy="0"/>
-          </a:xfrm>
-          <a:prstGeom prst="line">
-            <a:avLst/>
-          </a:prstGeom>
-          <a:noFill/>
-          <a:ln w="12700" cap="sq">
-            <a:solidFill>
-              <a:schemeClr val="tx1"/>
-            </a:solidFill>
-            <a:round/>
-            <a:headEnd/>
-            <a:tailEnd/>
-          </a:ln>
-        </p:spPr>
-        <p:txBody>
-          <a:bodyPr/>
-          <a:lstStyle/>
-          <a:p>
-            <a:endParaRPr lang="ru-RU"/>
-          </a:p>
-        </p:txBody>
-      </p:sp>
-      <p:sp>
-        <p:nvSpPr>
-          <p:cNvPr id="8" name="Line 159"/>
-          <p:cNvSpPr>
-            <a:spLocks noChangeShapeType="1"/>
-          </p:cNvSpPr>
-          <p:nvPr/>
-        </p:nvSpPr>
-        <p:spPr bwMode="auto">
-          <a:xfrm>
-            <a:off x="193675" y="6669088"/>
-            <a:ext cx="8785225" cy="0"/>
-          </a:xfrm>
-          <a:prstGeom prst="line">
-            <a:avLst/>
-          </a:prstGeom>
-          <a:noFill/>
-          <a:ln w="12700" cap="sq">
-            <a:solidFill>
-              <a:schemeClr val="tx1"/>
-            </a:solidFill>
-            <a:round/>
-            <a:headEnd/>
-            <a:tailEnd/>
-          </a:ln>
-        </p:spPr>
-        <p:txBody>
-          <a:bodyPr/>
-          <a:lstStyle/>
-          <a:p>
-            <a:endParaRPr lang="ru-RU"/>
-          </a:p>
-        </p:txBody>
-      </p:sp>
-      <p:sp>
-        <p:nvSpPr>
-          <p:cNvPr id="9" name="TextBox 8"/>
-          <p:cNvSpPr txBox="1"/>
-          <p:nvPr/>
-        </p:nvSpPr>
-        <p:spPr>
-          <a:xfrm>
-            <a:off x="323528" y="1340769"/>
-            <a:ext cx="8424936" cy="2062103"/>
-          </a:xfrm>
-          <a:prstGeom prst="rect">
-            <a:avLst/>
-          </a:prstGeom>
-          <a:noFill/>
-        </p:spPr>
-        <p:txBody>
-          <a:bodyPr wrap="square" rtlCol="0">
-            <a:spAutoFit/>
-          </a:bodyPr>
-          <a:lstStyle/>
-          <a:p>
-            <a:pPr marL="177800" indent="-177800">
-              <a:spcAft>
-                <a:spcPts val="1200"/>
-              </a:spcAft>
-              <a:buFont typeface="Arial" pitchFamily="34" charset="0"/>
-              <a:buChar char="•"/>
-            </a:pPr>
-            <a:r>
-              <a:rPr lang="ru-RU" dirty="0"/>
-              <a:t>Ф.И. О. автора. Универсальный командный интерпретатор. </a:t>
-            </a:r>
-            <a:r>
-              <a:rPr lang="ru-RU" dirty="0" err="1"/>
-              <a:t>Инноватика</a:t>
-            </a:r>
-            <a:r>
-              <a:rPr lang="ru-RU" dirty="0"/>
-              <a:t> и инновационные процессы в экономике, науке, образовании и в области права. Седьмая межвузовская научно-практическая конференция. Материалы научных докладов. – М.: ИГУПИТ, 2014, с. 226-232.</a:t>
-            </a:r>
-          </a:p>
-          <a:p>
-            <a:pPr marL="177800" indent="-177800">
-              <a:spcAft>
-                <a:spcPts val="1200"/>
-              </a:spcAft>
-              <a:buFont typeface="Arial" pitchFamily="34" charset="0"/>
-              <a:buChar char="•"/>
-            </a:pPr>
-            <a:r>
-              <a:rPr lang="ru-RU" dirty="0"/>
-              <a:t>Программный модуль внедрен на предприятии ОАО «НИИ «</a:t>
-            </a:r>
-            <a:r>
-              <a:rPr lang="ru-RU" dirty="0" err="1"/>
-              <a:t>Субмикрон</a:t>
-            </a:r>
-            <a:r>
-              <a:rPr lang="ru-RU" dirty="0"/>
-              <a:t>»</a:t>
-            </a:r>
-          </a:p>
-          <a:p>
-            <a:pPr marL="177800" indent="-177800">
-              <a:spcAft>
-                <a:spcPts val="1200"/>
-              </a:spcAft>
-              <a:buFont typeface="Arial" pitchFamily="34" charset="0"/>
-              <a:buChar char="•"/>
-            </a:pPr>
-            <a:endParaRPr lang="ru-RU" dirty="0"/>
-          </a:p>
-        </p:txBody>
-      </p:sp>
-      <p:sp>
-        <p:nvSpPr>
-          <p:cNvPr id="10" name="Rectangle 23"/>
-          <p:cNvSpPr>
-            <a:spLocks noChangeArrowheads="1"/>
-          </p:cNvSpPr>
-          <p:nvPr/>
-        </p:nvSpPr>
-        <p:spPr bwMode="auto">
-          <a:xfrm>
-            <a:off x="251520" y="476672"/>
-            <a:ext cx="8642350" cy="430887"/>
-          </a:xfrm>
-          <a:prstGeom prst="rect">
-            <a:avLst/>
-          </a:prstGeom>
-          <a:noFill/>
-          <a:ln w="9525">
-            <a:noFill/>
-            <a:miter lim="800000"/>
-            <a:headEnd/>
-            <a:tailEnd/>
-          </a:ln>
-        </p:spPr>
-        <p:txBody>
-          <a:bodyPr wrap="square">
-            <a:spAutoFit/>
-          </a:bodyPr>
-          <a:lstStyle/>
-          <a:p>
-            <a:pPr algn="ctr"/>
-            <a:r>
-              <a:rPr lang="ru-RU" sz="2200" b="1" dirty="0"/>
-              <a:t>Апробация</a:t>
-            </a:r>
-          </a:p>
-        </p:txBody>
-      </p:sp>
-    </p:spTree>
-  </p:cSld>
-  <p:clrMapOvr>
-    <a:masterClrMapping/>
-  </p:clrMapOvr>
-</p:sld>
-</file>
-
-<file path=ppt/slides/slide11.xml><?xml version="1.0" encoding="utf-8"?>
-<p:sld xmlns:a="http://schemas.openxmlformats.org/drawingml/2006/main" xmlns:r="http://schemas.openxmlformats.org/officeDocument/2006/relationships" xmlns:p="http://schemas.openxmlformats.org/presentationml/2006/main">
-  <p:cSld>
-    <p:spTree>
-      <p:nvGrpSpPr>
-        <p:cNvPr id="1" name=""/>
-        <p:cNvGrpSpPr/>
-        <p:nvPr/>
-      </p:nvGrpSpPr>
-      <p:grpSpPr>
-        <a:xfrm>
-          <a:off x="0" y="0"/>
-          <a:ext cx="0" cy="0"/>
-          <a:chOff x="0" y="0"/>
-          <a:chExt cx="0" cy="0"/>
-        </a:xfrm>
-      </p:grpSpPr>
-      <p:sp>
-        <p:nvSpPr>
-          <p:cNvPr id="4" name="Rectangle 23"/>
-          <p:cNvSpPr>
-            <a:spLocks noChangeArrowheads="1"/>
-          </p:cNvSpPr>
-          <p:nvPr/>
-        </p:nvSpPr>
-        <p:spPr bwMode="auto">
-          <a:xfrm>
-            <a:off x="250825" y="260350"/>
-            <a:ext cx="8642350" cy="427038"/>
-          </a:xfrm>
-          <a:prstGeom prst="rect">
-            <a:avLst/>
-          </a:prstGeom>
-          <a:noFill/>
-          <a:ln w="9525">
-            <a:noFill/>
-            <a:miter lim="800000"/>
-            <a:headEnd/>
-            <a:tailEnd/>
-          </a:ln>
-        </p:spPr>
-        <p:txBody>
-          <a:bodyPr>
-            <a:spAutoFit/>
-          </a:bodyPr>
-          <a:lstStyle/>
-          <a:p>
-            <a:pPr algn="ctr"/>
-            <a:r>
-              <a:rPr lang="ru-RU" sz="2200" b="1" dirty="0"/>
-              <a:t>Результаты работы</a:t>
-            </a:r>
-          </a:p>
-        </p:txBody>
-      </p:sp>
-      <p:sp>
-        <p:nvSpPr>
-          <p:cNvPr id="5" name="Line 137"/>
-          <p:cNvSpPr>
-            <a:spLocks noChangeShapeType="1"/>
-          </p:cNvSpPr>
-          <p:nvPr/>
-        </p:nvSpPr>
-        <p:spPr bwMode="auto">
-          <a:xfrm>
-            <a:off x="193675" y="188913"/>
-            <a:ext cx="0" cy="6480175"/>
-          </a:xfrm>
-          <a:prstGeom prst="line">
-            <a:avLst/>
-          </a:prstGeom>
-          <a:noFill/>
-          <a:ln w="12700" cap="sq">
-            <a:solidFill>
-              <a:schemeClr val="tx1"/>
-            </a:solidFill>
-            <a:round/>
-            <a:headEnd/>
-            <a:tailEnd/>
-          </a:ln>
-        </p:spPr>
-        <p:txBody>
-          <a:bodyPr/>
-          <a:lstStyle/>
-          <a:p>
-            <a:endParaRPr lang="ru-RU"/>
-          </a:p>
-        </p:txBody>
-      </p:sp>
-      <p:sp>
-        <p:nvSpPr>
-          <p:cNvPr id="6" name="Line 138"/>
-          <p:cNvSpPr>
-            <a:spLocks noChangeShapeType="1"/>
-          </p:cNvSpPr>
-          <p:nvPr/>
-        </p:nvSpPr>
-        <p:spPr bwMode="auto">
-          <a:xfrm>
-            <a:off x="8978900" y="188913"/>
-            <a:ext cx="0" cy="6480175"/>
-          </a:xfrm>
-          <a:prstGeom prst="line">
-            <a:avLst/>
-          </a:prstGeom>
-          <a:noFill/>
-          <a:ln w="12700" cap="sq">
-            <a:solidFill>
-              <a:schemeClr val="tx1"/>
-            </a:solidFill>
-            <a:round/>
-            <a:headEnd/>
-            <a:tailEnd/>
-          </a:ln>
-        </p:spPr>
-        <p:txBody>
-          <a:bodyPr/>
-          <a:lstStyle/>
-          <a:p>
-            <a:endParaRPr lang="ru-RU"/>
-          </a:p>
-        </p:txBody>
-      </p:sp>
-      <p:sp>
-        <p:nvSpPr>
-          <p:cNvPr id="8" name="Line 158"/>
-          <p:cNvSpPr>
-            <a:spLocks noChangeShapeType="1"/>
-          </p:cNvSpPr>
-          <p:nvPr/>
-        </p:nvSpPr>
-        <p:spPr bwMode="auto">
-          <a:xfrm>
-            <a:off x="193675" y="188913"/>
-            <a:ext cx="8785225" cy="0"/>
-          </a:xfrm>
-          <a:prstGeom prst="line">
-            <a:avLst/>
-          </a:prstGeom>
-          <a:noFill/>
-          <a:ln w="12700" cap="sq">
-            <a:solidFill>
-              <a:schemeClr val="tx1"/>
-            </a:solidFill>
-            <a:round/>
-            <a:headEnd/>
-            <a:tailEnd/>
-          </a:ln>
-        </p:spPr>
-        <p:txBody>
-          <a:bodyPr/>
-          <a:lstStyle/>
-          <a:p>
-            <a:endParaRPr lang="ru-RU"/>
-          </a:p>
-        </p:txBody>
-      </p:sp>
-      <p:sp>
-        <p:nvSpPr>
-          <p:cNvPr id="9" name="Line 159"/>
-          <p:cNvSpPr>
-            <a:spLocks noChangeShapeType="1"/>
-          </p:cNvSpPr>
-          <p:nvPr/>
-        </p:nvSpPr>
-        <p:spPr bwMode="auto">
-          <a:xfrm>
-            <a:off x="193675" y="6669088"/>
-            <a:ext cx="8785225" cy="0"/>
-          </a:xfrm>
-          <a:prstGeom prst="line">
-            <a:avLst/>
-          </a:prstGeom>
-          <a:noFill/>
-          <a:ln w="12700" cap="sq">
-            <a:solidFill>
-              <a:schemeClr val="tx1"/>
-            </a:solidFill>
-            <a:round/>
-            <a:headEnd/>
-            <a:tailEnd/>
-          </a:ln>
-        </p:spPr>
-        <p:txBody>
-          <a:bodyPr/>
-          <a:lstStyle/>
-          <a:p>
-            <a:endParaRPr lang="ru-RU"/>
-          </a:p>
-        </p:txBody>
-      </p:sp>
-      <p:sp>
-        <p:nvSpPr>
-          <p:cNvPr id="10" name="Rectangle 25"/>
-          <p:cNvSpPr>
-            <a:spLocks noChangeArrowheads="1"/>
-          </p:cNvSpPr>
-          <p:nvPr/>
-        </p:nvSpPr>
-        <p:spPr bwMode="auto">
-          <a:xfrm>
-            <a:off x="342900" y="1565521"/>
-            <a:ext cx="8333556" cy="2308324"/>
-          </a:xfrm>
-          <a:prstGeom prst="rect">
-            <a:avLst/>
-          </a:prstGeom>
-          <a:noFill/>
-          <a:ln w="9525">
-            <a:noFill/>
-            <a:miter lim="800000"/>
-            <a:headEnd/>
-            <a:tailEnd/>
-          </a:ln>
-        </p:spPr>
-        <p:txBody>
-          <a:bodyPr wrap="square" anchor="ctr">
-            <a:spAutoFit/>
-          </a:bodyPr>
-          <a:lstStyle/>
-          <a:p>
-            <a:pPr>
-              <a:buFontTx/>
-              <a:buChar char="•"/>
-              <a:tabLst>
-                <a:tab pos="457200" algn="l"/>
-              </a:tabLst>
-            </a:pPr>
-            <a:r>
-              <a:rPr lang="ru-RU" sz="2400" dirty="0"/>
-              <a:t> исследована предметная область;</a:t>
-            </a:r>
-          </a:p>
-          <a:p>
-            <a:pPr>
-              <a:buFontTx/>
-              <a:buChar char="•"/>
-              <a:tabLst>
-                <a:tab pos="457200" algn="l"/>
-              </a:tabLst>
-            </a:pPr>
-            <a:r>
-              <a:rPr lang="ru-RU" sz="2400" dirty="0"/>
-              <a:t> проведён обзор существующих программных решений;</a:t>
-            </a:r>
-          </a:p>
-          <a:p>
-            <a:pPr>
-              <a:buFontTx/>
-              <a:buChar char="•"/>
-              <a:tabLst>
-                <a:tab pos="457200" algn="l"/>
-              </a:tabLst>
-            </a:pPr>
-            <a:r>
-              <a:rPr lang="ru-RU" sz="2400" dirty="0"/>
-              <a:t> выбраны язык и среда программирования;</a:t>
-            </a:r>
-          </a:p>
-          <a:p>
-            <a:pPr>
-              <a:buFontTx/>
-              <a:buChar char="•"/>
-              <a:tabLst>
-                <a:tab pos="457200" algn="l"/>
-              </a:tabLst>
-            </a:pPr>
-            <a:r>
-              <a:rPr lang="ru-RU" sz="2400" dirty="0"/>
-              <a:t> разработана схема данных ВС ДЭП;</a:t>
-            </a:r>
-          </a:p>
-          <a:p>
-            <a:pPr>
-              <a:buFontTx/>
-              <a:buChar char="•"/>
-              <a:tabLst>
-                <a:tab pos="457200" algn="l"/>
-              </a:tabLst>
-            </a:pPr>
-            <a:r>
-              <a:rPr lang="ru-RU" sz="2400" dirty="0"/>
-              <a:t> разработана схема алгоритма ВС ДЭП;</a:t>
-            </a:r>
-          </a:p>
-          <a:p>
-            <a:pPr>
-              <a:tabLst>
-                <a:tab pos="457200" algn="l"/>
-              </a:tabLst>
-            </a:pPr>
-            <a:endParaRPr lang="ru-RU" sz="2400" dirty="0"/>
-          </a:p>
-        </p:txBody>
-      </p:sp>
-      <p:graphicFrame>
-        <p:nvGraphicFramePr>
-          <p:cNvPr id="11" name="Group 10">
-            <a:extLst>
-              <a:ext uri="{FF2B5EF4-FFF2-40B4-BE49-F238E27FC236}">
-                <a16:creationId xmlns:a16="http://schemas.microsoft.com/office/drawing/2014/main" id="{E61E70AC-B958-4669-B1D3-6F708209FC5E}"/>
-              </a:ext>
-            </a:extLst>
-          </p:cNvPr>
-          <p:cNvGraphicFramePr>
-            <a:graphicFrameLocks noGrp="1"/>
-          </p:cNvGraphicFramePr>
-          <p:nvPr>
-            <p:extLst>
-              <p:ext uri="{D42A27DB-BD31-4B8C-83A1-F6EECF244321}">
-                <p14:modId xmlns:p14="http://schemas.microsoft.com/office/powerpoint/2010/main" val="2470472949"/>
-              </p:ext>
-            </p:extLst>
-          </p:nvPr>
-        </p:nvGraphicFramePr>
-        <p:xfrm>
-          <a:off x="6156325" y="6254750"/>
-          <a:ext cx="2822575" cy="412740"/>
-        </p:xfrm>
-        <a:graphic>
-          <a:graphicData uri="http://schemas.openxmlformats.org/drawingml/2006/table">
-            <a:tbl>
-              <a:tblPr/>
-              <a:tblGrid>
-                <a:gridCol w="792163">
-                  <a:extLst>
-                    <a:ext uri="{9D8B030D-6E8A-4147-A177-3AD203B41FA5}">
-                      <a16:colId xmlns:a16="http://schemas.microsoft.com/office/drawing/2014/main" val="20000"/>
-                    </a:ext>
-                  </a:extLst>
-                </a:gridCol>
-                <a:gridCol w="1008062">
-                  <a:extLst>
-                    <a:ext uri="{9D8B030D-6E8A-4147-A177-3AD203B41FA5}">
-                      <a16:colId xmlns:a16="http://schemas.microsoft.com/office/drawing/2014/main" val="20001"/>
-                    </a:ext>
-                  </a:extLst>
-                </a:gridCol>
-                <a:gridCol w="649288">
-                  <a:extLst>
-                    <a:ext uri="{9D8B030D-6E8A-4147-A177-3AD203B41FA5}">
-                      <a16:colId xmlns:a16="http://schemas.microsoft.com/office/drawing/2014/main" val="20002"/>
-                    </a:ext>
-                  </a:extLst>
-                </a:gridCol>
-                <a:gridCol w="373062">
-                  <a:extLst>
-                    <a:ext uri="{9D8B030D-6E8A-4147-A177-3AD203B41FA5}">
-                      <a16:colId xmlns:a16="http://schemas.microsoft.com/office/drawing/2014/main" val="20003"/>
-                    </a:ext>
-                  </a:extLst>
-                </a:gridCol>
-              </a:tblGrid>
-              <a:tr h="0">
-                <a:tc>
-                  <a:txBody>
-                    <a:bodyPr/>
-                    <a:lstStyle/>
-                    <a:p>
-                      <a:pPr marL="0" marR="0" lvl="0" indent="0" algn="l" defTabSz="914400" rtl="0" eaLnBrk="1" fontAlgn="base" latinLnBrk="0" hangingPunct="1">
-                        <a:lnSpc>
-                          <a:spcPct val="100000"/>
-                        </a:lnSpc>
-                        <a:spcBef>
-                          <a:spcPct val="0"/>
-                        </a:spcBef>
-                        <a:spcAft>
-                          <a:spcPct val="0"/>
-                        </a:spcAft>
-                        <a:buClrTx/>
-                        <a:buSzTx/>
-                        <a:buFontTx/>
-                        <a:buNone/>
-                        <a:tabLst/>
-                      </a:pPr>
-                      <a:r>
-                        <a:rPr kumimoji="0" lang="ru-RU" sz="1000" b="0" i="0" u="none" strike="noStrike" cap="none" normalizeH="0" baseline="0" dirty="0">
-                          <a:ln>
-                            <a:noFill/>
-                          </a:ln>
-                          <a:solidFill>
-                            <a:schemeClr val="tx1"/>
-                          </a:solidFill>
-                          <a:effectLst/>
-                          <a:latin typeface="Times New Roman" pitchFamily="18" charset="0"/>
-                          <a:cs typeface="Times New Roman" pitchFamily="18" charset="0"/>
-                        </a:rPr>
-                        <a:t>Разработал</a:t>
-                      </a:r>
-                      <a:endParaRPr kumimoji="0" lang="ru-RU" sz="1000" b="0" i="0" u="none" strike="noStrike" cap="none" normalizeH="0" baseline="0" dirty="0">
-                        <a:ln>
-                          <a:noFill/>
-                        </a:ln>
-                        <a:solidFill>
-                          <a:schemeClr val="tx1"/>
-                        </a:solidFill>
-                        <a:effectLst/>
-                        <a:latin typeface="Arial" charset="0"/>
-                      </a:endParaRPr>
-                    </a:p>
-                  </a:txBody>
-                  <a:tcPr marL="71962" marR="71962" marT="17991" marB="35979" horzOverflow="overflow">
-                    <a:lnL w="12700" cap="flat" cmpd="sng" algn="ctr">
-                      <a:solidFill>
-                        <a:srgbClr val="000000"/>
-                      </a:solidFill>
-                      <a:prstDash val="solid"/>
-                      <a:round/>
-                      <a:headEnd type="none" w="med" len="med"/>
-                      <a:tailEnd type="none" w="med" len="med"/>
-                    </a:lnL>
-                    <a:lnR w="12700" cap="flat" cmpd="sng" algn="ctr">
-                      <a:solidFill>
-                        <a:srgbClr val="000000"/>
-                      </a:solidFill>
-                      <a:prstDash val="solid"/>
-                      <a:round/>
-                      <a:headEnd type="none" w="med" len="med"/>
-                      <a:tailEnd type="none" w="med" len="med"/>
-                    </a:lnR>
-                    <a:lnT w="12700" cap="flat" cmpd="sng" algn="ctr">
-                      <a:solidFill>
-                        <a:srgbClr val="000000"/>
-                      </a:solidFill>
-                      <a:prstDash val="solid"/>
-                      <a:round/>
-                      <a:headEnd type="none" w="med" len="med"/>
-                      <a:tailEnd type="none" w="med" len="med"/>
-                    </a:lnT>
-                    <a:lnB w="12700" cap="flat" cmpd="sng" algn="ctr">
-                      <a:solidFill>
-                        <a:srgbClr val="000000"/>
-                      </a:solidFill>
-                      <a:prstDash val="solid"/>
-                      <a:round/>
-                      <a:headEnd type="none" w="med" len="med"/>
-                      <a:tailEnd type="none" w="med" len="med"/>
-                    </a:lnB>
-                    <a:lnTlToBr>
-                      <a:noFill/>
-                    </a:lnTlToBr>
-                    <a:lnBlToTr>
-                      <a:noFill/>
-                    </a:lnBlToTr>
-                    <a:noFill/>
-                  </a:tcPr>
-                </a:tc>
-                <a:tc>
-                  <a:txBody>
-                    <a:bodyPr/>
-                    <a:lstStyle/>
-                    <a:p>
-                      <a:pPr marL="0" marR="0" lvl="0" indent="0" algn="l" defTabSz="914400" rtl="0" eaLnBrk="1" fontAlgn="base" latinLnBrk="0" hangingPunct="1">
-                        <a:lnSpc>
-                          <a:spcPct val="100000"/>
-                        </a:lnSpc>
-                        <a:spcBef>
-                          <a:spcPct val="0"/>
-                        </a:spcBef>
-                        <a:spcAft>
-                          <a:spcPct val="0"/>
-                        </a:spcAft>
-                        <a:buClrTx/>
-                        <a:buSzTx/>
-                        <a:buFontTx/>
-                        <a:buNone/>
-                        <a:tabLst/>
-                      </a:pPr>
-                      <a:r>
-                        <a:rPr kumimoji="0" lang="ru-RU" sz="1000" b="0" i="0" u="none" strike="noStrike" cap="none" normalizeH="0" baseline="0" dirty="0">
-                          <a:ln>
-                            <a:noFill/>
-                          </a:ln>
-                          <a:solidFill>
-                            <a:schemeClr val="tx1"/>
-                          </a:solidFill>
-                          <a:effectLst/>
-                          <a:latin typeface="Times New Roman" pitchFamily="18" charset="0"/>
-                          <a:cs typeface="Times New Roman" pitchFamily="18" charset="0"/>
-                        </a:rPr>
-                        <a:t>Мясников М.А.</a:t>
-                      </a:r>
-                    </a:p>
-                  </a:txBody>
-                  <a:tcPr marL="71962" marR="71962" marT="17991" marB="35979" horzOverflow="overflow">
-                    <a:lnL w="12700" cap="flat" cmpd="sng" algn="ctr">
-                      <a:solidFill>
-                        <a:srgbClr val="000000"/>
-                      </a:solidFill>
-                      <a:prstDash val="solid"/>
-                      <a:round/>
-                      <a:headEnd type="none" w="med" len="med"/>
-                      <a:tailEnd type="none" w="med" len="med"/>
-                    </a:lnL>
-                    <a:lnR w="12700" cap="flat" cmpd="sng" algn="ctr">
-                      <a:solidFill>
-                        <a:srgbClr val="000000"/>
-                      </a:solidFill>
-                      <a:prstDash val="solid"/>
-                      <a:round/>
-                      <a:headEnd type="none" w="med" len="med"/>
-                      <a:tailEnd type="none" w="med" len="med"/>
-                    </a:lnR>
-                    <a:lnT w="12700" cap="flat" cmpd="sng" algn="ctr">
-                      <a:solidFill>
-                        <a:srgbClr val="000000"/>
-                      </a:solidFill>
-                      <a:prstDash val="solid"/>
-                      <a:round/>
-                      <a:headEnd type="none" w="med" len="med"/>
-                      <a:tailEnd type="none" w="med" len="med"/>
-                    </a:lnT>
-                    <a:lnB w="12700" cap="flat" cmpd="sng" algn="ctr">
-                      <a:solidFill>
-                        <a:srgbClr val="000000"/>
-                      </a:solidFill>
-                      <a:prstDash val="solid"/>
-                      <a:round/>
-                      <a:headEnd type="none" w="med" len="med"/>
-                      <a:tailEnd type="none" w="med" len="med"/>
-                    </a:lnB>
-                    <a:lnTlToBr>
-                      <a:noFill/>
-                    </a:lnTlToBr>
-                    <a:lnBlToTr>
-                      <a:noFill/>
-                    </a:lnBlToTr>
-                    <a:noFill/>
-                  </a:tcPr>
-                </a:tc>
-                <a:tc>
-                  <a:txBody>
-                    <a:bodyPr/>
-                    <a:lstStyle/>
-                    <a:p>
-                      <a:pPr marL="0" marR="0" lvl="0" indent="0" algn="l" defTabSz="914400" rtl="0" eaLnBrk="1" fontAlgn="base" latinLnBrk="0" hangingPunct="1">
-                        <a:lnSpc>
-                          <a:spcPct val="100000"/>
-                        </a:lnSpc>
-                        <a:spcBef>
-                          <a:spcPct val="20000"/>
-                        </a:spcBef>
-                        <a:spcAft>
-                          <a:spcPct val="0"/>
-                        </a:spcAft>
-                        <a:buClrTx/>
-                        <a:buSzTx/>
-                        <a:buFontTx/>
-                        <a:buNone/>
-                        <a:tabLst/>
-                      </a:pPr>
-                      <a:endParaRPr kumimoji="0" lang="ru-RU" sz="1000" b="0" i="0" u="none" strike="noStrike" cap="none" normalizeH="0" baseline="0">
-                        <a:ln>
-                          <a:noFill/>
-                        </a:ln>
-                        <a:solidFill>
-                          <a:schemeClr val="tx1"/>
-                        </a:solidFill>
-                        <a:effectLst/>
-                        <a:latin typeface="Arial" charset="0"/>
-                      </a:endParaRPr>
-                    </a:p>
-                  </a:txBody>
-                  <a:tcPr marL="71962" marR="71962" marT="17991" marB="35979" horzOverflow="overflow">
-                    <a:lnL w="12700" cap="flat" cmpd="sng" algn="ctr">
-                      <a:solidFill>
-                        <a:srgbClr val="000000"/>
-                      </a:solidFill>
-                      <a:prstDash val="solid"/>
-                      <a:round/>
-                      <a:headEnd type="none" w="med" len="med"/>
-                      <a:tailEnd type="none" w="med" len="med"/>
-                    </a:lnL>
-                    <a:lnR w="12700" cap="flat" cmpd="sng" algn="ctr">
-                      <a:solidFill>
-                        <a:srgbClr val="000000"/>
-                      </a:solidFill>
-                      <a:prstDash val="solid"/>
-                      <a:round/>
-                      <a:headEnd type="none" w="med" len="med"/>
-                      <a:tailEnd type="none" w="med" len="med"/>
-                    </a:lnR>
-                    <a:lnT w="12700" cap="flat" cmpd="sng" algn="ctr">
-                      <a:solidFill>
-                        <a:srgbClr val="000000"/>
-                      </a:solidFill>
-                      <a:prstDash val="solid"/>
-                      <a:round/>
-                      <a:headEnd type="none" w="med" len="med"/>
-                      <a:tailEnd type="none" w="med" len="med"/>
-                    </a:lnT>
-                    <a:lnB w="12700" cap="flat" cmpd="sng" algn="ctr">
-                      <a:solidFill>
-                        <a:srgbClr val="000000"/>
-                      </a:solidFill>
-                      <a:prstDash val="solid"/>
-                      <a:round/>
-                      <a:headEnd type="none" w="med" len="med"/>
-                      <a:tailEnd type="none" w="med" len="med"/>
-                    </a:lnB>
-                    <a:lnTlToBr>
-                      <a:noFill/>
-                    </a:lnTlToBr>
-                    <a:lnBlToTr>
-                      <a:noFill/>
-                    </a:lnBlToTr>
-                    <a:noFill/>
-                  </a:tcPr>
-                </a:tc>
-                <a:tc>
-                  <a:txBody>
-                    <a:bodyPr/>
-                    <a:lstStyle/>
-                    <a:p>
-                      <a:pPr marL="0" marR="0" lvl="0" indent="0" algn="l" defTabSz="914400" rtl="0" eaLnBrk="1" fontAlgn="base" latinLnBrk="0" hangingPunct="1">
-                        <a:lnSpc>
-                          <a:spcPct val="100000"/>
-                        </a:lnSpc>
-                        <a:spcBef>
-                          <a:spcPct val="20000"/>
-                        </a:spcBef>
-                        <a:spcAft>
-                          <a:spcPct val="0"/>
-                        </a:spcAft>
-                        <a:buClrTx/>
-                        <a:buSzTx/>
-                        <a:buFontTx/>
-                        <a:buNone/>
-                        <a:tabLst/>
-                      </a:pPr>
-                      <a:endParaRPr kumimoji="0" lang="ru-RU" sz="1000" b="0" i="0" u="none" strike="noStrike" cap="none" normalizeH="0" baseline="0" dirty="0">
-                        <a:ln>
-                          <a:noFill/>
-                        </a:ln>
-                        <a:solidFill>
-                          <a:schemeClr val="tx1"/>
-                        </a:solidFill>
-                        <a:effectLst/>
-                        <a:latin typeface="Times New Roman" pitchFamily="18" charset="0"/>
-                      </a:endParaRPr>
-                    </a:p>
-                  </a:txBody>
-                  <a:tcPr marL="71962" marR="71962" marT="17991" marB="35979" horzOverflow="overflow">
-                    <a:lnL w="12700" cap="flat" cmpd="sng" algn="ctr">
-                      <a:solidFill>
-                        <a:srgbClr val="000000"/>
-                      </a:solidFill>
-                      <a:prstDash val="solid"/>
-                      <a:round/>
-                      <a:headEnd type="none" w="med" len="med"/>
-                      <a:tailEnd type="none" w="med" len="med"/>
-                    </a:lnL>
-                    <a:lnR w="12700" cap="flat" cmpd="sng" algn="ctr">
-                      <a:solidFill>
-                        <a:srgbClr val="000000"/>
-                      </a:solidFill>
-                      <a:prstDash val="solid"/>
-                      <a:round/>
-                      <a:headEnd type="none" w="med" len="med"/>
-                      <a:tailEnd type="none" w="med" len="med"/>
-                    </a:lnR>
-                    <a:lnT w="12700" cap="flat" cmpd="sng" algn="ctr">
-                      <a:solidFill>
-                        <a:srgbClr val="000000"/>
-                      </a:solidFill>
-                      <a:prstDash val="solid"/>
-                      <a:round/>
-                      <a:headEnd type="none" w="med" len="med"/>
-                      <a:tailEnd type="none" w="med" len="med"/>
-                    </a:lnT>
-                    <a:lnB w="12700" cap="flat" cmpd="sng" algn="ctr">
-                      <a:solidFill>
-                        <a:srgbClr val="000000"/>
-                      </a:solidFill>
-                      <a:prstDash val="solid"/>
-                      <a:round/>
-                      <a:headEnd type="none" w="med" len="med"/>
-                      <a:tailEnd type="none" w="med" len="med"/>
-                    </a:lnB>
-                    <a:lnTlToBr>
-                      <a:noFill/>
-                    </a:lnTlToBr>
-                    <a:lnBlToTr>
-                      <a:noFill/>
-                    </a:lnBlToTr>
-                    <a:noFill/>
-                  </a:tcPr>
-                </a:tc>
-                <a:extLst>
-                  <a:ext uri="{0D108BD9-81ED-4DB2-BD59-A6C34878D82A}">
-                    <a16:rowId xmlns:a16="http://schemas.microsoft.com/office/drawing/2014/main" val="10000"/>
-                  </a:ext>
-                </a:extLst>
-              </a:tr>
-              <a:tr h="0">
-                <a:tc>
-                  <a:txBody>
-                    <a:bodyPr/>
-                    <a:lstStyle/>
-                    <a:p>
-                      <a:pPr marL="0" marR="0" lvl="0" indent="0" algn="l" defTabSz="914400" rtl="0" eaLnBrk="1" fontAlgn="base" latinLnBrk="0" hangingPunct="1">
-                        <a:lnSpc>
-                          <a:spcPct val="100000"/>
-                        </a:lnSpc>
-                        <a:spcBef>
-                          <a:spcPct val="0"/>
-                        </a:spcBef>
-                        <a:spcAft>
-                          <a:spcPct val="0"/>
-                        </a:spcAft>
-                        <a:buClrTx/>
-                        <a:buSzTx/>
-                        <a:buFontTx/>
-                        <a:buNone/>
-                        <a:tabLst/>
-                      </a:pPr>
-                      <a:r>
-                        <a:rPr kumimoji="0" lang="ru-RU" sz="1000" b="0" i="0" u="none" strike="noStrike" cap="none" normalizeH="0" baseline="0">
-                          <a:ln>
-                            <a:noFill/>
-                          </a:ln>
-                          <a:solidFill>
-                            <a:schemeClr val="tx1"/>
-                          </a:solidFill>
-                          <a:effectLst/>
-                          <a:latin typeface="Times New Roman" pitchFamily="18" charset="0"/>
-                          <a:cs typeface="Times New Roman" pitchFamily="18" charset="0"/>
-                        </a:rPr>
-                        <a:t>Утвердил</a:t>
-                      </a:r>
-                      <a:endParaRPr kumimoji="0" lang="ru-RU" sz="1000" b="0" i="0" u="none" strike="noStrike" cap="none" normalizeH="0" baseline="0">
-                        <a:ln>
-                          <a:noFill/>
-                        </a:ln>
-                        <a:solidFill>
-                          <a:schemeClr val="tx1"/>
-                        </a:solidFill>
-                        <a:effectLst/>
-                        <a:latin typeface="Arial" charset="0"/>
-                      </a:endParaRPr>
-                    </a:p>
-                  </a:txBody>
-                  <a:tcPr marL="71962" marR="71962" marT="17991" marB="35979" horzOverflow="overflow">
-                    <a:lnL w="12700" cap="flat" cmpd="sng" algn="ctr">
-                      <a:solidFill>
-                        <a:srgbClr val="000000"/>
-                      </a:solidFill>
-                      <a:prstDash val="solid"/>
-                      <a:round/>
-                      <a:headEnd type="none" w="med" len="med"/>
-                      <a:tailEnd type="none" w="med" len="med"/>
-                    </a:lnL>
-                    <a:lnR w="12700" cap="flat" cmpd="sng" algn="ctr">
-                      <a:solidFill>
-                        <a:srgbClr val="000000"/>
-                      </a:solidFill>
-                      <a:prstDash val="solid"/>
-                      <a:round/>
-                      <a:headEnd type="none" w="med" len="med"/>
-                      <a:tailEnd type="none" w="med" len="med"/>
-                    </a:lnR>
-                    <a:lnT w="12700" cap="flat" cmpd="sng" algn="ctr">
-                      <a:solidFill>
-                        <a:srgbClr val="000000"/>
-                      </a:solidFill>
-                      <a:prstDash val="solid"/>
-                      <a:round/>
-                      <a:headEnd type="none" w="med" len="med"/>
-                      <a:tailEnd type="none" w="med" len="med"/>
-                    </a:lnT>
-                    <a:lnB w="12700" cap="flat" cmpd="sng" algn="ctr">
-                      <a:solidFill>
-                        <a:srgbClr val="000000"/>
-                      </a:solidFill>
-                      <a:prstDash val="solid"/>
-                      <a:round/>
-                      <a:headEnd type="none" w="med" len="med"/>
-                      <a:tailEnd type="none" w="med" len="med"/>
-                    </a:lnB>
-                    <a:lnTlToBr>
-                      <a:noFill/>
-                    </a:lnTlToBr>
-                    <a:lnBlToTr>
-                      <a:noFill/>
-                    </a:lnBlToTr>
-                    <a:noFill/>
-                  </a:tcPr>
-                </a:tc>
-                <a:tc>
-                  <a:txBody>
-                    <a:bodyPr/>
-                    <a:lstStyle/>
-                    <a:p>
-                      <a:pPr marL="0" marR="0" lvl="0" indent="0" algn="l" defTabSz="914400" rtl="0" eaLnBrk="1" fontAlgn="base" latinLnBrk="0" hangingPunct="1">
-                        <a:lnSpc>
-                          <a:spcPct val="100000"/>
-                        </a:lnSpc>
-                        <a:spcBef>
-                          <a:spcPct val="0"/>
-                        </a:spcBef>
-                        <a:spcAft>
-                          <a:spcPct val="0"/>
-                        </a:spcAft>
-                        <a:buClrTx/>
-                        <a:buSzTx/>
-                        <a:buFontTx/>
-                        <a:buNone/>
-                        <a:tabLst/>
-                      </a:pPr>
-                      <a:r>
-                        <a:rPr kumimoji="0" lang="ru-RU" sz="1000" b="0" i="0" u="none" strike="noStrike" cap="none" normalizeH="0" baseline="0" dirty="0">
-                          <a:ln>
-                            <a:noFill/>
-                          </a:ln>
-                          <a:solidFill>
-                            <a:schemeClr val="tx1"/>
-                          </a:solidFill>
-                          <a:effectLst/>
-                          <a:latin typeface="Times New Roman" pitchFamily="18" charset="0"/>
-                          <a:cs typeface="Times New Roman" pitchFamily="18" charset="0"/>
-                        </a:rPr>
-                        <a:t>Гагарина Л.Г.</a:t>
-                      </a:r>
-                    </a:p>
-                  </a:txBody>
-                  <a:tcPr marL="71962" marR="71962" marT="17991" marB="35979" horzOverflow="overflow">
-                    <a:lnL w="12700" cap="flat" cmpd="sng" algn="ctr">
-                      <a:solidFill>
-                        <a:srgbClr val="000000"/>
-                      </a:solidFill>
-                      <a:prstDash val="solid"/>
-                      <a:round/>
-                      <a:headEnd type="none" w="med" len="med"/>
-                      <a:tailEnd type="none" w="med" len="med"/>
-                    </a:lnL>
-                    <a:lnR w="12700" cap="flat" cmpd="sng" algn="ctr">
-                      <a:solidFill>
-                        <a:srgbClr val="000000"/>
-                      </a:solidFill>
-                      <a:prstDash val="solid"/>
-                      <a:round/>
-                      <a:headEnd type="none" w="med" len="med"/>
-                      <a:tailEnd type="none" w="med" len="med"/>
-                    </a:lnR>
-                    <a:lnT w="12700" cap="flat" cmpd="sng" algn="ctr">
-                      <a:solidFill>
-                        <a:srgbClr val="000000"/>
-                      </a:solidFill>
-                      <a:prstDash val="solid"/>
-                      <a:round/>
-                      <a:headEnd type="none" w="med" len="med"/>
-                      <a:tailEnd type="none" w="med" len="med"/>
-                    </a:lnT>
-                    <a:lnB w="12700" cap="flat" cmpd="sng" algn="ctr">
-                      <a:solidFill>
-                        <a:srgbClr val="000000"/>
-                      </a:solidFill>
-                      <a:prstDash val="solid"/>
-                      <a:round/>
-                      <a:headEnd type="none" w="med" len="med"/>
-                      <a:tailEnd type="none" w="med" len="med"/>
-                    </a:lnB>
-                    <a:lnTlToBr>
-                      <a:noFill/>
-                    </a:lnTlToBr>
-                    <a:lnBlToTr>
-                      <a:noFill/>
-                    </a:lnBlToTr>
-                    <a:noFill/>
-                  </a:tcPr>
-                </a:tc>
-                <a:tc>
-                  <a:txBody>
-                    <a:bodyPr/>
-                    <a:lstStyle/>
-                    <a:p>
-                      <a:pPr marL="0" marR="0" lvl="0" indent="0" algn="l" defTabSz="914400" rtl="0" eaLnBrk="1" fontAlgn="base" latinLnBrk="0" hangingPunct="1">
-                        <a:lnSpc>
-                          <a:spcPct val="100000"/>
-                        </a:lnSpc>
-                        <a:spcBef>
-                          <a:spcPct val="20000"/>
-                        </a:spcBef>
-                        <a:spcAft>
-                          <a:spcPct val="0"/>
-                        </a:spcAft>
-                        <a:buClrTx/>
-                        <a:buSzTx/>
-                        <a:buFontTx/>
-                        <a:buNone/>
-                        <a:tabLst/>
-                      </a:pPr>
-                      <a:endParaRPr kumimoji="0" lang="ru-RU" sz="1000" b="0" i="0" u="none" strike="noStrike" cap="none" normalizeH="0" baseline="0">
-                        <a:ln>
-                          <a:noFill/>
-                        </a:ln>
-                        <a:solidFill>
-                          <a:schemeClr val="tx1"/>
-                        </a:solidFill>
-                        <a:effectLst/>
-                        <a:latin typeface="Arial" charset="0"/>
-                      </a:endParaRPr>
-                    </a:p>
-                  </a:txBody>
-                  <a:tcPr marL="71962" marR="71962" marT="17991" marB="35979" horzOverflow="overflow">
-                    <a:lnL w="12700" cap="flat" cmpd="sng" algn="ctr">
-                      <a:solidFill>
-                        <a:srgbClr val="000000"/>
-                      </a:solidFill>
-                      <a:prstDash val="solid"/>
-                      <a:round/>
-                      <a:headEnd type="none" w="med" len="med"/>
-                      <a:tailEnd type="none" w="med" len="med"/>
-                    </a:lnL>
-                    <a:lnR w="12700" cap="flat" cmpd="sng" algn="ctr">
-                      <a:solidFill>
-                        <a:srgbClr val="000000"/>
-                      </a:solidFill>
-                      <a:prstDash val="solid"/>
-                      <a:round/>
-                      <a:headEnd type="none" w="med" len="med"/>
-                      <a:tailEnd type="none" w="med" len="med"/>
-                    </a:lnR>
-                    <a:lnT w="12700" cap="flat" cmpd="sng" algn="ctr">
-                      <a:solidFill>
-                        <a:srgbClr val="000000"/>
-                      </a:solidFill>
-                      <a:prstDash val="solid"/>
-                      <a:round/>
-                      <a:headEnd type="none" w="med" len="med"/>
-                      <a:tailEnd type="none" w="med" len="med"/>
-                    </a:lnT>
-                    <a:lnB w="12700" cap="flat" cmpd="sng" algn="ctr">
-                      <a:solidFill>
-                        <a:srgbClr val="000000"/>
-                      </a:solidFill>
-                      <a:prstDash val="solid"/>
-                      <a:round/>
-                      <a:headEnd type="none" w="med" len="med"/>
-                      <a:tailEnd type="none" w="med" len="med"/>
-                    </a:lnB>
-                    <a:lnTlToBr>
-                      <a:noFill/>
-                    </a:lnTlToBr>
-                    <a:lnBlToTr>
-                      <a:noFill/>
-                    </a:lnBlToTr>
-                    <a:noFill/>
-                  </a:tcPr>
-                </a:tc>
-                <a:tc>
-                  <a:txBody>
-                    <a:bodyPr/>
-                    <a:lstStyle/>
-                    <a:p>
-                      <a:pPr marL="0" marR="0" lvl="0" indent="0" algn="l" defTabSz="914400" rtl="0" eaLnBrk="1" fontAlgn="base" latinLnBrk="0" hangingPunct="1">
-                        <a:lnSpc>
-                          <a:spcPct val="100000"/>
-                        </a:lnSpc>
-                        <a:spcBef>
-                          <a:spcPct val="20000"/>
-                        </a:spcBef>
-                        <a:spcAft>
-                          <a:spcPct val="0"/>
-                        </a:spcAft>
-                        <a:buClrTx/>
-                        <a:buSzTx/>
-                        <a:buFontTx/>
-                        <a:buNone/>
-                        <a:tabLst/>
-                      </a:pPr>
-                      <a:endParaRPr kumimoji="0" lang="ru-RU" sz="1000" b="0" i="0" u="none" strike="noStrike" cap="none" normalizeH="0" baseline="0" dirty="0">
-                        <a:ln>
-                          <a:noFill/>
-                        </a:ln>
-                        <a:solidFill>
-                          <a:schemeClr val="tx1"/>
-                        </a:solidFill>
-                        <a:effectLst/>
-                        <a:latin typeface="Arial" charset="0"/>
-                      </a:endParaRPr>
-                    </a:p>
-                  </a:txBody>
-                  <a:tcPr marL="71962" marR="71962" marT="17991" marB="35979" horzOverflow="overflow">
-                    <a:lnL w="12700" cap="flat" cmpd="sng" algn="ctr">
-                      <a:solidFill>
-                        <a:srgbClr val="000000"/>
-                      </a:solidFill>
-                      <a:prstDash val="solid"/>
-                      <a:round/>
-                      <a:headEnd type="none" w="med" len="med"/>
-                      <a:tailEnd type="none" w="med" len="med"/>
-                    </a:lnL>
-                    <a:lnR w="12700" cap="flat" cmpd="sng" algn="ctr">
-                      <a:solidFill>
-                        <a:srgbClr val="000000"/>
-                      </a:solidFill>
-                      <a:prstDash val="solid"/>
-                      <a:round/>
-                      <a:headEnd type="none" w="med" len="med"/>
-                      <a:tailEnd type="none" w="med" len="med"/>
-                    </a:lnR>
-                    <a:lnT w="12700" cap="flat" cmpd="sng" algn="ctr">
-                      <a:solidFill>
-                        <a:srgbClr val="000000"/>
-                      </a:solidFill>
-                      <a:prstDash val="solid"/>
-                      <a:round/>
-                      <a:headEnd type="none" w="med" len="med"/>
-                      <a:tailEnd type="none" w="med" len="med"/>
-                    </a:lnT>
-                    <a:lnB w="12700" cap="flat" cmpd="sng" algn="ctr">
-                      <a:solidFill>
-                        <a:srgbClr val="000000"/>
-                      </a:solidFill>
-                      <a:prstDash val="solid"/>
-                      <a:round/>
-                      <a:headEnd type="none" w="med" len="med"/>
-                      <a:tailEnd type="none" w="med" len="med"/>
-                    </a:lnB>
-                    <a:lnTlToBr>
-                      <a:noFill/>
-                    </a:lnTlToBr>
-                    <a:lnBlToTr>
-                      <a:noFill/>
-                    </a:lnBlToTr>
-                    <a:noFill/>
-                  </a:tcPr>
-                </a:tc>
-                <a:extLst>
-                  <a:ext uri="{0D108BD9-81ED-4DB2-BD59-A6C34878D82A}">
-                    <a16:rowId xmlns:a16="http://schemas.microsoft.com/office/drawing/2014/main" val="10001"/>
-                  </a:ext>
-                </a:extLst>
-              </a:tr>
-            </a:tbl>
-          </a:graphicData>
-        </a:graphic>
-      </p:graphicFrame>
     </p:spTree>
   </p:cSld>
   <p:clrMapOvr>
@@ -15516,6 +13542,42 @@
           </a:p>
         </p:txBody>
       </p:sp>
+      <p:pic>
+        <p:nvPicPr>
+          <p:cNvPr id="3" name="Рисунок 2">
+            <a:extLst>
+              <a:ext uri="{FF2B5EF4-FFF2-40B4-BE49-F238E27FC236}">
+                <a16:creationId xmlns:a16="http://schemas.microsoft.com/office/drawing/2014/main" id="{8D21F8CB-F307-493F-98CC-4931DD2BDD3D}"/>
+              </a:ext>
+            </a:extLst>
+          </p:cNvPr>
+          <p:cNvPicPr>
+            <a:picLocks noChangeAspect="1"/>
+          </p:cNvPicPr>
+          <p:nvPr/>
+        </p:nvPicPr>
+        <p:blipFill>
+          <a:blip r:embed="rId2">
+            <a:extLst>
+              <a:ext uri="{28A0092B-C50C-407E-A947-70E740481C1C}">
+                <a14:useLocalDpi xmlns:a14="http://schemas.microsoft.com/office/drawing/2010/main" val="0"/>
+              </a:ext>
+            </a:extLst>
+          </a:blip>
+          <a:stretch>
+            <a:fillRect/>
+          </a:stretch>
+        </p:blipFill>
+        <p:spPr>
+          <a:xfrm>
+            <a:off x="2466975" y="812254"/>
+            <a:ext cx="4210050" cy="5353050"/>
+          </a:xfrm>
+          <a:prstGeom prst="rect">
+            <a:avLst/>
+          </a:prstGeom>
+        </p:spPr>
+      </p:pic>
     </p:spTree>
   </p:cSld>
   <p:clrMapOvr>
@@ -16505,32 +14567,11 @@
                 <a:t>СХЕМА АЛГОРИТМА </a:t>
               </a:r>
               <a:r>
-                <a:rPr kumimoji="0" lang="uk-UA" sz="800" b="0" i="1" u="none" strike="noStrike" cap="none" normalizeH="0" baseline="0" dirty="0" err="1">
-                  <a:ln>
-                    <a:noFill/>
-                  </a:ln>
-                  <a:solidFill>
-                    <a:schemeClr val="tx1"/>
-                  </a:solidFill>
-                  <a:effectLst/>
+                <a:rPr lang="uk-UA" sz="800" i="1" dirty="0">
                   <a:latin typeface="ISOCPEUR" charset="0"/>
                   <a:cs typeface="Arial" pitchFamily="34" charset="0"/>
                 </a:rPr>
-                <a:t>ПМ</a:t>
-              </a:r>
-              <a:r>
-                <a:rPr kumimoji="0" lang="uk-UA" sz="800" b="0" i="1" u="none" strike="noStrike" cap="none" normalizeH="0" dirty="0">
-                  <a:ln>
-                    <a:noFill/>
-                  </a:ln>
-                  <a:solidFill>
-                    <a:schemeClr val="tx1"/>
-                  </a:solidFill>
-                  <a:effectLst/>
-                  <a:latin typeface="ISOCPEUR" charset="0"/>
-                  <a:cs typeface="Arial" pitchFamily="34" charset="0"/>
-                </a:rPr>
-                <a:t> УКИ</a:t>
+                <a:t>ВС ДЭП</a:t>
               </a:r>
               <a:endParaRPr kumimoji="0" lang="ru-RU" sz="800" b="0" i="0" u="none" strike="noStrike" cap="none" normalizeH="0" baseline="0" dirty="0">
                 <a:ln>
@@ -16741,114 +14782,57 @@
             </a:p>
           </p:txBody>
         </p:sp>
-        <p:grpSp>
-          <p:nvGrpSpPr>
-            <p:cNvPr id="96" name="Group 25"/>
-            <p:cNvGrpSpPr>
-              <a:grpSpLocks/>
-            </p:cNvGrpSpPr>
+        <p:sp>
+          <p:nvSpPr>
+            <p:cNvPr id="136" name="Rectangle 26"/>
+            <p:cNvSpPr>
+              <a:spLocks noChangeArrowheads="1"/>
+            </p:cNvSpPr>
             <p:nvPr/>
-          </p:nvGrpSpPr>
-          <p:grpSpPr bwMode="auto">
+          </p:nvSpPr>
+          <p:spPr bwMode="auto">
             <a:xfrm>
               <a:off x="621084" y="5202501"/>
-              <a:ext cx="1581633" cy="157495"/>
-              <a:chOff x="0" y="0"/>
-              <a:chExt cx="19999" cy="20000"/>
+              <a:ext cx="700382" cy="157494"/>
             </a:xfrm>
-          </p:grpSpPr>
-          <p:sp>
-            <p:nvSpPr>
-              <p:cNvPr id="136" name="Rectangle 26"/>
-              <p:cNvSpPr>
-                <a:spLocks noChangeArrowheads="1"/>
-              </p:cNvSpPr>
-              <p:nvPr/>
-            </p:nvSpPr>
-            <p:spPr bwMode="auto">
-              <a:xfrm>
-                <a:off x="0" y="0"/>
-                <a:ext cx="8856" cy="20000"/>
-              </a:xfrm>
-              <a:prstGeom prst="rect">
+            <a:prstGeom prst="rect">
+              <a:avLst/>
+            </a:prstGeom>
+            <a:noFill/>
+            <a:ln w="12700">
+              <a:noFill/>
+              <a:miter lim="800000"/>
+              <a:headEnd/>
+              <a:tailEnd/>
+            </a:ln>
+            <a:effectLst/>
+          </p:spPr>
+          <p:txBody>
+            <a:bodyPr vert="horz" wrap="square" lIns="12700" tIns="12700" rIns="12700" bIns="12700" numCol="1" anchor="t" anchorCtr="0" compatLnSpc="1">
+              <a:prstTxWarp prst="textNoShape">
                 <a:avLst/>
-              </a:prstGeom>
-              <a:noFill/>
-              <a:ln w="12700">
-                <a:noFill/>
-                <a:miter lim="800000"/>
-                <a:headEnd/>
-                <a:tailEnd/>
-              </a:ln>
-              <a:effectLst/>
-            </p:spPr>
-            <p:txBody>
-              <a:bodyPr vert="horz" wrap="square" lIns="12700" tIns="12700" rIns="12700" bIns="12700" numCol="1" anchor="t" anchorCtr="0" compatLnSpc="1">
-                <a:prstTxWarp prst="textNoShape">
-                  <a:avLst/>
-                </a:prstTxWarp>
-              </a:bodyPr>
-              <a:lstStyle/>
-              <a:p>
-                <a:pPr marL="0" marR="0" lvl="0" indent="0" algn="just" defTabSz="914400" rtl="0" eaLnBrk="1" fontAlgn="base" latinLnBrk="0" hangingPunct="1">
-                  <a:lnSpc>
-                    <a:spcPct val="100000"/>
-                  </a:lnSpc>
-                  <a:spcBef>
-                    <a:spcPct val="0"/>
-                  </a:spcBef>
-                  <a:spcAft>
-                    <a:spcPct val="0"/>
-                  </a:spcAft>
-                  <a:buClrTx/>
-                  <a:buSzTx/>
-                  <a:buFontTx/>
-                  <a:buNone/>
-                  <a:tabLst/>
-                </a:pPr>
-                <a:r>
-                  <a:rPr kumimoji="0" lang="uk-UA" sz="800" b="0" i="1" u="none" strike="noStrike" cap="none" normalizeH="0" baseline="0" dirty="0">
-                    <a:ln>
-                      <a:noFill/>
-                    </a:ln>
-                    <a:solidFill>
-                      <a:schemeClr val="tx1"/>
-                    </a:solidFill>
-                    <a:effectLst/>
-                    <a:latin typeface="ISOCPEUR" charset="0"/>
-                    <a:cs typeface="Arial" pitchFamily="34" charset="0"/>
-                  </a:rPr>
-                  <a:t> </a:t>
-                </a:r>
-                <a:r>
-                  <a:rPr kumimoji="0" lang="uk-UA" sz="800" b="0" i="1" u="none" strike="noStrike" cap="none" normalizeH="0" baseline="0" dirty="0" err="1">
-                    <a:ln>
-                      <a:noFill/>
-                    </a:ln>
-                    <a:solidFill>
-                      <a:schemeClr val="tx1"/>
-                    </a:solidFill>
-                    <a:effectLst/>
-                    <a:latin typeface="ISOCPEUR" charset="0"/>
-                    <a:cs typeface="Arial" pitchFamily="34" charset="0"/>
-                  </a:rPr>
-                  <a:t>Разраб</a:t>
-                </a:r>
-                <a:r>
-                  <a:rPr kumimoji="0" lang="uk-UA" sz="800" b="0" i="1" u="none" strike="noStrike" cap="none" normalizeH="0" baseline="0" dirty="0">
-                    <a:ln>
-                      <a:noFill/>
-                    </a:ln>
-                    <a:solidFill>
-                      <a:schemeClr val="tx1"/>
-                    </a:solidFill>
-                    <a:effectLst/>
-                    <a:latin typeface="ISOCPEUR" charset="0"/>
-                    <a:cs typeface="Arial" pitchFamily="34" charset="0"/>
-                  </a:rPr>
-                  <a:t>.</a:t>
-                </a:r>
-                <a:endParaRPr kumimoji="0" lang="ru-RU" sz="800" b="0" i="0" u="none" strike="noStrike" cap="none" normalizeH="0" baseline="0" dirty="0">
+              </a:prstTxWarp>
+            </a:bodyPr>
+            <a:lstStyle/>
+            <a:p>
+              <a:pPr marL="0" marR="0" lvl="0" indent="0" algn="just" defTabSz="914400" rtl="0" eaLnBrk="1" fontAlgn="base" latinLnBrk="0" hangingPunct="1">
+                <a:lnSpc>
+                  <a:spcPct val="100000"/>
+                </a:lnSpc>
+                <a:spcBef>
+                  <a:spcPct val="0"/>
+                </a:spcBef>
+                <a:spcAft>
+                  <a:spcPct val="0"/>
+                </a:spcAft>
+                <a:buClrTx/>
+                <a:buSzTx/>
+                <a:buFontTx/>
+                <a:buNone/>
+                <a:tabLst/>
+              </a:pPr>
+              <a:r>
+                <a:rPr kumimoji="0" lang="uk-UA" sz="800" b="0" i="1" u="none" strike="noStrike" cap="none" normalizeH="0" baseline="0" dirty="0">
                   <a:ln>
                     <a:noFill/>
                   </a:ln>
@@ -16856,62 +14840,13 @@
                     <a:schemeClr val="tx1"/>
                   </a:solidFill>
                   <a:effectLst/>
-                  <a:latin typeface="Arial" pitchFamily="34" charset="0"/>
+                  <a:latin typeface="ISOCPEUR" charset="0"/>
                   <a:cs typeface="Arial" pitchFamily="34" charset="0"/>
-                </a:endParaRPr>
-              </a:p>
-            </p:txBody>
-          </p:sp>
-          <p:sp>
-            <p:nvSpPr>
-              <p:cNvPr id="137" name="Rectangle 27"/>
-              <p:cNvSpPr>
-                <a:spLocks noChangeArrowheads="1"/>
-              </p:cNvSpPr>
-              <p:nvPr/>
-            </p:nvSpPr>
-            <p:spPr bwMode="auto">
-              <a:xfrm>
-                <a:off x="9281" y="0"/>
-                <a:ext cx="10718" cy="20000"/>
-              </a:xfrm>
-              <a:prstGeom prst="rect">
-                <a:avLst/>
-              </a:prstGeom>
-              <a:noFill/>
-              <a:ln w="12700">
-                <a:noFill/>
-                <a:miter lim="800000"/>
-                <a:headEnd/>
-                <a:tailEnd/>
-              </a:ln>
-              <a:effectLst/>
-            </p:spPr>
-            <p:txBody>
-              <a:bodyPr vert="horz" wrap="square" lIns="12700" tIns="12700" rIns="12700" bIns="12700" numCol="1" anchor="t" anchorCtr="0" compatLnSpc="1">
-                <a:prstTxWarp prst="textNoShape">
-                  <a:avLst/>
-                </a:prstTxWarp>
-              </a:bodyPr>
-              <a:lstStyle/>
-              <a:p>
-                <a:pPr marL="0" marR="0" lvl="0" indent="0" algn="just" defTabSz="914400" rtl="0" eaLnBrk="1" fontAlgn="base" latinLnBrk="0" hangingPunct="1">
-                  <a:lnSpc>
-                    <a:spcPct val="100000"/>
-                  </a:lnSpc>
-                  <a:spcBef>
-                    <a:spcPct val="0"/>
-                  </a:spcBef>
-                  <a:spcAft>
-                    <a:spcPct val="0"/>
-                  </a:spcAft>
-                  <a:buClrTx/>
-                  <a:buSzTx/>
-                  <a:buFontTx/>
-                  <a:buNone/>
-                  <a:tabLst/>
-                </a:pPr>
-                <a:endParaRPr kumimoji="0" lang="ru-RU" sz="800" b="0" i="0" u="none" strike="noStrike" cap="none" normalizeH="0" baseline="0" dirty="0">
+                </a:rPr>
+                <a:t> </a:t>
+              </a:r>
+              <a:r>
+                <a:rPr kumimoji="0" lang="uk-UA" sz="800" b="0" i="1" u="none" strike="noStrike" cap="none" normalizeH="0" baseline="0" dirty="0" err="1">
                   <a:ln>
                     <a:noFill/>
                   </a:ln>
@@ -16919,13 +14854,39 @@
                     <a:schemeClr val="tx1"/>
                   </a:solidFill>
                   <a:effectLst/>
-                  <a:latin typeface="Arial" pitchFamily="34" charset="0"/>
+                  <a:latin typeface="ISOCPEUR" charset="0"/>
                   <a:cs typeface="Arial" pitchFamily="34" charset="0"/>
-                </a:endParaRPr>
-              </a:p>
-            </p:txBody>
-          </p:sp>
-        </p:grpSp>
+                </a:rPr>
+                <a:t>Разраб</a:t>
+              </a:r>
+              <a:r>
+                <a:rPr kumimoji="0" lang="uk-UA" sz="800" b="0" i="1" u="none" strike="noStrike" cap="none" normalizeH="0" baseline="0" dirty="0">
+                  <a:ln>
+                    <a:noFill/>
+                  </a:ln>
+                  <a:solidFill>
+                    <a:schemeClr val="tx1"/>
+                  </a:solidFill>
+                  <a:effectLst/>
+                  <a:latin typeface="ISOCPEUR" charset="0"/>
+                  <a:cs typeface="Arial" pitchFamily="34" charset="0"/>
+                </a:rPr>
+                <a:t>.</a:t>
+              </a:r>
+              <a:endParaRPr kumimoji="0" lang="ru-RU" sz="800" b="0" i="0" u="none" strike="noStrike" cap="none" normalizeH="0" baseline="0" dirty="0">
+                <a:ln>
+                  <a:noFill/>
+                </a:ln>
+                <a:solidFill>
+                  <a:schemeClr val="tx1"/>
+                </a:solidFill>
+                <a:effectLst/>
+                <a:latin typeface="Arial" pitchFamily="34" charset="0"/>
+                <a:cs typeface="Arial" pitchFamily="34" charset="0"/>
+              </a:endParaRPr>
+            </a:p>
+          </p:txBody>
+        </p:sp>
         <p:grpSp>
           <p:nvGrpSpPr>
             <p:cNvPr id="97" name="Group 28"/>
@@ -17786,32 +15747,11 @@
                 <a:tabLst/>
               </a:pPr>
               <a:r>
-                <a:rPr kumimoji="0" lang="uk-UA" sz="800" b="0" i="1" u="none" strike="noStrike" cap="none" normalizeH="0" baseline="0" dirty="0">
-                  <a:ln>
-                    <a:noFill/>
-                  </a:ln>
-                  <a:solidFill>
-                    <a:schemeClr val="tx1"/>
-                  </a:solidFill>
-                  <a:effectLst/>
+                <a:rPr lang="uk-UA" sz="800" i="1" dirty="0">
                   <a:latin typeface="Times New Roman" pitchFamily="18" charset="0"/>
                   <a:cs typeface="Arial" pitchFamily="34" charset="0"/>
                 </a:rPr>
-                <a:t>1</a:t>
-              </a:r>
-              <a:r>
-                <a:rPr kumimoji="0" lang="en-US" sz="800" b="0" i="1" u="none" strike="noStrike" cap="none" normalizeH="0" baseline="0" dirty="0">
-                  <a:ln>
-                    <a:noFill/>
-                  </a:ln>
-                  <a:solidFill>
-                    <a:schemeClr val="tx1"/>
-                  </a:solidFill>
-                  <a:effectLst/>
-                  <a:latin typeface="Times New Roman" pitchFamily="18" charset="0"/>
-                  <a:cs typeface="Arial" pitchFamily="34" charset="0"/>
-                </a:rPr>
-                <a:t>1</a:t>
+                <a:t>9</a:t>
               </a:r>
               <a:endParaRPr kumimoji="0" lang="ru-RU" sz="800" b="0" i="0" u="none" strike="noStrike" cap="none" normalizeH="0" baseline="0" dirty="0">
                 <a:ln>
@@ -18127,7 +16067,7 @@
             </a:bodyPr>
             <a:lstStyle/>
             <a:p>
-              <a:endParaRPr lang="ru-RU" sz="800"/>
+              <a:endParaRPr lang="ru-RU" sz="800" dirty="0"/>
             </a:p>
           </p:txBody>
         </p:sp>
@@ -18297,7 +16237,7 @@
                 <a:tabLst/>
               </a:pPr>
               <a:r>
-                <a:rPr kumimoji="0" lang="uk-UA" sz="800" b="0" i="1" u="none" strike="noStrike" cap="none" normalizeH="0" baseline="0">
+                <a:rPr kumimoji="0" lang="uk-UA" sz="800" b="0" i="1" u="none" strike="noStrike" cap="none" normalizeH="0" baseline="0" dirty="0" err="1">
                   <a:ln>
                     <a:noFill/>
                   </a:ln>
@@ -18310,7 +16250,7 @@
                 </a:rPr>
                 <a:t>Масса</a:t>
               </a:r>
-              <a:endParaRPr kumimoji="0" lang="ru-RU" sz="800" b="0" i="0" u="none" strike="noStrike" cap="none" normalizeH="0" baseline="0">
+              <a:endParaRPr kumimoji="0" lang="ru-RU" sz="800" b="0" i="0" u="none" strike="noStrike" cap="none" normalizeH="0" baseline="0" dirty="0">
                 <a:ln>
                   <a:noFill/>
                 </a:ln>
@@ -18719,6 +16659,236 @@
           </a:p>
         </p:txBody>
       </p:sp>
+      <p:pic>
+        <p:nvPicPr>
+          <p:cNvPr id="58" name="Рисунок 57">
+            <a:extLst>
+              <a:ext uri="{FF2B5EF4-FFF2-40B4-BE49-F238E27FC236}">
+                <a16:creationId xmlns:a16="http://schemas.microsoft.com/office/drawing/2014/main" id="{DCDA012D-503B-46ED-8B4E-C360878AB23E}"/>
+              </a:ext>
+            </a:extLst>
+          </p:cNvPr>
+          <p:cNvPicPr>
+            <a:picLocks noChangeAspect="1"/>
+          </p:cNvPicPr>
+          <p:nvPr/>
+        </p:nvPicPr>
+        <p:blipFill>
+          <a:blip r:embed="rId2">
+            <a:extLst>
+              <a:ext uri="{28A0092B-C50C-407E-A947-70E740481C1C}">
+                <a14:useLocalDpi xmlns:a14="http://schemas.microsoft.com/office/drawing/2010/main" val="0"/>
+              </a:ext>
+            </a:extLst>
+          </a:blip>
+          <a:stretch>
+            <a:fillRect/>
+          </a:stretch>
+        </p:blipFill>
+        <p:spPr>
+          <a:xfrm>
+            <a:off x="467545" y="317319"/>
+            <a:ext cx="8426326" cy="4551841"/>
+          </a:xfrm>
+          <a:prstGeom prst="rect">
+            <a:avLst/>
+          </a:prstGeom>
+        </p:spPr>
+      </p:pic>
+      <p:sp>
+        <p:nvSpPr>
+          <p:cNvPr id="59" name="Rectangle 26">
+            <a:extLst>
+              <a:ext uri="{FF2B5EF4-FFF2-40B4-BE49-F238E27FC236}">
+                <a16:creationId xmlns:a16="http://schemas.microsoft.com/office/drawing/2014/main" id="{463373AB-F1ED-4FB9-9DB2-8E8605059FF4}"/>
+              </a:ext>
+            </a:extLst>
+          </p:cNvPr>
+          <p:cNvSpPr>
+            <a:spLocks noChangeArrowheads="1"/>
+          </p:cNvSpPr>
+          <p:nvPr/>
+        </p:nvSpPr>
+        <p:spPr bwMode="auto">
+          <a:xfrm>
+            <a:off x="3979130" y="5749829"/>
+            <a:ext cx="743027" cy="134526"/>
+          </a:xfrm>
+          <a:prstGeom prst="rect">
+            <a:avLst/>
+          </a:prstGeom>
+          <a:noFill/>
+          <a:ln w="12700">
+            <a:noFill/>
+            <a:miter lim="800000"/>
+            <a:headEnd/>
+            <a:tailEnd/>
+          </a:ln>
+          <a:effectLst/>
+        </p:spPr>
+        <p:txBody>
+          <a:bodyPr vert="horz" wrap="square" lIns="12700" tIns="12700" rIns="12700" bIns="12700" numCol="1" anchor="t" anchorCtr="0" compatLnSpc="1">
+            <a:prstTxWarp prst="textNoShape">
+              <a:avLst/>
+            </a:prstTxWarp>
+          </a:bodyPr>
+          <a:lstStyle/>
+          <a:p>
+            <a:pPr marL="0" marR="0" lvl="0" indent="0" algn="just" defTabSz="914400" rtl="0" eaLnBrk="1" fontAlgn="base" latinLnBrk="0" hangingPunct="1">
+              <a:lnSpc>
+                <a:spcPct val="100000"/>
+              </a:lnSpc>
+              <a:spcBef>
+                <a:spcPct val="0"/>
+              </a:spcBef>
+              <a:spcAft>
+                <a:spcPct val="0"/>
+              </a:spcAft>
+              <a:buClrTx/>
+              <a:buSzTx/>
+              <a:buFontTx/>
+              <a:buNone/>
+              <a:tabLst/>
+            </a:pPr>
+            <a:r>
+              <a:rPr kumimoji="0" lang="uk-UA" sz="800" b="0" i="1" u="none" strike="noStrike" cap="none" normalizeH="0" baseline="0" dirty="0">
+                <a:ln>
+                  <a:noFill/>
+                </a:ln>
+                <a:solidFill>
+                  <a:schemeClr val="tx1"/>
+                </a:solidFill>
+                <a:effectLst/>
+                <a:latin typeface="ISOCPEUR" charset="0"/>
+                <a:cs typeface="Arial" pitchFamily="34" charset="0"/>
+              </a:rPr>
+              <a:t> Мясников М.А.</a:t>
+            </a:r>
+            <a:endParaRPr kumimoji="0" lang="ru-RU" sz="800" b="0" i="0" u="none" strike="noStrike" cap="none" normalizeH="0" baseline="0" dirty="0">
+              <a:ln>
+                <a:noFill/>
+              </a:ln>
+              <a:solidFill>
+                <a:schemeClr val="tx1"/>
+              </a:solidFill>
+              <a:effectLst/>
+              <a:latin typeface="Arial" pitchFamily="34" charset="0"/>
+              <a:cs typeface="Arial" pitchFamily="34" charset="0"/>
+            </a:endParaRPr>
+          </a:p>
+        </p:txBody>
+      </p:sp>
+      <p:sp>
+        <p:nvSpPr>
+          <p:cNvPr id="60" name="Rectangle 26">
+            <a:extLst>
+              <a:ext uri="{FF2B5EF4-FFF2-40B4-BE49-F238E27FC236}">
+                <a16:creationId xmlns:a16="http://schemas.microsoft.com/office/drawing/2014/main" id="{05D7E326-973F-42AE-A0EB-FC462D37DA48}"/>
+              </a:ext>
+            </a:extLst>
+          </p:cNvPr>
+          <p:cNvSpPr>
+            <a:spLocks noChangeArrowheads="1"/>
+          </p:cNvSpPr>
+          <p:nvPr/>
+        </p:nvSpPr>
+        <p:spPr bwMode="auto">
+          <a:xfrm>
+            <a:off x="3970452" y="5908851"/>
+            <a:ext cx="743027" cy="134526"/>
+          </a:xfrm>
+          <a:prstGeom prst="rect">
+            <a:avLst/>
+          </a:prstGeom>
+          <a:noFill/>
+          <a:ln w="12700">
+            <a:noFill/>
+            <a:miter lim="800000"/>
+            <a:headEnd/>
+            <a:tailEnd/>
+          </a:ln>
+          <a:effectLst/>
+        </p:spPr>
+        <p:txBody>
+          <a:bodyPr vert="horz" wrap="square" lIns="12700" tIns="12700" rIns="12700" bIns="12700" numCol="1" anchor="t" anchorCtr="0" compatLnSpc="1">
+            <a:prstTxWarp prst="textNoShape">
+              <a:avLst/>
+            </a:prstTxWarp>
+          </a:bodyPr>
+          <a:lstStyle/>
+          <a:p>
+            <a:pPr marL="0" marR="0" lvl="0" indent="0" algn="just" defTabSz="914400" rtl="0" eaLnBrk="1" fontAlgn="base" latinLnBrk="0" hangingPunct="1">
+              <a:lnSpc>
+                <a:spcPct val="100000"/>
+              </a:lnSpc>
+              <a:spcBef>
+                <a:spcPct val="0"/>
+              </a:spcBef>
+              <a:spcAft>
+                <a:spcPct val="0"/>
+              </a:spcAft>
+              <a:buClrTx/>
+              <a:buSzTx/>
+              <a:buFontTx/>
+              <a:buNone/>
+              <a:tabLst/>
+            </a:pPr>
+            <a:r>
+              <a:rPr kumimoji="0" lang="uk-UA" sz="800" b="0" i="1" u="none" strike="noStrike" cap="none" normalizeH="0" baseline="0" dirty="0">
+                <a:ln>
+                  <a:noFill/>
+                </a:ln>
+                <a:solidFill>
+                  <a:schemeClr val="tx1"/>
+                </a:solidFill>
+                <a:effectLst/>
+                <a:latin typeface="ISOCPEUR" charset="0"/>
+                <a:cs typeface="Arial" pitchFamily="34" charset="0"/>
+              </a:rPr>
+              <a:t> </a:t>
+            </a:r>
+            <a:r>
+              <a:rPr kumimoji="0" lang="uk-UA" sz="800" b="0" i="1" u="none" strike="noStrike" cap="none" normalizeH="0" baseline="0" dirty="0" err="1">
+                <a:ln>
+                  <a:noFill/>
+                </a:ln>
+                <a:solidFill>
+                  <a:schemeClr val="tx1"/>
+                </a:solidFill>
+                <a:effectLst/>
+                <a:latin typeface="ISOCPEUR" charset="0"/>
+                <a:cs typeface="Arial" pitchFamily="34" charset="0"/>
+              </a:rPr>
+              <a:t>Гагарина</a:t>
+            </a:r>
+            <a:r>
+              <a:rPr kumimoji="0" lang="uk-UA" sz="800" b="0" i="1" u="none" strike="noStrike" cap="none" normalizeH="0" baseline="0" dirty="0">
+                <a:ln>
+                  <a:noFill/>
+                </a:ln>
+                <a:solidFill>
+                  <a:schemeClr val="tx1"/>
+                </a:solidFill>
+                <a:effectLst/>
+                <a:latin typeface="ISOCPEUR" charset="0"/>
+                <a:cs typeface="Arial" pitchFamily="34" charset="0"/>
+              </a:rPr>
+              <a:t> Л.Г.</a:t>
+            </a:r>
+            <a:endParaRPr kumimoji="0" lang="ru-RU" sz="800" b="0" i="0" u="none" strike="noStrike" cap="none" normalizeH="0" baseline="0" dirty="0">
+              <a:ln>
+                <a:noFill/>
+              </a:ln>
+              <a:solidFill>
+                <a:schemeClr val="tx1"/>
+              </a:solidFill>
+              <a:effectLst/>
+              <a:latin typeface="Arial" pitchFamily="34" charset="0"/>
+              <a:cs typeface="Arial" pitchFamily="34" charset="0"/>
+            </a:endParaRPr>
+          </a:p>
+        </p:txBody>
+      </p:sp>
     </p:spTree>
   </p:cSld>
   <p:clrMapOvr>
@@ -18746,77 +16916,7 @@
       </p:grpSpPr>
       <p:sp>
         <p:nvSpPr>
-          <p:cNvPr id="2" name="Заголовок 1"/>
-          <p:cNvSpPr>
-            <a:spLocks noGrp="1"/>
-          </p:cNvSpPr>
-          <p:nvPr>
-            <p:ph type="title"/>
-          </p:nvPr>
-        </p:nvSpPr>
-        <p:spPr/>
-        <p:txBody>
-          <a:bodyPr>
-            <a:normAutofit/>
-          </a:bodyPr>
-          <a:lstStyle/>
-          <a:p>
-            <a:r>
-              <a:rPr lang="ru-RU" sz="2400" b="1" dirty="0">
-                <a:latin typeface="+mn-lt"/>
-              </a:rPr>
-              <a:t>Пользовательский интерфейс. Экранные формы…</a:t>
-            </a:r>
-          </a:p>
-        </p:txBody>
-      </p:sp>
-      <p:sp>
-        <p:nvSpPr>
-          <p:cNvPr id="3" name="Содержимое 2"/>
-          <p:cNvSpPr>
-            <a:spLocks noGrp="1"/>
-          </p:cNvSpPr>
-          <p:nvPr>
-            <p:ph idx="1"/>
-          </p:nvPr>
-        </p:nvSpPr>
-        <p:spPr/>
-        <p:txBody>
-          <a:bodyPr/>
-          <a:lstStyle/>
-          <a:p>
-            <a:endParaRPr lang="ru-RU" dirty="0"/>
-          </a:p>
-        </p:txBody>
-      </p:sp>
-    </p:spTree>
-  </p:cSld>
-  <p:clrMapOvr>
-    <a:masterClrMapping/>
-  </p:clrMapOvr>
-</p:sld>
-</file>
-
-<file path=ppt/slides/slide9.xml><?xml version="1.0" encoding="utf-8"?>
-<p:sld xmlns:a="http://schemas.openxmlformats.org/drawingml/2006/main" xmlns:r="http://schemas.openxmlformats.org/officeDocument/2006/relationships" xmlns:p="http://schemas.openxmlformats.org/presentationml/2006/main">
-  <p:cSld>
-    <p:spTree>
-      <p:nvGrpSpPr>
-        <p:cNvPr id="1" name=""/>
-        <p:cNvGrpSpPr/>
-        <p:nvPr/>
-      </p:nvGrpSpPr>
-      <p:grpSpPr>
-        <a:xfrm>
-          <a:off x="0" y="0"/>
-          <a:ext cx="0" cy="0"/>
-          <a:chOff x="0" y="0"/>
-          <a:chExt cx="0" cy="0"/>
-        </a:xfrm>
-      </p:grpSpPr>
-      <p:sp>
-        <p:nvSpPr>
-          <p:cNvPr id="5" name="Line 137"/>
+          <p:cNvPr id="4" name="Line 137"/>
           <p:cNvSpPr>
             <a:spLocks noChangeShapeType="1"/>
           </p:cNvSpPr>
@@ -18850,7 +16950,7 @@
       </p:sp>
       <p:sp>
         <p:nvSpPr>
-          <p:cNvPr id="6" name="Line 138"/>
+          <p:cNvPr id="5" name="Line 138"/>
           <p:cNvSpPr>
             <a:spLocks noChangeShapeType="1"/>
           </p:cNvSpPr>
@@ -18884,14 +16984,14 @@
       </p:sp>
       <p:graphicFrame>
         <p:nvGraphicFramePr>
-          <p:cNvPr id="7" name="Group 10"/>
+          <p:cNvPr id="6" name="Group 10"/>
           <p:cNvGraphicFramePr>
             <a:graphicFrameLocks noGrp="1"/>
           </p:cNvGraphicFramePr>
           <p:nvPr>
             <p:extLst>
               <p:ext uri="{D42A27DB-BD31-4B8C-83A1-F6EECF244321}">
-                <p14:modId xmlns:p14="http://schemas.microsoft.com/office/powerpoint/2010/main" val="2500070932"/>
+                <p14:modId xmlns:p14="http://schemas.microsoft.com/office/powerpoint/2010/main" val="2134691398"/>
               </p:ext>
             </p:extLst>
           </p:nvPr>
@@ -19622,6 +17722,294 @@
       </p:graphicFrame>
       <p:sp>
         <p:nvSpPr>
+          <p:cNvPr id="7" name="Line 158"/>
+          <p:cNvSpPr>
+            <a:spLocks noChangeShapeType="1"/>
+          </p:cNvSpPr>
+          <p:nvPr/>
+        </p:nvSpPr>
+        <p:spPr bwMode="auto">
+          <a:xfrm>
+            <a:off x="193675" y="188913"/>
+            <a:ext cx="8785225" cy="0"/>
+          </a:xfrm>
+          <a:prstGeom prst="line">
+            <a:avLst/>
+          </a:prstGeom>
+          <a:noFill/>
+          <a:ln w="12700" cap="sq">
+            <a:solidFill>
+              <a:schemeClr val="tx1"/>
+            </a:solidFill>
+            <a:round/>
+            <a:headEnd/>
+            <a:tailEnd/>
+          </a:ln>
+        </p:spPr>
+        <p:txBody>
+          <a:bodyPr/>
+          <a:lstStyle/>
+          <a:p>
+            <a:endParaRPr lang="ru-RU"/>
+          </a:p>
+        </p:txBody>
+      </p:sp>
+      <p:sp>
+        <p:nvSpPr>
+          <p:cNvPr id="8" name="Line 159"/>
+          <p:cNvSpPr>
+            <a:spLocks noChangeShapeType="1"/>
+          </p:cNvSpPr>
+          <p:nvPr/>
+        </p:nvSpPr>
+        <p:spPr bwMode="auto">
+          <a:xfrm>
+            <a:off x="193675" y="6669088"/>
+            <a:ext cx="8785225" cy="0"/>
+          </a:xfrm>
+          <a:prstGeom prst="line">
+            <a:avLst/>
+          </a:prstGeom>
+          <a:noFill/>
+          <a:ln w="12700" cap="sq">
+            <a:solidFill>
+              <a:schemeClr val="tx1"/>
+            </a:solidFill>
+            <a:round/>
+            <a:headEnd/>
+            <a:tailEnd/>
+          </a:ln>
+        </p:spPr>
+        <p:txBody>
+          <a:bodyPr/>
+          <a:lstStyle/>
+          <a:p>
+            <a:endParaRPr lang="ru-RU"/>
+          </a:p>
+        </p:txBody>
+      </p:sp>
+      <p:sp>
+        <p:nvSpPr>
+          <p:cNvPr id="9" name="TextBox 8"/>
+          <p:cNvSpPr txBox="1"/>
+          <p:nvPr/>
+        </p:nvSpPr>
+        <p:spPr>
+          <a:xfrm>
+            <a:off x="323528" y="1340769"/>
+            <a:ext cx="8424936" cy="1631216"/>
+          </a:xfrm>
+          <a:prstGeom prst="rect">
+            <a:avLst/>
+          </a:prstGeom>
+          <a:noFill/>
+        </p:spPr>
+        <p:txBody>
+          <a:bodyPr wrap="square" rtlCol="0">
+            <a:spAutoFit/>
+          </a:bodyPr>
+          <a:lstStyle/>
+          <a:p>
+            <a:pPr marL="177800" indent="-177800">
+              <a:spcAft>
+                <a:spcPts val="1200"/>
+              </a:spcAft>
+              <a:buFont typeface="Arial" pitchFamily="34" charset="0"/>
+              <a:buChar char="•"/>
+            </a:pPr>
+            <a:r>
+              <a:rPr lang="ru-RU" dirty="0"/>
+              <a:t>Мясников М.А. Разработка веб-службы для доступа к электронной почте на основе двухфакторной аутентификации. Актуальные проблемы информатизации в цифровой экономике и научных исследованиях. Международная научно-практическая конференция 2021. Материалы </a:t>
+            </a:r>
+            <a:r>
+              <a:rPr lang="ru-RU"/>
+              <a:t>научных докладов. </a:t>
+            </a:r>
+            <a:endParaRPr lang="ru-RU" dirty="0"/>
+          </a:p>
+          <a:p>
+            <a:pPr marL="177800" indent="-177800">
+              <a:spcAft>
+                <a:spcPts val="1200"/>
+              </a:spcAft>
+              <a:buFont typeface="Arial" pitchFamily="34" charset="0"/>
+              <a:buChar char="•"/>
+            </a:pPr>
+            <a:endParaRPr lang="ru-RU" dirty="0"/>
+          </a:p>
+        </p:txBody>
+      </p:sp>
+      <p:sp>
+        <p:nvSpPr>
+          <p:cNvPr id="10" name="Rectangle 23"/>
+          <p:cNvSpPr>
+            <a:spLocks noChangeArrowheads="1"/>
+          </p:cNvSpPr>
+          <p:nvPr/>
+        </p:nvSpPr>
+        <p:spPr bwMode="auto">
+          <a:xfrm>
+            <a:off x="251520" y="476672"/>
+            <a:ext cx="8642350" cy="430887"/>
+          </a:xfrm>
+          <a:prstGeom prst="rect">
+            <a:avLst/>
+          </a:prstGeom>
+          <a:noFill/>
+          <a:ln w="9525">
+            <a:noFill/>
+            <a:miter lim="800000"/>
+            <a:headEnd/>
+            <a:tailEnd/>
+          </a:ln>
+        </p:spPr>
+        <p:txBody>
+          <a:bodyPr wrap="square">
+            <a:spAutoFit/>
+          </a:bodyPr>
+          <a:lstStyle/>
+          <a:p>
+            <a:pPr algn="ctr"/>
+            <a:r>
+              <a:rPr lang="ru-RU" sz="2200" b="1" dirty="0"/>
+              <a:t>Апробация</a:t>
+            </a:r>
+          </a:p>
+        </p:txBody>
+      </p:sp>
+    </p:spTree>
+  </p:cSld>
+  <p:clrMapOvr>
+    <a:masterClrMapping/>
+  </p:clrMapOvr>
+</p:sld>
+</file>
+
+<file path=ppt/slides/slide9.xml><?xml version="1.0" encoding="utf-8"?>
+<p:sld xmlns:a="http://schemas.openxmlformats.org/drawingml/2006/main" xmlns:r="http://schemas.openxmlformats.org/officeDocument/2006/relationships" xmlns:p="http://schemas.openxmlformats.org/presentationml/2006/main">
+  <p:cSld>
+    <p:spTree>
+      <p:nvGrpSpPr>
+        <p:cNvPr id="1" name=""/>
+        <p:cNvGrpSpPr/>
+        <p:nvPr/>
+      </p:nvGrpSpPr>
+      <p:grpSpPr>
+        <a:xfrm>
+          <a:off x="0" y="0"/>
+          <a:ext cx="0" cy="0"/>
+          <a:chOff x="0" y="0"/>
+          <a:chExt cx="0" cy="0"/>
+        </a:xfrm>
+      </p:grpSpPr>
+      <p:sp>
+        <p:nvSpPr>
+          <p:cNvPr id="4" name="Rectangle 23"/>
+          <p:cNvSpPr>
+            <a:spLocks noChangeArrowheads="1"/>
+          </p:cNvSpPr>
+          <p:nvPr/>
+        </p:nvSpPr>
+        <p:spPr bwMode="auto">
+          <a:xfrm>
+            <a:off x="250825" y="260350"/>
+            <a:ext cx="8642350" cy="427038"/>
+          </a:xfrm>
+          <a:prstGeom prst="rect">
+            <a:avLst/>
+          </a:prstGeom>
+          <a:noFill/>
+          <a:ln w="9525">
+            <a:noFill/>
+            <a:miter lim="800000"/>
+            <a:headEnd/>
+            <a:tailEnd/>
+          </a:ln>
+        </p:spPr>
+        <p:txBody>
+          <a:bodyPr>
+            <a:spAutoFit/>
+          </a:bodyPr>
+          <a:lstStyle/>
+          <a:p>
+            <a:pPr algn="ctr"/>
+            <a:r>
+              <a:rPr lang="ru-RU" sz="2200" b="1" dirty="0"/>
+              <a:t>Результаты работы</a:t>
+            </a:r>
+          </a:p>
+        </p:txBody>
+      </p:sp>
+      <p:sp>
+        <p:nvSpPr>
+          <p:cNvPr id="5" name="Line 137"/>
+          <p:cNvSpPr>
+            <a:spLocks noChangeShapeType="1"/>
+          </p:cNvSpPr>
+          <p:nvPr/>
+        </p:nvSpPr>
+        <p:spPr bwMode="auto">
+          <a:xfrm>
+            <a:off x="193675" y="188913"/>
+            <a:ext cx="0" cy="6480175"/>
+          </a:xfrm>
+          <a:prstGeom prst="line">
+            <a:avLst/>
+          </a:prstGeom>
+          <a:noFill/>
+          <a:ln w="12700" cap="sq">
+            <a:solidFill>
+              <a:schemeClr val="tx1"/>
+            </a:solidFill>
+            <a:round/>
+            <a:headEnd/>
+            <a:tailEnd/>
+          </a:ln>
+        </p:spPr>
+        <p:txBody>
+          <a:bodyPr/>
+          <a:lstStyle/>
+          <a:p>
+            <a:endParaRPr lang="ru-RU"/>
+          </a:p>
+        </p:txBody>
+      </p:sp>
+      <p:sp>
+        <p:nvSpPr>
+          <p:cNvPr id="6" name="Line 138"/>
+          <p:cNvSpPr>
+            <a:spLocks noChangeShapeType="1"/>
+          </p:cNvSpPr>
+          <p:nvPr/>
+        </p:nvSpPr>
+        <p:spPr bwMode="auto">
+          <a:xfrm>
+            <a:off x="8978900" y="188913"/>
+            <a:ext cx="0" cy="6480175"/>
+          </a:xfrm>
+          <a:prstGeom prst="line">
+            <a:avLst/>
+          </a:prstGeom>
+          <a:noFill/>
+          <a:ln w="12700" cap="sq">
+            <a:solidFill>
+              <a:schemeClr val="tx1"/>
+            </a:solidFill>
+            <a:round/>
+            <a:headEnd/>
+            <a:tailEnd/>
+          </a:ln>
+        </p:spPr>
+        <p:txBody>
+          <a:bodyPr/>
+          <a:lstStyle/>
+          <a:p>
+            <a:endParaRPr lang="ru-RU"/>
+          </a:p>
+        </p:txBody>
+      </p:sp>
+      <p:sp>
+        <p:nvSpPr>
           <p:cNvPr id="8" name="Line 158"/>
           <p:cNvSpPr>
             <a:spLocks noChangeShapeType="1"/>
@@ -19690,7 +18078,7 @@
       </p:sp>
       <p:sp>
         <p:nvSpPr>
-          <p:cNvPr id="11" name="Rectangle 23"/>
+          <p:cNvPr id="10" name="Rectangle 25"/>
           <p:cNvSpPr>
             <a:spLocks noChangeArrowheads="1"/>
           </p:cNvSpPr>
@@ -19698,8 +18086,8 @@
         </p:nvSpPr>
         <p:spPr bwMode="auto">
           <a:xfrm>
-            <a:off x="250825" y="260350"/>
-            <a:ext cx="8642350" cy="430887"/>
+            <a:off x="342900" y="1565521"/>
+            <a:ext cx="8333556" cy="2308324"/>
           </a:xfrm>
           <a:prstGeom prst="rect">
             <a:avLst/>
@@ -19713,93 +18101,829 @@
           </a:ln>
         </p:spPr>
         <p:txBody>
-          <a:bodyPr>
+          <a:bodyPr wrap="square" anchor="ctr">
             <a:spAutoFit/>
           </a:bodyPr>
           <a:lstStyle/>
           <a:p>
-            <a:pPr algn="ctr"/>
+            <a:pPr>
+              <a:buFontTx/>
+              <a:buChar char="•"/>
+              <a:tabLst>
+                <a:tab pos="457200" algn="l"/>
+              </a:tabLst>
+            </a:pPr>
             <a:r>
-              <a:rPr lang="ru-RU" sz="2200" b="1" dirty="0"/>
-              <a:t>Отладка и тестирование ПМ УКИ</a:t>
+              <a:rPr lang="ru-RU" sz="2400" dirty="0"/>
+              <a:t> исследована предметная область;</a:t>
             </a:r>
+          </a:p>
+          <a:p>
+            <a:pPr>
+              <a:buFontTx/>
+              <a:buChar char="•"/>
+              <a:tabLst>
+                <a:tab pos="457200" algn="l"/>
+              </a:tabLst>
+            </a:pPr>
+            <a:r>
+              <a:rPr lang="ru-RU" sz="2400" dirty="0"/>
+              <a:t> проведён обзор существующих программных решений;</a:t>
+            </a:r>
+          </a:p>
+          <a:p>
+            <a:pPr>
+              <a:buFontTx/>
+              <a:buChar char="•"/>
+              <a:tabLst>
+                <a:tab pos="457200" algn="l"/>
+              </a:tabLst>
+            </a:pPr>
+            <a:r>
+              <a:rPr lang="ru-RU" sz="2400" dirty="0"/>
+              <a:t> выбраны язык и среда программирования;</a:t>
+            </a:r>
+          </a:p>
+          <a:p>
+            <a:pPr>
+              <a:buFontTx/>
+              <a:buChar char="•"/>
+              <a:tabLst>
+                <a:tab pos="457200" algn="l"/>
+              </a:tabLst>
+            </a:pPr>
+            <a:r>
+              <a:rPr lang="ru-RU" sz="2400" dirty="0"/>
+              <a:t> разработана схема данных ВС ДЭП;</a:t>
+            </a:r>
+          </a:p>
+          <a:p>
+            <a:pPr>
+              <a:buFontTx/>
+              <a:buChar char="•"/>
+              <a:tabLst>
+                <a:tab pos="457200" algn="l"/>
+              </a:tabLst>
+            </a:pPr>
+            <a:r>
+              <a:rPr lang="ru-RU" sz="2400" dirty="0"/>
+              <a:t> разработана схема алгоритма ВС ДЭП;</a:t>
+            </a:r>
+          </a:p>
+          <a:p>
+            <a:pPr>
+              <a:tabLst>
+                <a:tab pos="457200" algn="l"/>
+              </a:tabLst>
+            </a:pPr>
+            <a:endParaRPr lang="ru-RU" sz="2400" dirty="0"/>
           </a:p>
         </p:txBody>
       </p:sp>
-      <p:sp>
-        <p:nvSpPr>
-          <p:cNvPr id="13" name="Rectangle 27"/>
-          <p:cNvSpPr>
-            <a:spLocks noChangeArrowheads="1"/>
-          </p:cNvSpPr>
-          <p:nvPr/>
-        </p:nvSpPr>
-        <p:spPr bwMode="auto">
-          <a:xfrm>
-            <a:off x="395536" y="764704"/>
-            <a:ext cx="3600400" cy="307777"/>
-          </a:xfrm>
-          <a:prstGeom prst="rect">
-            <a:avLst/>
-          </a:prstGeom>
-          <a:noFill/>
-          <a:ln w="9525">
-            <a:noFill/>
-            <a:miter lim="800000"/>
-            <a:headEnd/>
-            <a:tailEnd/>
-          </a:ln>
-        </p:spPr>
-        <p:txBody>
-          <a:bodyPr wrap="square">
-            <a:spAutoFit/>
-          </a:bodyPr>
-          <a:lstStyle/>
-          <a:p>
-            <a:r>
-              <a:rPr lang="ru-RU" sz="1400" dirty="0"/>
-              <a:t>Встроенный отладчик ………………………..</a:t>
-            </a:r>
-          </a:p>
-        </p:txBody>
-      </p:sp>
-      <p:sp>
-        <p:nvSpPr>
-          <p:cNvPr id="10" name="Rectangle 27"/>
-          <p:cNvSpPr>
-            <a:spLocks noChangeArrowheads="1"/>
-          </p:cNvSpPr>
-          <p:nvPr/>
-        </p:nvSpPr>
-        <p:spPr bwMode="auto">
-          <a:xfrm>
-            <a:off x="4211960" y="764704"/>
-            <a:ext cx="3744416" cy="307777"/>
-          </a:xfrm>
-          <a:prstGeom prst="rect">
-            <a:avLst/>
-          </a:prstGeom>
-          <a:noFill/>
-          <a:ln w="9525">
-            <a:noFill/>
-            <a:miter lim="800000"/>
-            <a:headEnd/>
-            <a:tailEnd/>
-          </a:ln>
-        </p:spPr>
-        <p:txBody>
-          <a:bodyPr wrap="square">
-            <a:spAutoFit/>
-          </a:bodyPr>
-          <a:lstStyle/>
-          <a:p>
-            <a:r>
-              <a:rPr lang="ru-RU" sz="1400" dirty="0"/>
-              <a:t>Тестирование с помощью …………………..</a:t>
-            </a:r>
-          </a:p>
-        </p:txBody>
-      </p:sp>
+      <p:graphicFrame>
+        <p:nvGraphicFramePr>
+          <p:cNvPr id="11" name="Group 10">
+            <a:extLst>
+              <a:ext uri="{FF2B5EF4-FFF2-40B4-BE49-F238E27FC236}">
+                <a16:creationId xmlns:a16="http://schemas.microsoft.com/office/drawing/2014/main" id="{E61E70AC-B958-4669-B1D3-6F708209FC5E}"/>
+              </a:ext>
+            </a:extLst>
+          </p:cNvPr>
+          <p:cNvGraphicFramePr>
+            <a:graphicFrameLocks noGrp="1"/>
+          </p:cNvGraphicFramePr>
+          <p:nvPr>
+            <p:extLst>
+              <p:ext uri="{D42A27DB-BD31-4B8C-83A1-F6EECF244321}">
+                <p14:modId xmlns:p14="http://schemas.microsoft.com/office/powerpoint/2010/main" val="2470472949"/>
+              </p:ext>
+            </p:extLst>
+          </p:nvPr>
+        </p:nvGraphicFramePr>
+        <p:xfrm>
+          <a:off x="6156325" y="6254750"/>
+          <a:ext cx="2822575" cy="412740"/>
+        </p:xfrm>
+        <a:graphic>
+          <a:graphicData uri="http://schemas.openxmlformats.org/drawingml/2006/table">
+            <a:tbl>
+              <a:tblPr/>
+              <a:tblGrid>
+                <a:gridCol w="792163">
+                  <a:extLst>
+                    <a:ext uri="{9D8B030D-6E8A-4147-A177-3AD203B41FA5}">
+                      <a16:colId xmlns:a16="http://schemas.microsoft.com/office/drawing/2014/main" val="20000"/>
+                    </a:ext>
+                  </a:extLst>
+                </a:gridCol>
+                <a:gridCol w="1008062">
+                  <a:extLst>
+                    <a:ext uri="{9D8B030D-6E8A-4147-A177-3AD203B41FA5}">
+                      <a16:colId xmlns:a16="http://schemas.microsoft.com/office/drawing/2014/main" val="20001"/>
+                    </a:ext>
+                  </a:extLst>
+                </a:gridCol>
+                <a:gridCol w="649288">
+                  <a:extLst>
+                    <a:ext uri="{9D8B030D-6E8A-4147-A177-3AD203B41FA5}">
+                      <a16:colId xmlns:a16="http://schemas.microsoft.com/office/drawing/2014/main" val="20002"/>
+                    </a:ext>
+                  </a:extLst>
+                </a:gridCol>
+                <a:gridCol w="373062">
+                  <a:extLst>
+                    <a:ext uri="{9D8B030D-6E8A-4147-A177-3AD203B41FA5}">
+                      <a16:colId xmlns:a16="http://schemas.microsoft.com/office/drawing/2014/main" val="20003"/>
+                    </a:ext>
+                  </a:extLst>
+                </a:gridCol>
+              </a:tblGrid>
+              <a:tr h="0">
+                <a:tc>
+                  <a:txBody>
+                    <a:bodyPr/>
+                    <a:lstStyle/>
+                    <a:p>
+                      <a:pPr marL="0" marR="0" lvl="0" indent="0" algn="l" defTabSz="914400" rtl="0" eaLnBrk="1" fontAlgn="base" latinLnBrk="0" hangingPunct="1">
+                        <a:lnSpc>
+                          <a:spcPct val="100000"/>
+                        </a:lnSpc>
+                        <a:spcBef>
+                          <a:spcPct val="0"/>
+                        </a:spcBef>
+                        <a:spcAft>
+                          <a:spcPct val="0"/>
+                        </a:spcAft>
+                        <a:buClrTx/>
+                        <a:buSzTx/>
+                        <a:buFontTx/>
+                        <a:buNone/>
+                        <a:tabLst/>
+                      </a:pPr>
+                      <a:r>
+                        <a:rPr kumimoji="0" lang="ru-RU" sz="1000" b="0" i="0" u="none" strike="noStrike" cap="none" normalizeH="0" baseline="0" dirty="0">
+                          <a:ln>
+                            <a:noFill/>
+                          </a:ln>
+                          <a:solidFill>
+                            <a:schemeClr val="tx1"/>
+                          </a:solidFill>
+                          <a:effectLst/>
+                          <a:latin typeface="Times New Roman" pitchFamily="18" charset="0"/>
+                          <a:cs typeface="Times New Roman" pitchFamily="18" charset="0"/>
+                        </a:rPr>
+                        <a:t>Разработал</a:t>
+                      </a:r>
+                      <a:endParaRPr kumimoji="0" lang="ru-RU" sz="1000" b="0" i="0" u="none" strike="noStrike" cap="none" normalizeH="0" baseline="0" dirty="0">
+                        <a:ln>
+                          <a:noFill/>
+                        </a:ln>
+                        <a:solidFill>
+                          <a:schemeClr val="tx1"/>
+                        </a:solidFill>
+                        <a:effectLst/>
+                        <a:latin typeface="Arial" charset="0"/>
+                      </a:endParaRPr>
+                    </a:p>
+                  </a:txBody>
+                  <a:tcPr marL="71962" marR="71962" marT="17991" marB="35979" horzOverflow="overflow">
+                    <a:lnL w="12700" cap="flat" cmpd="sng" algn="ctr">
+                      <a:solidFill>
+                        <a:srgbClr val="000000"/>
+                      </a:solidFill>
+                      <a:prstDash val="solid"/>
+                      <a:round/>
+                      <a:headEnd type="none" w="med" len="med"/>
+                      <a:tailEnd type="none" w="med" len="med"/>
+                    </a:lnL>
+                    <a:lnR w="12700" cap="flat" cmpd="sng" algn="ctr">
+                      <a:solidFill>
+                        <a:srgbClr val="000000"/>
+                      </a:solidFill>
+                      <a:prstDash val="solid"/>
+                      <a:round/>
+                      <a:headEnd type="none" w="med" len="med"/>
+                      <a:tailEnd type="none" w="med" len="med"/>
+                    </a:lnR>
+                    <a:lnT w="12700" cap="flat" cmpd="sng" algn="ctr">
+                      <a:solidFill>
+                        <a:srgbClr val="000000"/>
+                      </a:solidFill>
+                      <a:prstDash val="solid"/>
+                      <a:round/>
+                      <a:headEnd type="none" w="med" len="med"/>
+                      <a:tailEnd type="none" w="med" len="med"/>
+                    </a:lnT>
+                    <a:lnB w="12700" cap="flat" cmpd="sng" algn="ctr">
+                      <a:solidFill>
+                        <a:srgbClr val="000000"/>
+                      </a:solidFill>
+                      <a:prstDash val="solid"/>
+                      <a:round/>
+                      <a:headEnd type="none" w="med" len="med"/>
+                      <a:tailEnd type="none" w="med" len="med"/>
+                    </a:lnB>
+                    <a:lnTlToBr>
+                      <a:noFill/>
+                    </a:lnTlToBr>
+                    <a:lnBlToTr>
+                      <a:noFill/>
+                    </a:lnBlToTr>
+                    <a:noFill/>
+                  </a:tcPr>
+                </a:tc>
+                <a:tc>
+                  <a:txBody>
+                    <a:bodyPr/>
+                    <a:lstStyle/>
+                    <a:p>
+                      <a:pPr marL="0" marR="0" lvl="0" indent="0" algn="l" defTabSz="914400" rtl="0" eaLnBrk="1" fontAlgn="base" latinLnBrk="0" hangingPunct="1">
+                        <a:lnSpc>
+                          <a:spcPct val="100000"/>
+                        </a:lnSpc>
+                        <a:spcBef>
+                          <a:spcPct val="0"/>
+                        </a:spcBef>
+                        <a:spcAft>
+                          <a:spcPct val="0"/>
+                        </a:spcAft>
+                        <a:buClrTx/>
+                        <a:buSzTx/>
+                        <a:buFontTx/>
+                        <a:buNone/>
+                        <a:tabLst/>
+                      </a:pPr>
+                      <a:r>
+                        <a:rPr kumimoji="0" lang="ru-RU" sz="1000" b="0" i="0" u="none" strike="noStrike" cap="none" normalizeH="0" baseline="0" dirty="0">
+                          <a:ln>
+                            <a:noFill/>
+                          </a:ln>
+                          <a:solidFill>
+                            <a:schemeClr val="tx1"/>
+                          </a:solidFill>
+                          <a:effectLst/>
+                          <a:latin typeface="Times New Roman" pitchFamily="18" charset="0"/>
+                          <a:cs typeface="Times New Roman" pitchFamily="18" charset="0"/>
+                        </a:rPr>
+                        <a:t>Мясников М.А.</a:t>
+                      </a:r>
+                    </a:p>
+                  </a:txBody>
+                  <a:tcPr marL="71962" marR="71962" marT="17991" marB="35979" horzOverflow="overflow">
+                    <a:lnL w="12700" cap="flat" cmpd="sng" algn="ctr">
+                      <a:solidFill>
+                        <a:srgbClr val="000000"/>
+                      </a:solidFill>
+                      <a:prstDash val="solid"/>
+                      <a:round/>
+                      <a:headEnd type="none" w="med" len="med"/>
+                      <a:tailEnd type="none" w="med" len="med"/>
+                    </a:lnL>
+                    <a:lnR w="12700" cap="flat" cmpd="sng" algn="ctr">
+                      <a:solidFill>
+                        <a:srgbClr val="000000"/>
+                      </a:solidFill>
+                      <a:prstDash val="solid"/>
+                      <a:round/>
+                      <a:headEnd type="none" w="med" len="med"/>
+                      <a:tailEnd type="none" w="med" len="med"/>
+                    </a:lnR>
+                    <a:lnT w="12700" cap="flat" cmpd="sng" algn="ctr">
+                      <a:solidFill>
+                        <a:srgbClr val="000000"/>
+                      </a:solidFill>
+                      <a:prstDash val="solid"/>
+                      <a:round/>
+                      <a:headEnd type="none" w="med" len="med"/>
+                      <a:tailEnd type="none" w="med" len="med"/>
+                    </a:lnT>
+                    <a:lnB w="12700" cap="flat" cmpd="sng" algn="ctr">
+                      <a:solidFill>
+                        <a:srgbClr val="000000"/>
+                      </a:solidFill>
+                      <a:prstDash val="solid"/>
+                      <a:round/>
+                      <a:headEnd type="none" w="med" len="med"/>
+                      <a:tailEnd type="none" w="med" len="med"/>
+                    </a:lnB>
+                    <a:lnTlToBr>
+                      <a:noFill/>
+                    </a:lnTlToBr>
+                    <a:lnBlToTr>
+                      <a:noFill/>
+                    </a:lnBlToTr>
+                    <a:noFill/>
+                  </a:tcPr>
+                </a:tc>
+                <a:tc>
+                  <a:txBody>
+                    <a:bodyPr/>
+                    <a:lstStyle/>
+                    <a:p>
+                      <a:pPr marL="0" marR="0" lvl="0" indent="0" algn="l" defTabSz="914400" rtl="0" eaLnBrk="1" fontAlgn="base" latinLnBrk="0" hangingPunct="1">
+                        <a:lnSpc>
+                          <a:spcPct val="100000"/>
+                        </a:lnSpc>
+                        <a:spcBef>
+                          <a:spcPct val="20000"/>
+                        </a:spcBef>
+                        <a:spcAft>
+                          <a:spcPct val="0"/>
+                        </a:spcAft>
+                        <a:buClrTx/>
+                        <a:buSzTx/>
+                        <a:buFontTx/>
+                        <a:buNone/>
+                        <a:tabLst/>
+                      </a:pPr>
+                      <a:endParaRPr kumimoji="0" lang="ru-RU" sz="1000" b="0" i="0" u="none" strike="noStrike" cap="none" normalizeH="0" baseline="0">
+                        <a:ln>
+                          <a:noFill/>
+                        </a:ln>
+                        <a:solidFill>
+                          <a:schemeClr val="tx1"/>
+                        </a:solidFill>
+                        <a:effectLst/>
+                        <a:latin typeface="Arial" charset="0"/>
+                      </a:endParaRPr>
+                    </a:p>
+                  </a:txBody>
+                  <a:tcPr marL="71962" marR="71962" marT="17991" marB="35979" horzOverflow="overflow">
+                    <a:lnL w="12700" cap="flat" cmpd="sng" algn="ctr">
+                      <a:solidFill>
+                        <a:srgbClr val="000000"/>
+                      </a:solidFill>
+                      <a:prstDash val="solid"/>
+                      <a:round/>
+                      <a:headEnd type="none" w="med" len="med"/>
+                      <a:tailEnd type="none" w="med" len="med"/>
+                    </a:lnL>
+                    <a:lnR w="12700" cap="flat" cmpd="sng" algn="ctr">
+                      <a:solidFill>
+                        <a:srgbClr val="000000"/>
+                      </a:solidFill>
+                      <a:prstDash val="solid"/>
+                      <a:round/>
+                      <a:headEnd type="none" w="med" len="med"/>
+                      <a:tailEnd type="none" w="med" len="med"/>
+                    </a:lnR>
+                    <a:lnT w="12700" cap="flat" cmpd="sng" algn="ctr">
+                      <a:solidFill>
+                        <a:srgbClr val="000000"/>
+                      </a:solidFill>
+                      <a:prstDash val="solid"/>
+                      <a:round/>
+                      <a:headEnd type="none" w="med" len="med"/>
+                      <a:tailEnd type="none" w="med" len="med"/>
+                    </a:lnT>
+                    <a:lnB w="12700" cap="flat" cmpd="sng" algn="ctr">
+                      <a:solidFill>
+                        <a:srgbClr val="000000"/>
+                      </a:solidFill>
+                      <a:prstDash val="solid"/>
+                      <a:round/>
+                      <a:headEnd type="none" w="med" len="med"/>
+                      <a:tailEnd type="none" w="med" len="med"/>
+                    </a:lnB>
+                    <a:lnTlToBr>
+                      <a:noFill/>
+                    </a:lnTlToBr>
+                    <a:lnBlToTr>
+                      <a:noFill/>
+                    </a:lnBlToTr>
+                    <a:noFill/>
+                  </a:tcPr>
+                </a:tc>
+                <a:tc>
+                  <a:txBody>
+                    <a:bodyPr/>
+                    <a:lstStyle/>
+                    <a:p>
+                      <a:pPr marL="0" marR="0" lvl="0" indent="0" algn="l" defTabSz="914400" rtl="0" eaLnBrk="1" fontAlgn="base" latinLnBrk="0" hangingPunct="1">
+                        <a:lnSpc>
+                          <a:spcPct val="100000"/>
+                        </a:lnSpc>
+                        <a:spcBef>
+                          <a:spcPct val="20000"/>
+                        </a:spcBef>
+                        <a:spcAft>
+                          <a:spcPct val="0"/>
+                        </a:spcAft>
+                        <a:buClrTx/>
+                        <a:buSzTx/>
+                        <a:buFontTx/>
+                        <a:buNone/>
+                        <a:tabLst/>
+                      </a:pPr>
+                      <a:endParaRPr kumimoji="0" lang="ru-RU" sz="1000" b="0" i="0" u="none" strike="noStrike" cap="none" normalizeH="0" baseline="0" dirty="0">
+                        <a:ln>
+                          <a:noFill/>
+                        </a:ln>
+                        <a:solidFill>
+                          <a:schemeClr val="tx1"/>
+                        </a:solidFill>
+                        <a:effectLst/>
+                        <a:latin typeface="Times New Roman" pitchFamily="18" charset="0"/>
+                      </a:endParaRPr>
+                    </a:p>
+                  </a:txBody>
+                  <a:tcPr marL="71962" marR="71962" marT="17991" marB="35979" horzOverflow="overflow">
+                    <a:lnL w="12700" cap="flat" cmpd="sng" algn="ctr">
+                      <a:solidFill>
+                        <a:srgbClr val="000000"/>
+                      </a:solidFill>
+                      <a:prstDash val="solid"/>
+                      <a:round/>
+                      <a:headEnd type="none" w="med" len="med"/>
+                      <a:tailEnd type="none" w="med" len="med"/>
+                    </a:lnL>
+                    <a:lnR w="12700" cap="flat" cmpd="sng" algn="ctr">
+                      <a:solidFill>
+                        <a:srgbClr val="000000"/>
+                      </a:solidFill>
+                      <a:prstDash val="solid"/>
+                      <a:round/>
+                      <a:headEnd type="none" w="med" len="med"/>
+                      <a:tailEnd type="none" w="med" len="med"/>
+                    </a:lnR>
+                    <a:lnT w="12700" cap="flat" cmpd="sng" algn="ctr">
+                      <a:solidFill>
+                        <a:srgbClr val="000000"/>
+                      </a:solidFill>
+                      <a:prstDash val="solid"/>
+                      <a:round/>
+                      <a:headEnd type="none" w="med" len="med"/>
+                      <a:tailEnd type="none" w="med" len="med"/>
+                    </a:lnT>
+                    <a:lnB w="12700" cap="flat" cmpd="sng" algn="ctr">
+                      <a:solidFill>
+                        <a:srgbClr val="000000"/>
+                      </a:solidFill>
+                      <a:prstDash val="solid"/>
+                      <a:round/>
+                      <a:headEnd type="none" w="med" len="med"/>
+                      <a:tailEnd type="none" w="med" len="med"/>
+                    </a:lnB>
+                    <a:lnTlToBr>
+                      <a:noFill/>
+                    </a:lnTlToBr>
+                    <a:lnBlToTr>
+                      <a:noFill/>
+                    </a:lnBlToTr>
+                    <a:noFill/>
+                  </a:tcPr>
+                </a:tc>
+                <a:extLst>
+                  <a:ext uri="{0D108BD9-81ED-4DB2-BD59-A6C34878D82A}">
+                    <a16:rowId xmlns:a16="http://schemas.microsoft.com/office/drawing/2014/main" val="10000"/>
+                  </a:ext>
+                </a:extLst>
+              </a:tr>
+              <a:tr h="0">
+                <a:tc>
+                  <a:txBody>
+                    <a:bodyPr/>
+                    <a:lstStyle/>
+                    <a:p>
+                      <a:pPr marL="0" marR="0" lvl="0" indent="0" algn="l" defTabSz="914400" rtl="0" eaLnBrk="1" fontAlgn="base" latinLnBrk="0" hangingPunct="1">
+                        <a:lnSpc>
+                          <a:spcPct val="100000"/>
+                        </a:lnSpc>
+                        <a:spcBef>
+                          <a:spcPct val="0"/>
+                        </a:spcBef>
+                        <a:spcAft>
+                          <a:spcPct val="0"/>
+                        </a:spcAft>
+                        <a:buClrTx/>
+                        <a:buSzTx/>
+                        <a:buFontTx/>
+                        <a:buNone/>
+                        <a:tabLst/>
+                      </a:pPr>
+                      <a:r>
+                        <a:rPr kumimoji="0" lang="ru-RU" sz="1000" b="0" i="0" u="none" strike="noStrike" cap="none" normalizeH="0" baseline="0">
+                          <a:ln>
+                            <a:noFill/>
+                          </a:ln>
+                          <a:solidFill>
+                            <a:schemeClr val="tx1"/>
+                          </a:solidFill>
+                          <a:effectLst/>
+                          <a:latin typeface="Times New Roman" pitchFamily="18" charset="0"/>
+                          <a:cs typeface="Times New Roman" pitchFamily="18" charset="0"/>
+                        </a:rPr>
+                        <a:t>Утвердил</a:t>
+                      </a:r>
+                      <a:endParaRPr kumimoji="0" lang="ru-RU" sz="1000" b="0" i="0" u="none" strike="noStrike" cap="none" normalizeH="0" baseline="0">
+                        <a:ln>
+                          <a:noFill/>
+                        </a:ln>
+                        <a:solidFill>
+                          <a:schemeClr val="tx1"/>
+                        </a:solidFill>
+                        <a:effectLst/>
+                        <a:latin typeface="Arial" charset="0"/>
+                      </a:endParaRPr>
+                    </a:p>
+                  </a:txBody>
+                  <a:tcPr marL="71962" marR="71962" marT="17991" marB="35979" horzOverflow="overflow">
+                    <a:lnL w="12700" cap="flat" cmpd="sng" algn="ctr">
+                      <a:solidFill>
+                        <a:srgbClr val="000000"/>
+                      </a:solidFill>
+                      <a:prstDash val="solid"/>
+                      <a:round/>
+                      <a:headEnd type="none" w="med" len="med"/>
+                      <a:tailEnd type="none" w="med" len="med"/>
+                    </a:lnL>
+                    <a:lnR w="12700" cap="flat" cmpd="sng" algn="ctr">
+                      <a:solidFill>
+                        <a:srgbClr val="000000"/>
+                      </a:solidFill>
+                      <a:prstDash val="solid"/>
+                      <a:round/>
+                      <a:headEnd type="none" w="med" len="med"/>
+                      <a:tailEnd type="none" w="med" len="med"/>
+                    </a:lnR>
+                    <a:lnT w="12700" cap="flat" cmpd="sng" algn="ctr">
+                      <a:solidFill>
+                        <a:srgbClr val="000000"/>
+                      </a:solidFill>
+                      <a:prstDash val="solid"/>
+                      <a:round/>
+                      <a:headEnd type="none" w="med" len="med"/>
+                      <a:tailEnd type="none" w="med" len="med"/>
+                    </a:lnT>
+                    <a:lnB w="12700" cap="flat" cmpd="sng" algn="ctr">
+                      <a:solidFill>
+                        <a:srgbClr val="000000"/>
+                      </a:solidFill>
+                      <a:prstDash val="solid"/>
+                      <a:round/>
+                      <a:headEnd type="none" w="med" len="med"/>
+                      <a:tailEnd type="none" w="med" len="med"/>
+                    </a:lnB>
+                    <a:lnTlToBr>
+                      <a:noFill/>
+                    </a:lnTlToBr>
+                    <a:lnBlToTr>
+                      <a:noFill/>
+                    </a:lnBlToTr>
+                    <a:noFill/>
+                  </a:tcPr>
+                </a:tc>
+                <a:tc>
+                  <a:txBody>
+                    <a:bodyPr/>
+                    <a:lstStyle/>
+                    <a:p>
+                      <a:pPr marL="0" marR="0" lvl="0" indent="0" algn="l" defTabSz="914400" rtl="0" eaLnBrk="1" fontAlgn="base" latinLnBrk="0" hangingPunct="1">
+                        <a:lnSpc>
+                          <a:spcPct val="100000"/>
+                        </a:lnSpc>
+                        <a:spcBef>
+                          <a:spcPct val="0"/>
+                        </a:spcBef>
+                        <a:spcAft>
+                          <a:spcPct val="0"/>
+                        </a:spcAft>
+                        <a:buClrTx/>
+                        <a:buSzTx/>
+                        <a:buFontTx/>
+                        <a:buNone/>
+                        <a:tabLst/>
+                      </a:pPr>
+                      <a:r>
+                        <a:rPr kumimoji="0" lang="ru-RU" sz="1000" b="0" i="0" u="none" strike="noStrike" cap="none" normalizeH="0" baseline="0" dirty="0">
+                          <a:ln>
+                            <a:noFill/>
+                          </a:ln>
+                          <a:solidFill>
+                            <a:schemeClr val="tx1"/>
+                          </a:solidFill>
+                          <a:effectLst/>
+                          <a:latin typeface="Times New Roman" pitchFamily="18" charset="0"/>
+                          <a:cs typeface="Times New Roman" pitchFamily="18" charset="0"/>
+                        </a:rPr>
+                        <a:t>Гагарина Л.Г.</a:t>
+                      </a:r>
+                    </a:p>
+                  </a:txBody>
+                  <a:tcPr marL="71962" marR="71962" marT="17991" marB="35979" horzOverflow="overflow">
+                    <a:lnL w="12700" cap="flat" cmpd="sng" algn="ctr">
+                      <a:solidFill>
+                        <a:srgbClr val="000000"/>
+                      </a:solidFill>
+                      <a:prstDash val="solid"/>
+                      <a:round/>
+                      <a:headEnd type="none" w="med" len="med"/>
+                      <a:tailEnd type="none" w="med" len="med"/>
+                    </a:lnL>
+                    <a:lnR w="12700" cap="flat" cmpd="sng" algn="ctr">
+                      <a:solidFill>
+                        <a:srgbClr val="000000"/>
+                      </a:solidFill>
+                      <a:prstDash val="solid"/>
+                      <a:round/>
+                      <a:headEnd type="none" w="med" len="med"/>
+                      <a:tailEnd type="none" w="med" len="med"/>
+                    </a:lnR>
+                    <a:lnT w="12700" cap="flat" cmpd="sng" algn="ctr">
+                      <a:solidFill>
+                        <a:srgbClr val="000000"/>
+                      </a:solidFill>
+                      <a:prstDash val="solid"/>
+                      <a:round/>
+                      <a:headEnd type="none" w="med" len="med"/>
+                      <a:tailEnd type="none" w="med" len="med"/>
+                    </a:lnT>
+                    <a:lnB w="12700" cap="flat" cmpd="sng" algn="ctr">
+                      <a:solidFill>
+                        <a:srgbClr val="000000"/>
+                      </a:solidFill>
+                      <a:prstDash val="solid"/>
+                      <a:round/>
+                      <a:headEnd type="none" w="med" len="med"/>
+                      <a:tailEnd type="none" w="med" len="med"/>
+                    </a:lnB>
+                    <a:lnTlToBr>
+                      <a:noFill/>
+                    </a:lnTlToBr>
+                    <a:lnBlToTr>
+                      <a:noFill/>
+                    </a:lnBlToTr>
+                    <a:noFill/>
+                  </a:tcPr>
+                </a:tc>
+                <a:tc>
+                  <a:txBody>
+                    <a:bodyPr/>
+                    <a:lstStyle/>
+                    <a:p>
+                      <a:pPr marL="0" marR="0" lvl="0" indent="0" algn="l" defTabSz="914400" rtl="0" eaLnBrk="1" fontAlgn="base" latinLnBrk="0" hangingPunct="1">
+                        <a:lnSpc>
+                          <a:spcPct val="100000"/>
+                        </a:lnSpc>
+                        <a:spcBef>
+                          <a:spcPct val="20000"/>
+                        </a:spcBef>
+                        <a:spcAft>
+                          <a:spcPct val="0"/>
+                        </a:spcAft>
+                        <a:buClrTx/>
+                        <a:buSzTx/>
+                        <a:buFontTx/>
+                        <a:buNone/>
+                        <a:tabLst/>
+                      </a:pPr>
+                      <a:endParaRPr kumimoji="0" lang="ru-RU" sz="1000" b="0" i="0" u="none" strike="noStrike" cap="none" normalizeH="0" baseline="0">
+                        <a:ln>
+                          <a:noFill/>
+                        </a:ln>
+                        <a:solidFill>
+                          <a:schemeClr val="tx1"/>
+                        </a:solidFill>
+                        <a:effectLst/>
+                        <a:latin typeface="Arial" charset="0"/>
+                      </a:endParaRPr>
+                    </a:p>
+                  </a:txBody>
+                  <a:tcPr marL="71962" marR="71962" marT="17991" marB="35979" horzOverflow="overflow">
+                    <a:lnL w="12700" cap="flat" cmpd="sng" algn="ctr">
+                      <a:solidFill>
+                        <a:srgbClr val="000000"/>
+                      </a:solidFill>
+                      <a:prstDash val="solid"/>
+                      <a:round/>
+                      <a:headEnd type="none" w="med" len="med"/>
+                      <a:tailEnd type="none" w="med" len="med"/>
+                    </a:lnL>
+                    <a:lnR w="12700" cap="flat" cmpd="sng" algn="ctr">
+                      <a:solidFill>
+                        <a:srgbClr val="000000"/>
+                      </a:solidFill>
+                      <a:prstDash val="solid"/>
+                      <a:round/>
+                      <a:headEnd type="none" w="med" len="med"/>
+                      <a:tailEnd type="none" w="med" len="med"/>
+                    </a:lnR>
+                    <a:lnT w="12700" cap="flat" cmpd="sng" algn="ctr">
+                      <a:solidFill>
+                        <a:srgbClr val="000000"/>
+                      </a:solidFill>
+                      <a:prstDash val="solid"/>
+                      <a:round/>
+                      <a:headEnd type="none" w="med" len="med"/>
+                      <a:tailEnd type="none" w="med" len="med"/>
+                    </a:lnT>
+                    <a:lnB w="12700" cap="flat" cmpd="sng" algn="ctr">
+                      <a:solidFill>
+                        <a:srgbClr val="000000"/>
+                      </a:solidFill>
+                      <a:prstDash val="solid"/>
+                      <a:round/>
+                      <a:headEnd type="none" w="med" len="med"/>
+                      <a:tailEnd type="none" w="med" len="med"/>
+                    </a:lnB>
+                    <a:lnTlToBr>
+                      <a:noFill/>
+                    </a:lnTlToBr>
+                    <a:lnBlToTr>
+                      <a:noFill/>
+                    </a:lnBlToTr>
+                    <a:noFill/>
+                  </a:tcPr>
+                </a:tc>
+                <a:tc>
+                  <a:txBody>
+                    <a:bodyPr/>
+                    <a:lstStyle/>
+                    <a:p>
+                      <a:pPr marL="0" marR="0" lvl="0" indent="0" algn="l" defTabSz="914400" rtl="0" eaLnBrk="1" fontAlgn="base" latinLnBrk="0" hangingPunct="1">
+                        <a:lnSpc>
+                          <a:spcPct val="100000"/>
+                        </a:lnSpc>
+                        <a:spcBef>
+                          <a:spcPct val="20000"/>
+                        </a:spcBef>
+                        <a:spcAft>
+                          <a:spcPct val="0"/>
+                        </a:spcAft>
+                        <a:buClrTx/>
+                        <a:buSzTx/>
+                        <a:buFontTx/>
+                        <a:buNone/>
+                        <a:tabLst/>
+                      </a:pPr>
+                      <a:endParaRPr kumimoji="0" lang="ru-RU" sz="1000" b="0" i="0" u="none" strike="noStrike" cap="none" normalizeH="0" baseline="0" dirty="0">
+                        <a:ln>
+                          <a:noFill/>
+                        </a:ln>
+                        <a:solidFill>
+                          <a:schemeClr val="tx1"/>
+                        </a:solidFill>
+                        <a:effectLst/>
+                        <a:latin typeface="Arial" charset="0"/>
+                      </a:endParaRPr>
+                    </a:p>
+                  </a:txBody>
+                  <a:tcPr marL="71962" marR="71962" marT="17991" marB="35979" horzOverflow="overflow">
+                    <a:lnL w="12700" cap="flat" cmpd="sng" algn="ctr">
+                      <a:solidFill>
+                        <a:srgbClr val="000000"/>
+                      </a:solidFill>
+                      <a:prstDash val="solid"/>
+                      <a:round/>
+                      <a:headEnd type="none" w="med" len="med"/>
+                      <a:tailEnd type="none" w="med" len="med"/>
+                    </a:lnL>
+                    <a:lnR w="12700" cap="flat" cmpd="sng" algn="ctr">
+                      <a:solidFill>
+                        <a:srgbClr val="000000"/>
+                      </a:solidFill>
+                      <a:prstDash val="solid"/>
+                      <a:round/>
+                      <a:headEnd type="none" w="med" len="med"/>
+                      <a:tailEnd type="none" w="med" len="med"/>
+                    </a:lnR>
+                    <a:lnT w="12700" cap="flat" cmpd="sng" algn="ctr">
+                      <a:solidFill>
+                        <a:srgbClr val="000000"/>
+                      </a:solidFill>
+                      <a:prstDash val="solid"/>
+                      <a:round/>
+                      <a:headEnd type="none" w="med" len="med"/>
+                      <a:tailEnd type="none" w="med" len="med"/>
+                    </a:lnT>
+                    <a:lnB w="12700" cap="flat" cmpd="sng" algn="ctr">
+                      <a:solidFill>
+                        <a:srgbClr val="000000"/>
+                      </a:solidFill>
+                      <a:prstDash val="solid"/>
+                      <a:round/>
+                      <a:headEnd type="none" w="med" len="med"/>
+                      <a:tailEnd type="none" w="med" len="med"/>
+                    </a:lnB>
+                    <a:lnTlToBr>
+                      <a:noFill/>
+                    </a:lnTlToBr>
+                    <a:lnBlToTr>
+                      <a:noFill/>
+                    </a:lnBlToTr>
+                    <a:noFill/>
+                  </a:tcPr>
+                </a:tc>
+                <a:extLst>
+                  <a:ext uri="{0D108BD9-81ED-4DB2-BD59-A6C34878D82A}">
+                    <a16:rowId xmlns:a16="http://schemas.microsoft.com/office/drawing/2014/main" val="10001"/>
+                  </a:ext>
+                </a:extLst>
+              </a:tr>
+            </a:tbl>
+          </a:graphicData>
+        </a:graphic>
+      </p:graphicFrame>
     </p:spTree>
   </p:cSld>
   <p:clrMapOvr>

--- a/УП-Презентация.pptx
+++ b/УП-Презентация.pptx
@@ -142,12 +142,12 @@
   <pc:docChgLst>
     <pc:chgData name="Максим Мясников" userId="eb1110bc54b184a5" providerId="LiveId" clId="{A2428F48-EFAB-4F7A-AA4A-4DF7BB9402D9}"/>
     <pc:docChg chg="undo redo custSel addSld delSld modSld">
-      <pc:chgData name="Максим Мясников" userId="eb1110bc54b184a5" providerId="LiveId" clId="{A2428F48-EFAB-4F7A-AA4A-4DF7BB9402D9}" dt="2021-12-17T15:23:36.179" v="2107" actId="20577"/>
+      <pc:chgData name="Максим Мясников" userId="eb1110bc54b184a5" providerId="LiveId" clId="{A2428F48-EFAB-4F7A-AA4A-4DF7BB9402D9}" dt="2021-12-18T10:29:05.499" v="2110" actId="20577"/>
       <pc:docMkLst>
         <pc:docMk/>
       </pc:docMkLst>
       <pc:sldChg chg="modSp mod">
-        <pc:chgData name="Максим Мясников" userId="eb1110bc54b184a5" providerId="LiveId" clId="{A2428F48-EFAB-4F7A-AA4A-4DF7BB9402D9}" dt="2021-12-14T08:09:39.674" v="1583" actId="20577"/>
+        <pc:chgData name="Максим Мясников" userId="eb1110bc54b184a5" providerId="LiveId" clId="{A2428F48-EFAB-4F7A-AA4A-4DF7BB9402D9}" dt="2021-12-18T10:28:20.295" v="2108" actId="20577"/>
         <pc:sldMkLst>
           <pc:docMk/>
           <pc:sldMk cId="0" sldId="256"/>
@@ -161,7 +161,7 @@
           </ac:spMkLst>
         </pc:spChg>
         <pc:spChg chg="mod">
-          <ac:chgData name="Максим Мясников" userId="eb1110bc54b184a5" providerId="LiveId" clId="{A2428F48-EFAB-4F7A-AA4A-4DF7BB9402D9}" dt="2021-12-04T17:04:57.207" v="315" actId="20577"/>
+          <ac:chgData name="Максим Мясников" userId="eb1110bc54b184a5" providerId="LiveId" clId="{A2428F48-EFAB-4F7A-AA4A-4DF7BB9402D9}" dt="2021-12-18T10:28:20.295" v="2108" actId="20577"/>
           <ac:spMkLst>
             <pc:docMk/>
             <pc:sldMk cId="0" sldId="256"/>
@@ -397,7 +397,7 @@
         </pc:picChg>
       </pc:sldChg>
       <pc:sldChg chg="addSp delSp modSp mod">
-        <pc:chgData name="Максим Мясников" userId="eb1110bc54b184a5" providerId="LiveId" clId="{A2428F48-EFAB-4F7A-AA4A-4DF7BB9402D9}" dt="2021-12-14T08:09:55.730" v="1601" actId="20577"/>
+        <pc:chgData name="Максим Мясников" userId="eb1110bc54b184a5" providerId="LiveId" clId="{A2428F48-EFAB-4F7A-AA4A-4DF7BB9402D9}" dt="2021-12-18T10:29:05.499" v="2110" actId="20577"/>
         <pc:sldMkLst>
           <pc:docMk/>
           <pc:sldMk cId="0" sldId="264"/>
@@ -418,8 +418,8 @@
             <ac:graphicFrameMk id="7" creationId="{00000000-0000-0000-0000-000000000000}"/>
           </ac:graphicFrameMkLst>
         </pc:graphicFrameChg>
-        <pc:graphicFrameChg chg="add mod">
-          <ac:chgData name="Максим Мясников" userId="eb1110bc54b184a5" providerId="LiveId" clId="{A2428F48-EFAB-4F7A-AA4A-4DF7BB9402D9}" dt="2021-12-05T16:50:36.746" v="561"/>
+        <pc:graphicFrameChg chg="add mod modGraphic">
+          <ac:chgData name="Максим Мясников" userId="eb1110bc54b184a5" providerId="LiveId" clId="{A2428F48-EFAB-4F7A-AA4A-4DF7BB9402D9}" dt="2021-12-18T10:29:05.499" v="2110" actId="20577"/>
           <ac:graphicFrameMkLst>
             <pc:docMk/>
             <pc:sldMk cId="0" sldId="264"/>
@@ -443,7 +443,7 @@
         </pc:graphicFrameChg>
       </pc:sldChg>
       <pc:sldChg chg="modSp mod">
-        <pc:chgData name="Максим Мясников" userId="eb1110bc54b184a5" providerId="LiveId" clId="{A2428F48-EFAB-4F7A-AA4A-4DF7BB9402D9}" dt="2021-12-17T15:23:36.179" v="2107" actId="20577"/>
+        <pc:chgData name="Максим Мясников" userId="eb1110bc54b184a5" providerId="LiveId" clId="{A2428F48-EFAB-4F7A-AA4A-4DF7BB9402D9}" dt="2021-12-18T10:28:55.248" v="2109" actId="20577"/>
         <pc:sldMkLst>
           <pc:docMk/>
           <pc:sldMk cId="0" sldId="269"/>
@@ -456,8 +456,8 @@
             <ac:spMk id="9" creationId="{00000000-0000-0000-0000-000000000000}"/>
           </ac:spMkLst>
         </pc:spChg>
-        <pc:graphicFrameChg chg="mod">
-          <ac:chgData name="Максим Мясников" userId="eb1110bc54b184a5" providerId="LiveId" clId="{A2428F48-EFAB-4F7A-AA4A-4DF7BB9402D9}" dt="2021-12-05T16:50:33.578" v="560"/>
+        <pc:graphicFrameChg chg="mod modGraphic">
+          <ac:chgData name="Максим Мясников" userId="eb1110bc54b184a5" providerId="LiveId" clId="{A2428F48-EFAB-4F7A-AA4A-4DF7BB9402D9}" dt="2021-12-18T10:28:55.248" v="2109" actId="20577"/>
           <ac:graphicFrameMkLst>
             <pc:docMk/>
             <pc:sldMk cId="0" sldId="269"/>
@@ -744,7 +744,7 @@
             <a:fld id="{D3F45E69-51FF-4017-B855-FA6AEE2AB1D5}" type="datetimeFigureOut">
               <a:rPr lang="ru-RU" smtClean="0"/>
               <a:pPr/>
-              <a:t>17.12.2021</a:t>
+              <a:t>18.12.2021</a:t>
             </a:fld>
             <a:endParaRPr lang="ru-RU"/>
           </a:p>
@@ -909,7 +909,7 @@
             <a:fld id="{D3F45E69-51FF-4017-B855-FA6AEE2AB1D5}" type="datetimeFigureOut">
               <a:rPr lang="ru-RU" smtClean="0"/>
               <a:pPr/>
-              <a:t>17.12.2021</a:t>
+              <a:t>18.12.2021</a:t>
             </a:fld>
             <a:endParaRPr lang="ru-RU"/>
           </a:p>
@@ -1084,7 +1084,7 @@
             <a:fld id="{D3F45E69-51FF-4017-B855-FA6AEE2AB1D5}" type="datetimeFigureOut">
               <a:rPr lang="ru-RU" smtClean="0"/>
               <a:pPr/>
-              <a:t>17.12.2021</a:t>
+              <a:t>18.12.2021</a:t>
             </a:fld>
             <a:endParaRPr lang="ru-RU"/>
           </a:p>
@@ -1249,7 +1249,7 @@
             <a:fld id="{D3F45E69-51FF-4017-B855-FA6AEE2AB1D5}" type="datetimeFigureOut">
               <a:rPr lang="ru-RU" smtClean="0"/>
               <a:pPr/>
-              <a:t>17.12.2021</a:t>
+              <a:t>18.12.2021</a:t>
             </a:fld>
             <a:endParaRPr lang="ru-RU"/>
           </a:p>
@@ -1491,7 +1491,7 @@
             <a:fld id="{D3F45E69-51FF-4017-B855-FA6AEE2AB1D5}" type="datetimeFigureOut">
               <a:rPr lang="ru-RU" smtClean="0"/>
               <a:pPr/>
-              <a:t>17.12.2021</a:t>
+              <a:t>18.12.2021</a:t>
             </a:fld>
             <a:endParaRPr lang="ru-RU"/>
           </a:p>
@@ -1773,7 +1773,7 @@
             <a:fld id="{D3F45E69-51FF-4017-B855-FA6AEE2AB1D5}" type="datetimeFigureOut">
               <a:rPr lang="ru-RU" smtClean="0"/>
               <a:pPr/>
-              <a:t>17.12.2021</a:t>
+              <a:t>18.12.2021</a:t>
             </a:fld>
             <a:endParaRPr lang="ru-RU"/>
           </a:p>
@@ -2189,7 +2189,7 @@
             <a:fld id="{D3F45E69-51FF-4017-B855-FA6AEE2AB1D5}" type="datetimeFigureOut">
               <a:rPr lang="ru-RU" smtClean="0"/>
               <a:pPr/>
-              <a:t>17.12.2021</a:t>
+              <a:t>18.12.2021</a:t>
             </a:fld>
             <a:endParaRPr lang="ru-RU"/>
           </a:p>
@@ -2303,7 +2303,7 @@
             <a:fld id="{D3F45E69-51FF-4017-B855-FA6AEE2AB1D5}" type="datetimeFigureOut">
               <a:rPr lang="ru-RU" smtClean="0"/>
               <a:pPr/>
-              <a:t>17.12.2021</a:t>
+              <a:t>18.12.2021</a:t>
             </a:fld>
             <a:endParaRPr lang="ru-RU"/>
           </a:p>
@@ -2395,7 +2395,7 @@
             <a:fld id="{D3F45E69-51FF-4017-B855-FA6AEE2AB1D5}" type="datetimeFigureOut">
               <a:rPr lang="ru-RU" smtClean="0"/>
               <a:pPr/>
-              <a:t>17.12.2021</a:t>
+              <a:t>18.12.2021</a:t>
             </a:fld>
             <a:endParaRPr lang="ru-RU"/>
           </a:p>
@@ -2667,7 +2667,7 @@
             <a:fld id="{D3F45E69-51FF-4017-B855-FA6AEE2AB1D5}" type="datetimeFigureOut">
               <a:rPr lang="ru-RU" smtClean="0"/>
               <a:pPr/>
-              <a:t>17.12.2021</a:t>
+              <a:t>18.12.2021</a:t>
             </a:fld>
             <a:endParaRPr lang="ru-RU"/>
           </a:p>
@@ -2916,7 +2916,7 @@
             <a:fld id="{D3F45E69-51FF-4017-B855-FA6AEE2AB1D5}" type="datetimeFigureOut">
               <a:rPr lang="ru-RU" smtClean="0"/>
               <a:pPr/>
-              <a:t>17.12.2021</a:t>
+              <a:t>18.12.2021</a:t>
             </a:fld>
             <a:endParaRPr lang="ru-RU"/>
           </a:p>
@@ -3124,7 +3124,7 @@
             <a:fld id="{D3F45E69-51FF-4017-B855-FA6AEE2AB1D5}" type="datetimeFigureOut">
               <a:rPr lang="ru-RU" smtClean="0"/>
               <a:pPr/>
-              <a:t>17.12.2021</a:t>
+              <a:t>18.12.2021</a:t>
             </a:fld>
             <a:endParaRPr lang="ru-RU"/>
           </a:p>
@@ -4488,15 +4488,7 @@
             </a:r>
             <a:r>
               <a:rPr lang="ru-RU" sz="2000" dirty="0"/>
-              <a:t> ст. </a:t>
-            </a:r>
-            <a:r>
-              <a:rPr lang="ru-RU" sz="2000" dirty="0" err="1"/>
-              <a:t>гр</a:t>
-            </a:r>
-            <a:r>
-              <a:rPr lang="ru-RU" sz="2000" dirty="0"/>
-              <a:t> ПИН-44 Мясников Максим Александрович </a:t>
+              <a:t> ст. гр. ПИН-44 Мясников Максим Александрович </a:t>
             </a:r>
           </a:p>
         </p:txBody>
@@ -16991,7 +16983,7 @@
           <p:nvPr>
             <p:extLst>
               <p:ext uri="{D42A27DB-BD31-4B8C-83A1-F6EECF244321}">
-                <p14:modId xmlns:p14="http://schemas.microsoft.com/office/powerpoint/2010/main" val="2134691398"/>
+                <p14:modId xmlns:p14="http://schemas.microsoft.com/office/powerpoint/2010/main" val="1587265666"/>
               </p:ext>
             </p:extLst>
           </p:nvPr>
@@ -17311,16 +17303,19 @@
                         <a:buNone/>
                         <a:tabLst/>
                       </a:pPr>
-                      <a:endParaRPr kumimoji="0" lang="ru-RU" sz="1000" b="0" i="0" u="none" strike="noStrike" cap="none" normalizeH="0" baseline="0" dirty="0">
-                        <a:ln>
-                          <a:noFill/>
-                        </a:ln>
-                        <a:solidFill>
-                          <a:schemeClr val="tx1"/>
-                        </a:solidFill>
-                        <a:effectLst/>
-                        <a:latin typeface="Times New Roman" pitchFamily="18" charset="0"/>
-                      </a:endParaRPr>
+                      <a:r>
+                        <a:rPr kumimoji="0" lang="ru-RU" sz="1000" b="0" i="0" u="none" strike="noStrike" cap="none" normalizeH="0" baseline="0" dirty="0">
+                          <a:ln>
+                            <a:noFill/>
+                          </a:ln>
+                          <a:solidFill>
+                            <a:schemeClr val="tx1"/>
+                          </a:solidFill>
+                          <a:effectLst/>
+                          <a:latin typeface="Times New Roman" pitchFamily="18" charset="0"/>
+                        </a:rPr>
+                        <a:t>8</a:t>
+                      </a:r>
                     </a:p>
                   </a:txBody>
                   <a:tcPr marL="71962" marR="71962" marT="17991" marB="35979" horzOverflow="overflow">
@@ -18195,7 +18190,7 @@
           <p:nvPr>
             <p:extLst>
               <p:ext uri="{D42A27DB-BD31-4B8C-83A1-F6EECF244321}">
-                <p14:modId xmlns:p14="http://schemas.microsoft.com/office/powerpoint/2010/main" val="2470472949"/>
+                <p14:modId xmlns:p14="http://schemas.microsoft.com/office/powerpoint/2010/main" val="3324014526"/>
               </p:ext>
             </p:extLst>
           </p:nvPr>
@@ -18515,16 +18510,19 @@
                         <a:buNone/>
                         <a:tabLst/>
                       </a:pPr>
-                      <a:endParaRPr kumimoji="0" lang="ru-RU" sz="1000" b="0" i="0" u="none" strike="noStrike" cap="none" normalizeH="0" baseline="0" dirty="0">
-                        <a:ln>
-                          <a:noFill/>
-                        </a:ln>
-                        <a:solidFill>
-                          <a:schemeClr val="tx1"/>
-                        </a:solidFill>
-                        <a:effectLst/>
-                        <a:latin typeface="Times New Roman" pitchFamily="18" charset="0"/>
-                      </a:endParaRPr>
+                      <a:r>
+                        <a:rPr kumimoji="0" lang="ru-RU" sz="1000" b="0" i="0" u="none" strike="noStrike" cap="none" normalizeH="0" baseline="0" dirty="0">
+                          <a:ln>
+                            <a:noFill/>
+                          </a:ln>
+                          <a:solidFill>
+                            <a:schemeClr val="tx1"/>
+                          </a:solidFill>
+                          <a:effectLst/>
+                          <a:latin typeface="Times New Roman" pitchFamily="18" charset="0"/>
+                        </a:rPr>
+                        <a:t>9</a:t>
+                      </a:r>
                     </a:p>
                   </a:txBody>
                   <a:tcPr marL="71962" marR="71962" marT="17991" marB="35979" horzOverflow="overflow">

--- a/УП-Презентация.pptx
+++ b/УП-Презентация.pptx
@@ -142,7 +142,7 @@
   <pc:docChgLst>
     <pc:chgData name="Максим Мясников" userId="eb1110bc54b184a5" providerId="LiveId" clId="{A2428F48-EFAB-4F7A-AA4A-4DF7BB9402D9}"/>
     <pc:docChg chg="undo redo custSel addSld delSld modSld">
-      <pc:chgData name="Максим Мясников" userId="eb1110bc54b184a5" providerId="LiveId" clId="{A2428F48-EFAB-4F7A-AA4A-4DF7BB9402D9}" dt="2021-12-18T10:29:05.499" v="2110" actId="20577"/>
+      <pc:chgData name="Максим Мясников" userId="eb1110bc54b184a5" providerId="LiveId" clId="{A2428F48-EFAB-4F7A-AA4A-4DF7BB9402D9}" dt="2021-12-18T17:25:12.123" v="2573" actId="20577"/>
       <pc:docMkLst>
         <pc:docMk/>
       </pc:docMkLst>
@@ -185,12 +185,36 @@
           </ac:graphicFrameMkLst>
         </pc:graphicFrameChg>
       </pc:sldChg>
-      <pc:sldChg chg="modSp mod">
-        <pc:chgData name="Максим Мясников" userId="eb1110bc54b184a5" providerId="LiveId" clId="{A2428F48-EFAB-4F7A-AA4A-4DF7BB9402D9}" dt="2021-12-05T16:49:58.246" v="554" actId="20577"/>
+      <pc:sldChg chg="addSp delSp modSp mod">
+        <pc:chgData name="Максим Мясников" userId="eb1110bc54b184a5" providerId="LiveId" clId="{A2428F48-EFAB-4F7A-AA4A-4DF7BB9402D9}" dt="2021-12-18T17:25:12.123" v="2573" actId="20577"/>
         <pc:sldMkLst>
           <pc:docMk/>
           <pc:sldMk cId="0" sldId="257"/>
         </pc:sldMkLst>
+        <pc:spChg chg="add mod">
+          <ac:chgData name="Максим Мясников" userId="eb1110bc54b184a5" providerId="LiveId" clId="{A2428F48-EFAB-4F7A-AA4A-4DF7BB9402D9}" dt="2021-12-18T17:24:10.631" v="2494" actId="20577"/>
+          <ac:spMkLst>
+            <pc:docMk/>
+            <pc:sldMk cId="0" sldId="257"/>
+            <ac:spMk id="9" creationId="{B11F6409-AC69-48F6-B499-390A2A54BCA1}"/>
+          </ac:spMkLst>
+        </pc:spChg>
+        <pc:spChg chg="add del mod">
+          <ac:chgData name="Максим Мясников" userId="eb1110bc54b184a5" providerId="LiveId" clId="{A2428F48-EFAB-4F7A-AA4A-4DF7BB9402D9}" dt="2021-12-18T17:23:31.114" v="2410"/>
+          <ac:spMkLst>
+            <pc:docMk/>
+            <pc:sldMk cId="0" sldId="257"/>
+            <ac:spMk id="11" creationId="{1A072D5A-381E-433C-AC52-EDEFCA550EF5}"/>
+          </ac:spMkLst>
+        </pc:spChg>
+        <pc:spChg chg="add mod">
+          <ac:chgData name="Максим Мясников" userId="eb1110bc54b184a5" providerId="LiveId" clId="{A2428F48-EFAB-4F7A-AA4A-4DF7BB9402D9}" dt="2021-12-18T17:25:12.123" v="2573" actId="20577"/>
+          <ac:spMkLst>
+            <pc:docMk/>
+            <pc:sldMk cId="0" sldId="257"/>
+            <ac:spMk id="12" creationId="{282FB00F-5F03-41C4-9EC6-EFF5137FE3E5}"/>
+          </ac:spMkLst>
+        </pc:spChg>
         <pc:graphicFrameChg chg="mod modGraphic">
           <ac:chgData name="Максим Мясников" userId="eb1110bc54b184a5" providerId="LiveId" clId="{A2428F48-EFAB-4F7A-AA4A-4DF7BB9402D9}" dt="2021-12-05T16:49:58.246" v="554" actId="20577"/>
           <ac:graphicFrameMkLst>
@@ -5573,6 +5597,215 @@
               <a:rPr lang="ru-RU" sz="2200" b="1" dirty="0"/>
               <a:t>Исследование предметной области</a:t>
             </a:r>
+          </a:p>
+        </p:txBody>
+      </p:sp>
+      <p:sp>
+        <p:nvSpPr>
+          <p:cNvPr id="9" name="Text Box 29">
+            <a:extLst>
+              <a:ext uri="{FF2B5EF4-FFF2-40B4-BE49-F238E27FC236}">
+                <a16:creationId xmlns:a16="http://schemas.microsoft.com/office/drawing/2014/main" id="{B11F6409-AC69-48F6-B499-390A2A54BCA1}"/>
+              </a:ext>
+            </a:extLst>
+          </p:cNvPr>
+          <p:cNvSpPr txBox="1">
+            <a:spLocks noChangeArrowheads="1"/>
+          </p:cNvSpPr>
+          <p:nvPr/>
+        </p:nvSpPr>
+        <p:spPr bwMode="auto">
+          <a:xfrm>
+            <a:off x="552797" y="980728"/>
+            <a:ext cx="4019204" cy="3785652"/>
+          </a:xfrm>
+          <a:prstGeom prst="rect">
+            <a:avLst/>
+          </a:prstGeom>
+          <a:noFill/>
+          <a:ln w="9525">
+            <a:noFill/>
+            <a:miter lim="800000"/>
+            <a:headEnd/>
+            <a:tailEnd/>
+          </a:ln>
+        </p:spPr>
+        <p:txBody>
+          <a:bodyPr wrap="square">
+            <a:spAutoFit/>
+          </a:bodyPr>
+          <a:lstStyle/>
+          <a:p>
+            <a:pPr algn="ctr"/>
+            <a:r>
+              <a:rPr lang="ru-RU" sz="2000" b="1" dirty="0"/>
+              <a:t>До введения ВС ДЭП</a:t>
+            </a:r>
+          </a:p>
+          <a:p>
+            <a:pPr marL="266700" indent="-266700">
+              <a:buFont typeface="Times New Roman" pitchFamily="18" charset="0"/>
+              <a:buChar char="•"/>
+              <a:tabLst>
+                <a:tab pos="266700" algn="l"/>
+              </a:tabLst>
+            </a:pPr>
+            <a:endParaRPr lang="ru-RU" sz="2000" b="1" dirty="0"/>
+          </a:p>
+          <a:p>
+            <a:pPr marL="266700" indent="-266700">
+              <a:buFont typeface="Times New Roman" pitchFamily="18" charset="0"/>
+              <a:buChar char="•"/>
+              <a:tabLst>
+                <a:tab pos="266700" algn="l"/>
+              </a:tabLst>
+            </a:pPr>
+            <a:r>
+              <a:rPr lang="ru-RU" sz="2000" dirty="0"/>
+              <a:t>необходимость разработчикам самим реализовывать взаимодействие с почтовыми серверами;</a:t>
+            </a:r>
+          </a:p>
+          <a:p>
+            <a:pPr marL="266700" indent="-266700">
+              <a:buFont typeface="Times New Roman" pitchFamily="18" charset="0"/>
+              <a:buChar char="•"/>
+              <a:tabLst>
+                <a:tab pos="266700" algn="l"/>
+              </a:tabLst>
+            </a:pPr>
+            <a:r>
+              <a:rPr lang="ru-RU" sz="2000" dirty="0"/>
+              <a:t>наличие веб-служб, взаимодействующих только с определенным почтовым сервером.</a:t>
+            </a:r>
+          </a:p>
+          <a:p>
+            <a:pPr>
+              <a:tabLst>
+                <a:tab pos="266700" algn="l"/>
+              </a:tabLst>
+            </a:pPr>
+            <a:endParaRPr lang="ru-RU" sz="2000" dirty="0"/>
+          </a:p>
+          <a:p>
+            <a:pPr marL="266700" indent="-266700">
+              <a:buFont typeface="Times New Roman" pitchFamily="18" charset="0"/>
+              <a:buChar char="•"/>
+              <a:tabLst>
+                <a:tab pos="266700" algn="l"/>
+              </a:tabLst>
+            </a:pPr>
+            <a:endParaRPr lang="ru-RU" sz="2000" dirty="0"/>
+          </a:p>
+        </p:txBody>
+      </p:sp>
+      <p:sp>
+        <p:nvSpPr>
+          <p:cNvPr id="12" name="Text Box 29">
+            <a:extLst>
+              <a:ext uri="{FF2B5EF4-FFF2-40B4-BE49-F238E27FC236}">
+                <a16:creationId xmlns:a16="http://schemas.microsoft.com/office/drawing/2014/main" id="{282FB00F-5F03-41C4-9EC6-EFF5137FE3E5}"/>
+              </a:ext>
+            </a:extLst>
+          </p:cNvPr>
+          <p:cNvSpPr txBox="1">
+            <a:spLocks noChangeArrowheads="1"/>
+          </p:cNvSpPr>
+          <p:nvPr/>
+        </p:nvSpPr>
+        <p:spPr bwMode="auto">
+          <a:xfrm>
+            <a:off x="4657726" y="980000"/>
+            <a:ext cx="4019204" cy="3170099"/>
+          </a:xfrm>
+          <a:prstGeom prst="rect">
+            <a:avLst/>
+          </a:prstGeom>
+          <a:noFill/>
+          <a:ln w="9525">
+            <a:noFill/>
+            <a:miter lim="800000"/>
+            <a:headEnd/>
+            <a:tailEnd/>
+          </a:ln>
+        </p:spPr>
+        <p:txBody>
+          <a:bodyPr wrap="square">
+            <a:spAutoFit/>
+          </a:bodyPr>
+          <a:lstStyle/>
+          <a:p>
+            <a:pPr algn="ctr"/>
+            <a:r>
+              <a:rPr lang="ru-RU" sz="2000" b="1" dirty="0"/>
+              <a:t>После введения ВС ДЭП</a:t>
+            </a:r>
+          </a:p>
+          <a:p>
+            <a:pPr marL="266700" indent="-266700">
+              <a:buFont typeface="Times New Roman" pitchFamily="18" charset="0"/>
+              <a:buChar char="•"/>
+              <a:tabLst>
+                <a:tab pos="266700" algn="l"/>
+              </a:tabLst>
+            </a:pPr>
+            <a:endParaRPr lang="ru-RU" sz="2000" b="1" dirty="0"/>
+          </a:p>
+          <a:p>
+            <a:pPr marL="266700" indent="-266700">
+              <a:buFont typeface="Times New Roman" pitchFamily="18" charset="0"/>
+              <a:buChar char="•"/>
+              <a:tabLst>
+                <a:tab pos="266700" algn="l"/>
+              </a:tabLst>
+            </a:pPr>
+            <a:r>
+              <a:rPr lang="ru-RU" sz="2000" dirty="0"/>
+              <a:t>Веб-служба предоставляющая </a:t>
+            </a:r>
+            <a:r>
+              <a:rPr lang="en-US" sz="2000" dirty="0"/>
+              <a:t>API </a:t>
+            </a:r>
+            <a:r>
+              <a:rPr lang="ru-RU" sz="2000" dirty="0"/>
+              <a:t>к функционалу работы с почтовыми серверами;</a:t>
+            </a:r>
+          </a:p>
+          <a:p>
+            <a:pPr marL="266700" indent="-266700">
+              <a:buFont typeface="Times New Roman" pitchFamily="18" charset="0"/>
+              <a:buChar char="•"/>
+              <a:tabLst>
+                <a:tab pos="266700" algn="l"/>
+              </a:tabLst>
+            </a:pPr>
+            <a:r>
+              <a:rPr lang="ru-RU" sz="2000" dirty="0"/>
+              <a:t>Взаимодействие с различными почтовыми серверами в рамках </a:t>
+            </a:r>
+            <a:r>
+              <a:rPr lang="ru-RU" sz="2000"/>
+              <a:t>одной веб-службы.</a:t>
+            </a:r>
+            <a:endParaRPr lang="ru-RU" sz="2000" dirty="0"/>
+          </a:p>
+          <a:p>
+            <a:pPr>
+              <a:tabLst>
+                <a:tab pos="266700" algn="l"/>
+              </a:tabLst>
+            </a:pPr>
+            <a:endParaRPr lang="ru-RU" sz="2000" dirty="0"/>
+          </a:p>
+          <a:p>
+            <a:pPr marL="266700" indent="-266700">
+              <a:buFont typeface="Times New Roman" pitchFamily="18" charset="0"/>
+              <a:buChar char="•"/>
+              <a:tabLst>
+                <a:tab pos="266700" algn="l"/>
+              </a:tabLst>
+            </a:pPr>
+            <a:endParaRPr lang="ru-RU" sz="2000" dirty="0"/>
           </a:p>
         </p:txBody>
       </p:sp>

--- a/УП-Презентация.pptx
+++ b/УП-Презентация.pptx
@@ -142,12 +142,12 @@
   <pc:docChgLst>
     <pc:chgData name="Максим Мясников" userId="eb1110bc54b184a5" providerId="LiveId" clId="{A2428F48-EFAB-4F7A-AA4A-4DF7BB9402D9}"/>
     <pc:docChg chg="undo redo custSel addSld delSld modSld">
-      <pc:chgData name="Максим Мясников" userId="eb1110bc54b184a5" providerId="LiveId" clId="{A2428F48-EFAB-4F7A-AA4A-4DF7BB9402D9}" dt="2021-12-18T17:25:12.123" v="2573" actId="20577"/>
+      <pc:chgData name="Максим Мясников" userId="eb1110bc54b184a5" providerId="LiveId" clId="{A2428F48-EFAB-4F7A-AA4A-4DF7BB9402D9}" dt="2021-12-19T11:44:32.692" v="2825" actId="13822"/>
       <pc:docMkLst>
         <pc:docMk/>
       </pc:docMkLst>
       <pc:sldChg chg="modSp mod">
-        <pc:chgData name="Максим Мясников" userId="eb1110bc54b184a5" providerId="LiveId" clId="{A2428F48-EFAB-4F7A-AA4A-4DF7BB9402D9}" dt="2021-12-18T10:28:20.295" v="2108" actId="20577"/>
+        <pc:chgData name="Максим Мясников" userId="eb1110bc54b184a5" providerId="LiveId" clId="{A2428F48-EFAB-4F7A-AA4A-4DF7BB9402D9}" dt="2021-12-19T10:49:49.592" v="2805" actId="20577"/>
         <pc:sldMkLst>
           <pc:docMk/>
           <pc:sldMk cId="0" sldId="256"/>
@@ -169,7 +169,7 @@
           </ac:spMkLst>
         </pc:spChg>
         <pc:spChg chg="mod">
-          <ac:chgData name="Максим Мясников" userId="eb1110bc54b184a5" providerId="LiveId" clId="{A2428F48-EFAB-4F7A-AA4A-4DF7BB9402D9}" dt="2021-12-14T08:09:39.674" v="1583" actId="20577"/>
+          <ac:chgData name="Максим Мясников" userId="eb1110bc54b184a5" providerId="LiveId" clId="{A2428F48-EFAB-4F7A-AA4A-4DF7BB9402D9}" dt="2021-12-19T10:49:49.592" v="2805" actId="20577"/>
           <ac:spMkLst>
             <pc:docMk/>
             <pc:sldMk cId="0" sldId="256"/>
@@ -186,13 +186,13 @@
         </pc:graphicFrameChg>
       </pc:sldChg>
       <pc:sldChg chg="addSp delSp modSp mod">
-        <pc:chgData name="Максим Мясников" userId="eb1110bc54b184a5" providerId="LiveId" clId="{A2428F48-EFAB-4F7A-AA4A-4DF7BB9402D9}" dt="2021-12-18T17:25:12.123" v="2573" actId="20577"/>
+        <pc:chgData name="Максим Мясников" userId="eb1110bc54b184a5" providerId="LiveId" clId="{A2428F48-EFAB-4F7A-AA4A-4DF7BB9402D9}" dt="2021-12-19T11:44:32.692" v="2825" actId="13822"/>
         <pc:sldMkLst>
           <pc:docMk/>
           <pc:sldMk cId="0" sldId="257"/>
         </pc:sldMkLst>
         <pc:spChg chg="add mod">
-          <ac:chgData name="Максим Мясников" userId="eb1110bc54b184a5" providerId="LiveId" clId="{A2428F48-EFAB-4F7A-AA4A-4DF7BB9402D9}" dt="2021-12-18T17:24:10.631" v="2494" actId="20577"/>
+          <ac:chgData name="Максим Мясников" userId="eb1110bc54b184a5" providerId="LiveId" clId="{A2428F48-EFAB-4F7A-AA4A-4DF7BB9402D9}" dt="2021-12-19T10:24:38.411" v="2579" actId="404"/>
           <ac:spMkLst>
             <pc:docMk/>
             <pc:sldMk cId="0" sldId="257"/>
@@ -208,13 +208,229 @@
           </ac:spMkLst>
         </pc:spChg>
         <pc:spChg chg="add mod">
-          <ac:chgData name="Максим Мясников" userId="eb1110bc54b184a5" providerId="LiveId" clId="{A2428F48-EFAB-4F7A-AA4A-4DF7BB9402D9}" dt="2021-12-18T17:25:12.123" v="2573" actId="20577"/>
+          <ac:chgData name="Максим Мясников" userId="eb1110bc54b184a5" providerId="LiveId" clId="{A2428F48-EFAB-4F7A-AA4A-4DF7BB9402D9}" dt="2021-12-19T10:41:27.076" v="2720" actId="1076"/>
           <ac:spMkLst>
             <pc:docMk/>
             <pc:sldMk cId="0" sldId="257"/>
             <ac:spMk id="12" creationId="{282FB00F-5F03-41C4-9EC6-EFF5137FE3E5}"/>
           </ac:spMkLst>
         </pc:spChg>
+        <pc:spChg chg="add mod">
+          <ac:chgData name="Максим Мясников" userId="eb1110bc54b184a5" providerId="LiveId" clId="{A2428F48-EFAB-4F7A-AA4A-4DF7BB9402D9}" dt="2021-12-19T10:27:05.625" v="2638" actId="164"/>
+          <ac:spMkLst>
+            <pc:docMk/>
+            <pc:sldMk cId="0" sldId="257"/>
+            <ac:spMk id="18" creationId="{7F3D3F6A-3B96-4C8F-95A4-2B015443D0FF}"/>
+          </ac:spMkLst>
+        </pc:spChg>
+        <pc:spChg chg="mod">
+          <ac:chgData name="Максим Мясников" userId="eb1110bc54b184a5" providerId="LiveId" clId="{A2428F48-EFAB-4F7A-AA4A-4DF7BB9402D9}" dt="2021-12-19T10:35:44.911" v="2664" actId="404"/>
+          <ac:spMkLst>
+            <pc:docMk/>
+            <pc:sldMk cId="0" sldId="257"/>
+            <ac:spMk id="22" creationId="{DE925090-ED7D-454F-AAB2-6762EC0916CB}"/>
+          </ac:spMkLst>
+        </pc:spChg>
+        <pc:spChg chg="mod">
+          <ac:chgData name="Максим Мясников" userId="eb1110bc54b184a5" providerId="LiveId" clId="{A2428F48-EFAB-4F7A-AA4A-4DF7BB9402D9}" dt="2021-12-19T10:27:11.943" v="2642"/>
+          <ac:spMkLst>
+            <pc:docMk/>
+            <pc:sldMk cId="0" sldId="257"/>
+            <ac:spMk id="25" creationId="{53EEF6B4-3E2A-47B4-96DF-CA427C9F1F7E}"/>
+          </ac:spMkLst>
+        </pc:spChg>
+        <pc:spChg chg="mod">
+          <ac:chgData name="Максим Мясников" userId="eb1110bc54b184a5" providerId="LiveId" clId="{A2428F48-EFAB-4F7A-AA4A-4DF7BB9402D9}" dt="2021-12-19T10:35:56.486" v="2668"/>
+          <ac:spMkLst>
+            <pc:docMk/>
+            <pc:sldMk cId="0" sldId="257"/>
+            <ac:spMk id="32" creationId="{9E2A134E-51E3-4D11-975F-DE706DDB9F47}"/>
+          </ac:spMkLst>
+        </pc:spChg>
+        <pc:spChg chg="mod">
+          <ac:chgData name="Максим Мясников" userId="eb1110bc54b184a5" providerId="LiveId" clId="{A2428F48-EFAB-4F7A-AA4A-4DF7BB9402D9}" dt="2021-12-19T10:35:56.980" v="2669"/>
+          <ac:spMkLst>
+            <pc:docMk/>
+            <pc:sldMk cId="0" sldId="257"/>
+            <ac:spMk id="35" creationId="{03F4D3CF-D559-47FF-9791-825E7257C73E}"/>
+          </ac:spMkLst>
+        </pc:spChg>
+        <pc:spChg chg="add mod">
+          <ac:chgData name="Максим Мясников" userId="eb1110bc54b184a5" providerId="LiveId" clId="{A2428F48-EFAB-4F7A-AA4A-4DF7BB9402D9}" dt="2021-12-19T10:36:34.905" v="2693" actId="164"/>
+          <ac:spMkLst>
+            <pc:docMk/>
+            <pc:sldMk cId="0" sldId="257"/>
+            <ac:spMk id="36" creationId="{DBDAAC4D-B8A9-4B55-A0E4-CF1DD931F3D8}"/>
+          </ac:spMkLst>
+        </pc:spChg>
+        <pc:spChg chg="add mod">
+          <ac:chgData name="Максим Мясников" userId="eb1110bc54b184a5" providerId="LiveId" clId="{A2428F48-EFAB-4F7A-AA4A-4DF7BB9402D9}" dt="2021-12-19T10:41:56.052" v="2729" actId="164"/>
+          <ac:spMkLst>
+            <pc:docMk/>
+            <pc:sldMk cId="0" sldId="257"/>
+            <ac:spMk id="40" creationId="{88C357E4-02A3-449F-B18E-9AF37BEFE00D}"/>
+          </ac:spMkLst>
+        </pc:spChg>
+        <pc:spChg chg="mod">
+          <ac:chgData name="Максим Мясников" userId="eb1110bc54b184a5" providerId="LiveId" clId="{A2428F48-EFAB-4F7A-AA4A-4DF7BB9402D9}" dt="2021-12-19T10:43:46.030" v="2748"/>
+          <ac:spMkLst>
+            <pc:docMk/>
+            <pc:sldMk cId="0" sldId="257"/>
+            <ac:spMk id="57" creationId="{3273A40C-E78F-4566-B4C7-E561C9BC6B96}"/>
+          </ac:spMkLst>
+        </pc:spChg>
+        <pc:spChg chg="mod">
+          <ac:chgData name="Максим Мясников" userId="eb1110bc54b184a5" providerId="LiveId" clId="{A2428F48-EFAB-4F7A-AA4A-4DF7BB9402D9}" dt="2021-12-19T10:43:46.030" v="2748"/>
+          <ac:spMkLst>
+            <pc:docMk/>
+            <pc:sldMk cId="0" sldId="257"/>
+            <ac:spMk id="60" creationId="{F9C97321-953A-462C-9AC2-E2C96C1B5A20}"/>
+          </ac:spMkLst>
+        </pc:spChg>
+        <pc:spChg chg="mod">
+          <ac:chgData name="Максим Мясников" userId="eb1110bc54b184a5" providerId="LiveId" clId="{A2428F48-EFAB-4F7A-AA4A-4DF7BB9402D9}" dt="2021-12-19T10:43:46.030" v="2748"/>
+          <ac:spMkLst>
+            <pc:docMk/>
+            <pc:sldMk cId="0" sldId="257"/>
+            <ac:spMk id="63" creationId="{11510AA8-AE1B-417F-A1F0-CE31CE4CA8AB}"/>
+          </ac:spMkLst>
+        </pc:spChg>
+        <pc:spChg chg="mod">
+          <ac:chgData name="Максим Мясников" userId="eb1110bc54b184a5" providerId="LiveId" clId="{A2428F48-EFAB-4F7A-AA4A-4DF7BB9402D9}" dt="2021-12-19T10:44:30.075" v="2775" actId="1076"/>
+          <ac:spMkLst>
+            <pc:docMk/>
+            <pc:sldMk cId="0" sldId="257"/>
+            <ac:spMk id="66" creationId="{2010824F-E43B-48AF-AE25-467D0B667220}"/>
+          </ac:spMkLst>
+        </pc:spChg>
+        <pc:spChg chg="mod">
+          <ac:chgData name="Максим Мясников" userId="eb1110bc54b184a5" providerId="LiveId" clId="{A2428F48-EFAB-4F7A-AA4A-4DF7BB9402D9}" dt="2021-12-19T10:43:46.030" v="2748"/>
+          <ac:spMkLst>
+            <pc:docMk/>
+            <pc:sldMk cId="0" sldId="257"/>
+            <ac:spMk id="69" creationId="{2A63C4FD-828C-422E-9306-B79884A64A5D}"/>
+          </ac:spMkLst>
+        </pc:spChg>
+        <pc:spChg chg="mod">
+          <ac:chgData name="Максим Мясников" userId="eb1110bc54b184a5" providerId="LiveId" clId="{A2428F48-EFAB-4F7A-AA4A-4DF7BB9402D9}" dt="2021-12-19T10:44:35.562" v="2776"/>
+          <ac:spMkLst>
+            <pc:docMk/>
+            <pc:sldMk cId="0" sldId="257"/>
+            <ac:spMk id="76" creationId="{5B4701EE-8756-4008-8672-97EF3CA0249D}"/>
+          </ac:spMkLst>
+        </pc:spChg>
+        <pc:spChg chg="add mod">
+          <ac:chgData name="Максим Мясников" userId="eb1110bc54b184a5" providerId="LiveId" clId="{A2428F48-EFAB-4F7A-AA4A-4DF7BB9402D9}" dt="2021-12-19T11:44:32.692" v="2825" actId="13822"/>
+          <ac:spMkLst>
+            <pc:docMk/>
+            <pc:sldMk cId="0" sldId="257"/>
+            <ac:spMk id="88" creationId="{C755415F-876A-4359-9D48-0AADD8683B52}"/>
+          </ac:spMkLst>
+        </pc:spChg>
+        <pc:grpChg chg="add del mod">
+          <ac:chgData name="Максим Мясников" userId="eb1110bc54b184a5" providerId="LiveId" clId="{A2428F48-EFAB-4F7A-AA4A-4DF7BB9402D9}" dt="2021-12-19T10:35:48.541" v="2666" actId="478"/>
+          <ac:grpSpMkLst>
+            <pc:docMk/>
+            <pc:sldMk cId="0" sldId="257"/>
+            <ac:grpSpMk id="17" creationId="{0E7A18A5-E1D3-43CA-8135-1CBBCFE8C34F}"/>
+          </ac:grpSpMkLst>
+        </pc:grpChg>
+        <pc:grpChg chg="add mod">
+          <ac:chgData name="Максим Мясников" userId="eb1110bc54b184a5" providerId="LiveId" clId="{A2428F48-EFAB-4F7A-AA4A-4DF7BB9402D9}" dt="2021-12-19T10:49:05.891" v="2800" actId="1037"/>
+          <ac:grpSpMkLst>
+            <pc:docMk/>
+            <pc:sldMk cId="0" sldId="257"/>
+            <ac:grpSpMk id="20" creationId="{08B33EE5-4D0F-4026-9881-D0E606F2519D}"/>
+          </ac:grpSpMkLst>
+        </pc:grpChg>
+        <pc:grpChg chg="add del mod">
+          <ac:chgData name="Максим Мясников" userId="eb1110bc54b184a5" providerId="LiveId" clId="{A2428F48-EFAB-4F7A-AA4A-4DF7BB9402D9}" dt="2021-12-19T10:35:47.834" v="2665" actId="478"/>
+          <ac:grpSpMkLst>
+            <pc:docMk/>
+            <pc:sldMk cId="0" sldId="257"/>
+            <ac:grpSpMk id="23" creationId="{8F64B4F3-DBCF-485D-AC3E-820A5B3B2502}"/>
+          </ac:grpSpMkLst>
+        </pc:grpChg>
+        <pc:grpChg chg="add mod">
+          <ac:chgData name="Максим Мясников" userId="eb1110bc54b184a5" providerId="LiveId" clId="{A2428F48-EFAB-4F7A-AA4A-4DF7BB9402D9}" dt="2021-12-19T10:49:05.891" v="2800" actId="1037"/>
+          <ac:grpSpMkLst>
+            <pc:docMk/>
+            <pc:sldMk cId="0" sldId="257"/>
+            <ac:grpSpMk id="29" creationId="{8D29D4FD-9A28-4655-A8E4-A97655FD2599}"/>
+          </ac:grpSpMkLst>
+        </pc:grpChg>
+        <pc:grpChg chg="add mod">
+          <ac:chgData name="Максим Мясников" userId="eb1110bc54b184a5" providerId="LiveId" clId="{A2428F48-EFAB-4F7A-AA4A-4DF7BB9402D9}" dt="2021-12-19T10:49:05.891" v="2800" actId="1037"/>
+          <ac:grpSpMkLst>
+            <pc:docMk/>
+            <pc:sldMk cId="0" sldId="257"/>
+            <ac:grpSpMk id="30" creationId="{C0BACF89-4443-4019-8A82-C26F810F4CBD}"/>
+          </ac:grpSpMkLst>
+        </pc:grpChg>
+        <pc:grpChg chg="add mod">
+          <ac:chgData name="Максим Мясников" userId="eb1110bc54b184a5" providerId="LiveId" clId="{A2428F48-EFAB-4F7A-AA4A-4DF7BB9402D9}" dt="2021-12-19T10:49:05.891" v="2800" actId="1037"/>
+          <ac:grpSpMkLst>
+            <pc:docMk/>
+            <pc:sldMk cId="0" sldId="257"/>
+            <ac:grpSpMk id="33" creationId="{DC456CCE-871B-4599-88CB-1CCCE7CBD376}"/>
+          </ac:grpSpMkLst>
+        </pc:grpChg>
+        <pc:grpChg chg="add mod">
+          <ac:chgData name="Максим Мясников" userId="eb1110bc54b184a5" providerId="LiveId" clId="{A2428F48-EFAB-4F7A-AA4A-4DF7BB9402D9}" dt="2021-12-19T10:49:05.891" v="2800" actId="1037"/>
+          <ac:grpSpMkLst>
+            <pc:docMk/>
+            <pc:sldMk cId="0" sldId="257"/>
+            <ac:grpSpMk id="39" creationId="{F91FE41B-73B9-446D-B6B6-0D2BE0152A67}"/>
+          </ac:grpSpMkLst>
+        </pc:grpChg>
+        <pc:grpChg chg="add mod">
+          <ac:chgData name="Максим Мясников" userId="eb1110bc54b184a5" providerId="LiveId" clId="{A2428F48-EFAB-4F7A-AA4A-4DF7BB9402D9}" dt="2021-12-19T11:44:18.297" v="2822" actId="1037"/>
+          <ac:grpSpMkLst>
+            <pc:docMk/>
+            <pc:sldMk cId="0" sldId="257"/>
+            <ac:grpSpMk id="55" creationId="{0CAEFF23-F94C-42FD-B5CE-853EB05E9146}"/>
+          </ac:grpSpMkLst>
+        </pc:grpChg>
+        <pc:grpChg chg="add mod">
+          <ac:chgData name="Максим Мясников" userId="eb1110bc54b184a5" providerId="LiveId" clId="{A2428F48-EFAB-4F7A-AA4A-4DF7BB9402D9}" dt="2021-12-19T11:44:18.297" v="2822" actId="1037"/>
+          <ac:grpSpMkLst>
+            <pc:docMk/>
+            <pc:sldMk cId="0" sldId="257"/>
+            <ac:grpSpMk id="58" creationId="{1EBCEFF0-DCBE-42C7-8EEF-8755659688E0}"/>
+          </ac:grpSpMkLst>
+        </pc:grpChg>
+        <pc:grpChg chg="add mod">
+          <ac:chgData name="Максим Мясников" userId="eb1110bc54b184a5" providerId="LiveId" clId="{A2428F48-EFAB-4F7A-AA4A-4DF7BB9402D9}" dt="2021-12-19T11:44:18.297" v="2822" actId="1037"/>
+          <ac:grpSpMkLst>
+            <pc:docMk/>
+            <pc:sldMk cId="0" sldId="257"/>
+            <ac:grpSpMk id="61" creationId="{D659A498-EE52-435C-B0EF-8ABC332C83BE}"/>
+          </ac:grpSpMkLst>
+        </pc:grpChg>
+        <pc:grpChg chg="add mod">
+          <ac:chgData name="Максим Мясников" userId="eb1110bc54b184a5" providerId="LiveId" clId="{A2428F48-EFAB-4F7A-AA4A-4DF7BB9402D9}" dt="2021-12-19T11:44:18.297" v="2822" actId="1037"/>
+          <ac:grpSpMkLst>
+            <pc:docMk/>
+            <pc:sldMk cId="0" sldId="257"/>
+            <ac:grpSpMk id="64" creationId="{58E41AD5-12C6-4E2D-A9E5-973B7CE0ACC2}"/>
+          </ac:grpSpMkLst>
+        </pc:grpChg>
+        <pc:grpChg chg="add mod">
+          <ac:chgData name="Максим Мясников" userId="eb1110bc54b184a5" providerId="LiveId" clId="{A2428F48-EFAB-4F7A-AA4A-4DF7BB9402D9}" dt="2021-12-19T11:44:18.297" v="2822" actId="1037"/>
+          <ac:grpSpMkLst>
+            <pc:docMk/>
+            <pc:sldMk cId="0" sldId="257"/>
+            <ac:grpSpMk id="67" creationId="{51D8788C-F44D-47B8-8EFE-7FF1DE626563}"/>
+          </ac:grpSpMkLst>
+        </pc:grpChg>
+        <pc:grpChg chg="add mod">
+          <ac:chgData name="Максим Мясников" userId="eb1110bc54b184a5" providerId="LiveId" clId="{A2428F48-EFAB-4F7A-AA4A-4DF7BB9402D9}" dt="2021-12-19T11:44:18.297" v="2822" actId="1037"/>
+          <ac:grpSpMkLst>
+            <pc:docMk/>
+            <pc:sldMk cId="0" sldId="257"/>
+            <ac:grpSpMk id="74" creationId="{43E3BA5E-3792-4225-84A7-A2B1E22A2F54}"/>
+          </ac:grpSpMkLst>
+        </pc:grpChg>
         <pc:graphicFrameChg chg="mod modGraphic">
           <ac:chgData name="Максим Мясников" userId="eb1110bc54b184a5" providerId="LiveId" clId="{A2428F48-EFAB-4F7A-AA4A-4DF7BB9402D9}" dt="2021-12-05T16:49:58.246" v="554" actId="20577"/>
           <ac:graphicFrameMkLst>
@@ -223,6 +439,262 @@
             <ac:graphicFrameMk id="6" creationId="{00000000-0000-0000-0000-000000000000}"/>
           </ac:graphicFrameMkLst>
         </pc:graphicFrameChg>
+        <pc:picChg chg="add mod">
+          <ac:chgData name="Максим Мясников" userId="eb1110bc54b184a5" providerId="LiveId" clId="{A2428F48-EFAB-4F7A-AA4A-4DF7BB9402D9}" dt="2021-12-19T10:27:05.625" v="2638" actId="164"/>
+          <ac:picMkLst>
+            <pc:docMk/>
+            <pc:sldMk cId="0" sldId="257"/>
+            <ac:picMk id="3" creationId="{2BEC4399-4097-4B8B-994F-0D3A0378594F}"/>
+          </ac:picMkLst>
+        </pc:picChg>
+        <pc:picChg chg="add del mod">
+          <ac:chgData name="Максим Мясников" userId="eb1110bc54b184a5" providerId="LiveId" clId="{A2428F48-EFAB-4F7A-AA4A-4DF7BB9402D9}" dt="2021-12-19T10:25:53.700" v="2593" actId="478"/>
+          <ac:picMkLst>
+            <pc:docMk/>
+            <pc:sldMk cId="0" sldId="257"/>
+            <ac:picMk id="13" creationId="{D983C37F-0069-4966-91BB-0FE0321DC883}"/>
+          </ac:picMkLst>
+        </pc:picChg>
+        <pc:picChg chg="add del mod">
+          <ac:chgData name="Максим Мясников" userId="eb1110bc54b184a5" providerId="LiveId" clId="{A2428F48-EFAB-4F7A-AA4A-4DF7BB9402D9}" dt="2021-12-19T10:25:54.491" v="2595" actId="478"/>
+          <ac:picMkLst>
+            <pc:docMk/>
+            <pc:sldMk cId="0" sldId="257"/>
+            <ac:picMk id="14" creationId="{4E95784D-DAC7-4066-9EA6-C4B77E6643FE}"/>
+          </ac:picMkLst>
+        </pc:picChg>
+        <pc:picChg chg="add del mod">
+          <ac:chgData name="Максим Мясников" userId="eb1110bc54b184a5" providerId="LiveId" clId="{A2428F48-EFAB-4F7A-AA4A-4DF7BB9402D9}" dt="2021-12-19T10:26:47.174" v="2635" actId="478"/>
+          <ac:picMkLst>
+            <pc:docMk/>
+            <pc:sldMk cId="0" sldId="257"/>
+            <ac:picMk id="15" creationId="{CB000F44-2893-48C9-91E3-9B2F158BB383}"/>
+          </ac:picMkLst>
+        </pc:picChg>
+        <pc:picChg chg="add del mod">
+          <ac:chgData name="Максим Мясников" userId="eb1110bc54b184a5" providerId="LiveId" clId="{A2428F48-EFAB-4F7A-AA4A-4DF7BB9402D9}" dt="2021-12-19T10:26:47.717" v="2636" actId="478"/>
+          <ac:picMkLst>
+            <pc:docMk/>
+            <pc:sldMk cId="0" sldId="257"/>
+            <ac:picMk id="16" creationId="{0857FC50-E951-4AB1-884C-2BCC3C78E3B0}"/>
+          </ac:picMkLst>
+        </pc:picChg>
+        <pc:picChg chg="mod">
+          <ac:chgData name="Максим Мясников" userId="eb1110bc54b184a5" providerId="LiveId" clId="{A2428F48-EFAB-4F7A-AA4A-4DF7BB9402D9}" dt="2021-12-19T10:27:11.590" v="2641"/>
+          <ac:picMkLst>
+            <pc:docMk/>
+            <pc:sldMk cId="0" sldId="257"/>
+            <ac:picMk id="21" creationId="{D8C938A1-E3D3-4245-9D21-8DB43AE53F3C}"/>
+          </ac:picMkLst>
+        </pc:picChg>
+        <pc:picChg chg="mod">
+          <ac:chgData name="Максим Мясников" userId="eb1110bc54b184a5" providerId="LiveId" clId="{A2428F48-EFAB-4F7A-AA4A-4DF7BB9402D9}" dt="2021-12-19T10:27:11.943" v="2642"/>
+          <ac:picMkLst>
+            <pc:docMk/>
+            <pc:sldMk cId="0" sldId="257"/>
+            <ac:picMk id="24" creationId="{1810A626-9B16-4038-B9EE-4B1D0310B556}"/>
+          </ac:picMkLst>
+        </pc:picChg>
+        <pc:picChg chg="add del">
+          <ac:chgData name="Максим Мясников" userId="eb1110bc54b184a5" providerId="LiveId" clId="{A2428F48-EFAB-4F7A-AA4A-4DF7BB9402D9}" dt="2021-12-19T10:35:15.261" v="2653" actId="22"/>
+          <ac:picMkLst>
+            <pc:docMk/>
+            <pc:sldMk cId="0" sldId="257"/>
+            <ac:picMk id="26" creationId="{2BAAA1BF-868B-4A78-8517-311780E1215E}"/>
+          </ac:picMkLst>
+        </pc:picChg>
+        <pc:picChg chg="add mod">
+          <ac:chgData name="Максим Мясников" userId="eb1110bc54b184a5" providerId="LiveId" clId="{A2428F48-EFAB-4F7A-AA4A-4DF7BB9402D9}" dt="2021-12-19T10:36:34.905" v="2693" actId="164"/>
+          <ac:picMkLst>
+            <pc:docMk/>
+            <pc:sldMk cId="0" sldId="257"/>
+            <ac:picMk id="28" creationId="{3F86BD31-DA1C-48C0-9746-64009B50D816}"/>
+          </ac:picMkLst>
+        </pc:picChg>
+        <pc:picChg chg="mod">
+          <ac:chgData name="Максим Мясников" userId="eb1110bc54b184a5" providerId="LiveId" clId="{A2428F48-EFAB-4F7A-AA4A-4DF7BB9402D9}" dt="2021-12-19T10:35:56.486" v="2668"/>
+          <ac:picMkLst>
+            <pc:docMk/>
+            <pc:sldMk cId="0" sldId="257"/>
+            <ac:picMk id="31" creationId="{011179B0-8E07-4C52-B564-5CF4F303DD1B}"/>
+          </ac:picMkLst>
+        </pc:picChg>
+        <pc:picChg chg="mod">
+          <ac:chgData name="Максим Мясников" userId="eb1110bc54b184a5" providerId="LiveId" clId="{A2428F48-EFAB-4F7A-AA4A-4DF7BB9402D9}" dt="2021-12-19T10:35:56.980" v="2669"/>
+          <ac:picMkLst>
+            <pc:docMk/>
+            <pc:sldMk cId="0" sldId="257"/>
+            <ac:picMk id="34" creationId="{C3C553B3-AE6D-44EF-8C90-72F6BC1DF98F}"/>
+          </ac:picMkLst>
+        </pc:picChg>
+        <pc:picChg chg="add mod">
+          <ac:chgData name="Максим Мясников" userId="eb1110bc54b184a5" providerId="LiveId" clId="{A2428F48-EFAB-4F7A-AA4A-4DF7BB9402D9}" dt="2021-12-19T10:41:56.052" v="2729" actId="164"/>
+          <ac:picMkLst>
+            <pc:docMk/>
+            <pc:sldMk cId="0" sldId="257"/>
+            <ac:picMk id="38" creationId="{6F591C4D-5137-4B21-8A89-58AD377D575B}"/>
+          </ac:picMkLst>
+        </pc:picChg>
+        <pc:picChg chg="mod">
+          <ac:chgData name="Максим Мясников" userId="eb1110bc54b184a5" providerId="LiveId" clId="{A2428F48-EFAB-4F7A-AA4A-4DF7BB9402D9}" dt="2021-12-19T10:43:46.030" v="2748"/>
+          <ac:picMkLst>
+            <pc:docMk/>
+            <pc:sldMk cId="0" sldId="257"/>
+            <ac:picMk id="56" creationId="{D9FA2BD8-13A9-4AFD-9BDE-98720CC14E24}"/>
+          </ac:picMkLst>
+        </pc:picChg>
+        <pc:picChg chg="mod">
+          <ac:chgData name="Максим Мясников" userId="eb1110bc54b184a5" providerId="LiveId" clId="{A2428F48-EFAB-4F7A-AA4A-4DF7BB9402D9}" dt="2021-12-19T10:43:46.030" v="2748"/>
+          <ac:picMkLst>
+            <pc:docMk/>
+            <pc:sldMk cId="0" sldId="257"/>
+            <ac:picMk id="59" creationId="{00F22595-73BE-4A4D-B289-D3CF9758DB7B}"/>
+          </ac:picMkLst>
+        </pc:picChg>
+        <pc:picChg chg="mod">
+          <ac:chgData name="Максим Мясников" userId="eb1110bc54b184a5" providerId="LiveId" clId="{A2428F48-EFAB-4F7A-AA4A-4DF7BB9402D9}" dt="2021-12-19T10:43:46.030" v="2748"/>
+          <ac:picMkLst>
+            <pc:docMk/>
+            <pc:sldMk cId="0" sldId="257"/>
+            <ac:picMk id="62" creationId="{49A602B1-40EC-442D-9FFB-68F817B15CD6}"/>
+          </ac:picMkLst>
+        </pc:picChg>
+        <pc:picChg chg="mod">
+          <ac:chgData name="Максим Мясников" userId="eb1110bc54b184a5" providerId="LiveId" clId="{A2428F48-EFAB-4F7A-AA4A-4DF7BB9402D9}" dt="2021-12-19T10:43:46.030" v="2748"/>
+          <ac:picMkLst>
+            <pc:docMk/>
+            <pc:sldMk cId="0" sldId="257"/>
+            <ac:picMk id="65" creationId="{7253E533-22CA-4A87-B5F9-3F56F3F8DBBF}"/>
+          </ac:picMkLst>
+        </pc:picChg>
+        <pc:picChg chg="mod">
+          <ac:chgData name="Максим Мясников" userId="eb1110bc54b184a5" providerId="LiveId" clId="{A2428F48-EFAB-4F7A-AA4A-4DF7BB9402D9}" dt="2021-12-19T10:43:46.030" v="2748"/>
+          <ac:picMkLst>
+            <pc:docMk/>
+            <pc:sldMk cId="0" sldId="257"/>
+            <ac:picMk id="68" creationId="{3BE41834-4CFD-4FA7-86D0-C8C34016D9A7}"/>
+          </ac:picMkLst>
+        </pc:picChg>
+        <pc:picChg chg="mod">
+          <ac:chgData name="Максим Мясников" userId="eb1110bc54b184a5" providerId="LiveId" clId="{A2428F48-EFAB-4F7A-AA4A-4DF7BB9402D9}" dt="2021-12-19T10:44:35.562" v="2776"/>
+          <ac:picMkLst>
+            <pc:docMk/>
+            <pc:sldMk cId="0" sldId="257"/>
+            <ac:picMk id="75" creationId="{8312DCF4-FBCF-4B1F-A78C-D175194FE386}"/>
+          </ac:picMkLst>
+        </pc:picChg>
+        <pc:picChg chg="add del mod">
+          <ac:chgData name="Максим Мясников" userId="eb1110bc54b184a5" providerId="LiveId" clId="{A2428F48-EFAB-4F7A-AA4A-4DF7BB9402D9}" dt="2021-12-19T10:24:48.820" v="2582" actId="478"/>
+          <ac:picMkLst>
+            <pc:docMk/>
+            <pc:sldMk cId="0" sldId="257"/>
+            <ac:picMk id="1026" creationId="{1C23DBD0-8DDD-4FC1-82AE-0404B9CCEC71}"/>
+          </ac:picMkLst>
+        </pc:picChg>
+        <pc:cxnChg chg="add mod">
+          <ac:chgData name="Максим Мясников" userId="eb1110bc54b184a5" providerId="LiveId" clId="{A2428F48-EFAB-4F7A-AA4A-4DF7BB9402D9}" dt="2021-12-19T10:49:05.891" v="2800" actId="1037"/>
+          <ac:cxnSpMkLst>
+            <pc:docMk/>
+            <pc:sldMk cId="0" sldId="257"/>
+            <ac:cxnSpMk id="42" creationId="{99017AA3-680D-4608-9C9C-D0DC73ACFD40}"/>
+          </ac:cxnSpMkLst>
+        </pc:cxnChg>
+        <pc:cxnChg chg="add mod">
+          <ac:chgData name="Максим Мясников" userId="eb1110bc54b184a5" providerId="LiveId" clId="{A2428F48-EFAB-4F7A-AA4A-4DF7BB9402D9}" dt="2021-12-19T10:49:05.891" v="2800" actId="1037"/>
+          <ac:cxnSpMkLst>
+            <pc:docMk/>
+            <pc:sldMk cId="0" sldId="257"/>
+            <ac:cxnSpMk id="46" creationId="{8BD0C646-7DFE-4E6C-9994-DEFABD32DFAD}"/>
+          </ac:cxnSpMkLst>
+        </pc:cxnChg>
+        <pc:cxnChg chg="add mod">
+          <ac:chgData name="Максим Мясников" userId="eb1110bc54b184a5" providerId="LiveId" clId="{A2428F48-EFAB-4F7A-AA4A-4DF7BB9402D9}" dt="2021-12-19T10:49:05.891" v="2800" actId="1037"/>
+          <ac:cxnSpMkLst>
+            <pc:docMk/>
+            <pc:sldMk cId="0" sldId="257"/>
+            <ac:cxnSpMk id="48" creationId="{42FE3EEC-A73C-4AE6-87D8-0ABE324881CD}"/>
+          </ac:cxnSpMkLst>
+        </pc:cxnChg>
+        <pc:cxnChg chg="add mod">
+          <ac:chgData name="Максим Мясников" userId="eb1110bc54b184a5" providerId="LiveId" clId="{A2428F48-EFAB-4F7A-AA4A-4DF7BB9402D9}" dt="2021-12-19T10:49:05.891" v="2800" actId="1037"/>
+          <ac:cxnSpMkLst>
+            <pc:docMk/>
+            <pc:sldMk cId="0" sldId="257"/>
+            <ac:cxnSpMk id="50" creationId="{D7C7B037-CBC5-4419-8890-7C656A4632E5}"/>
+          </ac:cxnSpMkLst>
+        </pc:cxnChg>
+        <pc:cxnChg chg="add del mod">
+          <ac:chgData name="Максим Мясников" userId="eb1110bc54b184a5" providerId="LiveId" clId="{A2428F48-EFAB-4F7A-AA4A-4DF7BB9402D9}" dt="2021-12-19T10:43:58.064" v="2751" actId="478"/>
+          <ac:cxnSpMkLst>
+            <pc:docMk/>
+            <pc:sldMk cId="0" sldId="257"/>
+            <ac:cxnSpMk id="70" creationId="{DDB13676-73BE-4B42-8891-158DB9B90833}"/>
+          </ac:cxnSpMkLst>
+        </pc:cxnChg>
+        <pc:cxnChg chg="add del mod">
+          <ac:chgData name="Максим Мясников" userId="eb1110bc54b184a5" providerId="LiveId" clId="{A2428F48-EFAB-4F7A-AA4A-4DF7BB9402D9}" dt="2021-12-19T10:43:59.744" v="2753" actId="478"/>
+          <ac:cxnSpMkLst>
+            <pc:docMk/>
+            <pc:sldMk cId="0" sldId="257"/>
+            <ac:cxnSpMk id="71" creationId="{61F9B27F-A286-4959-B832-339DF094319D}"/>
+          </ac:cxnSpMkLst>
+        </pc:cxnChg>
+        <pc:cxnChg chg="add del mod">
+          <ac:chgData name="Максим Мясников" userId="eb1110bc54b184a5" providerId="LiveId" clId="{A2428F48-EFAB-4F7A-AA4A-4DF7BB9402D9}" dt="2021-12-19T10:43:57.461" v="2750" actId="478"/>
+          <ac:cxnSpMkLst>
+            <pc:docMk/>
+            <pc:sldMk cId="0" sldId="257"/>
+            <ac:cxnSpMk id="72" creationId="{196FD63D-C4D6-43BC-A594-FB55CF60FE68}"/>
+          </ac:cxnSpMkLst>
+        </pc:cxnChg>
+        <pc:cxnChg chg="add del mod">
+          <ac:chgData name="Максим Мясников" userId="eb1110bc54b184a5" providerId="LiveId" clId="{A2428F48-EFAB-4F7A-AA4A-4DF7BB9402D9}" dt="2021-12-19T10:43:59.107" v="2752" actId="478"/>
+          <ac:cxnSpMkLst>
+            <pc:docMk/>
+            <pc:sldMk cId="0" sldId="257"/>
+            <ac:cxnSpMk id="73" creationId="{0935D4D5-2AA1-4B5A-9AA0-06186A8E0BD3}"/>
+          </ac:cxnSpMkLst>
+        </pc:cxnChg>
+        <pc:cxnChg chg="add mod">
+          <ac:chgData name="Максим Мясников" userId="eb1110bc54b184a5" providerId="LiveId" clId="{A2428F48-EFAB-4F7A-AA4A-4DF7BB9402D9}" dt="2021-12-19T11:44:18.297" v="2822" actId="1037"/>
+          <ac:cxnSpMkLst>
+            <pc:docMk/>
+            <pc:sldMk cId="0" sldId="257"/>
+            <ac:cxnSpMk id="77" creationId="{7A80369D-BF6E-4999-A40D-A6443BE4001F}"/>
+          </ac:cxnSpMkLst>
+        </pc:cxnChg>
+        <pc:cxnChg chg="add mod">
+          <ac:chgData name="Максим Мясников" userId="eb1110bc54b184a5" providerId="LiveId" clId="{A2428F48-EFAB-4F7A-AA4A-4DF7BB9402D9}" dt="2021-12-19T11:44:18.297" v="2822" actId="1037"/>
+          <ac:cxnSpMkLst>
+            <pc:docMk/>
+            <pc:sldMk cId="0" sldId="257"/>
+            <ac:cxnSpMk id="80" creationId="{28396798-C97D-4504-9A55-B7E2277D74CD}"/>
+          </ac:cxnSpMkLst>
+        </pc:cxnChg>
+        <pc:cxnChg chg="add mod">
+          <ac:chgData name="Максим Мясников" userId="eb1110bc54b184a5" providerId="LiveId" clId="{A2428F48-EFAB-4F7A-AA4A-4DF7BB9402D9}" dt="2021-12-19T11:44:18.297" v="2822" actId="1037"/>
+          <ac:cxnSpMkLst>
+            <pc:docMk/>
+            <pc:sldMk cId="0" sldId="257"/>
+            <ac:cxnSpMk id="82" creationId="{D1F2F275-6826-4A7A-AA00-0CFFCA416DBE}"/>
+          </ac:cxnSpMkLst>
+        </pc:cxnChg>
+        <pc:cxnChg chg="add mod">
+          <ac:chgData name="Максим Мясников" userId="eb1110bc54b184a5" providerId="LiveId" clId="{A2428F48-EFAB-4F7A-AA4A-4DF7BB9402D9}" dt="2021-12-19T11:44:18.297" v="2822" actId="1037"/>
+          <ac:cxnSpMkLst>
+            <pc:docMk/>
+            <pc:sldMk cId="0" sldId="257"/>
+            <ac:cxnSpMk id="83" creationId="{B90E2252-BA70-4F04-97AC-BFEAFEE2D32A}"/>
+          </ac:cxnSpMkLst>
+        </pc:cxnChg>
+        <pc:cxnChg chg="add mod">
+          <ac:chgData name="Максим Мясников" userId="eb1110bc54b184a5" providerId="LiveId" clId="{A2428F48-EFAB-4F7A-AA4A-4DF7BB9402D9}" dt="2021-12-19T11:44:18.297" v="2822" actId="1037"/>
+          <ac:cxnSpMkLst>
+            <pc:docMk/>
+            <pc:sldMk cId="0" sldId="257"/>
+            <ac:cxnSpMk id="85" creationId="{13A896DC-5672-420A-958B-24FDC120D2ED}"/>
+          </ac:cxnSpMkLst>
+        </pc:cxnChg>
       </pc:sldChg>
       <pc:sldChg chg="modSp mod">
         <pc:chgData name="Максим Мясников" userId="eb1110bc54b184a5" providerId="LiveId" clId="{A2428F48-EFAB-4F7A-AA4A-4DF7BB9402D9}" dt="2021-12-14T16:43:06.624" v="1798" actId="20577"/>
@@ -768,7 +1240,7 @@
             <a:fld id="{D3F45E69-51FF-4017-B855-FA6AEE2AB1D5}" type="datetimeFigureOut">
               <a:rPr lang="ru-RU" smtClean="0"/>
               <a:pPr/>
-              <a:t>18.12.2021</a:t>
+              <a:t>19.12.2021</a:t>
             </a:fld>
             <a:endParaRPr lang="ru-RU"/>
           </a:p>
@@ -933,7 +1405,7 @@
             <a:fld id="{D3F45E69-51FF-4017-B855-FA6AEE2AB1D5}" type="datetimeFigureOut">
               <a:rPr lang="ru-RU" smtClean="0"/>
               <a:pPr/>
-              <a:t>18.12.2021</a:t>
+              <a:t>19.12.2021</a:t>
             </a:fld>
             <a:endParaRPr lang="ru-RU"/>
           </a:p>
@@ -1108,7 +1580,7 @@
             <a:fld id="{D3F45E69-51FF-4017-B855-FA6AEE2AB1D5}" type="datetimeFigureOut">
               <a:rPr lang="ru-RU" smtClean="0"/>
               <a:pPr/>
-              <a:t>18.12.2021</a:t>
+              <a:t>19.12.2021</a:t>
             </a:fld>
             <a:endParaRPr lang="ru-RU"/>
           </a:p>
@@ -1273,7 +1745,7 @@
             <a:fld id="{D3F45E69-51FF-4017-B855-FA6AEE2AB1D5}" type="datetimeFigureOut">
               <a:rPr lang="ru-RU" smtClean="0"/>
               <a:pPr/>
-              <a:t>18.12.2021</a:t>
+              <a:t>19.12.2021</a:t>
             </a:fld>
             <a:endParaRPr lang="ru-RU"/>
           </a:p>
@@ -1515,7 +1987,7 @@
             <a:fld id="{D3F45E69-51FF-4017-B855-FA6AEE2AB1D5}" type="datetimeFigureOut">
               <a:rPr lang="ru-RU" smtClean="0"/>
               <a:pPr/>
-              <a:t>18.12.2021</a:t>
+              <a:t>19.12.2021</a:t>
             </a:fld>
             <a:endParaRPr lang="ru-RU"/>
           </a:p>
@@ -1797,7 +2269,7 @@
             <a:fld id="{D3F45E69-51FF-4017-B855-FA6AEE2AB1D5}" type="datetimeFigureOut">
               <a:rPr lang="ru-RU" smtClean="0"/>
               <a:pPr/>
-              <a:t>18.12.2021</a:t>
+              <a:t>19.12.2021</a:t>
             </a:fld>
             <a:endParaRPr lang="ru-RU"/>
           </a:p>
@@ -2213,7 +2685,7 @@
             <a:fld id="{D3F45E69-51FF-4017-B855-FA6AEE2AB1D5}" type="datetimeFigureOut">
               <a:rPr lang="ru-RU" smtClean="0"/>
               <a:pPr/>
-              <a:t>18.12.2021</a:t>
+              <a:t>19.12.2021</a:t>
             </a:fld>
             <a:endParaRPr lang="ru-RU"/>
           </a:p>
@@ -2327,7 +2799,7 @@
             <a:fld id="{D3F45E69-51FF-4017-B855-FA6AEE2AB1D5}" type="datetimeFigureOut">
               <a:rPr lang="ru-RU" smtClean="0"/>
               <a:pPr/>
-              <a:t>18.12.2021</a:t>
+              <a:t>19.12.2021</a:t>
             </a:fld>
             <a:endParaRPr lang="ru-RU"/>
           </a:p>
@@ -2419,7 +2891,7 @@
             <a:fld id="{D3F45E69-51FF-4017-B855-FA6AEE2AB1D5}" type="datetimeFigureOut">
               <a:rPr lang="ru-RU" smtClean="0"/>
               <a:pPr/>
-              <a:t>18.12.2021</a:t>
+              <a:t>19.12.2021</a:t>
             </a:fld>
             <a:endParaRPr lang="ru-RU"/>
           </a:p>
@@ -2691,7 +3163,7 @@
             <a:fld id="{D3F45E69-51FF-4017-B855-FA6AEE2AB1D5}" type="datetimeFigureOut">
               <a:rPr lang="ru-RU" smtClean="0"/>
               <a:pPr/>
-              <a:t>18.12.2021</a:t>
+              <a:t>19.12.2021</a:t>
             </a:fld>
             <a:endParaRPr lang="ru-RU"/>
           </a:p>
@@ -2940,7 +3412,7 @@
             <a:fld id="{D3F45E69-51FF-4017-B855-FA6AEE2AB1D5}" type="datetimeFigureOut">
               <a:rPr lang="ru-RU" smtClean="0"/>
               <a:pPr/>
-              <a:t>18.12.2021</a:t>
+              <a:t>19.12.2021</a:t>
             </a:fld>
             <a:endParaRPr lang="ru-RU"/>
           </a:p>
@@ -3148,7 +3620,7 @@
             <a:fld id="{D3F45E69-51FF-4017-B855-FA6AEE2AB1D5}" type="datetimeFigureOut">
               <a:rPr lang="ru-RU" smtClean="0"/>
               <a:pPr/>
-              <a:t>18.12.2021</a:t>
+              <a:t>19.12.2021</a:t>
             </a:fld>
             <a:endParaRPr lang="ru-RU"/>
           </a:p>
@@ -4528,7 +5000,7 @@
         <p:spPr bwMode="auto">
           <a:xfrm>
             <a:off x="611560" y="3212976"/>
-            <a:ext cx="8105911" cy="3031599"/>
+            <a:ext cx="8105911" cy="3339376"/>
           </a:xfrm>
           <a:prstGeom prst="rect">
             <a:avLst/>
@@ -4553,15 +5025,7 @@
             </a:r>
             <a:r>
               <a:rPr lang="ru-RU" sz="2000" dirty="0"/>
-              <a:t> повышение эффективности </a:t>
-            </a:r>
-            <a:r>
-              <a:rPr lang="en-US" sz="2000" dirty="0"/>
-              <a:t> </a:t>
-            </a:r>
-            <a:r>
-              <a:rPr lang="ru-RU" sz="2000" dirty="0"/>
-              <a:t>(быстродействия и пр.)………………</a:t>
+              <a:t> повышения уровня простоты интеграции функционала доступа к электронной почте в другие приложения</a:t>
             </a:r>
           </a:p>
           <a:p>
@@ -5347,7 +5811,7 @@
                         <a:buNone/>
                         <a:tabLst/>
                       </a:pPr>
-                      <a:endParaRPr kumimoji="0" lang="ru-RU" sz="1000" b="0" i="0" u="none" strike="noStrike" cap="none" normalizeH="0" baseline="0">
+                      <a:endParaRPr kumimoji="0" lang="ru-RU" sz="1000" b="0" i="0" u="none" strike="noStrike" cap="none" normalizeH="0" baseline="0" dirty="0">
                         <a:ln>
                           <a:noFill/>
                         </a:ln>
@@ -5617,7 +6081,7 @@
         <p:spPr bwMode="auto">
           <a:xfrm>
             <a:off x="552797" y="980728"/>
-            <a:ext cx="4019204" cy="3785652"/>
+            <a:ext cx="4019204" cy="3170099"/>
           </a:xfrm>
           <a:prstGeom prst="rect">
             <a:avLst/>
@@ -5638,7 +6102,7 @@
           <a:p>
             <a:pPr algn="ctr"/>
             <a:r>
-              <a:rPr lang="ru-RU" sz="2000" b="1" dirty="0"/>
+              <a:rPr lang="ru-RU" b="1" dirty="0"/>
               <a:t>До введения ВС ДЭП</a:t>
             </a:r>
           </a:p>
@@ -5650,7 +6114,7 @@
                 <a:tab pos="266700" algn="l"/>
               </a:tabLst>
             </a:pPr>
-            <a:endParaRPr lang="ru-RU" sz="2000" b="1" dirty="0"/>
+            <a:endParaRPr lang="ru-RU" b="1" dirty="0"/>
           </a:p>
           <a:p>
             <a:pPr marL="266700" indent="-266700">
@@ -5661,7 +6125,7 @@
               </a:tabLst>
             </a:pPr>
             <a:r>
-              <a:rPr lang="ru-RU" sz="2000" dirty="0"/>
+              <a:rPr lang="ru-RU" dirty="0"/>
               <a:t>необходимость разработчикам самим реализовывать взаимодействие с почтовыми серверами;</a:t>
             </a:r>
           </a:p>
@@ -5674,7 +6138,7 @@
               </a:tabLst>
             </a:pPr>
             <a:r>
-              <a:rPr lang="ru-RU" sz="2000" dirty="0"/>
+              <a:rPr lang="ru-RU" dirty="0"/>
               <a:t>наличие веб-служб, взаимодействующих только с определенным почтовым сервером.</a:t>
             </a:r>
           </a:p>
@@ -5684,7 +6148,7 @@
                 <a:tab pos="266700" algn="l"/>
               </a:tabLst>
             </a:pPr>
-            <a:endParaRPr lang="ru-RU" sz="2000" dirty="0"/>
+            <a:endParaRPr lang="ru-RU" dirty="0"/>
           </a:p>
           <a:p>
             <a:pPr marL="266700" indent="-266700">
@@ -5715,7 +6179,7 @@
         <p:spPr bwMode="auto">
           <a:xfrm>
             <a:off x="4657726" y="980000"/>
-            <a:ext cx="4019204" cy="3170099"/>
+            <a:ext cx="4019204" cy="2893100"/>
           </a:xfrm>
           <a:prstGeom prst="rect">
             <a:avLst/>
@@ -5736,7 +6200,7 @@
           <a:p>
             <a:pPr algn="ctr"/>
             <a:r>
-              <a:rPr lang="ru-RU" sz="2000" b="1" dirty="0"/>
+              <a:rPr lang="ru-RU" b="1" dirty="0"/>
               <a:t>После введения ВС ДЭП</a:t>
             </a:r>
           </a:p>
@@ -5748,7 +6212,7 @@
                 <a:tab pos="266700" algn="l"/>
               </a:tabLst>
             </a:pPr>
-            <a:endParaRPr lang="ru-RU" sz="2000" b="1" dirty="0"/>
+            <a:endParaRPr lang="ru-RU" b="1" dirty="0"/>
           </a:p>
           <a:p>
             <a:pPr marL="266700" indent="-266700">
@@ -5759,15 +6223,15 @@
               </a:tabLst>
             </a:pPr>
             <a:r>
-              <a:rPr lang="ru-RU" sz="2000" dirty="0"/>
+              <a:rPr lang="ru-RU" dirty="0"/>
               <a:t>Веб-служба предоставляющая </a:t>
             </a:r>
             <a:r>
-              <a:rPr lang="en-US" sz="2000" dirty="0"/>
+              <a:rPr lang="en-US" dirty="0"/>
               <a:t>API </a:t>
             </a:r>
             <a:r>
-              <a:rPr lang="ru-RU" sz="2000" dirty="0"/>
+              <a:rPr lang="ru-RU" dirty="0"/>
               <a:t>к функционалу работы с почтовыми серверами;</a:t>
             </a:r>
           </a:p>
@@ -5780,14 +6244,9 @@
               </a:tabLst>
             </a:pPr>
             <a:r>
-              <a:rPr lang="ru-RU" sz="2000" dirty="0"/>
-              <a:t>Взаимодействие с различными почтовыми серверами в рамках </a:t>
+              <a:rPr lang="ru-RU" dirty="0"/>
+              <a:t>Взаимодействие с различными почтовыми серверами в рамках одной веб-службы.</a:t>
             </a:r>
-            <a:r>
-              <a:rPr lang="ru-RU" sz="2000"/>
-              <a:t>одной веб-службы.</a:t>
-            </a:r>
-            <a:endParaRPr lang="ru-RU" sz="2000" dirty="0"/>
           </a:p>
           <a:p>
             <a:pPr>
@@ -5795,7 +6254,7 @@
                 <a:tab pos="266700" algn="l"/>
               </a:tabLst>
             </a:pPr>
-            <a:endParaRPr lang="ru-RU" sz="2000" dirty="0"/>
+            <a:endParaRPr lang="ru-RU" dirty="0"/>
           </a:p>
           <a:p>
             <a:pPr marL="266700" indent="-266700">
@@ -5806,6 +6265,1390 @@
               </a:tabLst>
             </a:pPr>
             <a:endParaRPr lang="ru-RU" sz="2000" dirty="0"/>
+          </a:p>
+        </p:txBody>
+      </p:sp>
+      <p:grpSp>
+        <p:nvGrpSpPr>
+          <p:cNvPr id="20" name="Группа 19">
+            <a:extLst>
+              <a:ext uri="{FF2B5EF4-FFF2-40B4-BE49-F238E27FC236}">
+                <a16:creationId xmlns:a16="http://schemas.microsoft.com/office/drawing/2014/main" id="{08B33EE5-4D0F-4026-9881-D0E606F2519D}"/>
+              </a:ext>
+            </a:extLst>
+          </p:cNvPr>
+          <p:cNvGrpSpPr/>
+          <p:nvPr/>
+        </p:nvGrpSpPr>
+        <p:grpSpPr>
+          <a:xfrm>
+            <a:off x="7100012" y="3806849"/>
+            <a:ext cx="655904" cy="687956"/>
+            <a:chOff x="5229681" y="3726784"/>
+            <a:chExt cx="871576" cy="914167"/>
+          </a:xfrm>
+        </p:grpSpPr>
+        <p:pic>
+          <p:nvPicPr>
+            <p:cNvPr id="21" name="Рисунок 20">
+              <a:extLst>
+                <a:ext uri="{FF2B5EF4-FFF2-40B4-BE49-F238E27FC236}">
+                  <a16:creationId xmlns:a16="http://schemas.microsoft.com/office/drawing/2014/main" id="{D8C938A1-E3D3-4245-9D21-8DB43AE53F3C}"/>
+                </a:ext>
+              </a:extLst>
+            </p:cNvPr>
+            <p:cNvPicPr>
+              <a:picLocks noChangeAspect="1"/>
+            </p:cNvPicPr>
+            <p:nvPr/>
+          </p:nvPicPr>
+          <p:blipFill>
+            <a:blip r:embed="rId2"/>
+            <a:stretch>
+              <a:fillRect/>
+            </a:stretch>
+          </p:blipFill>
+          <p:spPr>
+            <a:xfrm>
+              <a:off x="5379312" y="3726784"/>
+              <a:ext cx="572315" cy="614906"/>
+            </a:xfrm>
+            <a:prstGeom prst="rect">
+              <a:avLst/>
+            </a:prstGeom>
+          </p:spPr>
+        </p:pic>
+        <p:sp>
+          <p:nvSpPr>
+            <p:cNvPr id="22" name="TextBox 21">
+              <a:extLst>
+                <a:ext uri="{FF2B5EF4-FFF2-40B4-BE49-F238E27FC236}">
+                  <a16:creationId xmlns:a16="http://schemas.microsoft.com/office/drawing/2014/main" id="{DE925090-ED7D-454F-AAB2-6762EC0916CB}"/>
+                </a:ext>
+              </a:extLst>
+            </p:cNvPr>
+            <p:cNvSpPr txBox="1"/>
+            <p:nvPr/>
+          </p:nvSpPr>
+          <p:spPr>
+            <a:xfrm>
+              <a:off x="5229681" y="4221088"/>
+              <a:ext cx="871576" cy="419863"/>
+            </a:xfrm>
+            <a:prstGeom prst="rect">
+              <a:avLst/>
+            </a:prstGeom>
+            <a:noFill/>
+          </p:spPr>
+          <p:txBody>
+            <a:bodyPr wrap="square">
+              <a:spAutoFit/>
+            </a:bodyPr>
+            <a:lstStyle/>
+            <a:p>
+              <a:pPr algn="ctr"/>
+              <a:r>
+                <a:rPr lang="ru-RU" sz="800" dirty="0"/>
+                <a:t>Почтовый сервер</a:t>
+              </a:r>
+            </a:p>
+          </p:txBody>
+        </p:sp>
+      </p:grpSp>
+      <p:grpSp>
+        <p:nvGrpSpPr>
+          <p:cNvPr id="30" name="Группа 29">
+            <a:extLst>
+              <a:ext uri="{FF2B5EF4-FFF2-40B4-BE49-F238E27FC236}">
+                <a16:creationId xmlns:a16="http://schemas.microsoft.com/office/drawing/2014/main" id="{C0BACF89-4443-4019-8A82-C26F810F4CBD}"/>
+              </a:ext>
+            </a:extLst>
+          </p:cNvPr>
+          <p:cNvGrpSpPr/>
+          <p:nvPr/>
+        </p:nvGrpSpPr>
+        <p:grpSpPr>
+          <a:xfrm>
+            <a:off x="7100012" y="5263976"/>
+            <a:ext cx="655904" cy="687956"/>
+            <a:chOff x="5229681" y="3726784"/>
+            <a:chExt cx="871576" cy="914167"/>
+          </a:xfrm>
+        </p:grpSpPr>
+        <p:pic>
+          <p:nvPicPr>
+            <p:cNvPr id="31" name="Рисунок 30">
+              <a:extLst>
+                <a:ext uri="{FF2B5EF4-FFF2-40B4-BE49-F238E27FC236}">
+                  <a16:creationId xmlns:a16="http://schemas.microsoft.com/office/drawing/2014/main" id="{011179B0-8E07-4C52-B564-5CF4F303DD1B}"/>
+                </a:ext>
+              </a:extLst>
+            </p:cNvPr>
+            <p:cNvPicPr>
+              <a:picLocks noChangeAspect="1"/>
+            </p:cNvPicPr>
+            <p:nvPr/>
+          </p:nvPicPr>
+          <p:blipFill>
+            <a:blip r:embed="rId2"/>
+            <a:stretch>
+              <a:fillRect/>
+            </a:stretch>
+          </p:blipFill>
+          <p:spPr>
+            <a:xfrm>
+              <a:off x="5379312" y="3726784"/>
+              <a:ext cx="572315" cy="614906"/>
+            </a:xfrm>
+            <a:prstGeom prst="rect">
+              <a:avLst/>
+            </a:prstGeom>
+          </p:spPr>
+        </p:pic>
+        <p:sp>
+          <p:nvSpPr>
+            <p:cNvPr id="32" name="TextBox 31">
+              <a:extLst>
+                <a:ext uri="{FF2B5EF4-FFF2-40B4-BE49-F238E27FC236}">
+                  <a16:creationId xmlns:a16="http://schemas.microsoft.com/office/drawing/2014/main" id="{9E2A134E-51E3-4D11-975F-DE706DDB9F47}"/>
+                </a:ext>
+              </a:extLst>
+            </p:cNvPr>
+            <p:cNvSpPr txBox="1"/>
+            <p:nvPr/>
+          </p:nvSpPr>
+          <p:spPr>
+            <a:xfrm>
+              <a:off x="5229681" y="4221088"/>
+              <a:ext cx="871576" cy="419863"/>
+            </a:xfrm>
+            <a:prstGeom prst="rect">
+              <a:avLst/>
+            </a:prstGeom>
+            <a:noFill/>
+          </p:spPr>
+          <p:txBody>
+            <a:bodyPr wrap="square">
+              <a:spAutoFit/>
+            </a:bodyPr>
+            <a:lstStyle/>
+            <a:p>
+              <a:pPr algn="ctr"/>
+              <a:r>
+                <a:rPr lang="ru-RU" sz="800" dirty="0"/>
+                <a:t>Почтовый сервер</a:t>
+              </a:r>
+            </a:p>
+          </p:txBody>
+        </p:sp>
+      </p:grpSp>
+      <p:grpSp>
+        <p:nvGrpSpPr>
+          <p:cNvPr id="33" name="Группа 32">
+            <a:extLst>
+              <a:ext uri="{FF2B5EF4-FFF2-40B4-BE49-F238E27FC236}">
+                <a16:creationId xmlns:a16="http://schemas.microsoft.com/office/drawing/2014/main" id="{DC456CCE-871B-4599-88CB-1CCCE7CBD376}"/>
+              </a:ext>
+            </a:extLst>
+          </p:cNvPr>
+          <p:cNvGrpSpPr/>
+          <p:nvPr/>
+        </p:nvGrpSpPr>
+        <p:grpSpPr>
+          <a:xfrm>
+            <a:off x="7100012" y="4537131"/>
+            <a:ext cx="655904" cy="687956"/>
+            <a:chOff x="5229681" y="3726784"/>
+            <a:chExt cx="871576" cy="914167"/>
+          </a:xfrm>
+        </p:grpSpPr>
+        <p:pic>
+          <p:nvPicPr>
+            <p:cNvPr id="34" name="Рисунок 33">
+              <a:extLst>
+                <a:ext uri="{FF2B5EF4-FFF2-40B4-BE49-F238E27FC236}">
+                  <a16:creationId xmlns:a16="http://schemas.microsoft.com/office/drawing/2014/main" id="{C3C553B3-AE6D-44EF-8C90-72F6BC1DF98F}"/>
+                </a:ext>
+              </a:extLst>
+            </p:cNvPr>
+            <p:cNvPicPr>
+              <a:picLocks noChangeAspect="1"/>
+            </p:cNvPicPr>
+            <p:nvPr/>
+          </p:nvPicPr>
+          <p:blipFill>
+            <a:blip r:embed="rId2"/>
+            <a:stretch>
+              <a:fillRect/>
+            </a:stretch>
+          </p:blipFill>
+          <p:spPr>
+            <a:xfrm>
+              <a:off x="5379312" y="3726784"/>
+              <a:ext cx="572315" cy="614906"/>
+            </a:xfrm>
+            <a:prstGeom prst="rect">
+              <a:avLst/>
+            </a:prstGeom>
+          </p:spPr>
+        </p:pic>
+        <p:sp>
+          <p:nvSpPr>
+            <p:cNvPr id="35" name="TextBox 34">
+              <a:extLst>
+                <a:ext uri="{FF2B5EF4-FFF2-40B4-BE49-F238E27FC236}">
+                  <a16:creationId xmlns:a16="http://schemas.microsoft.com/office/drawing/2014/main" id="{03F4D3CF-D559-47FF-9791-825E7257C73E}"/>
+                </a:ext>
+              </a:extLst>
+            </p:cNvPr>
+            <p:cNvSpPr txBox="1"/>
+            <p:nvPr/>
+          </p:nvSpPr>
+          <p:spPr>
+            <a:xfrm>
+              <a:off x="5229681" y="4221088"/>
+              <a:ext cx="871576" cy="419863"/>
+            </a:xfrm>
+            <a:prstGeom prst="rect">
+              <a:avLst/>
+            </a:prstGeom>
+            <a:noFill/>
+          </p:spPr>
+          <p:txBody>
+            <a:bodyPr wrap="square">
+              <a:spAutoFit/>
+            </a:bodyPr>
+            <a:lstStyle/>
+            <a:p>
+              <a:pPr algn="ctr"/>
+              <a:r>
+                <a:rPr lang="ru-RU" sz="800" dirty="0"/>
+                <a:t>Почтовый сервер</a:t>
+              </a:r>
+            </a:p>
+          </p:txBody>
+        </p:sp>
+      </p:grpSp>
+      <p:grpSp>
+        <p:nvGrpSpPr>
+          <p:cNvPr id="29" name="Группа 28">
+            <a:extLst>
+              <a:ext uri="{FF2B5EF4-FFF2-40B4-BE49-F238E27FC236}">
+                <a16:creationId xmlns:a16="http://schemas.microsoft.com/office/drawing/2014/main" id="{8D29D4FD-9A28-4655-A8E4-A97655FD2599}"/>
+              </a:ext>
+            </a:extLst>
+          </p:cNvPr>
+          <p:cNvGrpSpPr/>
+          <p:nvPr/>
+        </p:nvGrpSpPr>
+        <p:grpSpPr>
+          <a:xfrm>
+            <a:off x="5954475" y="4569046"/>
+            <a:ext cx="655904" cy="569296"/>
+            <a:chOff x="4405797" y="4542790"/>
+            <a:chExt cx="655904" cy="569296"/>
+          </a:xfrm>
+        </p:grpSpPr>
+        <p:pic>
+          <p:nvPicPr>
+            <p:cNvPr id="28" name="Рисунок 27">
+              <a:extLst>
+                <a:ext uri="{FF2B5EF4-FFF2-40B4-BE49-F238E27FC236}">
+                  <a16:creationId xmlns:a16="http://schemas.microsoft.com/office/drawing/2014/main" id="{3F86BD31-DA1C-48C0-9746-64009B50D816}"/>
+                </a:ext>
+              </a:extLst>
+            </p:cNvPr>
+            <p:cNvPicPr>
+              <a:picLocks noChangeAspect="1"/>
+            </p:cNvPicPr>
+            <p:nvPr/>
+          </p:nvPicPr>
+          <p:blipFill>
+            <a:blip r:embed="rId3"/>
+            <a:stretch>
+              <a:fillRect/>
+            </a:stretch>
+          </p:blipFill>
+          <p:spPr>
+            <a:xfrm>
+              <a:off x="4437129" y="4542790"/>
+              <a:ext cx="593241" cy="419223"/>
+            </a:xfrm>
+            <a:prstGeom prst="rect">
+              <a:avLst/>
+            </a:prstGeom>
+          </p:spPr>
+        </p:pic>
+        <p:sp>
+          <p:nvSpPr>
+            <p:cNvPr id="36" name="TextBox 35">
+              <a:extLst>
+                <a:ext uri="{FF2B5EF4-FFF2-40B4-BE49-F238E27FC236}">
+                  <a16:creationId xmlns:a16="http://schemas.microsoft.com/office/drawing/2014/main" id="{DBDAAC4D-B8A9-4B55-A0E4-CF1DD931F3D8}"/>
+                </a:ext>
+              </a:extLst>
+            </p:cNvPr>
+            <p:cNvSpPr txBox="1"/>
+            <p:nvPr/>
+          </p:nvSpPr>
+          <p:spPr>
+            <a:xfrm>
+              <a:off x="4405797" y="4896642"/>
+              <a:ext cx="655904" cy="215444"/>
+            </a:xfrm>
+            <a:prstGeom prst="rect">
+              <a:avLst/>
+            </a:prstGeom>
+            <a:noFill/>
+          </p:spPr>
+          <p:txBody>
+            <a:bodyPr wrap="square">
+              <a:spAutoFit/>
+            </a:bodyPr>
+            <a:lstStyle/>
+            <a:p>
+              <a:pPr algn="ctr"/>
+              <a:r>
+                <a:rPr lang="ru-RU" sz="800" dirty="0"/>
+                <a:t>ВС ДЭП</a:t>
+              </a:r>
+            </a:p>
+          </p:txBody>
+        </p:sp>
+      </p:grpSp>
+      <p:grpSp>
+        <p:nvGrpSpPr>
+          <p:cNvPr id="39" name="Группа 38">
+            <a:extLst>
+              <a:ext uri="{FF2B5EF4-FFF2-40B4-BE49-F238E27FC236}">
+                <a16:creationId xmlns:a16="http://schemas.microsoft.com/office/drawing/2014/main" id="{F91FE41B-73B9-446D-B6B6-0D2BE0152A67}"/>
+              </a:ext>
+            </a:extLst>
+          </p:cNvPr>
+          <p:cNvGrpSpPr/>
+          <p:nvPr/>
+        </p:nvGrpSpPr>
+        <p:grpSpPr>
+          <a:xfrm>
+            <a:off x="5004048" y="4537131"/>
+            <a:ext cx="736156" cy="682214"/>
+            <a:chOff x="5041857" y="4512912"/>
+            <a:chExt cx="736156" cy="682214"/>
+          </a:xfrm>
+        </p:grpSpPr>
+        <p:pic>
+          <p:nvPicPr>
+            <p:cNvPr id="38" name="Рисунок 37">
+              <a:extLst>
+                <a:ext uri="{FF2B5EF4-FFF2-40B4-BE49-F238E27FC236}">
+                  <a16:creationId xmlns:a16="http://schemas.microsoft.com/office/drawing/2014/main" id="{6F591C4D-5137-4B21-8A89-58AD377D575B}"/>
+                </a:ext>
+              </a:extLst>
+            </p:cNvPr>
+            <p:cNvPicPr>
+              <a:picLocks noChangeAspect="1"/>
+            </p:cNvPicPr>
+            <p:nvPr/>
+          </p:nvPicPr>
+          <p:blipFill>
+            <a:blip r:embed="rId4"/>
+            <a:stretch>
+              <a:fillRect/>
+            </a:stretch>
+          </p:blipFill>
+          <p:spPr>
+            <a:xfrm>
+              <a:off x="5157386" y="4512912"/>
+              <a:ext cx="509732" cy="472479"/>
+            </a:xfrm>
+            <a:prstGeom prst="rect">
+              <a:avLst/>
+            </a:prstGeom>
+          </p:spPr>
+        </p:pic>
+        <p:sp>
+          <p:nvSpPr>
+            <p:cNvPr id="40" name="TextBox 39">
+              <a:extLst>
+                <a:ext uri="{FF2B5EF4-FFF2-40B4-BE49-F238E27FC236}">
+                  <a16:creationId xmlns:a16="http://schemas.microsoft.com/office/drawing/2014/main" id="{88C357E4-02A3-449F-B18E-9AF37BEFE00D}"/>
+                </a:ext>
+              </a:extLst>
+            </p:cNvPr>
+            <p:cNvSpPr txBox="1"/>
+            <p:nvPr/>
+          </p:nvSpPr>
+          <p:spPr>
+            <a:xfrm>
+              <a:off x="5041857" y="4979682"/>
+              <a:ext cx="736156" cy="215444"/>
+            </a:xfrm>
+            <a:prstGeom prst="rect">
+              <a:avLst/>
+            </a:prstGeom>
+            <a:noFill/>
+          </p:spPr>
+          <p:txBody>
+            <a:bodyPr wrap="square">
+              <a:spAutoFit/>
+            </a:bodyPr>
+            <a:lstStyle/>
+            <a:p>
+              <a:pPr algn="ctr"/>
+              <a:r>
+                <a:rPr lang="ru-RU" sz="800" dirty="0"/>
+                <a:t>Приложение</a:t>
+              </a:r>
+            </a:p>
+          </p:txBody>
+        </p:sp>
+      </p:grpSp>
+      <p:cxnSp>
+        <p:nvCxnSpPr>
+          <p:cNvPr id="42" name="Прямая со стрелкой 41">
+            <a:extLst>
+              <a:ext uri="{FF2B5EF4-FFF2-40B4-BE49-F238E27FC236}">
+                <a16:creationId xmlns:a16="http://schemas.microsoft.com/office/drawing/2014/main" id="{99017AA3-680D-4608-9C9C-D0DC73ACFD40}"/>
+              </a:ext>
+            </a:extLst>
+          </p:cNvPr>
+          <p:cNvCxnSpPr>
+            <a:cxnSpLocks/>
+            <a:stCxn id="38" idx="3"/>
+            <a:endCxn id="28" idx="1"/>
+          </p:cNvCxnSpPr>
+          <p:nvPr/>
+        </p:nvCxnSpPr>
+        <p:spPr>
+          <a:xfrm>
+            <a:off x="5629309" y="4773371"/>
+            <a:ext cx="356498" cy="5287"/>
+          </a:xfrm>
+          <a:prstGeom prst="straightConnector1">
+            <a:avLst/>
+          </a:prstGeom>
+          <a:ln w="12700">
+            <a:headEnd type="triangle"/>
+            <a:tailEnd type="triangle"/>
+          </a:ln>
+        </p:spPr>
+        <p:style>
+          <a:lnRef idx="1">
+            <a:schemeClr val="dk1"/>
+          </a:lnRef>
+          <a:fillRef idx="0">
+            <a:schemeClr val="dk1"/>
+          </a:fillRef>
+          <a:effectRef idx="0">
+            <a:schemeClr val="dk1"/>
+          </a:effectRef>
+          <a:fontRef idx="minor">
+            <a:schemeClr val="tx1"/>
+          </a:fontRef>
+        </p:style>
+      </p:cxnSp>
+      <p:cxnSp>
+        <p:nvCxnSpPr>
+          <p:cNvPr id="46" name="Прямая со стрелкой 45">
+            <a:extLst>
+              <a:ext uri="{FF2B5EF4-FFF2-40B4-BE49-F238E27FC236}">
+                <a16:creationId xmlns:a16="http://schemas.microsoft.com/office/drawing/2014/main" id="{8BD0C646-7DFE-4E6C-9994-DEFABD32DFAD}"/>
+              </a:ext>
+            </a:extLst>
+          </p:cNvPr>
+          <p:cNvCxnSpPr>
+            <a:cxnSpLocks/>
+            <a:endCxn id="21" idx="1"/>
+          </p:cNvCxnSpPr>
+          <p:nvPr/>
+        </p:nvCxnSpPr>
+        <p:spPr>
+          <a:xfrm flipV="1">
+            <a:off x="6632243" y="4038223"/>
+            <a:ext cx="580374" cy="624862"/>
+          </a:xfrm>
+          <a:prstGeom prst="straightConnector1">
+            <a:avLst/>
+          </a:prstGeom>
+          <a:ln w="12700">
+            <a:headEnd type="triangle"/>
+            <a:tailEnd type="triangle"/>
+          </a:ln>
+        </p:spPr>
+        <p:style>
+          <a:lnRef idx="1">
+            <a:schemeClr val="dk1"/>
+          </a:lnRef>
+          <a:fillRef idx="0">
+            <a:schemeClr val="dk1"/>
+          </a:fillRef>
+          <a:effectRef idx="0">
+            <a:schemeClr val="dk1"/>
+          </a:effectRef>
+          <a:fontRef idx="minor">
+            <a:schemeClr val="tx1"/>
+          </a:fontRef>
+        </p:style>
+      </p:cxnSp>
+      <p:cxnSp>
+        <p:nvCxnSpPr>
+          <p:cNvPr id="48" name="Прямая со стрелкой 47">
+            <a:extLst>
+              <a:ext uri="{FF2B5EF4-FFF2-40B4-BE49-F238E27FC236}">
+                <a16:creationId xmlns:a16="http://schemas.microsoft.com/office/drawing/2014/main" id="{42FE3EEC-A73C-4AE6-87D8-0ABE324881CD}"/>
+              </a:ext>
+            </a:extLst>
+          </p:cNvPr>
+          <p:cNvCxnSpPr>
+            <a:cxnSpLocks/>
+            <a:endCxn id="34" idx="1"/>
+          </p:cNvCxnSpPr>
+          <p:nvPr/>
+        </p:nvCxnSpPr>
+        <p:spPr>
+          <a:xfrm>
+            <a:off x="6641711" y="4768505"/>
+            <a:ext cx="570906" cy="0"/>
+          </a:xfrm>
+          <a:prstGeom prst="straightConnector1">
+            <a:avLst/>
+          </a:prstGeom>
+          <a:ln w="12700">
+            <a:headEnd type="triangle"/>
+            <a:tailEnd type="triangle"/>
+          </a:ln>
+        </p:spPr>
+        <p:style>
+          <a:lnRef idx="1">
+            <a:schemeClr val="dk1"/>
+          </a:lnRef>
+          <a:fillRef idx="0">
+            <a:schemeClr val="dk1"/>
+          </a:fillRef>
+          <a:effectRef idx="0">
+            <a:schemeClr val="dk1"/>
+          </a:effectRef>
+          <a:fontRef idx="minor">
+            <a:schemeClr val="tx1"/>
+          </a:fontRef>
+        </p:style>
+      </p:cxnSp>
+      <p:cxnSp>
+        <p:nvCxnSpPr>
+          <p:cNvPr id="50" name="Прямая со стрелкой 49">
+            <a:extLst>
+              <a:ext uri="{FF2B5EF4-FFF2-40B4-BE49-F238E27FC236}">
+                <a16:creationId xmlns:a16="http://schemas.microsoft.com/office/drawing/2014/main" id="{D7C7B037-CBC5-4419-8890-7C656A4632E5}"/>
+              </a:ext>
+            </a:extLst>
+          </p:cNvPr>
+          <p:cNvCxnSpPr>
+            <a:cxnSpLocks/>
+            <a:endCxn id="31" idx="1"/>
+          </p:cNvCxnSpPr>
+          <p:nvPr/>
+        </p:nvCxnSpPr>
+        <p:spPr>
+          <a:xfrm>
+            <a:off x="6641711" y="4875940"/>
+            <a:ext cx="570906" cy="619410"/>
+          </a:xfrm>
+          <a:prstGeom prst="straightConnector1">
+            <a:avLst/>
+          </a:prstGeom>
+          <a:ln w="12700">
+            <a:headEnd type="triangle"/>
+            <a:tailEnd type="triangle"/>
+          </a:ln>
+        </p:spPr>
+        <p:style>
+          <a:lnRef idx="1">
+            <a:schemeClr val="dk1"/>
+          </a:lnRef>
+          <a:fillRef idx="0">
+            <a:schemeClr val="dk1"/>
+          </a:fillRef>
+          <a:effectRef idx="0">
+            <a:schemeClr val="dk1"/>
+          </a:effectRef>
+          <a:fontRef idx="minor">
+            <a:schemeClr val="tx1"/>
+          </a:fontRef>
+        </p:style>
+      </p:cxnSp>
+      <p:grpSp>
+        <p:nvGrpSpPr>
+          <p:cNvPr id="55" name="Группа 54">
+            <a:extLst>
+              <a:ext uri="{FF2B5EF4-FFF2-40B4-BE49-F238E27FC236}">
+                <a16:creationId xmlns:a16="http://schemas.microsoft.com/office/drawing/2014/main" id="{0CAEFF23-F94C-42FD-B5CE-853EB05E9146}"/>
+              </a:ext>
+            </a:extLst>
+          </p:cNvPr>
+          <p:cNvGrpSpPr/>
+          <p:nvPr/>
+        </p:nvGrpSpPr>
+        <p:grpSpPr>
+          <a:xfrm>
+            <a:off x="3499612" y="3806849"/>
+            <a:ext cx="655904" cy="687956"/>
+            <a:chOff x="5229681" y="3726784"/>
+            <a:chExt cx="871576" cy="914167"/>
+          </a:xfrm>
+        </p:grpSpPr>
+        <p:pic>
+          <p:nvPicPr>
+            <p:cNvPr id="56" name="Рисунок 55">
+              <a:extLst>
+                <a:ext uri="{FF2B5EF4-FFF2-40B4-BE49-F238E27FC236}">
+                  <a16:creationId xmlns:a16="http://schemas.microsoft.com/office/drawing/2014/main" id="{D9FA2BD8-13A9-4AFD-9BDE-98720CC14E24}"/>
+                </a:ext>
+              </a:extLst>
+            </p:cNvPr>
+            <p:cNvPicPr>
+              <a:picLocks noChangeAspect="1"/>
+            </p:cNvPicPr>
+            <p:nvPr/>
+          </p:nvPicPr>
+          <p:blipFill>
+            <a:blip r:embed="rId2"/>
+            <a:stretch>
+              <a:fillRect/>
+            </a:stretch>
+          </p:blipFill>
+          <p:spPr>
+            <a:xfrm>
+              <a:off x="5379312" y="3726784"/>
+              <a:ext cx="572315" cy="614906"/>
+            </a:xfrm>
+            <a:prstGeom prst="rect">
+              <a:avLst/>
+            </a:prstGeom>
+          </p:spPr>
+        </p:pic>
+        <p:sp>
+          <p:nvSpPr>
+            <p:cNvPr id="57" name="TextBox 56">
+              <a:extLst>
+                <a:ext uri="{FF2B5EF4-FFF2-40B4-BE49-F238E27FC236}">
+                  <a16:creationId xmlns:a16="http://schemas.microsoft.com/office/drawing/2014/main" id="{3273A40C-E78F-4566-B4C7-E561C9BC6B96}"/>
+                </a:ext>
+              </a:extLst>
+            </p:cNvPr>
+            <p:cNvSpPr txBox="1"/>
+            <p:nvPr/>
+          </p:nvSpPr>
+          <p:spPr>
+            <a:xfrm>
+              <a:off x="5229681" y="4221088"/>
+              <a:ext cx="871576" cy="419863"/>
+            </a:xfrm>
+            <a:prstGeom prst="rect">
+              <a:avLst/>
+            </a:prstGeom>
+            <a:noFill/>
+          </p:spPr>
+          <p:txBody>
+            <a:bodyPr wrap="square">
+              <a:spAutoFit/>
+            </a:bodyPr>
+            <a:lstStyle/>
+            <a:p>
+              <a:pPr algn="ctr"/>
+              <a:r>
+                <a:rPr lang="ru-RU" sz="800" dirty="0"/>
+                <a:t>Почтовый сервер</a:t>
+              </a:r>
+            </a:p>
+          </p:txBody>
+        </p:sp>
+      </p:grpSp>
+      <p:grpSp>
+        <p:nvGrpSpPr>
+          <p:cNvPr id="58" name="Группа 57">
+            <a:extLst>
+              <a:ext uri="{FF2B5EF4-FFF2-40B4-BE49-F238E27FC236}">
+                <a16:creationId xmlns:a16="http://schemas.microsoft.com/office/drawing/2014/main" id="{1EBCEFF0-DCBE-42C7-8EEF-8755659688E0}"/>
+              </a:ext>
+            </a:extLst>
+          </p:cNvPr>
+          <p:cNvGrpSpPr/>
+          <p:nvPr/>
+        </p:nvGrpSpPr>
+        <p:grpSpPr>
+          <a:xfrm>
+            <a:off x="3499612" y="5263976"/>
+            <a:ext cx="655904" cy="687956"/>
+            <a:chOff x="5229681" y="3726784"/>
+            <a:chExt cx="871576" cy="914167"/>
+          </a:xfrm>
+        </p:grpSpPr>
+        <p:pic>
+          <p:nvPicPr>
+            <p:cNvPr id="59" name="Рисунок 58">
+              <a:extLst>
+                <a:ext uri="{FF2B5EF4-FFF2-40B4-BE49-F238E27FC236}">
+                  <a16:creationId xmlns:a16="http://schemas.microsoft.com/office/drawing/2014/main" id="{00F22595-73BE-4A4D-B289-D3CF9758DB7B}"/>
+                </a:ext>
+              </a:extLst>
+            </p:cNvPr>
+            <p:cNvPicPr>
+              <a:picLocks noChangeAspect="1"/>
+            </p:cNvPicPr>
+            <p:nvPr/>
+          </p:nvPicPr>
+          <p:blipFill>
+            <a:blip r:embed="rId2"/>
+            <a:stretch>
+              <a:fillRect/>
+            </a:stretch>
+          </p:blipFill>
+          <p:spPr>
+            <a:xfrm>
+              <a:off x="5379312" y="3726784"/>
+              <a:ext cx="572315" cy="614906"/>
+            </a:xfrm>
+            <a:prstGeom prst="rect">
+              <a:avLst/>
+            </a:prstGeom>
+          </p:spPr>
+        </p:pic>
+        <p:sp>
+          <p:nvSpPr>
+            <p:cNvPr id="60" name="TextBox 59">
+              <a:extLst>
+                <a:ext uri="{FF2B5EF4-FFF2-40B4-BE49-F238E27FC236}">
+                  <a16:creationId xmlns:a16="http://schemas.microsoft.com/office/drawing/2014/main" id="{F9C97321-953A-462C-9AC2-E2C96C1B5A20}"/>
+                </a:ext>
+              </a:extLst>
+            </p:cNvPr>
+            <p:cNvSpPr txBox="1"/>
+            <p:nvPr/>
+          </p:nvSpPr>
+          <p:spPr>
+            <a:xfrm>
+              <a:off x="5229681" y="4221088"/>
+              <a:ext cx="871576" cy="419863"/>
+            </a:xfrm>
+            <a:prstGeom prst="rect">
+              <a:avLst/>
+            </a:prstGeom>
+            <a:noFill/>
+          </p:spPr>
+          <p:txBody>
+            <a:bodyPr wrap="square">
+              <a:spAutoFit/>
+            </a:bodyPr>
+            <a:lstStyle/>
+            <a:p>
+              <a:pPr algn="ctr"/>
+              <a:r>
+                <a:rPr lang="ru-RU" sz="800" dirty="0"/>
+                <a:t>Почтовый сервер</a:t>
+              </a:r>
+            </a:p>
+          </p:txBody>
+        </p:sp>
+      </p:grpSp>
+      <p:grpSp>
+        <p:nvGrpSpPr>
+          <p:cNvPr id="61" name="Группа 60">
+            <a:extLst>
+              <a:ext uri="{FF2B5EF4-FFF2-40B4-BE49-F238E27FC236}">
+                <a16:creationId xmlns:a16="http://schemas.microsoft.com/office/drawing/2014/main" id="{D659A498-EE52-435C-B0EF-8ABC332C83BE}"/>
+              </a:ext>
+            </a:extLst>
+          </p:cNvPr>
+          <p:cNvGrpSpPr/>
+          <p:nvPr/>
+        </p:nvGrpSpPr>
+        <p:grpSpPr>
+          <a:xfrm>
+            <a:off x="3499612" y="4537131"/>
+            <a:ext cx="655904" cy="687956"/>
+            <a:chOff x="5229681" y="3726784"/>
+            <a:chExt cx="871576" cy="914167"/>
+          </a:xfrm>
+        </p:grpSpPr>
+        <p:pic>
+          <p:nvPicPr>
+            <p:cNvPr id="62" name="Рисунок 61">
+              <a:extLst>
+                <a:ext uri="{FF2B5EF4-FFF2-40B4-BE49-F238E27FC236}">
+                  <a16:creationId xmlns:a16="http://schemas.microsoft.com/office/drawing/2014/main" id="{49A602B1-40EC-442D-9FFB-68F817B15CD6}"/>
+                </a:ext>
+              </a:extLst>
+            </p:cNvPr>
+            <p:cNvPicPr>
+              <a:picLocks noChangeAspect="1"/>
+            </p:cNvPicPr>
+            <p:nvPr/>
+          </p:nvPicPr>
+          <p:blipFill>
+            <a:blip r:embed="rId2"/>
+            <a:stretch>
+              <a:fillRect/>
+            </a:stretch>
+          </p:blipFill>
+          <p:spPr>
+            <a:xfrm>
+              <a:off x="5379312" y="3726784"/>
+              <a:ext cx="572315" cy="614906"/>
+            </a:xfrm>
+            <a:prstGeom prst="rect">
+              <a:avLst/>
+            </a:prstGeom>
+          </p:spPr>
+        </p:pic>
+        <p:sp>
+          <p:nvSpPr>
+            <p:cNvPr id="63" name="TextBox 62">
+              <a:extLst>
+                <a:ext uri="{FF2B5EF4-FFF2-40B4-BE49-F238E27FC236}">
+                  <a16:creationId xmlns:a16="http://schemas.microsoft.com/office/drawing/2014/main" id="{11510AA8-AE1B-417F-A1F0-CE31CE4CA8AB}"/>
+                </a:ext>
+              </a:extLst>
+            </p:cNvPr>
+            <p:cNvSpPr txBox="1"/>
+            <p:nvPr/>
+          </p:nvSpPr>
+          <p:spPr>
+            <a:xfrm>
+              <a:off x="5229681" y="4221088"/>
+              <a:ext cx="871576" cy="419863"/>
+            </a:xfrm>
+            <a:prstGeom prst="rect">
+              <a:avLst/>
+            </a:prstGeom>
+            <a:noFill/>
+          </p:spPr>
+          <p:txBody>
+            <a:bodyPr wrap="square">
+              <a:spAutoFit/>
+            </a:bodyPr>
+            <a:lstStyle/>
+            <a:p>
+              <a:pPr algn="ctr"/>
+              <a:r>
+                <a:rPr lang="ru-RU" sz="800" dirty="0"/>
+                <a:t>Почтовый сервер</a:t>
+              </a:r>
+            </a:p>
+          </p:txBody>
+        </p:sp>
+      </p:grpSp>
+      <p:grpSp>
+        <p:nvGrpSpPr>
+          <p:cNvPr id="64" name="Группа 63">
+            <a:extLst>
+              <a:ext uri="{FF2B5EF4-FFF2-40B4-BE49-F238E27FC236}">
+                <a16:creationId xmlns:a16="http://schemas.microsoft.com/office/drawing/2014/main" id="{58E41AD5-12C6-4E2D-A9E5-973B7CE0ACC2}"/>
+              </a:ext>
+            </a:extLst>
+          </p:cNvPr>
+          <p:cNvGrpSpPr/>
+          <p:nvPr/>
+        </p:nvGrpSpPr>
+        <p:grpSpPr>
+          <a:xfrm>
+            <a:off x="2464620" y="3873100"/>
+            <a:ext cx="696569" cy="578601"/>
+            <a:chOff x="4385464" y="4542790"/>
+            <a:chExt cx="696569" cy="578601"/>
+          </a:xfrm>
+        </p:grpSpPr>
+        <p:pic>
+          <p:nvPicPr>
+            <p:cNvPr id="65" name="Рисунок 64">
+              <a:extLst>
+                <a:ext uri="{FF2B5EF4-FFF2-40B4-BE49-F238E27FC236}">
+                  <a16:creationId xmlns:a16="http://schemas.microsoft.com/office/drawing/2014/main" id="{7253E533-22CA-4A87-B5F9-3F56F3F8DBBF}"/>
+                </a:ext>
+              </a:extLst>
+            </p:cNvPr>
+            <p:cNvPicPr>
+              <a:picLocks noChangeAspect="1"/>
+            </p:cNvPicPr>
+            <p:nvPr/>
+          </p:nvPicPr>
+          <p:blipFill>
+            <a:blip r:embed="rId3"/>
+            <a:stretch>
+              <a:fillRect/>
+            </a:stretch>
+          </p:blipFill>
+          <p:spPr>
+            <a:xfrm>
+              <a:off x="4437129" y="4542790"/>
+              <a:ext cx="593241" cy="419223"/>
+            </a:xfrm>
+            <a:prstGeom prst="rect">
+              <a:avLst/>
+            </a:prstGeom>
+          </p:spPr>
+        </p:pic>
+        <p:sp>
+          <p:nvSpPr>
+            <p:cNvPr id="66" name="TextBox 65">
+              <a:extLst>
+                <a:ext uri="{FF2B5EF4-FFF2-40B4-BE49-F238E27FC236}">
+                  <a16:creationId xmlns:a16="http://schemas.microsoft.com/office/drawing/2014/main" id="{2010824F-E43B-48AF-AE25-467D0B667220}"/>
+                </a:ext>
+              </a:extLst>
+            </p:cNvPr>
+            <p:cNvSpPr txBox="1"/>
+            <p:nvPr/>
+          </p:nvSpPr>
+          <p:spPr>
+            <a:xfrm>
+              <a:off x="4385464" y="4905947"/>
+              <a:ext cx="696569" cy="215444"/>
+            </a:xfrm>
+            <a:prstGeom prst="rect">
+              <a:avLst/>
+            </a:prstGeom>
+            <a:noFill/>
+          </p:spPr>
+          <p:txBody>
+            <a:bodyPr wrap="square">
+              <a:spAutoFit/>
+            </a:bodyPr>
+            <a:lstStyle/>
+            <a:p>
+              <a:pPr algn="ctr"/>
+              <a:r>
+                <a:rPr lang="ru-RU" sz="800" dirty="0"/>
+                <a:t>веб-служба</a:t>
+              </a:r>
+            </a:p>
+          </p:txBody>
+        </p:sp>
+      </p:grpSp>
+      <p:grpSp>
+        <p:nvGrpSpPr>
+          <p:cNvPr id="67" name="Группа 66">
+            <a:extLst>
+              <a:ext uri="{FF2B5EF4-FFF2-40B4-BE49-F238E27FC236}">
+                <a16:creationId xmlns:a16="http://schemas.microsoft.com/office/drawing/2014/main" id="{51D8788C-F44D-47B8-8EFE-7FF1DE626563}"/>
+              </a:ext>
+            </a:extLst>
+          </p:cNvPr>
+          <p:cNvGrpSpPr/>
+          <p:nvPr/>
+        </p:nvGrpSpPr>
+        <p:grpSpPr>
+          <a:xfrm>
+            <a:off x="1403648" y="4537131"/>
+            <a:ext cx="736156" cy="682214"/>
+            <a:chOff x="5041857" y="4512912"/>
+            <a:chExt cx="736156" cy="682214"/>
+          </a:xfrm>
+        </p:grpSpPr>
+        <p:pic>
+          <p:nvPicPr>
+            <p:cNvPr id="68" name="Рисунок 67">
+              <a:extLst>
+                <a:ext uri="{FF2B5EF4-FFF2-40B4-BE49-F238E27FC236}">
+                  <a16:creationId xmlns:a16="http://schemas.microsoft.com/office/drawing/2014/main" id="{3BE41834-4CFD-4FA7-86D0-C8C34016D9A7}"/>
+                </a:ext>
+              </a:extLst>
+            </p:cNvPr>
+            <p:cNvPicPr>
+              <a:picLocks noChangeAspect="1"/>
+            </p:cNvPicPr>
+            <p:nvPr/>
+          </p:nvPicPr>
+          <p:blipFill>
+            <a:blip r:embed="rId4"/>
+            <a:stretch>
+              <a:fillRect/>
+            </a:stretch>
+          </p:blipFill>
+          <p:spPr>
+            <a:xfrm>
+              <a:off x="5157386" y="4512912"/>
+              <a:ext cx="509732" cy="472479"/>
+            </a:xfrm>
+            <a:prstGeom prst="rect">
+              <a:avLst/>
+            </a:prstGeom>
+          </p:spPr>
+        </p:pic>
+        <p:sp>
+          <p:nvSpPr>
+            <p:cNvPr id="69" name="TextBox 68">
+              <a:extLst>
+                <a:ext uri="{FF2B5EF4-FFF2-40B4-BE49-F238E27FC236}">
+                  <a16:creationId xmlns:a16="http://schemas.microsoft.com/office/drawing/2014/main" id="{2A63C4FD-828C-422E-9306-B79884A64A5D}"/>
+                </a:ext>
+              </a:extLst>
+            </p:cNvPr>
+            <p:cNvSpPr txBox="1"/>
+            <p:nvPr/>
+          </p:nvSpPr>
+          <p:spPr>
+            <a:xfrm>
+              <a:off x="5041857" y="4979682"/>
+              <a:ext cx="736156" cy="215444"/>
+            </a:xfrm>
+            <a:prstGeom prst="rect">
+              <a:avLst/>
+            </a:prstGeom>
+            <a:noFill/>
+          </p:spPr>
+          <p:txBody>
+            <a:bodyPr wrap="square">
+              <a:spAutoFit/>
+            </a:bodyPr>
+            <a:lstStyle/>
+            <a:p>
+              <a:pPr algn="ctr"/>
+              <a:r>
+                <a:rPr lang="ru-RU" sz="800" dirty="0"/>
+                <a:t>Приложение</a:t>
+              </a:r>
+            </a:p>
+          </p:txBody>
+        </p:sp>
+      </p:grpSp>
+      <p:grpSp>
+        <p:nvGrpSpPr>
+          <p:cNvPr id="74" name="Группа 73">
+            <a:extLst>
+              <a:ext uri="{FF2B5EF4-FFF2-40B4-BE49-F238E27FC236}">
+                <a16:creationId xmlns:a16="http://schemas.microsoft.com/office/drawing/2014/main" id="{43E3BA5E-3792-4225-84A7-A2B1E22A2F54}"/>
+              </a:ext>
+            </a:extLst>
+          </p:cNvPr>
+          <p:cNvGrpSpPr/>
+          <p:nvPr/>
+        </p:nvGrpSpPr>
+        <p:grpSpPr>
+          <a:xfrm>
+            <a:off x="2460228" y="4533022"/>
+            <a:ext cx="696569" cy="578601"/>
+            <a:chOff x="4385464" y="4542790"/>
+            <a:chExt cx="696569" cy="578601"/>
+          </a:xfrm>
+        </p:grpSpPr>
+        <p:pic>
+          <p:nvPicPr>
+            <p:cNvPr id="75" name="Рисунок 74">
+              <a:extLst>
+                <a:ext uri="{FF2B5EF4-FFF2-40B4-BE49-F238E27FC236}">
+                  <a16:creationId xmlns:a16="http://schemas.microsoft.com/office/drawing/2014/main" id="{8312DCF4-FBCF-4B1F-A78C-D175194FE386}"/>
+                </a:ext>
+              </a:extLst>
+            </p:cNvPr>
+            <p:cNvPicPr>
+              <a:picLocks noChangeAspect="1"/>
+            </p:cNvPicPr>
+            <p:nvPr/>
+          </p:nvPicPr>
+          <p:blipFill>
+            <a:blip r:embed="rId3"/>
+            <a:stretch>
+              <a:fillRect/>
+            </a:stretch>
+          </p:blipFill>
+          <p:spPr>
+            <a:xfrm>
+              <a:off x="4437129" y="4542790"/>
+              <a:ext cx="593241" cy="419223"/>
+            </a:xfrm>
+            <a:prstGeom prst="rect">
+              <a:avLst/>
+            </a:prstGeom>
+          </p:spPr>
+        </p:pic>
+        <p:sp>
+          <p:nvSpPr>
+            <p:cNvPr id="76" name="TextBox 75">
+              <a:extLst>
+                <a:ext uri="{FF2B5EF4-FFF2-40B4-BE49-F238E27FC236}">
+                  <a16:creationId xmlns:a16="http://schemas.microsoft.com/office/drawing/2014/main" id="{5B4701EE-8756-4008-8672-97EF3CA0249D}"/>
+                </a:ext>
+              </a:extLst>
+            </p:cNvPr>
+            <p:cNvSpPr txBox="1"/>
+            <p:nvPr/>
+          </p:nvSpPr>
+          <p:spPr>
+            <a:xfrm>
+              <a:off x="4385464" y="4905947"/>
+              <a:ext cx="696569" cy="215444"/>
+            </a:xfrm>
+            <a:prstGeom prst="rect">
+              <a:avLst/>
+            </a:prstGeom>
+            <a:noFill/>
+          </p:spPr>
+          <p:txBody>
+            <a:bodyPr wrap="square">
+              <a:spAutoFit/>
+            </a:bodyPr>
+            <a:lstStyle/>
+            <a:p>
+              <a:pPr algn="ctr"/>
+              <a:r>
+                <a:rPr lang="ru-RU" sz="800" dirty="0"/>
+                <a:t>веб-служба</a:t>
+              </a:r>
+            </a:p>
+          </p:txBody>
+        </p:sp>
+      </p:grpSp>
+      <p:cxnSp>
+        <p:nvCxnSpPr>
+          <p:cNvPr id="77" name="Прямая со стрелкой 76">
+            <a:extLst>
+              <a:ext uri="{FF2B5EF4-FFF2-40B4-BE49-F238E27FC236}">
+                <a16:creationId xmlns:a16="http://schemas.microsoft.com/office/drawing/2014/main" id="{7A80369D-BF6E-4999-A40D-A6443BE4001F}"/>
+              </a:ext>
+            </a:extLst>
+          </p:cNvPr>
+          <p:cNvCxnSpPr>
+            <a:cxnSpLocks/>
+          </p:cNvCxnSpPr>
+          <p:nvPr/>
+        </p:nvCxnSpPr>
+        <p:spPr>
+          <a:xfrm>
+            <a:off x="2103730" y="4776014"/>
+            <a:ext cx="356498" cy="0"/>
+          </a:xfrm>
+          <a:prstGeom prst="straightConnector1">
+            <a:avLst/>
+          </a:prstGeom>
+          <a:ln w="12700">
+            <a:headEnd type="triangle"/>
+            <a:tailEnd type="triangle"/>
+          </a:ln>
+        </p:spPr>
+        <p:style>
+          <a:lnRef idx="1">
+            <a:schemeClr val="dk1"/>
+          </a:lnRef>
+          <a:fillRef idx="0">
+            <a:schemeClr val="dk1"/>
+          </a:fillRef>
+          <a:effectRef idx="0">
+            <a:schemeClr val="dk1"/>
+          </a:effectRef>
+          <a:fontRef idx="minor">
+            <a:schemeClr val="tx1"/>
+          </a:fontRef>
+        </p:style>
+      </p:cxnSp>
+      <p:cxnSp>
+        <p:nvCxnSpPr>
+          <p:cNvPr id="80" name="Прямая со стрелкой 79">
+            <a:extLst>
+              <a:ext uri="{FF2B5EF4-FFF2-40B4-BE49-F238E27FC236}">
+                <a16:creationId xmlns:a16="http://schemas.microsoft.com/office/drawing/2014/main" id="{28396798-C97D-4504-9A55-B7E2277D74CD}"/>
+              </a:ext>
+            </a:extLst>
+          </p:cNvPr>
+          <p:cNvCxnSpPr>
+            <a:cxnSpLocks/>
+          </p:cNvCxnSpPr>
+          <p:nvPr/>
+        </p:nvCxnSpPr>
+        <p:spPr>
+          <a:xfrm>
+            <a:off x="3145814" y="4763217"/>
+            <a:ext cx="435072" cy="0"/>
+          </a:xfrm>
+          <a:prstGeom prst="straightConnector1">
+            <a:avLst/>
+          </a:prstGeom>
+          <a:ln w="12700">
+            <a:headEnd type="triangle"/>
+            <a:tailEnd type="triangle"/>
+          </a:ln>
+        </p:spPr>
+        <p:style>
+          <a:lnRef idx="1">
+            <a:schemeClr val="dk1"/>
+          </a:lnRef>
+          <a:fillRef idx="0">
+            <a:schemeClr val="dk1"/>
+          </a:fillRef>
+          <a:effectRef idx="0">
+            <a:schemeClr val="dk1"/>
+          </a:effectRef>
+          <a:fontRef idx="minor">
+            <a:schemeClr val="tx1"/>
+          </a:fontRef>
+        </p:style>
+      </p:cxnSp>
+      <p:cxnSp>
+        <p:nvCxnSpPr>
+          <p:cNvPr id="82" name="Прямая со стрелкой 81">
+            <a:extLst>
+              <a:ext uri="{FF2B5EF4-FFF2-40B4-BE49-F238E27FC236}">
+                <a16:creationId xmlns:a16="http://schemas.microsoft.com/office/drawing/2014/main" id="{D1F2F275-6826-4A7A-AA00-0CFFCA416DBE}"/>
+              </a:ext>
+            </a:extLst>
+          </p:cNvPr>
+          <p:cNvCxnSpPr>
+            <a:cxnSpLocks/>
+          </p:cNvCxnSpPr>
+          <p:nvPr/>
+        </p:nvCxnSpPr>
+        <p:spPr>
+          <a:xfrm>
+            <a:off x="3145814" y="4082711"/>
+            <a:ext cx="435072" cy="0"/>
+          </a:xfrm>
+          <a:prstGeom prst="straightConnector1">
+            <a:avLst/>
+          </a:prstGeom>
+          <a:ln w="12700">
+            <a:headEnd type="triangle"/>
+            <a:tailEnd type="triangle"/>
+          </a:ln>
+        </p:spPr>
+        <p:style>
+          <a:lnRef idx="1">
+            <a:schemeClr val="dk1"/>
+          </a:lnRef>
+          <a:fillRef idx="0">
+            <a:schemeClr val="dk1"/>
+          </a:fillRef>
+          <a:effectRef idx="0">
+            <a:schemeClr val="dk1"/>
+          </a:effectRef>
+          <a:fontRef idx="minor">
+            <a:schemeClr val="tx1"/>
+          </a:fontRef>
+        </p:style>
+      </p:cxnSp>
+      <p:cxnSp>
+        <p:nvCxnSpPr>
+          <p:cNvPr id="83" name="Прямая со стрелкой 82">
+            <a:extLst>
+              <a:ext uri="{FF2B5EF4-FFF2-40B4-BE49-F238E27FC236}">
+                <a16:creationId xmlns:a16="http://schemas.microsoft.com/office/drawing/2014/main" id="{B90E2252-BA70-4F04-97AC-BFEAFEE2D32A}"/>
+              </a:ext>
+            </a:extLst>
+          </p:cNvPr>
+          <p:cNvCxnSpPr>
+            <a:cxnSpLocks/>
+          </p:cNvCxnSpPr>
+          <p:nvPr/>
+        </p:nvCxnSpPr>
+        <p:spPr>
+          <a:xfrm flipV="1">
+            <a:off x="2103730" y="4221088"/>
+            <a:ext cx="356498" cy="347958"/>
+          </a:xfrm>
+          <a:prstGeom prst="straightConnector1">
+            <a:avLst/>
+          </a:prstGeom>
+          <a:ln w="12700">
+            <a:headEnd type="triangle"/>
+            <a:tailEnd type="triangle"/>
+          </a:ln>
+        </p:spPr>
+        <p:style>
+          <a:lnRef idx="1">
+            <a:schemeClr val="dk1"/>
+          </a:lnRef>
+          <a:fillRef idx="0">
+            <a:schemeClr val="dk1"/>
+          </a:fillRef>
+          <a:effectRef idx="0">
+            <a:schemeClr val="dk1"/>
+          </a:effectRef>
+          <a:fontRef idx="minor">
+            <a:schemeClr val="tx1"/>
+          </a:fontRef>
+        </p:style>
+      </p:cxnSp>
+      <p:cxnSp>
+        <p:nvCxnSpPr>
+          <p:cNvPr id="85" name="Прямая со стрелкой 84">
+            <a:extLst>
+              <a:ext uri="{FF2B5EF4-FFF2-40B4-BE49-F238E27FC236}">
+                <a16:creationId xmlns:a16="http://schemas.microsoft.com/office/drawing/2014/main" id="{13A896DC-5672-420A-958B-24FDC120D2ED}"/>
+              </a:ext>
+            </a:extLst>
+          </p:cNvPr>
+          <p:cNvCxnSpPr>
+            <a:cxnSpLocks/>
+          </p:cNvCxnSpPr>
+          <p:nvPr/>
+        </p:nvCxnSpPr>
+        <p:spPr>
+          <a:xfrm>
+            <a:off x="2110099" y="4970186"/>
+            <a:ext cx="1448923" cy="562269"/>
+          </a:xfrm>
+          <a:prstGeom prst="straightConnector1">
+            <a:avLst/>
+          </a:prstGeom>
+          <a:ln w="12700">
+            <a:headEnd type="triangle"/>
+            <a:tailEnd type="triangle"/>
+          </a:ln>
+        </p:spPr>
+        <p:style>
+          <a:lnRef idx="1">
+            <a:schemeClr val="dk1"/>
+          </a:lnRef>
+          <a:fillRef idx="0">
+            <a:schemeClr val="dk1"/>
+          </a:fillRef>
+          <a:effectRef idx="0">
+            <a:schemeClr val="dk1"/>
+          </a:effectRef>
+          <a:fontRef idx="minor">
+            <a:schemeClr val="tx1"/>
+          </a:fontRef>
+        </p:style>
+      </p:cxnSp>
+      <p:sp>
+        <p:nvSpPr>
+          <p:cNvPr id="88" name="Стрелка: вправо 87">
+            <a:extLst>
+              <a:ext uri="{FF2B5EF4-FFF2-40B4-BE49-F238E27FC236}">
+                <a16:creationId xmlns:a16="http://schemas.microsoft.com/office/drawing/2014/main" id="{C755415F-876A-4359-9D48-0AADD8683B52}"/>
+              </a:ext>
+            </a:extLst>
+          </p:cNvPr>
+          <p:cNvSpPr/>
+          <p:nvPr/>
+        </p:nvSpPr>
+        <p:spPr>
+          <a:xfrm>
+            <a:off x="4344882" y="4647742"/>
+            <a:ext cx="505808" cy="230949"/>
+          </a:xfrm>
+          <a:prstGeom prst="rightArrow">
+            <a:avLst/>
+          </a:prstGeom>
+        </p:spPr>
+        <p:style>
+          <a:lnRef idx="2">
+            <a:schemeClr val="dk1"/>
+          </a:lnRef>
+          <a:fillRef idx="1">
+            <a:schemeClr val="lt1"/>
+          </a:fillRef>
+          <a:effectRef idx="0">
+            <a:schemeClr val="dk1"/>
+          </a:effectRef>
+          <a:fontRef idx="minor">
+            <a:schemeClr val="dk1"/>
+          </a:fontRef>
+        </p:style>
+        <p:txBody>
+          <a:bodyPr rtlCol="0" anchor="ctr"/>
+          <a:lstStyle/>
+          <a:p>
+            <a:pPr algn="ctr"/>
+            <a:endParaRPr lang="ru-RU"/>
           </a:p>
         </p:txBody>
       </p:sp>
@@ -18047,13 +19890,8 @@
             </a:pPr>
             <a:r>
               <a:rPr lang="ru-RU" dirty="0"/>
-              <a:t>Мясников М.А. Разработка веб-службы для доступа к электронной почте на основе двухфакторной аутентификации. Актуальные проблемы информатизации в цифровой экономике и научных исследованиях. Международная научно-практическая конференция 2021. Материалы </a:t>
+              <a:t>Мясников М.А. Разработка веб-службы для доступа к электронной почте на основе двухфакторной аутентификации. Актуальные проблемы информатизации в цифровой экономике и научных исследованиях. Международная научно-практическая конференция 2021. Материалы научных докладов. </a:t>
             </a:r>
-            <a:r>
-              <a:rPr lang="ru-RU"/>
-              <a:t>научных докладов. </a:t>
-            </a:r>
-            <a:endParaRPr lang="ru-RU" dirty="0"/>
           </a:p>
           <a:p>
             <a:pPr marL="177800" indent="-177800">

--- a/УП-Презентация.pptx
+++ b/УП-Презентация.pptx
@@ -142,7 +142,7 @@
   <pc:docChgLst>
     <pc:chgData name="Максим Мясников" userId="eb1110bc54b184a5" providerId="LiveId" clId="{A2428F48-EFAB-4F7A-AA4A-4DF7BB9402D9}"/>
     <pc:docChg chg="undo redo custSel addSld delSld modSld">
-      <pc:chgData name="Максим Мясников" userId="eb1110bc54b184a5" providerId="LiveId" clId="{A2428F48-EFAB-4F7A-AA4A-4DF7BB9402D9}" dt="2021-12-19T11:44:32.692" v="2825" actId="13822"/>
+      <pc:chgData name="Максим Мясников" userId="eb1110bc54b184a5" providerId="LiveId" clId="{A2428F48-EFAB-4F7A-AA4A-4DF7BB9402D9}" dt="2021-12-19T13:49:56.431" v="2850" actId="20577"/>
       <pc:docMkLst>
         <pc:docMk/>
       </pc:docMkLst>
@@ -186,7 +186,7 @@
         </pc:graphicFrameChg>
       </pc:sldChg>
       <pc:sldChg chg="addSp delSp modSp mod">
-        <pc:chgData name="Максим Мясников" userId="eb1110bc54b184a5" providerId="LiveId" clId="{A2428F48-EFAB-4F7A-AA4A-4DF7BB9402D9}" dt="2021-12-19T11:44:32.692" v="2825" actId="13822"/>
+        <pc:chgData name="Максим Мясников" userId="eb1110bc54b184a5" providerId="LiveId" clId="{A2428F48-EFAB-4F7A-AA4A-4DF7BB9402D9}" dt="2021-12-19T13:29:56.677" v="2829" actId="20577"/>
         <pc:sldMkLst>
           <pc:docMk/>
           <pc:sldMk cId="0" sldId="257"/>
@@ -208,7 +208,7 @@
           </ac:spMkLst>
         </pc:spChg>
         <pc:spChg chg="add mod">
-          <ac:chgData name="Максим Мясников" userId="eb1110bc54b184a5" providerId="LiveId" clId="{A2428F48-EFAB-4F7A-AA4A-4DF7BB9402D9}" dt="2021-12-19T10:41:27.076" v="2720" actId="1076"/>
+          <ac:chgData name="Максим Мясников" userId="eb1110bc54b184a5" providerId="LiveId" clId="{A2428F48-EFAB-4F7A-AA4A-4DF7BB9402D9}" dt="2021-12-19T13:29:56.677" v="2829" actId="20577"/>
           <ac:spMkLst>
             <pc:docMk/>
             <pc:sldMk cId="0" sldId="257"/>
@@ -728,7 +728,7 @@
         </pc:graphicFrameChg>
       </pc:sldChg>
       <pc:sldChg chg="addSp delSp modSp mod">
-        <pc:chgData name="Максим Мясников" userId="eb1110bc54b184a5" providerId="LiveId" clId="{A2428F48-EFAB-4F7A-AA4A-4DF7BB9402D9}" dt="2021-12-14T16:26:11.223" v="1644" actId="207"/>
+        <pc:chgData name="Максим Мясников" userId="eb1110bc54b184a5" providerId="LiveId" clId="{A2428F48-EFAB-4F7A-AA4A-4DF7BB9402D9}" dt="2021-12-19T13:49:56.431" v="2850" actId="20577"/>
         <pc:sldMkLst>
           <pc:docMk/>
           <pc:sldMk cId="0" sldId="260"/>
@@ -774,7 +774,7 @@
           </ac:graphicFrameMkLst>
         </pc:graphicFrameChg>
         <pc:graphicFrameChg chg="mod modGraphic">
-          <ac:chgData name="Максим Мясников" userId="eb1110bc54b184a5" providerId="LiveId" clId="{A2428F48-EFAB-4F7A-AA4A-4DF7BB9402D9}" dt="2021-12-14T16:26:11.223" v="1644" actId="207"/>
+          <ac:chgData name="Максим Мясников" userId="eb1110bc54b184a5" providerId="LiveId" clId="{A2428F48-EFAB-4F7A-AA4A-4DF7BB9402D9}" dt="2021-12-19T13:49:56.431" v="2850" actId="20577"/>
           <ac:graphicFrameMkLst>
             <pc:docMk/>
             <pc:sldMk cId="0" sldId="260"/>
@@ -791,7 +791,7 @@
         </pc:graphicFrameChg>
       </pc:sldChg>
       <pc:sldChg chg="addSp delSp modSp mod">
-        <pc:chgData name="Максим Мясников" userId="eb1110bc54b184a5" providerId="LiveId" clId="{A2428F48-EFAB-4F7A-AA4A-4DF7BB9402D9}" dt="2021-12-17T11:30:18.151" v="1833" actId="1036"/>
+        <pc:chgData name="Максим Мясников" userId="eb1110bc54b184a5" providerId="LiveId" clId="{A2428F48-EFAB-4F7A-AA4A-4DF7BB9402D9}" dt="2021-12-19T13:38:06.005" v="2833" actId="931"/>
         <pc:sldMkLst>
           <pc:docMk/>
           <pc:sldMk cId="0" sldId="261"/>
@@ -804,8 +804,8 @@
             <ac:graphicFrameMk id="7" creationId="{00000000-0000-0000-0000-000000000000}"/>
           </ac:graphicFrameMkLst>
         </pc:graphicFrameChg>
-        <pc:picChg chg="add mod">
-          <ac:chgData name="Максим Мясников" userId="eb1110bc54b184a5" providerId="LiveId" clId="{A2428F48-EFAB-4F7A-AA4A-4DF7BB9402D9}" dt="2021-12-17T11:30:18.151" v="1833" actId="1036"/>
+        <pc:picChg chg="add del mod">
+          <ac:chgData name="Максим Мясников" userId="eb1110bc54b184a5" providerId="LiveId" clId="{A2428F48-EFAB-4F7A-AA4A-4DF7BB9402D9}" dt="2021-12-19T13:37:10.088" v="2830" actId="478"/>
           <ac:picMkLst>
             <pc:docMk/>
             <pc:sldMk cId="0" sldId="261"/>
@@ -820,9 +820,25 @@
             <ac:picMk id="3" creationId="{FAB54E6F-22A1-46A8-A694-560B5C2288B3}"/>
           </ac:picMkLst>
         </pc:picChg>
+        <pc:picChg chg="add del mod">
+          <ac:chgData name="Максим Мясников" userId="eb1110bc54b184a5" providerId="LiveId" clId="{A2428F48-EFAB-4F7A-AA4A-4DF7BB9402D9}" dt="2021-12-19T13:37:34.392" v="2832" actId="478"/>
+          <ac:picMkLst>
+            <pc:docMk/>
+            <pc:sldMk cId="0" sldId="261"/>
+            <ac:picMk id="10" creationId="{A0A18723-8F76-4A3F-8525-A869D06EB85D}"/>
+          </ac:picMkLst>
+        </pc:picChg>
+        <pc:picChg chg="add mod">
+          <ac:chgData name="Максим Мясников" userId="eb1110bc54b184a5" providerId="LiveId" clId="{A2428F48-EFAB-4F7A-AA4A-4DF7BB9402D9}" dt="2021-12-19T13:38:06.005" v="2833" actId="931"/>
+          <ac:picMkLst>
+            <pc:docMk/>
+            <pc:sldMk cId="0" sldId="261"/>
+            <ac:picMk id="12" creationId="{DF7C1BBF-7AA0-4F2A-9200-36D3738EE887}"/>
+          </ac:picMkLst>
+        </pc:picChg>
       </pc:sldChg>
       <pc:sldChg chg="addSp delSp modSp mod">
-        <pc:chgData name="Максим Мясников" userId="eb1110bc54b184a5" providerId="LiveId" clId="{A2428F48-EFAB-4F7A-AA4A-4DF7BB9402D9}" dt="2021-12-17T15:21:09.442" v="1910" actId="20577"/>
+        <pc:chgData name="Максим Мясников" userId="eb1110bc54b184a5" providerId="LiveId" clId="{A2428F48-EFAB-4F7A-AA4A-4DF7BB9402D9}" dt="2021-12-19T13:45:19.790" v="2845" actId="1036"/>
         <pc:sldMkLst>
           <pc:docMk/>
           <pc:sldMk cId="0" sldId="262"/>
@@ -884,7 +900,15 @@
           </ac:grpSpMkLst>
         </pc:grpChg>
         <pc:picChg chg="add mod">
-          <ac:chgData name="Максим Мясников" userId="eb1110bc54b184a5" providerId="LiveId" clId="{A2428F48-EFAB-4F7A-AA4A-4DF7BB9402D9}" dt="2021-12-17T10:18:35.265" v="1818" actId="1036"/>
+          <ac:chgData name="Максим Мясников" userId="eb1110bc54b184a5" providerId="LiveId" clId="{A2428F48-EFAB-4F7A-AA4A-4DF7BB9402D9}" dt="2021-12-19T13:45:19.790" v="2845" actId="1036"/>
+          <ac:picMkLst>
+            <pc:docMk/>
+            <pc:sldMk cId="0" sldId="262"/>
+            <ac:picMk id="3" creationId="{07EC52BE-4AE9-497E-A7D0-3D0DD5E0CB2B}"/>
+          </ac:picMkLst>
+        </pc:picChg>
+        <pc:picChg chg="add del mod">
+          <ac:chgData name="Максим Мясников" userId="eb1110bc54b184a5" providerId="LiveId" clId="{A2428F48-EFAB-4F7A-AA4A-4DF7BB9402D9}" dt="2021-12-19T13:43:57.838" v="2834" actId="478"/>
           <ac:picMkLst>
             <pc:docMk/>
             <pc:sldMk cId="0" sldId="262"/>
@@ -6224,7 +6248,7 @@
             </a:pPr>
             <a:r>
               <a:rPr lang="ru-RU" dirty="0"/>
-              <a:t>Веб-служба предоставляющая </a:t>
+              <a:t>веб-служба предоставляющая </a:t>
             </a:r>
             <a:r>
               <a:rPr lang="en-US" dirty="0"/>
@@ -6245,7 +6269,7 @@
             </a:pPr>
             <a:r>
               <a:rPr lang="ru-RU" dirty="0"/>
-              <a:t>Взаимодействие с различными почтовыми серверами в рамках одной веб-службы.</a:t>
+              <a:t>взаимодействие с различными почтовыми серверами в рамках одной веб-службы.</a:t>
             </a:r>
           </a:p>
           <a:p>
@@ -10705,7 +10729,7 @@
           <p:nvPr>
             <p:extLst>
               <p:ext uri="{D42A27DB-BD31-4B8C-83A1-F6EECF244321}">
-                <p14:modId xmlns:p14="http://schemas.microsoft.com/office/powerpoint/2010/main" val="2771612246"/>
+                <p14:modId xmlns:p14="http://schemas.microsoft.com/office/powerpoint/2010/main" val="911326974"/>
               </p:ext>
             </p:extLst>
           </p:nvPr>
@@ -11993,7 +12017,10 @@
                     <a:lstStyle/>
                     <a:p>
                       <a:pPr algn="l"/>
-                      <a:endParaRPr lang="ru-RU" sz="1600" dirty="0"/>
+                      <a:r>
+                        <a:rPr lang="ru-RU" sz="1600" dirty="0"/>
+                        <a:t>Нет</a:t>
+                      </a:r>
                     </a:p>
                   </a:txBody>
                   <a:tcPr anchor="ctr" horzOverflow="overflow"/>
@@ -12167,6 +12194,10 @@
                     <a:lstStyle/>
                     <a:p>
                       <a:pPr algn="l"/>
+                      <a:r>
+                        <a:rPr lang="ru-RU" sz="1600"/>
+                        <a:t>Да</a:t>
+                      </a:r>
                       <a:endParaRPr lang="ru-RU" sz="1600" dirty="0"/>
                     </a:p>
                   </a:txBody>
@@ -15612,10 +15643,10 @@
       </p:sp>
       <p:pic>
         <p:nvPicPr>
-          <p:cNvPr id="3" name="Рисунок 2">
+          <p:cNvPr id="12" name="Рисунок 11">
             <a:extLst>
               <a:ext uri="{FF2B5EF4-FFF2-40B4-BE49-F238E27FC236}">
-                <a16:creationId xmlns:a16="http://schemas.microsoft.com/office/drawing/2014/main" id="{8D21F8CB-F307-493F-98CC-4931DD2BDD3D}"/>
+                <a16:creationId xmlns:a16="http://schemas.microsoft.com/office/drawing/2014/main" id="{DF7C1BBF-7AA0-4F2A-9200-36D3738EE887}"/>
               </a:ext>
             </a:extLst>
           </p:cNvPr>
@@ -15638,7 +15669,7 @@
         </p:blipFill>
         <p:spPr>
           <a:xfrm>
-            <a:off x="2466975" y="812254"/>
+            <a:off x="2466975" y="752475"/>
             <a:ext cx="4210050" cy="5353050"/>
           </a:xfrm>
           <a:prstGeom prst="rect">
@@ -18727,42 +18758,6 @@
           </a:p>
         </p:txBody>
       </p:sp>
-      <p:pic>
-        <p:nvPicPr>
-          <p:cNvPr id="58" name="Рисунок 57">
-            <a:extLst>
-              <a:ext uri="{FF2B5EF4-FFF2-40B4-BE49-F238E27FC236}">
-                <a16:creationId xmlns:a16="http://schemas.microsoft.com/office/drawing/2014/main" id="{DCDA012D-503B-46ED-8B4E-C360878AB23E}"/>
-              </a:ext>
-            </a:extLst>
-          </p:cNvPr>
-          <p:cNvPicPr>
-            <a:picLocks noChangeAspect="1"/>
-          </p:cNvPicPr>
-          <p:nvPr/>
-        </p:nvPicPr>
-        <p:blipFill>
-          <a:blip r:embed="rId2">
-            <a:extLst>
-              <a:ext uri="{28A0092B-C50C-407E-A947-70E740481C1C}">
-                <a14:useLocalDpi xmlns:a14="http://schemas.microsoft.com/office/drawing/2010/main" val="0"/>
-              </a:ext>
-            </a:extLst>
-          </a:blip>
-          <a:stretch>
-            <a:fillRect/>
-          </a:stretch>
-        </p:blipFill>
-        <p:spPr>
-          <a:xfrm>
-            <a:off x="467545" y="317319"/>
-            <a:ext cx="8426326" cy="4551841"/>
-          </a:xfrm>
-          <a:prstGeom prst="rect">
-            <a:avLst/>
-          </a:prstGeom>
-        </p:spPr>
-      </p:pic>
       <p:sp>
         <p:nvSpPr>
           <p:cNvPr id="59" name="Rectangle 26">
@@ -18957,6 +18952,42 @@
           </a:p>
         </p:txBody>
       </p:sp>
+      <p:pic>
+        <p:nvPicPr>
+          <p:cNvPr id="3" name="Рисунок 2">
+            <a:extLst>
+              <a:ext uri="{FF2B5EF4-FFF2-40B4-BE49-F238E27FC236}">
+                <a16:creationId xmlns:a16="http://schemas.microsoft.com/office/drawing/2014/main" id="{07EC52BE-4AE9-497E-A7D0-3D0DD5E0CB2B}"/>
+              </a:ext>
+            </a:extLst>
+          </p:cNvPr>
+          <p:cNvPicPr>
+            <a:picLocks noChangeAspect="1"/>
+          </p:cNvPicPr>
+          <p:nvPr/>
+        </p:nvPicPr>
+        <p:blipFill>
+          <a:blip r:embed="rId2">
+            <a:extLst>
+              <a:ext uri="{28A0092B-C50C-407E-A947-70E740481C1C}">
+                <a14:useLocalDpi xmlns:a14="http://schemas.microsoft.com/office/drawing/2010/main" val="0"/>
+              </a:ext>
+            </a:extLst>
+          </a:blip>
+          <a:stretch>
+            <a:fillRect/>
+          </a:stretch>
+        </p:blipFill>
+        <p:spPr>
+          <a:xfrm>
+            <a:off x="531810" y="305066"/>
+            <a:ext cx="8288662" cy="4564094"/>
+          </a:xfrm>
+          <a:prstGeom prst="rect">
+            <a:avLst/>
+          </a:prstGeom>
+        </p:spPr>
+      </p:pic>
     </p:spTree>
   </p:cSld>
   <p:clrMapOvr>

--- a/УП-Презентация.pptx
+++ b/УП-Презентация.pptx
@@ -142,12 +142,12 @@
   <pc:docChgLst>
     <pc:chgData name="Максим Мясников" userId="eb1110bc54b184a5" providerId="LiveId" clId="{A2428F48-EFAB-4F7A-AA4A-4DF7BB9402D9}"/>
     <pc:docChg chg="undo redo custSel addSld delSld modSld">
-      <pc:chgData name="Максим Мясников" userId="eb1110bc54b184a5" providerId="LiveId" clId="{A2428F48-EFAB-4F7A-AA4A-4DF7BB9402D9}" dt="2021-12-19T13:49:56.431" v="2850" actId="20577"/>
+      <pc:chgData name="Максим Мясников" userId="eb1110bc54b184a5" providerId="LiveId" clId="{A2428F48-EFAB-4F7A-AA4A-4DF7BB9402D9}" dt="2021-12-19T18:55:08.778" v="3132" actId="20577"/>
       <pc:docMkLst>
         <pc:docMk/>
       </pc:docMkLst>
       <pc:sldChg chg="modSp mod">
-        <pc:chgData name="Максим Мясников" userId="eb1110bc54b184a5" providerId="LiveId" clId="{A2428F48-EFAB-4F7A-AA4A-4DF7BB9402D9}" dt="2021-12-19T10:49:49.592" v="2805" actId="20577"/>
+        <pc:chgData name="Максим Мясников" userId="eb1110bc54b184a5" providerId="LiveId" clId="{A2428F48-EFAB-4F7A-AA4A-4DF7BB9402D9}" dt="2021-12-19T18:55:08.778" v="3132" actId="20577"/>
         <pc:sldMkLst>
           <pc:docMk/>
           <pc:sldMk cId="0" sldId="256"/>
@@ -169,7 +169,7 @@
           </ac:spMkLst>
         </pc:spChg>
         <pc:spChg chg="mod">
-          <ac:chgData name="Максим Мясников" userId="eb1110bc54b184a5" providerId="LiveId" clId="{A2428F48-EFAB-4F7A-AA4A-4DF7BB9402D9}" dt="2021-12-19T10:49:49.592" v="2805" actId="20577"/>
+          <ac:chgData name="Максим Мясников" userId="eb1110bc54b184a5" providerId="LiveId" clId="{A2428F48-EFAB-4F7A-AA4A-4DF7BB9402D9}" dt="2021-12-19T18:55:08.778" v="3132" actId="20577"/>
           <ac:spMkLst>
             <pc:docMk/>
             <pc:sldMk cId="0" sldId="256"/>
@@ -696,18 +696,26 @@
           </ac:cxnSpMkLst>
         </pc:cxnChg>
       </pc:sldChg>
-      <pc:sldChg chg="modSp mod">
-        <pc:chgData name="Максим Мясников" userId="eb1110bc54b184a5" providerId="LiveId" clId="{A2428F48-EFAB-4F7A-AA4A-4DF7BB9402D9}" dt="2021-12-14T16:43:06.624" v="1798" actId="20577"/>
+      <pc:sldChg chg="addSp delSp modSp mod">
+        <pc:chgData name="Максим Мясников" userId="eb1110bc54b184a5" providerId="LiveId" clId="{A2428F48-EFAB-4F7A-AA4A-4DF7BB9402D9}" dt="2021-12-19T18:40:47.789" v="2996" actId="1037"/>
         <pc:sldMkLst>
           <pc:docMk/>
           <pc:sldMk cId="0" sldId="258"/>
         </pc:sldMkLst>
         <pc:spChg chg="mod">
-          <ac:chgData name="Максим Мясников" userId="eb1110bc54b184a5" providerId="LiveId" clId="{A2428F48-EFAB-4F7A-AA4A-4DF7BB9402D9}" dt="2021-12-14T16:43:06.624" v="1798" actId="20577"/>
+          <ac:chgData name="Максим Мясников" userId="eb1110bc54b184a5" providerId="LiveId" clId="{A2428F48-EFAB-4F7A-AA4A-4DF7BB9402D9}" dt="2021-12-19T18:40:47.789" v="2996" actId="1037"/>
           <ac:spMkLst>
             <pc:docMk/>
             <pc:sldMk cId="0" sldId="258"/>
             <ac:spMk id="11" creationId="{00000000-0000-0000-0000-000000000000}"/>
+          </ac:spMkLst>
+        </pc:spChg>
+        <pc:spChg chg="add mod">
+          <ac:chgData name="Максим Мясников" userId="eb1110bc54b184a5" providerId="LiveId" clId="{A2428F48-EFAB-4F7A-AA4A-4DF7BB9402D9}" dt="2021-12-19T18:34:40.327" v="2928"/>
+          <ac:spMkLst>
+            <pc:docMk/>
+            <pc:sldMk cId="0" sldId="258"/>
+            <ac:spMk id="13" creationId="{DF1DB415-26D2-4A63-87E1-B098F37B78D7}"/>
           </ac:spMkLst>
         </pc:spChg>
         <pc:graphicFrameChg chg="mod modGraphic">
@@ -718,8 +726,16 @@
             <ac:graphicFrameMk id="6" creationId="{00000000-0000-0000-0000-000000000000}"/>
           </ac:graphicFrameMkLst>
         </pc:graphicFrameChg>
-        <pc:graphicFrameChg chg="mod modGraphic">
-          <ac:chgData name="Максим Мясников" userId="eb1110bc54b184a5" providerId="LiveId" clId="{A2428F48-EFAB-4F7A-AA4A-4DF7BB9402D9}" dt="2021-12-14T16:31:52.408" v="1762" actId="20577"/>
+        <pc:graphicFrameChg chg="add mod modGraphic">
+          <ac:chgData name="Максим Мясников" userId="eb1110bc54b184a5" providerId="LiveId" clId="{A2428F48-EFAB-4F7A-AA4A-4DF7BB9402D9}" dt="2021-12-19T18:37:57.261" v="2982" actId="20577"/>
+          <ac:graphicFrameMkLst>
+            <pc:docMk/>
+            <pc:sldMk cId="0" sldId="258"/>
+            <ac:graphicFrameMk id="12" creationId="{DD6B6668-7B1C-4059-ABA9-AE6C6503F29B}"/>
+          </ac:graphicFrameMkLst>
+        </pc:graphicFrameChg>
+        <pc:graphicFrameChg chg="del mod modGraphic">
+          <ac:chgData name="Максим Мясников" userId="eb1110bc54b184a5" providerId="LiveId" clId="{A2428F48-EFAB-4F7A-AA4A-4DF7BB9402D9}" dt="2021-12-19T18:32:01.650" v="2851" actId="478"/>
           <ac:graphicFrameMkLst>
             <pc:docMk/>
             <pc:sldMk cId="0" sldId="258"/>
@@ -5049,7 +5065,15 @@
             </a:r>
             <a:r>
               <a:rPr lang="ru-RU" sz="2000" dirty="0"/>
-              <a:t> повышения уровня простоты интеграции функционала доступа к электронной почте в другие приложения</a:t>
+              <a:t> повышение скорости </a:t>
+            </a:r>
+            <a:r>
+              <a:rPr lang="ru-RU" sz="2000"/>
+              <a:t>разработки приложений, </a:t>
+            </a:r>
+            <a:r>
+              <a:rPr lang="ru-RU" sz="2000" dirty="0"/>
+              <a:t>включающих в себя работу с различными почтовыми серверами и почтовыми ящиками</a:t>
             </a:r>
           </a:p>
           <a:p>
@@ -8625,8 +8649,8 @@
         </p:nvSpPr>
         <p:spPr>
           <a:xfrm>
-            <a:off x="467544" y="5877272"/>
-            <a:ext cx="4464496" cy="646331"/>
+            <a:off x="539552" y="5877272"/>
+            <a:ext cx="4464496" cy="738664"/>
           </a:xfrm>
           <a:prstGeom prst="rect">
             <a:avLst/>
@@ -8640,986 +8664,221 @@
           <a:lstStyle/>
           <a:p>
             <a:r>
-              <a:rPr lang="ru-RU" sz="1200" dirty="0"/>
+              <a:rPr lang="ru-RU" sz="1050" dirty="0"/>
               <a:t>Источники информации:</a:t>
             </a:r>
           </a:p>
           <a:p>
             <a:r>
-              <a:rPr lang="en-US" sz="1200" dirty="0"/>
+              <a:rPr lang="en-US" sz="1050" dirty="0"/>
               <a:t>[1] </a:t>
             </a:r>
             <a:r>
-              <a:rPr lang="ru-RU" sz="1200" dirty="0">
+              <a:rPr lang="ru-RU" sz="1050" dirty="0">
                 <a:hlinkClick r:id="rId2"/>
               </a:rPr>
               <a:t>https://docs.microsoft.com/ru-ru/graph/</a:t>
             </a:r>
             <a:r>
-              <a:rPr lang="en-US" sz="1200" dirty="0"/>
+              <a:rPr lang="en-US" sz="1050" dirty="0"/>
               <a:t> </a:t>
             </a:r>
-            <a:endParaRPr lang="ru-RU" sz="1200" dirty="0"/>
+            <a:endParaRPr lang="ru-RU" sz="1050" dirty="0"/>
           </a:p>
           <a:p>
             <a:r>
-              <a:rPr lang="en-US" sz="1200" dirty="0"/>
+              <a:rPr lang="en-US" sz="1050" dirty="0"/>
               <a:t>[2] </a:t>
             </a:r>
             <a:r>
-              <a:rPr lang="en-US" sz="1200" dirty="0">
+              <a:rPr lang="en-US" sz="1050" dirty="0">
                 <a:hlinkClick r:id="rId3"/>
               </a:rPr>
-              <a:t>https://developers.google.com/gmail</a:t>
+              <a:t>https://developers.google.com/gmail/api</a:t>
+            </a:r>
+            <a:endParaRPr lang="en-US" sz="1050" dirty="0"/>
+          </a:p>
+          <a:p>
+            <a:r>
+              <a:rPr lang="en-US" sz="1050" dirty="0"/>
+              <a:t>[3] </a:t>
             </a:r>
             <a:r>
-              <a:rPr lang="en-US" sz="1200">
-                <a:hlinkClick r:id="rId3"/>
+              <a:rPr lang="en-US" sz="1050" dirty="0">
+                <a:hlinkClick r:id="rId4"/>
               </a:rPr>
-              <a:t>/api</a:t>
+              <a:t>https://biz.mail.ru/developer/api.html</a:t>
             </a:r>
             <a:r>
-              <a:rPr lang="en-US" sz="1200"/>
-              <a:t> </a:t>
+              <a:rPr lang="en-US" sz="1050" dirty="0"/>
+              <a:t>  </a:t>
             </a:r>
-            <a:endParaRPr lang="en-US" sz="1200" dirty="0"/>
           </a:p>
         </p:txBody>
       </p:sp>
       <p:graphicFrame>
         <p:nvGraphicFramePr>
-          <p:cNvPr id="14" name="Таблица 13"/>
+          <p:cNvPr id="12" name="Таблица 11">
+            <a:extLst>
+              <a:ext uri="{FF2B5EF4-FFF2-40B4-BE49-F238E27FC236}">
+                <a16:creationId xmlns:a16="http://schemas.microsoft.com/office/drawing/2014/main" id="{DD6B6668-7B1C-4059-ABA9-AE6C6503F29B}"/>
+              </a:ext>
+            </a:extLst>
+          </p:cNvPr>
           <p:cNvGraphicFramePr>
             <a:graphicFrameLocks noGrp="1"/>
           </p:cNvGraphicFramePr>
           <p:nvPr>
             <p:extLst>
               <p:ext uri="{D42A27DB-BD31-4B8C-83A1-F6EECF244321}">
-                <p14:modId xmlns:p14="http://schemas.microsoft.com/office/powerpoint/2010/main" val="1047535462"/>
+                <p14:modId xmlns:p14="http://schemas.microsoft.com/office/powerpoint/2010/main" val="495580289"/>
               </p:ext>
             </p:extLst>
           </p:nvPr>
         </p:nvGraphicFramePr>
         <p:xfrm>
-          <a:off x="467544" y="764704"/>
-          <a:ext cx="8352928" cy="2928057"/>
+          <a:off x="467544" y="766652"/>
+          <a:ext cx="8280920" cy="4602480"/>
         </p:xfrm>
         <a:graphic>
           <a:graphicData uri="http://schemas.openxmlformats.org/drawingml/2006/table">
             <a:tbl>
-              <a:tblPr/>
+              <a:tblPr firstRow="1" bandRow="1">
+                <a:tableStyleId>{D7AC3CCA-C797-4891-BE02-D94E43425B78}</a:tableStyleId>
+              </a:tblPr>
               <a:tblGrid>
-                <a:gridCol w="1944216">
+                <a:gridCol w="2397108">
                   <a:extLst>
                     <a:ext uri="{9D8B030D-6E8A-4147-A177-3AD203B41FA5}">
                       <a16:colId xmlns:a16="http://schemas.microsoft.com/office/drawing/2014/main" val="20000"/>
                     </a:ext>
                   </a:extLst>
                 </a:gridCol>
-                <a:gridCol w="2229795">
+                <a:gridCol w="1491324">
                   <a:extLst>
                     <a:ext uri="{9D8B030D-6E8A-4147-A177-3AD203B41FA5}">
                       <a16:colId xmlns:a16="http://schemas.microsoft.com/office/drawing/2014/main" val="20001"/>
                     </a:ext>
                   </a:extLst>
                 </a:gridCol>
-                <a:gridCol w="2785944">
+                <a:gridCol w="1296144">
                   <a:extLst>
                     <a:ext uri="{9D8B030D-6E8A-4147-A177-3AD203B41FA5}">
                       <a16:colId xmlns:a16="http://schemas.microsoft.com/office/drawing/2014/main" val="20002"/>
                     </a:ext>
                   </a:extLst>
                 </a:gridCol>
-                <a:gridCol w="1392973">
+                <a:gridCol w="1425632">
                   <a:extLst>
                     <a:ext uri="{9D8B030D-6E8A-4147-A177-3AD203B41FA5}">
                       <a16:colId xmlns:a16="http://schemas.microsoft.com/office/drawing/2014/main" val="20003"/>
                     </a:ext>
                   </a:extLst>
                 </a:gridCol>
+                <a:gridCol w="1670712">
+                  <a:extLst>
+                    <a:ext uri="{9D8B030D-6E8A-4147-A177-3AD203B41FA5}">
+                      <a16:colId xmlns:a16="http://schemas.microsoft.com/office/drawing/2014/main" val="1505116884"/>
+                    </a:ext>
+                  </a:extLst>
+                </a:gridCol>
               </a:tblGrid>
-              <a:tr h="680371">
+              <a:tr h="130843">
                 <a:tc>
                   <a:txBody>
                     <a:bodyPr/>
                     <a:lstStyle/>
                     <a:p>
-                      <a:pPr>
+                      <a:pPr marL="342900" marR="0" lvl="0" indent="-342900" algn="l" defTabSz="914400" rtl="0" eaLnBrk="1" fontAlgn="base" latinLnBrk="0" hangingPunct="1">
                         <a:lnSpc>
-                          <a:spcPct val="115000"/>
+                          <a:spcPct val="100000"/>
                         </a:lnSpc>
+                        <a:spcBef>
+                          <a:spcPct val="0"/>
+                        </a:spcBef>
                         <a:spcAft>
-                          <a:spcPts val="0"/>
+                          <a:spcPct val="0"/>
                         </a:spcAft>
+                        <a:buClrTx/>
+                        <a:buSzTx/>
+                        <a:buFontTx/>
+                        <a:buNone/>
+                        <a:tabLst/>
                       </a:pPr>
                       <a:r>
-                        <a:rPr lang="ru-RU" sz="1600" b="1" dirty="0">
-                          <a:latin typeface="Times New Roman"/>
-                          <a:ea typeface="Times New Roman"/>
-                          <a:cs typeface="Mangal"/>
+                        <a:rPr kumimoji="0" lang="ru-RU" sz="1100" u="none" strike="noStrike" cap="none" normalizeH="0" baseline="0" dirty="0">
+                          <a:ln>
+                            <a:noFill/>
+                          </a:ln>
+                          <a:effectLst/>
                         </a:rPr>
-                        <a:t>Название </a:t>
+                        <a:t>Критерий</a:t>
                       </a:r>
+                      <a:endParaRPr kumimoji="0" lang="ru-RU" sz="1600" b="0" i="0" u="none" strike="noStrike" cap="none" normalizeH="0" baseline="0" dirty="0">
+                        <a:ln>
+                          <a:noFill/>
+                        </a:ln>
+                        <a:solidFill>
+                          <a:schemeClr val="tx1"/>
+                        </a:solidFill>
+                        <a:effectLst/>
+                        <a:latin typeface="+mn-lt"/>
+                      </a:endParaRPr>
                     </a:p>
                   </a:txBody>
-                  <a:tcPr anchor="ctr">
-                    <a:lnL w="12700" cap="flat" cmpd="sng" algn="ctr">
-                      <a:solidFill>
-                        <a:srgbClr val="000000"/>
-                      </a:solidFill>
-                      <a:prstDash val="solid"/>
-                      <a:round/>
-                      <a:headEnd type="none" w="med" len="med"/>
-                      <a:tailEnd type="none" w="med" len="med"/>
-                    </a:lnL>
-                    <a:lnR w="12700" cap="flat" cmpd="sng" algn="ctr">
-                      <a:solidFill>
-                        <a:srgbClr val="000000"/>
-                      </a:solidFill>
-                      <a:prstDash val="solid"/>
-                      <a:round/>
-                      <a:headEnd type="none" w="med" len="med"/>
-                      <a:tailEnd type="none" w="med" len="med"/>
-                    </a:lnR>
-                    <a:lnT w="12700" cap="flat" cmpd="sng" algn="ctr">
-                      <a:solidFill>
-                        <a:srgbClr val="000000"/>
-                      </a:solidFill>
-                      <a:prstDash val="solid"/>
-                      <a:round/>
-                      <a:headEnd type="none" w="med" len="med"/>
-                      <a:tailEnd type="none" w="med" len="med"/>
-                    </a:lnT>
-                    <a:lnB w="12700" cap="flat" cmpd="sng" algn="ctr">
-                      <a:solidFill>
-                        <a:srgbClr val="000000"/>
-                      </a:solidFill>
-                      <a:prstDash val="solid"/>
-                      <a:round/>
-                      <a:headEnd type="none" w="med" len="med"/>
-                      <a:tailEnd type="none" w="med" len="med"/>
-                    </a:lnB>
-                    <a:solidFill>
-                      <a:srgbClr val="E7E7E7"/>
-                    </a:solidFill>
-                  </a:tcPr>
+                  <a:tcPr anchor="ctr" horzOverflow="overflow"/>
                 </a:tc>
                 <a:tc>
                   <a:txBody>
                     <a:bodyPr/>
                     <a:lstStyle/>
                     <a:p>
-                      <a:pPr>
+                      <a:pPr marL="342900" marR="0" lvl="0" indent="-342900" algn="l" defTabSz="914400" rtl="0" eaLnBrk="1" fontAlgn="base" latinLnBrk="0" hangingPunct="1">
                         <a:lnSpc>
-                          <a:spcPct val="115000"/>
+                          <a:spcPct val="100000"/>
                         </a:lnSpc>
+                        <a:spcBef>
+                          <a:spcPct val="0"/>
+                        </a:spcBef>
                         <a:spcAft>
-                          <a:spcPts val="0"/>
+                          <a:spcPct val="0"/>
                         </a:spcAft>
+                        <a:buClrTx/>
+                        <a:buSzTx/>
+                        <a:buFontTx/>
+                        <a:buNone/>
+                        <a:tabLst/>
                       </a:pPr>
                       <a:r>
-                        <a:rPr lang="ru-RU" sz="1600" b="1" dirty="0">
-                          <a:latin typeface="Times New Roman"/>
-                          <a:ea typeface="Times New Roman"/>
-                          <a:cs typeface="Mangal"/>
-                        </a:rPr>
-                        <a:t>Поддерживаемые языки </a:t>
-                      </a:r>
-                    </a:p>
-                  </a:txBody>
-                  <a:tcPr anchor="ctr">
-                    <a:lnL w="12700" cap="flat" cmpd="sng" algn="ctr">
-                      <a:solidFill>
-                        <a:srgbClr val="000000"/>
-                      </a:solidFill>
-                      <a:prstDash val="solid"/>
-                      <a:round/>
-                      <a:headEnd type="none" w="med" len="med"/>
-                      <a:tailEnd type="none" w="med" len="med"/>
-                    </a:lnL>
-                    <a:lnR w="12700" cap="flat" cmpd="sng" algn="ctr">
-                      <a:solidFill>
-                        <a:srgbClr val="000000"/>
-                      </a:solidFill>
-                      <a:prstDash val="solid"/>
-                      <a:round/>
-                      <a:headEnd type="none" w="med" len="med"/>
-                      <a:tailEnd type="none" w="med" len="med"/>
-                    </a:lnR>
-                    <a:lnT w="12700" cap="flat" cmpd="sng" algn="ctr">
-                      <a:solidFill>
-                        <a:srgbClr val="000000"/>
-                      </a:solidFill>
-                      <a:prstDash val="solid"/>
-                      <a:round/>
-                      <a:headEnd type="none" w="med" len="med"/>
-                      <a:tailEnd type="none" w="med" len="med"/>
-                    </a:lnT>
-                    <a:lnB w="12700" cap="flat" cmpd="sng" algn="ctr">
-                      <a:solidFill>
-                        <a:srgbClr val="000000"/>
-                      </a:solidFill>
-                      <a:prstDash val="solid"/>
-                      <a:round/>
-                      <a:headEnd type="none" w="med" len="med"/>
-                      <a:tailEnd type="none" w="med" len="med"/>
-                    </a:lnB>
-                    <a:solidFill>
-                      <a:srgbClr val="E7E7E7"/>
-                    </a:solidFill>
-                  </a:tcPr>
-                </a:tc>
-                <a:tc>
-                  <a:txBody>
-                    <a:bodyPr/>
-                    <a:lstStyle/>
-                    <a:p>
-                      <a:pPr>
-                        <a:lnSpc>
-                          <a:spcPct val="115000"/>
-                        </a:lnSpc>
-                        <a:spcAft>
-                          <a:spcPts val="0"/>
-                        </a:spcAft>
-                      </a:pPr>
-                      <a:r>
-                        <a:rPr lang="ru-RU" sz="1600" b="1" dirty="0">
-                          <a:latin typeface="Times New Roman"/>
-                          <a:ea typeface="Times New Roman"/>
-                          <a:cs typeface="Mangal"/>
-                        </a:rPr>
-                        <a:t>Способ использования </a:t>
-                      </a:r>
-                    </a:p>
-                  </a:txBody>
-                  <a:tcPr anchor="ctr">
-                    <a:lnL w="12700" cap="flat" cmpd="sng" algn="ctr">
-                      <a:solidFill>
-                        <a:srgbClr val="000000"/>
-                      </a:solidFill>
-                      <a:prstDash val="solid"/>
-                      <a:round/>
-                      <a:headEnd type="none" w="med" len="med"/>
-                      <a:tailEnd type="none" w="med" len="med"/>
-                    </a:lnL>
-                    <a:lnR w="12700" cap="flat" cmpd="sng" algn="ctr">
-                      <a:solidFill>
-                        <a:srgbClr val="000000"/>
-                      </a:solidFill>
-                      <a:prstDash val="solid"/>
-                      <a:round/>
-                      <a:headEnd type="none" w="med" len="med"/>
-                      <a:tailEnd type="none" w="med" len="med"/>
-                    </a:lnR>
-                    <a:lnT w="12700" cap="flat" cmpd="sng" algn="ctr">
-                      <a:solidFill>
-                        <a:srgbClr val="000000"/>
-                      </a:solidFill>
-                      <a:prstDash val="solid"/>
-                      <a:round/>
-                      <a:headEnd type="none" w="med" len="med"/>
-                      <a:tailEnd type="none" w="med" len="med"/>
-                    </a:lnT>
-                    <a:lnB w="12700" cap="flat" cmpd="sng" algn="ctr">
-                      <a:solidFill>
-                        <a:srgbClr val="000000"/>
-                      </a:solidFill>
-                      <a:prstDash val="solid"/>
-                      <a:round/>
-                      <a:headEnd type="none" w="med" len="med"/>
-                      <a:tailEnd type="none" w="med" len="med"/>
-                    </a:lnB>
-                    <a:solidFill>
-                      <a:srgbClr val="E7E7E7"/>
-                    </a:solidFill>
-                  </a:tcPr>
-                </a:tc>
-                <a:tc>
-                  <a:txBody>
-                    <a:bodyPr/>
-                    <a:lstStyle/>
-                    <a:p>
-                      <a:pPr>
-                        <a:lnSpc>
-                          <a:spcPct val="115000"/>
-                        </a:lnSpc>
-                        <a:spcAft>
-                          <a:spcPts val="0"/>
-                        </a:spcAft>
-                      </a:pPr>
-                      <a:r>
-                        <a:rPr lang="ru-RU" sz="1600" b="1" dirty="0">
-                          <a:latin typeface="Times New Roman"/>
-                          <a:ea typeface="Times New Roman"/>
-                          <a:cs typeface="Mangal"/>
-                        </a:rPr>
-                        <a:t>Год выпуска </a:t>
-                      </a:r>
-                    </a:p>
-                  </a:txBody>
-                  <a:tcPr anchor="ctr">
-                    <a:lnL w="12700" cap="flat" cmpd="sng" algn="ctr">
-                      <a:solidFill>
-                        <a:srgbClr val="000000"/>
-                      </a:solidFill>
-                      <a:prstDash val="solid"/>
-                      <a:round/>
-                      <a:headEnd type="none" w="med" len="med"/>
-                      <a:tailEnd type="none" w="med" len="med"/>
-                    </a:lnL>
-                    <a:lnR w="12700" cap="flat" cmpd="sng" algn="ctr">
-                      <a:solidFill>
-                        <a:srgbClr val="000000"/>
-                      </a:solidFill>
-                      <a:prstDash val="solid"/>
-                      <a:round/>
-                      <a:headEnd type="none" w="med" len="med"/>
-                      <a:tailEnd type="none" w="med" len="med"/>
-                    </a:lnR>
-                    <a:lnT w="12700" cap="flat" cmpd="sng" algn="ctr">
-                      <a:solidFill>
-                        <a:srgbClr val="000000"/>
-                      </a:solidFill>
-                      <a:prstDash val="solid"/>
-                      <a:round/>
-                      <a:headEnd type="none" w="med" len="med"/>
-                      <a:tailEnd type="none" w="med" len="med"/>
-                    </a:lnT>
-                    <a:lnB w="12700" cap="flat" cmpd="sng" algn="ctr">
-                      <a:solidFill>
-                        <a:srgbClr val="000000"/>
-                      </a:solidFill>
-                      <a:prstDash val="solid"/>
-                      <a:round/>
-                      <a:headEnd type="none" w="med" len="med"/>
-                      <a:tailEnd type="none" w="med" len="med"/>
-                    </a:lnB>
-                    <a:solidFill>
-                      <a:srgbClr val="E7E7E7"/>
-                    </a:solidFill>
-                  </a:tcPr>
-                </a:tc>
-                <a:extLst>
-                  <a:ext uri="{0D108BD9-81ED-4DB2-BD59-A6C34878D82A}">
-                    <a16:rowId xmlns:a16="http://schemas.microsoft.com/office/drawing/2014/main" val="10000"/>
-                  </a:ext>
-                </a:extLst>
-              </a:tr>
-              <a:tr h="641993">
-                <a:tc>
-                  <a:txBody>
-                    <a:bodyPr/>
-                    <a:lstStyle/>
-                    <a:p>
-                      <a:pPr>
-                        <a:lnSpc>
-                          <a:spcPct val="115000"/>
-                        </a:lnSpc>
-                        <a:spcAft>
-                          <a:spcPts val="0"/>
-                        </a:spcAft>
-                      </a:pPr>
-                      <a:r>
-                        <a:rPr lang="en-US" sz="1600" kern="1200" dirty="0">
+                        <a:rPr kumimoji="0" lang="ru-RU" sz="1400" b="1" u="none" strike="noStrike" kern="1200" cap="none" normalizeH="0" baseline="0" dirty="0">
+                          <a:ln>
+                            <a:noFill/>
+                          </a:ln>
                           <a:solidFill>
-                            <a:schemeClr val="dk1"/>
+                            <a:schemeClr val="bg1"/>
                           </a:solidFill>
+                          <a:effectLst/>
                           <a:latin typeface="+mn-lt"/>
                           <a:ea typeface="+mn-ea"/>
                           <a:cs typeface="+mn-cs"/>
                         </a:rPr>
-                        <a:t>Microsoft Graph</a:t>
+                        <a:t>ВС ДЭП</a:t>
                       </a:r>
-                      <a:r>
-                        <a:rPr lang="en-US" sz="1600" baseline="30000" dirty="0">
-                          <a:latin typeface="+mn-lt"/>
-                          <a:ea typeface="Times New Roman"/>
-                          <a:cs typeface="Mangal"/>
-                        </a:rPr>
-                        <a:t>[1]</a:t>
-                      </a:r>
-                      <a:r>
-                        <a:rPr lang="ru-RU" sz="1600" baseline="30000" dirty="0">
-                          <a:latin typeface="+mn-lt"/>
-                          <a:ea typeface="Times New Roman"/>
-                          <a:cs typeface="Mangal"/>
-                        </a:rPr>
-                        <a:t> </a:t>
-                      </a:r>
-                      <a:endParaRPr lang="ru-RU" sz="1600" baseline="30000" dirty="0">
-                        <a:latin typeface="Times New Roman"/>
-                        <a:ea typeface="Times New Roman"/>
-                        <a:cs typeface="Mangal"/>
+                      <a:endParaRPr kumimoji="0" lang="en-US" sz="1400" b="1" u="none" strike="noStrike" kern="1200" cap="none" normalizeH="0" baseline="30000" dirty="0">
+                        <a:ln>
+                          <a:noFill/>
+                        </a:ln>
+                        <a:solidFill>
+                          <a:schemeClr val="bg1"/>
+                        </a:solidFill>
+                        <a:effectLst/>
+                        <a:latin typeface="+mn-lt"/>
+                        <a:ea typeface="+mn-ea"/>
+                        <a:cs typeface="+mn-cs"/>
                       </a:endParaRPr>
                     </a:p>
                   </a:txBody>
-                  <a:tcPr anchor="ctr">
-                    <a:lnL w="12700" cap="flat" cmpd="sng" algn="ctr">
-                      <a:solidFill>
-                        <a:srgbClr val="000000"/>
-                      </a:solidFill>
-                      <a:prstDash val="solid"/>
-                      <a:round/>
-                      <a:headEnd type="none" w="med" len="med"/>
-                      <a:tailEnd type="none" w="med" len="med"/>
-                    </a:lnL>
-                    <a:lnR w="12700" cap="flat" cmpd="sng" algn="ctr">
-                      <a:solidFill>
-                        <a:srgbClr val="000000"/>
-                      </a:solidFill>
-                      <a:prstDash val="solid"/>
-                      <a:round/>
-                      <a:headEnd type="none" w="med" len="med"/>
-                      <a:tailEnd type="none" w="med" len="med"/>
-                    </a:lnR>
-                    <a:lnT w="12700" cap="flat" cmpd="sng" algn="ctr">
-                      <a:solidFill>
-                        <a:srgbClr val="000000"/>
-                      </a:solidFill>
-                      <a:prstDash val="solid"/>
-                      <a:round/>
-                      <a:headEnd type="none" w="med" len="med"/>
-                      <a:tailEnd type="none" w="med" len="med"/>
-                    </a:lnT>
-                    <a:lnB w="12700" cap="flat" cmpd="sng" algn="ctr">
-                      <a:solidFill>
-                        <a:srgbClr val="000000"/>
-                      </a:solidFill>
-                      <a:prstDash val="solid"/>
-                      <a:round/>
-                      <a:headEnd type="none" w="med" len="med"/>
-                      <a:tailEnd type="none" w="med" len="med"/>
-                    </a:lnB>
-                    <a:solidFill>
-                      <a:srgbClr val="CBCBCB"/>
-                    </a:solidFill>
-                  </a:tcPr>
-                </a:tc>
-                <a:tc>
-                  <a:txBody>
-                    <a:bodyPr/>
-                    <a:lstStyle/>
-                    <a:p>
-                      <a:endParaRPr lang="ru-RU" dirty="0"/>
-                    </a:p>
-                  </a:txBody>
-                  <a:tcPr anchor="ctr">
-                    <a:lnL w="12700" cap="flat" cmpd="sng" algn="ctr">
-                      <a:solidFill>
-                        <a:srgbClr val="000000"/>
-                      </a:solidFill>
-                      <a:prstDash val="solid"/>
-                      <a:round/>
-                      <a:headEnd type="none" w="med" len="med"/>
-                      <a:tailEnd type="none" w="med" len="med"/>
-                    </a:lnL>
-                    <a:lnR w="12700" cap="flat" cmpd="sng" algn="ctr">
-                      <a:solidFill>
-                        <a:srgbClr val="000000"/>
-                      </a:solidFill>
-                      <a:prstDash val="solid"/>
-                      <a:round/>
-                      <a:headEnd type="none" w="med" len="med"/>
-                      <a:tailEnd type="none" w="med" len="med"/>
-                    </a:lnR>
-                    <a:lnT w="12700" cap="flat" cmpd="sng" algn="ctr">
-                      <a:solidFill>
-                        <a:srgbClr val="000000"/>
-                      </a:solidFill>
-                      <a:prstDash val="solid"/>
-                      <a:round/>
-                      <a:headEnd type="none" w="med" len="med"/>
-                      <a:tailEnd type="none" w="med" len="med"/>
-                    </a:lnT>
-                    <a:lnB w="12700" cap="flat" cmpd="sng" algn="ctr">
-                      <a:solidFill>
-                        <a:srgbClr val="000000"/>
-                      </a:solidFill>
-                      <a:prstDash val="solid"/>
-                      <a:round/>
-                      <a:headEnd type="none" w="med" len="med"/>
-                      <a:tailEnd type="none" w="med" len="med"/>
-                    </a:lnB>
-                    <a:solidFill>
-                      <a:srgbClr val="CBCBCB"/>
-                    </a:solidFill>
-                  </a:tcPr>
-                </a:tc>
-                <a:tc>
-                  <a:txBody>
-                    <a:bodyPr/>
-                    <a:lstStyle/>
-                    <a:p>
-                      <a:pPr>
-                        <a:lnSpc>
-                          <a:spcPct val="115000"/>
-                        </a:lnSpc>
-                        <a:spcAft>
-                          <a:spcPts val="0"/>
-                        </a:spcAft>
-                      </a:pPr>
-                      <a:endParaRPr lang="ru-RU" sz="1600" dirty="0">
-                        <a:latin typeface="Times New Roman"/>
-                        <a:ea typeface="Times New Roman"/>
-                        <a:cs typeface="Mangal"/>
-                      </a:endParaRPr>
-                    </a:p>
-                  </a:txBody>
-                  <a:tcPr anchor="ctr">
-                    <a:lnL w="12700" cap="flat" cmpd="sng" algn="ctr">
-                      <a:solidFill>
-                        <a:srgbClr val="000000"/>
-                      </a:solidFill>
-                      <a:prstDash val="solid"/>
-                      <a:round/>
-                      <a:headEnd type="none" w="med" len="med"/>
-                      <a:tailEnd type="none" w="med" len="med"/>
-                    </a:lnL>
-                    <a:lnR w="12700" cap="flat" cmpd="sng" algn="ctr">
-                      <a:solidFill>
-                        <a:srgbClr val="000000"/>
-                      </a:solidFill>
-                      <a:prstDash val="solid"/>
-                      <a:round/>
-                      <a:headEnd type="none" w="med" len="med"/>
-                      <a:tailEnd type="none" w="med" len="med"/>
-                    </a:lnR>
-                    <a:lnT w="12700" cap="flat" cmpd="sng" algn="ctr">
-                      <a:solidFill>
-                        <a:srgbClr val="000000"/>
-                      </a:solidFill>
-                      <a:prstDash val="solid"/>
-                      <a:round/>
-                      <a:headEnd type="none" w="med" len="med"/>
-                      <a:tailEnd type="none" w="med" len="med"/>
-                    </a:lnT>
-                    <a:lnB w="12700" cap="flat" cmpd="sng" algn="ctr">
-                      <a:solidFill>
-                        <a:srgbClr val="000000"/>
-                      </a:solidFill>
-                      <a:prstDash val="solid"/>
-                      <a:round/>
-                      <a:headEnd type="none" w="med" len="med"/>
-                      <a:tailEnd type="none" w="med" len="med"/>
-                    </a:lnB>
-                    <a:solidFill>
-                      <a:srgbClr val="CBCBCB"/>
-                    </a:solidFill>
-                  </a:tcPr>
-                </a:tc>
-                <a:tc>
-                  <a:txBody>
-                    <a:bodyPr/>
-                    <a:lstStyle/>
-                    <a:p>
-                      <a:pPr>
-                        <a:lnSpc>
-                          <a:spcPct val="115000"/>
-                        </a:lnSpc>
-                        <a:spcAft>
-                          <a:spcPts val="0"/>
-                        </a:spcAft>
-                      </a:pPr>
-                      <a:r>
-                        <a:rPr lang="en-US" sz="1600" dirty="0">
-                          <a:latin typeface="Times New Roman"/>
-                          <a:ea typeface="Times New Roman"/>
-                          <a:cs typeface="Mangal"/>
-                        </a:rPr>
-                        <a:t>2014</a:t>
-                      </a:r>
-                      <a:endParaRPr lang="ru-RU" sz="1600" dirty="0">
-                        <a:latin typeface="Times New Roman"/>
-                        <a:ea typeface="Times New Roman"/>
-                        <a:cs typeface="Mangal"/>
-                      </a:endParaRPr>
-                    </a:p>
-                  </a:txBody>
-                  <a:tcPr anchor="ctr">
-                    <a:lnL w="12700" cap="flat" cmpd="sng" algn="ctr">
-                      <a:solidFill>
-                        <a:srgbClr val="000000"/>
-                      </a:solidFill>
-                      <a:prstDash val="solid"/>
-                      <a:round/>
-                      <a:headEnd type="none" w="med" len="med"/>
-                      <a:tailEnd type="none" w="med" len="med"/>
-                    </a:lnL>
-                    <a:lnR w="12700" cap="flat" cmpd="sng" algn="ctr">
-                      <a:solidFill>
-                        <a:srgbClr val="000000"/>
-                      </a:solidFill>
-                      <a:prstDash val="solid"/>
-                      <a:round/>
-                      <a:headEnd type="none" w="med" len="med"/>
-                      <a:tailEnd type="none" w="med" len="med"/>
-                    </a:lnR>
-                    <a:lnT w="12700" cap="flat" cmpd="sng" algn="ctr">
-                      <a:solidFill>
-                        <a:srgbClr val="000000"/>
-                      </a:solidFill>
-                      <a:prstDash val="solid"/>
-                      <a:round/>
-                      <a:headEnd type="none" w="med" len="med"/>
-                      <a:tailEnd type="none" w="med" len="med"/>
-                    </a:lnT>
-                    <a:lnB w="12700" cap="flat" cmpd="sng" algn="ctr">
-                      <a:solidFill>
-                        <a:srgbClr val="000000"/>
-                      </a:solidFill>
-                      <a:prstDash val="solid"/>
-                      <a:round/>
-                      <a:headEnd type="none" w="med" len="med"/>
-                      <a:tailEnd type="none" w="med" len="med"/>
-                    </a:lnB>
-                    <a:solidFill>
-                      <a:srgbClr val="CBCBCB"/>
-                    </a:solidFill>
-                  </a:tcPr>
-                </a:tc>
-                <a:extLst>
-                  <a:ext uri="{0D108BD9-81ED-4DB2-BD59-A6C34878D82A}">
-                    <a16:rowId xmlns:a16="http://schemas.microsoft.com/office/drawing/2014/main" val="10001"/>
-                  </a:ext>
-                </a:extLst>
-              </a:tr>
-              <a:tr h="641993">
-                <a:tc>
-                  <a:txBody>
-                    <a:bodyPr/>
-                    <a:lstStyle/>
-                    <a:p>
-                      <a:pPr>
-                        <a:lnSpc>
-                          <a:spcPct val="115000"/>
-                        </a:lnSpc>
-                        <a:spcAft>
-                          <a:spcPts val="0"/>
-                        </a:spcAft>
-                      </a:pPr>
-                      <a:r>
-                        <a:rPr lang="en-US" sz="1600" kern="1200" dirty="0">
-                          <a:solidFill>
-                            <a:schemeClr val="dk1"/>
-                          </a:solidFill>
-                          <a:latin typeface="+mn-lt"/>
-                          <a:ea typeface="+mn-ea"/>
-                          <a:cs typeface="+mn-cs"/>
-                        </a:rPr>
-                        <a:t>Gmail API</a:t>
-                      </a:r>
-                      <a:r>
-                        <a:rPr lang="en-US" sz="1600" baseline="30000" dirty="0">
-                          <a:latin typeface="Times New Roman"/>
-                          <a:ea typeface="Times New Roman"/>
-                          <a:cs typeface="Mangal"/>
-                        </a:rPr>
-                        <a:t>[2]</a:t>
-                      </a:r>
-                      <a:r>
-                        <a:rPr lang="ru-RU" sz="1600" baseline="30000" dirty="0">
-                          <a:latin typeface="Times New Roman"/>
-                          <a:ea typeface="Times New Roman"/>
-                          <a:cs typeface="Mangal"/>
-                        </a:rPr>
-                        <a:t> </a:t>
-                      </a:r>
-                    </a:p>
-                  </a:txBody>
-                  <a:tcPr anchor="ctr">
-                    <a:lnL w="12700" cap="flat" cmpd="sng" algn="ctr">
-                      <a:solidFill>
-                        <a:srgbClr val="000000"/>
-                      </a:solidFill>
-                      <a:prstDash val="solid"/>
-                      <a:round/>
-                      <a:headEnd type="none" w="med" len="med"/>
-                      <a:tailEnd type="none" w="med" len="med"/>
-                    </a:lnL>
-                    <a:lnR w="12700" cap="flat" cmpd="sng" algn="ctr">
-                      <a:solidFill>
-                        <a:srgbClr val="000000"/>
-                      </a:solidFill>
-                      <a:prstDash val="solid"/>
-                      <a:round/>
-                      <a:headEnd type="none" w="med" len="med"/>
-                      <a:tailEnd type="none" w="med" len="med"/>
-                    </a:lnR>
-                    <a:lnT w="12700" cap="flat" cmpd="sng" algn="ctr">
-                      <a:solidFill>
-                        <a:srgbClr val="000000"/>
-                      </a:solidFill>
-                      <a:prstDash val="solid"/>
-                      <a:round/>
-                      <a:headEnd type="none" w="med" len="med"/>
-                      <a:tailEnd type="none" w="med" len="med"/>
-                    </a:lnT>
-                    <a:lnB w="12700" cap="flat" cmpd="sng" algn="ctr">
-                      <a:solidFill>
-                        <a:srgbClr val="000000"/>
-                      </a:solidFill>
-                      <a:prstDash val="solid"/>
-                      <a:round/>
-                      <a:headEnd type="none" w="med" len="med"/>
-                      <a:tailEnd type="none" w="med" len="med"/>
-                    </a:lnB>
-                    <a:solidFill>
-                      <a:srgbClr val="E7E7E7"/>
-                    </a:solidFill>
-                  </a:tcPr>
-                </a:tc>
-                <a:tc>
-                  <a:txBody>
-                    <a:bodyPr/>
-                    <a:lstStyle/>
-                    <a:p>
-                      <a:endParaRPr lang="ru-RU" dirty="0"/>
-                    </a:p>
-                  </a:txBody>
-                  <a:tcPr anchor="ctr">
-                    <a:lnL w="12700" cap="flat" cmpd="sng" algn="ctr">
-                      <a:solidFill>
-                        <a:srgbClr val="000000"/>
-                      </a:solidFill>
-                      <a:prstDash val="solid"/>
-                      <a:round/>
-                      <a:headEnd type="none" w="med" len="med"/>
-                      <a:tailEnd type="none" w="med" len="med"/>
-                    </a:lnL>
-                    <a:lnR w="12700" cap="flat" cmpd="sng" algn="ctr">
-                      <a:solidFill>
-                        <a:srgbClr val="000000"/>
-                      </a:solidFill>
-                      <a:prstDash val="solid"/>
-                      <a:round/>
-                      <a:headEnd type="none" w="med" len="med"/>
-                      <a:tailEnd type="none" w="med" len="med"/>
-                    </a:lnR>
-                    <a:lnT w="12700" cap="flat" cmpd="sng" algn="ctr">
-                      <a:solidFill>
-                        <a:srgbClr val="000000"/>
-                      </a:solidFill>
-                      <a:prstDash val="solid"/>
-                      <a:round/>
-                      <a:headEnd type="none" w="med" len="med"/>
-                      <a:tailEnd type="none" w="med" len="med"/>
-                    </a:lnT>
-                    <a:lnB w="12700" cap="flat" cmpd="sng" algn="ctr">
-                      <a:solidFill>
-                        <a:srgbClr val="000000"/>
-                      </a:solidFill>
-                      <a:prstDash val="solid"/>
-                      <a:round/>
-                      <a:headEnd type="none" w="med" len="med"/>
-                      <a:tailEnd type="none" w="med" len="med"/>
-                    </a:lnB>
-                    <a:solidFill>
-                      <a:srgbClr val="E7E7E7"/>
-                    </a:solidFill>
-                  </a:tcPr>
-                </a:tc>
-                <a:tc>
-                  <a:txBody>
-                    <a:bodyPr/>
-                    <a:lstStyle/>
-                    <a:p>
-                      <a:pPr>
-                        <a:lnSpc>
-                          <a:spcPct val="115000"/>
-                        </a:lnSpc>
-                        <a:spcAft>
-                          <a:spcPts val="0"/>
-                        </a:spcAft>
-                      </a:pPr>
-                      <a:endParaRPr lang="ru-RU" sz="1600" dirty="0">
-                        <a:latin typeface="Times New Roman"/>
-                        <a:ea typeface="Times New Roman"/>
-                        <a:cs typeface="Mangal"/>
-                      </a:endParaRPr>
-                    </a:p>
-                  </a:txBody>
-                  <a:tcPr anchor="ctr">
-                    <a:lnL w="12700" cap="flat" cmpd="sng" algn="ctr">
-                      <a:solidFill>
-                        <a:srgbClr val="000000"/>
-                      </a:solidFill>
-                      <a:prstDash val="solid"/>
-                      <a:round/>
-                      <a:headEnd type="none" w="med" len="med"/>
-                      <a:tailEnd type="none" w="med" len="med"/>
-                    </a:lnL>
-                    <a:lnR w="12700" cap="flat" cmpd="sng" algn="ctr">
-                      <a:solidFill>
-                        <a:srgbClr val="000000"/>
-                      </a:solidFill>
-                      <a:prstDash val="solid"/>
-                      <a:round/>
-                      <a:headEnd type="none" w="med" len="med"/>
-                      <a:tailEnd type="none" w="med" len="med"/>
-                    </a:lnR>
-                    <a:lnT w="12700" cap="flat" cmpd="sng" algn="ctr">
-                      <a:solidFill>
-                        <a:srgbClr val="000000"/>
-                      </a:solidFill>
-                      <a:prstDash val="solid"/>
-                      <a:round/>
-                      <a:headEnd type="none" w="med" len="med"/>
-                      <a:tailEnd type="none" w="med" len="med"/>
-                    </a:lnT>
-                    <a:lnB w="12700" cap="flat" cmpd="sng" algn="ctr">
-                      <a:solidFill>
-                        <a:srgbClr val="000000"/>
-                      </a:solidFill>
-                      <a:prstDash val="solid"/>
-                      <a:round/>
-                      <a:headEnd type="none" w="med" len="med"/>
-                      <a:tailEnd type="none" w="med" len="med"/>
-                    </a:lnB>
-                    <a:solidFill>
-                      <a:srgbClr val="E7E7E7"/>
-                    </a:solidFill>
-                  </a:tcPr>
-                </a:tc>
-                <a:tc>
-                  <a:txBody>
-                    <a:bodyPr/>
-                    <a:lstStyle/>
-                    <a:p>
-                      <a:pPr>
-                        <a:lnSpc>
-                          <a:spcPct val="115000"/>
-                        </a:lnSpc>
-                        <a:spcAft>
-                          <a:spcPts val="0"/>
-                        </a:spcAft>
-                      </a:pPr>
-                      <a:r>
-                        <a:rPr lang="en-US" sz="1600" dirty="0">
-                          <a:latin typeface="Times New Roman"/>
-                          <a:ea typeface="Times New Roman"/>
-                          <a:cs typeface="Mangal"/>
-                        </a:rPr>
-                        <a:t>2015</a:t>
-                      </a:r>
-                      <a:endParaRPr lang="ru-RU" sz="1600" dirty="0">
-                        <a:latin typeface="Times New Roman"/>
-                        <a:ea typeface="Times New Roman"/>
-                        <a:cs typeface="Mangal"/>
-                      </a:endParaRPr>
-                    </a:p>
-                  </a:txBody>
-                  <a:tcPr anchor="ctr">
-                    <a:lnL w="12700" cap="flat" cmpd="sng" algn="ctr">
-                      <a:solidFill>
-                        <a:srgbClr val="000000"/>
-                      </a:solidFill>
-                      <a:prstDash val="solid"/>
-                      <a:round/>
-                      <a:headEnd type="none" w="med" len="med"/>
-                      <a:tailEnd type="none" w="med" len="med"/>
-                    </a:lnL>
-                    <a:lnR w="12700" cap="flat" cmpd="sng" algn="ctr">
-                      <a:solidFill>
-                        <a:srgbClr val="000000"/>
-                      </a:solidFill>
-                      <a:prstDash val="solid"/>
-                      <a:round/>
-                      <a:headEnd type="none" w="med" len="med"/>
-                      <a:tailEnd type="none" w="med" len="med"/>
-                    </a:lnR>
-                    <a:lnT w="12700" cap="flat" cmpd="sng" algn="ctr">
-                      <a:solidFill>
-                        <a:srgbClr val="000000"/>
-                      </a:solidFill>
-                      <a:prstDash val="solid"/>
-                      <a:round/>
-                      <a:headEnd type="none" w="med" len="med"/>
-                      <a:tailEnd type="none" w="med" len="med"/>
-                    </a:lnT>
-                    <a:lnB w="12700" cap="flat" cmpd="sng" algn="ctr">
-                      <a:solidFill>
-                        <a:srgbClr val="000000"/>
-                      </a:solidFill>
-                      <a:prstDash val="solid"/>
-                      <a:round/>
-                      <a:headEnd type="none" w="med" len="med"/>
-                      <a:tailEnd type="none" w="med" len="med"/>
-                    </a:lnB>
-                    <a:solidFill>
-                      <a:srgbClr val="E7E7E7"/>
-                    </a:solidFill>
-                  </a:tcPr>
-                </a:tc>
-                <a:extLst>
-                  <a:ext uri="{0D108BD9-81ED-4DB2-BD59-A6C34878D82A}">
-                    <a16:rowId xmlns:a16="http://schemas.microsoft.com/office/drawing/2014/main" val="1913462336"/>
-                  </a:ext>
-                </a:extLst>
-              </a:tr>
-              <a:tr h="963700">
-                <a:tc>
-                  <a:txBody>
-                    <a:bodyPr/>
-                    <a:lstStyle/>
-                    <a:p>
-                      <a:pPr>
-                        <a:lnSpc>
-                          <a:spcPct val="115000"/>
-                        </a:lnSpc>
-                        <a:spcAft>
-                          <a:spcPts val="0"/>
-                        </a:spcAft>
-                      </a:pPr>
-                      <a:r>
-                        <a:rPr lang="ru-RU" sz="1800" b="1" u="none" dirty="0">
-                          <a:solidFill>
-                            <a:schemeClr val="bg1"/>
-                          </a:solidFill>
-                          <a:latin typeface="Times New Roman"/>
-                          <a:ea typeface="Times New Roman"/>
-                          <a:cs typeface="Mangal"/>
-                        </a:rPr>
-                        <a:t>ВС ДЭП</a:t>
-                      </a:r>
-                    </a:p>
-                  </a:txBody>
-                  <a:tcPr anchor="ctr">
-                    <a:lnL w="12700" cap="flat" cmpd="sng" algn="ctr">
-                      <a:solidFill>
-                        <a:srgbClr val="000000"/>
-                      </a:solidFill>
-                      <a:prstDash val="solid"/>
-                      <a:round/>
-                      <a:headEnd type="none" w="med" len="med"/>
-                      <a:tailEnd type="none" w="med" len="med"/>
-                    </a:lnL>
-                    <a:lnR w="12700" cap="flat" cmpd="sng" algn="ctr">
-                      <a:solidFill>
-                        <a:srgbClr val="000000"/>
-                      </a:solidFill>
-                      <a:prstDash val="solid"/>
-                      <a:round/>
-                      <a:headEnd type="none" w="med" len="med"/>
-                      <a:tailEnd type="none" w="med" len="med"/>
-                    </a:lnR>
-                    <a:lnT w="12700" cap="flat" cmpd="sng" algn="ctr">
-                      <a:solidFill>
-                        <a:srgbClr val="000000"/>
-                      </a:solidFill>
-                      <a:prstDash val="solid"/>
-                      <a:round/>
-                      <a:headEnd type="none" w="med" len="med"/>
-                      <a:tailEnd type="none" w="med" len="med"/>
-                    </a:lnT>
-                    <a:lnB w="12700" cap="flat" cmpd="sng" algn="ctr">
-                      <a:solidFill>
-                        <a:srgbClr val="000000"/>
-                      </a:solidFill>
-                      <a:prstDash val="solid"/>
-                      <a:round/>
-                      <a:headEnd type="none" w="med" len="med"/>
-                      <a:tailEnd type="none" w="med" len="med"/>
-                    </a:lnB>
+                  <a:tcPr anchor="ctr" horzOverflow="overflow">
                     <a:solidFill>
                       <a:srgbClr val="0070C0"/>
                     </a:solidFill>
@@ -9630,46 +8889,314 @@
                     <a:bodyPr/>
                     <a:lstStyle/>
                     <a:p>
-                      <a:endParaRPr lang="ru-RU" dirty="0"/>
+                      <a:pPr marL="342900" marR="0" lvl="0" indent="-342900" algn="l" defTabSz="914400" rtl="0" eaLnBrk="1" fontAlgn="base" latinLnBrk="0" hangingPunct="1">
+                        <a:lnSpc>
+                          <a:spcPct val="100000"/>
+                        </a:lnSpc>
+                        <a:spcBef>
+                          <a:spcPct val="0"/>
+                        </a:spcBef>
+                        <a:spcAft>
+                          <a:spcPct val="0"/>
+                        </a:spcAft>
+                        <a:buClrTx/>
+                        <a:buSzTx/>
+                        <a:buFontTx/>
+                        <a:buNone/>
+                        <a:tabLst/>
+                      </a:pPr>
+                      <a:r>
+                        <a:rPr kumimoji="0" lang="en-US" sz="1400" b="1" u="none" strike="noStrike" kern="1200" cap="none" normalizeH="0" baseline="0" dirty="0">
+                          <a:ln>
+                            <a:noFill/>
+                          </a:ln>
+                          <a:solidFill>
+                            <a:schemeClr val="dk1"/>
+                          </a:solidFill>
+                          <a:effectLst/>
+                          <a:latin typeface="+mn-lt"/>
+                          <a:ea typeface="+mn-ea"/>
+                          <a:cs typeface="+mn-cs"/>
+                        </a:rPr>
+                        <a:t>Microsoft Graph</a:t>
+                      </a:r>
+                      <a:r>
+                        <a:rPr kumimoji="0" lang="en-US" sz="1400" b="1" u="none" strike="noStrike" kern="1200" cap="none" normalizeH="0" baseline="30000" dirty="0">
+                          <a:ln>
+                            <a:noFill/>
+                          </a:ln>
+                          <a:solidFill>
+                            <a:schemeClr val="dk1"/>
+                          </a:solidFill>
+                          <a:effectLst/>
+                          <a:latin typeface="+mn-lt"/>
+                          <a:ea typeface="+mn-ea"/>
+                          <a:cs typeface="+mn-cs"/>
+                        </a:rPr>
+                        <a:t>[</a:t>
+                      </a:r>
+                      <a:r>
+                        <a:rPr kumimoji="0" lang="ru-RU" sz="1400" b="1" u="none" strike="noStrike" kern="1200" cap="none" normalizeH="0" baseline="30000" dirty="0">
+                          <a:ln>
+                            <a:noFill/>
+                          </a:ln>
+                          <a:solidFill>
+                            <a:schemeClr val="dk1"/>
+                          </a:solidFill>
+                          <a:effectLst/>
+                          <a:latin typeface="+mn-lt"/>
+                          <a:ea typeface="+mn-ea"/>
+                          <a:cs typeface="+mn-cs"/>
+                        </a:rPr>
+                        <a:t>1</a:t>
+                      </a:r>
+                      <a:r>
+                        <a:rPr kumimoji="0" lang="en-US" sz="1400" b="1" u="none" strike="noStrike" kern="1200" cap="none" normalizeH="0" baseline="30000" dirty="0">
+                          <a:ln>
+                            <a:noFill/>
+                          </a:ln>
+                          <a:solidFill>
+                            <a:schemeClr val="dk1"/>
+                          </a:solidFill>
+                          <a:effectLst/>
+                          <a:latin typeface="+mn-lt"/>
+                          <a:ea typeface="+mn-ea"/>
+                          <a:cs typeface="+mn-cs"/>
+                        </a:rPr>
+                        <a:t>]</a:t>
+                      </a:r>
                     </a:p>
                   </a:txBody>
-                  <a:tcPr anchor="ctr">
-                    <a:lnL w="12700" cap="flat" cmpd="sng" algn="ctr">
-                      <a:solidFill>
-                        <a:srgbClr val="000000"/>
-                      </a:solidFill>
-                      <a:prstDash val="solid"/>
-                      <a:round/>
-                      <a:headEnd type="none" w="med" len="med"/>
-                      <a:tailEnd type="none" w="med" len="med"/>
-                    </a:lnL>
-                    <a:lnR w="12700" cap="flat" cmpd="sng" algn="ctr">
-                      <a:solidFill>
-                        <a:srgbClr val="000000"/>
-                      </a:solidFill>
-                      <a:prstDash val="solid"/>
-                      <a:round/>
-                      <a:headEnd type="none" w="med" len="med"/>
-                      <a:tailEnd type="none" w="med" len="med"/>
-                    </a:lnR>
-                    <a:lnT w="12700" cap="flat" cmpd="sng" algn="ctr">
-                      <a:solidFill>
-                        <a:srgbClr val="000000"/>
-                      </a:solidFill>
-                      <a:prstDash val="solid"/>
-                      <a:round/>
-                      <a:headEnd type="none" w="med" len="med"/>
-                      <a:tailEnd type="none" w="med" len="med"/>
-                    </a:lnT>
-                    <a:lnB w="12700" cap="flat" cmpd="sng" algn="ctr">
-                      <a:solidFill>
-                        <a:srgbClr val="000000"/>
-                      </a:solidFill>
-                      <a:prstDash val="solid"/>
-                      <a:round/>
-                      <a:headEnd type="none" w="med" len="med"/>
-                      <a:tailEnd type="none" w="med" len="med"/>
-                    </a:lnB>
+                  <a:tcPr anchor="ctr" horzOverflow="overflow"/>
+                </a:tc>
+                <a:tc>
+                  <a:txBody>
+                    <a:bodyPr/>
+                    <a:lstStyle/>
+                    <a:p>
+                      <a:pPr marL="342900" marR="0" lvl="0" indent="-342900" algn="l" defTabSz="914400" rtl="0" eaLnBrk="1" fontAlgn="base" latinLnBrk="0" hangingPunct="1">
+                        <a:lnSpc>
+                          <a:spcPct val="100000"/>
+                        </a:lnSpc>
+                        <a:spcBef>
+                          <a:spcPct val="0"/>
+                        </a:spcBef>
+                        <a:spcAft>
+                          <a:spcPct val="0"/>
+                        </a:spcAft>
+                        <a:buClrTx/>
+                        <a:buSzTx/>
+                        <a:buFontTx/>
+                        <a:buNone/>
+                        <a:tabLst/>
+                      </a:pPr>
+                      <a:r>
+                        <a:rPr kumimoji="0" lang="en-US" sz="1400" b="1" u="none" strike="noStrike" kern="1200" cap="none" normalizeH="0" baseline="0" dirty="0">
+                          <a:ln>
+                            <a:noFill/>
+                          </a:ln>
+                          <a:solidFill>
+                            <a:schemeClr val="dk1"/>
+                          </a:solidFill>
+                          <a:effectLst/>
+                          <a:latin typeface="+mn-lt"/>
+                          <a:ea typeface="+mn-ea"/>
+                          <a:cs typeface="+mn-cs"/>
+                        </a:rPr>
+                        <a:t>Gmail API</a:t>
+                      </a:r>
+                      <a:r>
+                        <a:rPr kumimoji="0" lang="en-US" sz="1400" b="1" u="none" strike="noStrike" kern="1200" cap="none" normalizeH="0" baseline="30000" dirty="0">
+                          <a:ln>
+                            <a:noFill/>
+                          </a:ln>
+                          <a:solidFill>
+                            <a:schemeClr val="dk1"/>
+                          </a:solidFill>
+                          <a:effectLst/>
+                          <a:latin typeface="+mn-lt"/>
+                          <a:ea typeface="+mn-ea"/>
+                          <a:cs typeface="+mn-cs"/>
+                        </a:rPr>
+                        <a:t>[</a:t>
+                      </a:r>
+                      <a:r>
+                        <a:rPr kumimoji="0" lang="ru-RU" sz="1400" b="1" u="none" strike="noStrike" kern="1200" cap="none" normalizeH="0" baseline="30000" dirty="0">
+                          <a:ln>
+                            <a:noFill/>
+                          </a:ln>
+                          <a:solidFill>
+                            <a:schemeClr val="dk1"/>
+                          </a:solidFill>
+                          <a:effectLst/>
+                          <a:latin typeface="+mn-lt"/>
+                          <a:ea typeface="+mn-ea"/>
+                          <a:cs typeface="+mn-cs"/>
+                        </a:rPr>
+                        <a:t>2</a:t>
+                      </a:r>
+                      <a:r>
+                        <a:rPr kumimoji="0" lang="en-US" sz="1400" b="1" u="none" strike="noStrike" kern="1200" cap="none" normalizeH="0" baseline="30000" dirty="0">
+                          <a:ln>
+                            <a:noFill/>
+                          </a:ln>
+                          <a:solidFill>
+                            <a:schemeClr val="dk1"/>
+                          </a:solidFill>
+                          <a:effectLst/>
+                          <a:latin typeface="+mn-lt"/>
+                          <a:ea typeface="+mn-ea"/>
+                          <a:cs typeface="+mn-cs"/>
+                        </a:rPr>
+                        <a:t>]</a:t>
+                      </a:r>
+                    </a:p>
+                  </a:txBody>
+                  <a:tcPr anchor="ctr" horzOverflow="overflow"/>
+                </a:tc>
+                <a:tc>
+                  <a:txBody>
+                    <a:bodyPr/>
+                    <a:lstStyle/>
+                    <a:p>
+                      <a:pPr marL="342900" marR="0" lvl="0" indent="-342900" algn="l" defTabSz="914400" rtl="0" eaLnBrk="1" fontAlgn="base" latinLnBrk="0" hangingPunct="1">
+                        <a:lnSpc>
+                          <a:spcPct val="100000"/>
+                        </a:lnSpc>
+                        <a:spcBef>
+                          <a:spcPct val="0"/>
+                        </a:spcBef>
+                        <a:spcAft>
+                          <a:spcPct val="0"/>
+                        </a:spcAft>
+                        <a:buClrTx/>
+                        <a:buSzTx/>
+                        <a:buFontTx/>
+                        <a:buNone/>
+                        <a:tabLst/>
+                      </a:pPr>
+                      <a:r>
+                        <a:rPr kumimoji="0" lang="en-US" sz="1400" b="1" u="none" strike="noStrike" kern="1200" cap="none" normalizeH="0" baseline="0" dirty="0">
+                          <a:ln>
+                            <a:noFill/>
+                          </a:ln>
+                          <a:solidFill>
+                            <a:schemeClr val="dk1"/>
+                          </a:solidFill>
+                          <a:effectLst/>
+                          <a:latin typeface="+mn-lt"/>
+                          <a:ea typeface="+mn-ea"/>
+                          <a:cs typeface="+mn-cs"/>
+                        </a:rPr>
+                        <a:t>Mail.ru </a:t>
+                      </a:r>
+                      <a:r>
+                        <a:rPr kumimoji="0" lang="ru-RU" sz="1400" b="1" u="none" strike="noStrike" kern="1200" cap="none" normalizeH="0" baseline="0" dirty="0">
+                          <a:ln>
+                            <a:noFill/>
+                          </a:ln>
+                          <a:solidFill>
+                            <a:schemeClr val="dk1"/>
+                          </a:solidFill>
+                          <a:effectLst/>
+                          <a:latin typeface="+mn-lt"/>
+                          <a:ea typeface="+mn-ea"/>
+                          <a:cs typeface="+mn-cs"/>
+                        </a:rPr>
+                        <a:t>для Бизнеса</a:t>
+                      </a:r>
+                      <a:r>
+                        <a:rPr kumimoji="0" lang="en-US" sz="1400" b="1" u="none" strike="noStrike" kern="1200" cap="none" normalizeH="0" baseline="30000" dirty="0">
+                          <a:ln>
+                            <a:noFill/>
+                          </a:ln>
+                          <a:solidFill>
+                            <a:schemeClr val="dk1"/>
+                          </a:solidFill>
+                          <a:effectLst/>
+                          <a:latin typeface="+mn-lt"/>
+                          <a:ea typeface="+mn-ea"/>
+                          <a:cs typeface="+mn-cs"/>
+                        </a:rPr>
+                        <a:t>[</a:t>
+                      </a:r>
+                      <a:r>
+                        <a:rPr kumimoji="0" lang="ru-RU" sz="1400" b="1" u="none" strike="noStrike" kern="1200" cap="none" normalizeH="0" baseline="30000" dirty="0">
+                          <a:ln>
+                            <a:noFill/>
+                          </a:ln>
+                          <a:solidFill>
+                            <a:schemeClr val="dk1"/>
+                          </a:solidFill>
+                          <a:effectLst/>
+                          <a:latin typeface="+mn-lt"/>
+                          <a:ea typeface="+mn-ea"/>
+                          <a:cs typeface="+mn-cs"/>
+                        </a:rPr>
+                        <a:t>3</a:t>
+                      </a:r>
+                      <a:r>
+                        <a:rPr kumimoji="0" lang="en-US" sz="1400" b="1" u="none" strike="noStrike" kern="1200" cap="none" normalizeH="0" baseline="30000" dirty="0">
+                          <a:ln>
+                            <a:noFill/>
+                          </a:ln>
+                          <a:solidFill>
+                            <a:schemeClr val="dk1"/>
+                          </a:solidFill>
+                          <a:effectLst/>
+                          <a:latin typeface="+mn-lt"/>
+                          <a:ea typeface="+mn-ea"/>
+                          <a:cs typeface="+mn-cs"/>
+                        </a:rPr>
+                        <a:t>]</a:t>
+                      </a:r>
+                    </a:p>
+                  </a:txBody>
+                  <a:tcPr anchor="ctr" horzOverflow="overflow"/>
+                </a:tc>
+                <a:extLst>
+                  <a:ext uri="{0D108BD9-81ED-4DB2-BD59-A6C34878D82A}">
+                    <a16:rowId xmlns:a16="http://schemas.microsoft.com/office/drawing/2014/main" val="10000"/>
+                  </a:ext>
+                </a:extLst>
+              </a:tr>
+              <a:tr h="130843">
+                <a:tc>
+                  <a:txBody>
+                    <a:bodyPr/>
+                    <a:lstStyle/>
+                    <a:p>
+                      <a:r>
+                        <a:rPr lang="ru-RU" sz="1400" dirty="0"/>
+                        <a:t>Взаимодействие с различными почтовыми серверами</a:t>
+                      </a:r>
+                    </a:p>
+                  </a:txBody>
+                  <a:tcPr anchor="ctr" horzOverflow="overflow"/>
+                </a:tc>
+                <a:tc>
+                  <a:txBody>
+                    <a:bodyPr/>
+                    <a:lstStyle/>
+                    <a:p>
+                      <a:r>
+                        <a:rPr kumimoji="0" lang="ru-RU" sz="1400" b="1" u="none" strike="noStrike" kern="1200" cap="none" normalizeH="0" baseline="0" dirty="0">
+                          <a:ln>
+                            <a:noFill/>
+                          </a:ln>
+                          <a:solidFill>
+                            <a:schemeClr val="bg1"/>
+                          </a:solidFill>
+                          <a:effectLst/>
+                          <a:latin typeface="+mn-lt"/>
+                          <a:ea typeface="+mn-ea"/>
+                          <a:cs typeface="+mn-cs"/>
+                        </a:rPr>
+                        <a:t>Да</a:t>
+                      </a:r>
+                    </a:p>
+                  </a:txBody>
+                  <a:tcPr anchor="ctr" horzOverflow="overflow">
                     <a:solidFill>
                       <a:srgbClr val="0070C0"/>
                     </a:solidFill>
@@ -9680,61 +9207,106 @@
                     <a:bodyPr/>
                     <a:lstStyle/>
                     <a:p>
-                      <a:pPr>
-                        <a:lnSpc>
-                          <a:spcPct val="115000"/>
-                        </a:lnSpc>
-                        <a:spcAft>
-                          <a:spcPts val="0"/>
-                        </a:spcAft>
-                      </a:pPr>
-                      <a:endParaRPr lang="ru-RU" sz="1800" b="1" dirty="0">
-                        <a:solidFill>
-                          <a:schemeClr val="bg1"/>
-                        </a:solidFill>
-                        <a:latin typeface="Times New Roman"/>
-                        <a:ea typeface="Times New Roman"/>
-                        <a:cs typeface="Mangal"/>
-                      </a:endParaRPr>
+                      <a:r>
+                        <a:rPr lang="ru-RU" sz="1400" dirty="0"/>
+                        <a:t>Нет,</a:t>
+                      </a:r>
+                    </a:p>
+                    <a:p>
+                      <a:r>
+                        <a:rPr lang="ru-RU" sz="1400" dirty="0"/>
+                        <a:t>(только сервер </a:t>
+                      </a:r>
+                      <a:r>
+                        <a:rPr lang="en-US" sz="1400" dirty="0"/>
+                        <a:t>Outlook)</a:t>
+                      </a:r>
                     </a:p>
                   </a:txBody>
-                  <a:tcPr anchor="ctr">
-                    <a:lnL w="12700" cap="flat" cmpd="sng" algn="ctr">
-                      <a:solidFill>
-                        <a:srgbClr val="000000"/>
-                      </a:solidFill>
-                      <a:prstDash val="solid"/>
-                      <a:round/>
-                      <a:headEnd type="none" w="med" len="med"/>
-                      <a:tailEnd type="none" w="med" len="med"/>
-                    </a:lnL>
-                    <a:lnR w="12700" cap="flat" cmpd="sng" algn="ctr">
-                      <a:solidFill>
-                        <a:srgbClr val="000000"/>
-                      </a:solidFill>
-                      <a:prstDash val="solid"/>
-                      <a:round/>
-                      <a:headEnd type="none" w="med" len="med"/>
-                      <a:tailEnd type="none" w="med" len="med"/>
-                    </a:lnR>
-                    <a:lnT w="12700" cap="flat" cmpd="sng" algn="ctr">
-                      <a:solidFill>
-                        <a:srgbClr val="000000"/>
-                      </a:solidFill>
-                      <a:prstDash val="solid"/>
-                      <a:round/>
-                      <a:headEnd type="none" w="med" len="med"/>
-                      <a:tailEnd type="none" w="med" len="med"/>
-                    </a:lnT>
-                    <a:lnB w="12700" cap="flat" cmpd="sng" algn="ctr">
-                      <a:solidFill>
-                        <a:srgbClr val="000000"/>
-                      </a:solidFill>
-                      <a:prstDash val="solid"/>
-                      <a:round/>
-                      <a:headEnd type="none" w="med" len="med"/>
-                      <a:tailEnd type="none" w="med" len="med"/>
-                    </a:lnB>
+                  <a:tcPr anchor="ctr" horzOverflow="overflow"/>
+                </a:tc>
+                <a:tc>
+                  <a:txBody>
+                    <a:bodyPr/>
+                    <a:lstStyle/>
+                    <a:p>
+                      <a:r>
+                        <a:rPr lang="ru-RU" sz="1400" dirty="0"/>
+                        <a:t>Нет, (только сервер </a:t>
+                      </a:r>
+                      <a:r>
+                        <a:rPr lang="en-US" sz="1400" dirty="0"/>
+                        <a:t>Google)</a:t>
+                      </a:r>
+                      <a:endParaRPr lang="ru-RU" sz="1400" dirty="0"/>
+                    </a:p>
+                  </a:txBody>
+                  <a:tcPr anchor="ctr" horzOverflow="overflow"/>
+                </a:tc>
+                <a:tc>
+                  <a:txBody>
+                    <a:bodyPr/>
+                    <a:lstStyle/>
+                    <a:p>
+                      <a:r>
+                        <a:rPr lang="ru-RU" sz="1400" dirty="0"/>
+                        <a:t>Производит миграцию пи-сем с почтовых ящиков раз-личных </a:t>
+                      </a:r>
+                      <a:r>
+                        <a:rPr lang="ru-RU" sz="1400" dirty="0" err="1"/>
+                        <a:t>серве</a:t>
+                      </a:r>
+                      <a:r>
+                        <a:rPr lang="ru-RU" sz="1400" dirty="0"/>
+                        <a:t>-ров, на свой сервер</a:t>
+                      </a:r>
+                    </a:p>
+                  </a:txBody>
+                  <a:tcPr anchor="ctr" horzOverflow="overflow"/>
+                </a:tc>
+                <a:extLst>
+                  <a:ext uri="{0D108BD9-81ED-4DB2-BD59-A6C34878D82A}">
+                    <a16:rowId xmlns:a16="http://schemas.microsoft.com/office/drawing/2014/main" val="10001"/>
+                  </a:ext>
+                </a:extLst>
+              </a:tr>
+              <a:tr h="130843">
+                <a:tc>
+                  <a:txBody>
+                    <a:bodyPr/>
+                    <a:lstStyle/>
+                    <a:p>
+                      <a:r>
+                        <a:rPr lang="ru-RU" sz="1400" dirty="0"/>
+                        <a:t>Наличие документации</a:t>
+                      </a:r>
+                    </a:p>
+                  </a:txBody>
+                  <a:tcPr anchor="ctr" horzOverflow="overflow"/>
+                </a:tc>
+                <a:tc>
+                  <a:txBody>
+                    <a:bodyPr/>
+                    <a:lstStyle/>
+                    <a:p>
+                      <a:r>
+                        <a:rPr kumimoji="0" lang="ru-RU" sz="1400" b="1" u="none" strike="noStrike" kern="1200" cap="none" normalizeH="0" baseline="0" dirty="0">
+                          <a:ln>
+                            <a:noFill/>
+                          </a:ln>
+                          <a:solidFill>
+                            <a:schemeClr val="bg1"/>
+                          </a:solidFill>
+                          <a:effectLst/>
+                          <a:latin typeface="+mn-lt"/>
+                          <a:ea typeface="+mn-ea"/>
+                          <a:cs typeface="+mn-cs"/>
+                        </a:rPr>
+                        <a:t>Да</a:t>
+                      </a:r>
+                    </a:p>
+                  </a:txBody>
+                  <a:tcPr anchor="ctr" horzOverflow="overflow">
                     <a:solidFill>
                       <a:srgbClr val="0070C0"/>
                     </a:solidFill>
@@ -9745,68 +9317,159 @@
                     <a:bodyPr/>
                     <a:lstStyle/>
                     <a:p>
-                      <a:pPr>
-                        <a:lnSpc>
-                          <a:spcPct val="115000"/>
-                        </a:lnSpc>
-                        <a:spcAft>
-                          <a:spcPts val="0"/>
-                        </a:spcAft>
-                      </a:pPr>
                       <a:r>
-                        <a:rPr lang="ru-RU" sz="1800" b="1" dirty="0">
+                        <a:rPr lang="ru-RU" sz="1400" dirty="0"/>
+                        <a:t>Да,</a:t>
+                      </a:r>
+                    </a:p>
+                    <a:p>
+                      <a:r>
+                        <a:rPr lang="en-US" sz="1400" dirty="0"/>
+                        <a:t>https://biz.mail.ru/developer/api.html</a:t>
+                      </a:r>
+                    </a:p>
+                  </a:txBody>
+                  <a:tcPr anchor="ctr" horzOverflow="overflow"/>
+                </a:tc>
+                <a:tc>
+                  <a:txBody>
+                    <a:bodyPr/>
+                    <a:lstStyle/>
+                    <a:p>
+                      <a:r>
+                        <a:rPr lang="ru-RU" sz="1400" dirty="0"/>
+                        <a:t>Да,</a:t>
+                      </a:r>
+                    </a:p>
+                    <a:p>
+                      <a:r>
+                        <a:rPr lang="en-US" sz="1400" dirty="0"/>
+                        <a:t>https://developers.google.com/gmail/api/reference/rest</a:t>
+                      </a:r>
+                    </a:p>
+                  </a:txBody>
+                  <a:tcPr anchor="ctr" horzOverflow="overflow"/>
+                </a:tc>
+                <a:tc>
+                  <a:txBody>
+                    <a:bodyPr/>
+                    <a:lstStyle/>
+                    <a:p>
+                      <a:r>
+                        <a:rPr lang="ru-RU" sz="1400" dirty="0"/>
+                        <a:t>Да,</a:t>
+                      </a:r>
+                    </a:p>
+                    <a:p>
+                      <a:r>
+                        <a:rPr lang="en-US" sz="1400" dirty="0"/>
+                        <a:t>https://docs.microsoft.com/ru-ru/graph/outlook-mail-concept-overview</a:t>
+                      </a:r>
+                    </a:p>
+                  </a:txBody>
+                  <a:tcPr anchor="ctr" horzOverflow="overflow"/>
+                </a:tc>
+                <a:extLst>
+                  <a:ext uri="{0D108BD9-81ED-4DB2-BD59-A6C34878D82A}">
+                    <a16:rowId xmlns:a16="http://schemas.microsoft.com/office/drawing/2014/main" val="4125670825"/>
+                  </a:ext>
+                </a:extLst>
+              </a:tr>
+              <a:tr h="130843">
+                <a:tc>
+                  <a:txBody>
+                    <a:bodyPr/>
+                    <a:lstStyle/>
+                    <a:p>
+                      <a:r>
+                        <a:rPr lang="ru-RU" sz="1400" dirty="0"/>
+                        <a:t>Формат данных</a:t>
+                      </a:r>
+                    </a:p>
+                  </a:txBody>
+                  <a:tcPr anchor="ctr" horzOverflow="overflow"/>
+                </a:tc>
+                <a:tc>
+                  <a:txBody>
+                    <a:bodyPr/>
+                    <a:lstStyle/>
+                    <a:p>
+                      <a:r>
+                        <a:rPr kumimoji="0" lang="en-US" sz="1400" b="1" u="none" strike="noStrike" kern="1200" cap="none" normalizeH="0" baseline="0" dirty="0">
+                          <a:ln>
+                            <a:noFill/>
+                          </a:ln>
                           <a:solidFill>
                             <a:schemeClr val="bg1"/>
                           </a:solidFill>
-                          <a:latin typeface="Times New Roman"/>
-                          <a:ea typeface="Times New Roman"/>
-                          <a:cs typeface="Mangal"/>
+                          <a:effectLst/>
+                          <a:latin typeface="+mn-lt"/>
+                          <a:ea typeface="+mn-ea"/>
+                          <a:cs typeface="+mn-cs"/>
                         </a:rPr>
-                        <a:t>2022</a:t>
+                        <a:t>JSON, XML</a:t>
                       </a:r>
+                      <a:endParaRPr kumimoji="0" lang="ru-RU" sz="1400" b="1" u="none" strike="noStrike" kern="1200" cap="none" normalizeH="0" baseline="0" dirty="0">
+                        <a:ln>
+                          <a:noFill/>
+                        </a:ln>
+                        <a:solidFill>
+                          <a:schemeClr val="bg1"/>
+                        </a:solidFill>
+                        <a:effectLst/>
+                        <a:latin typeface="+mn-lt"/>
+                        <a:ea typeface="+mn-ea"/>
+                        <a:cs typeface="+mn-cs"/>
+                      </a:endParaRPr>
                     </a:p>
                   </a:txBody>
-                  <a:tcPr anchor="ctr">
-                    <a:lnL w="12700" cap="flat" cmpd="sng" algn="ctr">
-                      <a:solidFill>
-                        <a:srgbClr val="000000"/>
-                      </a:solidFill>
-                      <a:prstDash val="solid"/>
-                      <a:round/>
-                      <a:headEnd type="none" w="med" len="med"/>
-                      <a:tailEnd type="none" w="med" len="med"/>
-                    </a:lnL>
-                    <a:lnR w="12700" cap="flat" cmpd="sng" algn="ctr">
-                      <a:solidFill>
-                        <a:srgbClr val="000000"/>
-                      </a:solidFill>
-                      <a:prstDash val="solid"/>
-                      <a:round/>
-                      <a:headEnd type="none" w="med" len="med"/>
-                      <a:tailEnd type="none" w="med" len="med"/>
-                    </a:lnR>
-                    <a:lnT w="12700" cap="flat" cmpd="sng" algn="ctr">
-                      <a:solidFill>
-                        <a:srgbClr val="000000"/>
-                      </a:solidFill>
-                      <a:prstDash val="solid"/>
-                      <a:round/>
-                      <a:headEnd type="none" w="med" len="med"/>
-                      <a:tailEnd type="none" w="med" len="med"/>
-                    </a:lnT>
-                    <a:lnB w="12700" cap="flat" cmpd="sng" algn="ctr">
-                      <a:solidFill>
-                        <a:srgbClr val="000000"/>
-                      </a:solidFill>
-                      <a:prstDash val="solid"/>
-                      <a:round/>
-                      <a:headEnd type="none" w="med" len="med"/>
-                      <a:tailEnd type="none" w="med" len="med"/>
-                    </a:lnB>
+                  <a:tcPr anchor="ctr" horzOverflow="overflow">
                     <a:solidFill>
                       <a:srgbClr val="0070C0"/>
                     </a:solidFill>
                   </a:tcPr>
+                </a:tc>
+                <a:tc>
+                  <a:txBody>
+                    <a:bodyPr/>
+                    <a:lstStyle/>
+                    <a:p>
+                      <a:r>
+                        <a:rPr lang="en-US" sz="1400" dirty="0"/>
+                        <a:t>Json</a:t>
+                      </a:r>
+                      <a:endParaRPr lang="ru-RU" sz="1400" dirty="0"/>
+                    </a:p>
+                  </a:txBody>
+                  <a:tcPr anchor="ctr" horzOverflow="overflow"/>
+                </a:tc>
+                <a:tc>
+                  <a:txBody>
+                    <a:bodyPr/>
+                    <a:lstStyle/>
+                    <a:p>
+                      <a:r>
+                        <a:rPr lang="en-US" sz="1400" dirty="0"/>
+                        <a:t>Json</a:t>
+                      </a:r>
+                      <a:endParaRPr lang="ru-RU" sz="1400" dirty="0"/>
+                    </a:p>
+                  </a:txBody>
+                  <a:tcPr anchor="ctr" horzOverflow="overflow"/>
+                </a:tc>
+                <a:tc>
+                  <a:txBody>
+                    <a:bodyPr/>
+                    <a:lstStyle/>
+                    <a:p>
+                      <a:r>
+                        <a:rPr lang="en-US" sz="1400" dirty="0"/>
+                        <a:t>Json</a:t>
+                      </a:r>
+                      <a:endParaRPr lang="ru-RU" sz="1400" dirty="0"/>
+                    </a:p>
+                  </a:txBody>
+                  <a:tcPr anchor="ctr" horzOverflow="overflow"/>
                 </a:tc>
                 <a:extLst>
                   <a:ext uri="{0D108BD9-81ED-4DB2-BD59-A6C34878D82A}">
@@ -9814,10 +9477,255 @@
                   </a:ext>
                 </a:extLst>
               </a:tr>
+              <a:tr h="130843">
+                <a:tc>
+                  <a:txBody>
+                    <a:bodyPr/>
+                    <a:lstStyle/>
+                    <a:p>
+                      <a:r>
+                        <a:rPr lang="ru-RU" sz="1400" dirty="0"/>
+                        <a:t>Работа одновременно с несколькими почтовыми ящиками</a:t>
+                      </a:r>
+                    </a:p>
+                  </a:txBody>
+                  <a:tcPr anchor="ctr" horzOverflow="overflow"/>
+                </a:tc>
+                <a:tc>
+                  <a:txBody>
+                    <a:bodyPr/>
+                    <a:lstStyle/>
+                    <a:p>
+                      <a:r>
+                        <a:rPr kumimoji="0" lang="ru-RU" sz="1400" b="1" u="none" strike="noStrike" kern="1200" cap="none" normalizeH="0" baseline="0" dirty="0">
+                          <a:ln>
+                            <a:noFill/>
+                          </a:ln>
+                          <a:solidFill>
+                            <a:schemeClr val="bg1"/>
+                          </a:solidFill>
+                          <a:effectLst/>
+                          <a:latin typeface="+mn-lt"/>
+                          <a:ea typeface="+mn-ea"/>
+                          <a:cs typeface="+mn-cs"/>
+                        </a:rPr>
+                        <a:t>Да</a:t>
+                      </a:r>
+                    </a:p>
+                  </a:txBody>
+                  <a:tcPr anchor="ctr" horzOverflow="overflow">
+                    <a:solidFill>
+                      <a:srgbClr val="0070C0"/>
+                    </a:solidFill>
+                  </a:tcPr>
+                </a:tc>
+                <a:tc>
+                  <a:txBody>
+                    <a:bodyPr/>
+                    <a:lstStyle/>
+                    <a:p>
+                      <a:r>
+                        <a:rPr lang="ru-RU" sz="1400" dirty="0"/>
+                        <a:t>Нет</a:t>
+                      </a:r>
+                    </a:p>
+                  </a:txBody>
+                  <a:tcPr anchor="ctr" horzOverflow="overflow"/>
+                </a:tc>
+                <a:tc>
+                  <a:txBody>
+                    <a:bodyPr/>
+                    <a:lstStyle/>
+                    <a:p>
+                      <a:r>
+                        <a:rPr lang="ru-RU" sz="1400" dirty="0"/>
+                        <a:t>Нет</a:t>
+                      </a:r>
+                    </a:p>
+                  </a:txBody>
+                  <a:tcPr anchor="ctr" horzOverflow="overflow"/>
+                </a:tc>
+                <a:tc>
+                  <a:txBody>
+                    <a:bodyPr/>
+                    <a:lstStyle/>
+                    <a:p>
+                      <a:r>
+                        <a:rPr lang="ru-RU" sz="1400" dirty="0"/>
+                        <a:t>Да</a:t>
+                      </a:r>
+                    </a:p>
+                  </a:txBody>
+                  <a:tcPr anchor="ctr" horzOverflow="overflow"/>
+                </a:tc>
+                <a:extLst>
+                  <a:ext uri="{0D108BD9-81ED-4DB2-BD59-A6C34878D82A}">
+                    <a16:rowId xmlns:a16="http://schemas.microsoft.com/office/drawing/2014/main" val="10003"/>
+                  </a:ext>
+                </a:extLst>
+              </a:tr>
+              <a:tr h="130843">
+                <a:tc>
+                  <a:txBody>
+                    <a:bodyPr/>
+                    <a:lstStyle/>
+                    <a:p>
+                      <a:r>
+                        <a:rPr lang="ru-RU" sz="1400" dirty="0"/>
+                        <a:t>Возможность просмотра сообщений</a:t>
+                      </a:r>
+                    </a:p>
+                  </a:txBody>
+                  <a:tcPr anchor="ctr" horzOverflow="overflow"/>
+                </a:tc>
+                <a:tc>
+                  <a:txBody>
+                    <a:bodyPr/>
+                    <a:lstStyle/>
+                    <a:p>
+                      <a:r>
+                        <a:rPr kumimoji="0" lang="ru-RU" sz="1400" b="1" u="none" strike="noStrike" kern="1200" cap="none" normalizeH="0" baseline="0" dirty="0">
+                          <a:ln>
+                            <a:noFill/>
+                          </a:ln>
+                          <a:solidFill>
+                            <a:schemeClr val="bg1"/>
+                          </a:solidFill>
+                          <a:effectLst/>
+                          <a:latin typeface="+mn-lt"/>
+                          <a:ea typeface="+mn-ea"/>
+                          <a:cs typeface="+mn-cs"/>
+                        </a:rPr>
+                        <a:t>Да</a:t>
+                      </a:r>
+                    </a:p>
+                  </a:txBody>
+                  <a:tcPr anchor="ctr" horzOverflow="overflow">
+                    <a:solidFill>
+                      <a:srgbClr val="0070C0"/>
+                    </a:solidFill>
+                  </a:tcPr>
+                </a:tc>
+                <a:tc>
+                  <a:txBody>
+                    <a:bodyPr/>
+                    <a:lstStyle/>
+                    <a:p>
+                      <a:r>
+                        <a:rPr lang="ru-RU" sz="1400" dirty="0"/>
+                        <a:t>Да</a:t>
+                      </a:r>
+                    </a:p>
+                  </a:txBody>
+                  <a:tcPr anchor="ctr" horzOverflow="overflow"/>
+                </a:tc>
+                <a:tc>
+                  <a:txBody>
+                    <a:bodyPr/>
+                    <a:lstStyle/>
+                    <a:p>
+                      <a:r>
+                        <a:rPr lang="ru-RU" sz="1400" dirty="0"/>
+                        <a:t>Да</a:t>
+                      </a:r>
+                    </a:p>
+                  </a:txBody>
+                  <a:tcPr anchor="ctr" horzOverflow="overflow"/>
+                </a:tc>
+                <a:tc>
+                  <a:txBody>
+                    <a:bodyPr/>
+                    <a:lstStyle/>
+                    <a:p>
+                      <a:r>
+                        <a:rPr lang="ru-RU" sz="1400" dirty="0"/>
+                        <a:t>Нет</a:t>
+                      </a:r>
+                    </a:p>
+                  </a:txBody>
+                  <a:tcPr anchor="ctr" horzOverflow="overflow"/>
+                </a:tc>
+                <a:extLst>
+                  <a:ext uri="{0D108BD9-81ED-4DB2-BD59-A6C34878D82A}">
+                    <a16:rowId xmlns:a16="http://schemas.microsoft.com/office/drawing/2014/main" val="10004"/>
+                  </a:ext>
+                </a:extLst>
+              </a:tr>
             </a:tbl>
           </a:graphicData>
         </a:graphic>
       </p:graphicFrame>
+      <p:sp>
+        <p:nvSpPr>
+          <p:cNvPr id="13" name="Rectangle 206">
+            <a:extLst>
+              <a:ext uri="{FF2B5EF4-FFF2-40B4-BE49-F238E27FC236}">
+                <a16:creationId xmlns:a16="http://schemas.microsoft.com/office/drawing/2014/main" id="{DF1DB415-26D2-4A63-87E1-B098F37B78D7}"/>
+              </a:ext>
+            </a:extLst>
+          </p:cNvPr>
+          <p:cNvSpPr>
+            <a:spLocks noChangeArrowheads="1"/>
+          </p:cNvSpPr>
+          <p:nvPr/>
+        </p:nvSpPr>
+        <p:spPr bwMode="auto">
+          <a:xfrm>
+            <a:off x="3563888" y="5805264"/>
+            <a:ext cx="2520278" cy="861774"/>
+          </a:xfrm>
+          <a:prstGeom prst="rect">
+            <a:avLst/>
+          </a:prstGeom>
+          <a:noFill/>
+          <a:ln w="9525">
+            <a:noFill/>
+            <a:miter lim="800000"/>
+            <a:headEnd/>
+            <a:tailEnd/>
+          </a:ln>
+        </p:spPr>
+        <p:txBody>
+          <a:bodyPr wrap="square">
+            <a:spAutoFit/>
+          </a:bodyPr>
+          <a:lstStyle/>
+          <a:p>
+            <a:r>
+              <a:rPr lang="ru-RU" sz="1000" dirty="0"/>
+              <a:t>Условные обозначения:</a:t>
+            </a:r>
+          </a:p>
+          <a:p>
+            <a:r>
+              <a:rPr lang="ru-RU" sz="1000" dirty="0"/>
+              <a:t>«Да» - указанная возможность присутствует</a:t>
+            </a:r>
+          </a:p>
+          <a:p>
+            <a:r>
+              <a:rPr lang="ru-RU" sz="1000" b="1" dirty="0"/>
+              <a:t>«</a:t>
+            </a:r>
+            <a:r>
+              <a:rPr lang="ru-RU" sz="1000" dirty="0"/>
+              <a:t>Нет</a:t>
+            </a:r>
+            <a:r>
+              <a:rPr lang="ru-RU" sz="1000" b="1" dirty="0"/>
+              <a:t>»</a:t>
+            </a:r>
+            <a:r>
+              <a:rPr lang="en-US" sz="1000" dirty="0"/>
+              <a:t> </a:t>
+            </a:r>
+            <a:r>
+              <a:rPr lang="ru-RU" sz="1000" dirty="0"/>
+              <a:t>- указанная возможность отсутствует</a:t>
+            </a:r>
+          </a:p>
+        </p:txBody>
+      </p:sp>
     </p:spTree>
   </p:cSld>
   <p:clrMapOvr>
